--- a/Study/11. Rational rose + StarUML + Borland together.pptx
+++ b/Study/11. Rational rose + StarUML + Borland together.pptx
@@ -5,20 +5,26 @@
     <p:sldMasterId id="2147483684" r:id="rId1"/>
   </p:sldMasterIdLst>
   <p:notesMasterIdLst>
-    <p:notesMasterId r:id="rId13"/>
+    <p:notesMasterId r:id="rId19"/>
   </p:notesMasterIdLst>
   <p:sldIdLst>
     <p:sldId id="256" r:id="rId2"/>
     <p:sldId id="291" r:id="rId3"/>
     <p:sldId id="296" r:id="rId4"/>
     <p:sldId id="299" r:id="rId5"/>
-    <p:sldId id="294" r:id="rId6"/>
-    <p:sldId id="295" r:id="rId7"/>
-    <p:sldId id="298" r:id="rId8"/>
-    <p:sldId id="293" r:id="rId9"/>
-    <p:sldId id="297" r:id="rId10"/>
-    <p:sldId id="300" r:id="rId11"/>
-    <p:sldId id="292" r:id="rId12"/>
+    <p:sldId id="301" r:id="rId6"/>
+    <p:sldId id="302" r:id="rId7"/>
+    <p:sldId id="294" r:id="rId8"/>
+    <p:sldId id="303" r:id="rId9"/>
+    <p:sldId id="304" r:id="rId10"/>
+    <p:sldId id="305" r:id="rId11"/>
+    <p:sldId id="295" r:id="rId12"/>
+    <p:sldId id="298" r:id="rId13"/>
+    <p:sldId id="306" r:id="rId14"/>
+    <p:sldId id="293" r:id="rId15"/>
+    <p:sldId id="297" r:id="rId16"/>
+    <p:sldId id="300" r:id="rId17"/>
+    <p:sldId id="292" r:id="rId18"/>
   </p:sldIdLst>
   <p:sldSz cx="12192000" cy="6858000"/>
   <p:notesSz cx="6858000" cy="9144000"/>
@@ -207,7 +213,7 @@
           <a:p>
             <a:fld id="{11C1DE6C-A8D2-4454-96CE-D55F41ADDCF3}" type="datetimeFigureOut">
               <a:rPr lang="ko-KR" altLang="en-US" smtClean="0"/>
-              <a:t>2018-12-24</a:t>
+              <a:t>2018-12-26</a:t>
             </a:fld>
             <a:endParaRPr lang="ko-KR" altLang="en-US"/>
           </a:p>
@@ -605,6 +611,18 @@
             <a:pPr marL="0" indent="0">
               <a:buNone/>
             </a:pPr>
+            <a:r>
+              <a:rPr lang="ko-KR" altLang="en-US" sz="1200" b="0" i="0" kern="1200" dirty="0" err="1">
+                <a:solidFill>
+                  <a:schemeClr val="tx1"/>
+                </a:solidFill>
+                <a:effectLst/>
+                <a:latin typeface="+mn-lt"/>
+                <a:ea typeface="+mn-ea"/>
+                <a:cs typeface="+mn-cs"/>
+              </a:rPr>
+              <a:t>이클립스기반</a:t>
+            </a:r>
             <a:endParaRPr lang="en-US" altLang="ko-KR" sz="1200" b="0" i="0" kern="1200" dirty="0">
               <a:solidFill>
                 <a:schemeClr val="tx1"/>
@@ -643,7 +661,7 @@
     </p:spTree>
     <p:extLst>
       <p:ext uri="{BB962C8B-B14F-4D97-AF65-F5344CB8AC3E}">
-        <p14:creationId xmlns:p14="http://schemas.microsoft.com/office/powerpoint/2010/main" val="844034252"/>
+        <p14:creationId xmlns:p14="http://schemas.microsoft.com/office/powerpoint/2010/main" val="4012018062"/>
       </p:ext>
     </p:extLst>
   </p:cSld>
@@ -730,6 +748,576 @@
             <a:fld id="{AF4B4130-2D9F-4E6D-9707-8718AD09D43C}" type="slidenum">
               <a:rPr lang="ko-KR" altLang="en-US" smtClean="0"/>
               <a:t>11</a:t>
+            </a:fld>
+            <a:endParaRPr lang="ko-KR" altLang="en-US"/>
+          </a:p>
+        </p:txBody>
+      </p:sp>
+    </p:spTree>
+    <p:extLst>
+      <p:ext uri="{BB962C8B-B14F-4D97-AF65-F5344CB8AC3E}">
+        <p14:creationId xmlns:p14="http://schemas.microsoft.com/office/powerpoint/2010/main" val="338113654"/>
+      </p:ext>
+    </p:extLst>
+  </p:cSld>
+  <p:clrMapOvr>
+    <a:masterClrMapping/>
+  </p:clrMapOvr>
+</p:notes>
+</file>
+
+<file path=ppt/notesSlides/notesSlide12.xml><?xml version="1.0" encoding="utf-8"?>
+<p:notes xmlns:a="http://schemas.openxmlformats.org/drawingml/2006/main" xmlns:r="http://schemas.openxmlformats.org/officeDocument/2006/relationships" xmlns:p="http://schemas.openxmlformats.org/presentationml/2006/main">
+  <p:cSld>
+    <p:spTree>
+      <p:nvGrpSpPr>
+        <p:cNvPr id="1" name=""/>
+        <p:cNvGrpSpPr/>
+        <p:nvPr/>
+      </p:nvGrpSpPr>
+      <p:grpSpPr>
+        <a:xfrm>
+          <a:off x="0" y="0"/>
+          <a:ext cx="0" cy="0"/>
+          <a:chOff x="0" y="0"/>
+          <a:chExt cx="0" cy="0"/>
+        </a:xfrm>
+      </p:grpSpPr>
+      <p:sp>
+        <p:nvSpPr>
+          <p:cNvPr id="2" name="슬라이드 이미지 개체 틀 1"/>
+          <p:cNvSpPr>
+            <a:spLocks noGrp="1" noRot="1" noChangeAspect="1"/>
+          </p:cNvSpPr>
+          <p:nvPr>
+            <p:ph type="sldImg"/>
+          </p:nvPr>
+        </p:nvSpPr>
+        <p:spPr/>
+      </p:sp>
+      <p:sp>
+        <p:nvSpPr>
+          <p:cNvPr id="3" name="슬라이드 노트 개체 틀 2"/>
+          <p:cNvSpPr>
+            <a:spLocks noGrp="1"/>
+          </p:cNvSpPr>
+          <p:nvPr>
+            <p:ph type="body" idx="1"/>
+          </p:nvPr>
+        </p:nvSpPr>
+        <p:spPr/>
+        <p:txBody>
+          <a:bodyPr/>
+          <a:lstStyle/>
+          <a:p>
+            <a:pPr marL="0" indent="0">
+              <a:buNone/>
+            </a:pPr>
+            <a:endParaRPr lang="en-US" altLang="ko-KR" sz="1200" b="0" i="0" kern="1200" dirty="0">
+              <a:solidFill>
+                <a:schemeClr val="tx1"/>
+              </a:solidFill>
+              <a:effectLst/>
+              <a:latin typeface="+mn-lt"/>
+              <a:ea typeface="+mn-ea"/>
+              <a:cs typeface="+mn-cs"/>
+            </a:endParaRPr>
+          </a:p>
+        </p:txBody>
+      </p:sp>
+      <p:sp>
+        <p:nvSpPr>
+          <p:cNvPr id="4" name="슬라이드 번호 개체 틀 3"/>
+          <p:cNvSpPr>
+            <a:spLocks noGrp="1"/>
+          </p:cNvSpPr>
+          <p:nvPr>
+            <p:ph type="sldNum" sz="quarter" idx="5"/>
+          </p:nvPr>
+        </p:nvSpPr>
+        <p:spPr/>
+        <p:txBody>
+          <a:bodyPr/>
+          <a:lstStyle/>
+          <a:p>
+            <a:fld id="{AF4B4130-2D9F-4E6D-9707-8718AD09D43C}" type="slidenum">
+              <a:rPr lang="ko-KR" altLang="en-US" smtClean="0"/>
+              <a:t>12</a:t>
+            </a:fld>
+            <a:endParaRPr lang="ko-KR" altLang="en-US"/>
+          </a:p>
+        </p:txBody>
+      </p:sp>
+    </p:spTree>
+    <p:extLst>
+      <p:ext uri="{BB962C8B-B14F-4D97-AF65-F5344CB8AC3E}">
+        <p14:creationId xmlns:p14="http://schemas.microsoft.com/office/powerpoint/2010/main" val="2081353109"/>
+      </p:ext>
+    </p:extLst>
+  </p:cSld>
+  <p:clrMapOvr>
+    <a:masterClrMapping/>
+  </p:clrMapOvr>
+</p:notes>
+</file>
+
+<file path=ppt/notesSlides/notesSlide13.xml><?xml version="1.0" encoding="utf-8"?>
+<p:notes xmlns:a="http://schemas.openxmlformats.org/drawingml/2006/main" xmlns:r="http://schemas.openxmlformats.org/officeDocument/2006/relationships" xmlns:p="http://schemas.openxmlformats.org/presentationml/2006/main">
+  <p:cSld>
+    <p:spTree>
+      <p:nvGrpSpPr>
+        <p:cNvPr id="1" name=""/>
+        <p:cNvGrpSpPr/>
+        <p:nvPr/>
+      </p:nvGrpSpPr>
+      <p:grpSpPr>
+        <a:xfrm>
+          <a:off x="0" y="0"/>
+          <a:ext cx="0" cy="0"/>
+          <a:chOff x="0" y="0"/>
+          <a:chExt cx="0" cy="0"/>
+        </a:xfrm>
+      </p:grpSpPr>
+      <p:sp>
+        <p:nvSpPr>
+          <p:cNvPr id="2" name="슬라이드 이미지 개체 틀 1"/>
+          <p:cNvSpPr>
+            <a:spLocks noGrp="1" noRot="1" noChangeAspect="1"/>
+          </p:cNvSpPr>
+          <p:nvPr>
+            <p:ph type="sldImg"/>
+          </p:nvPr>
+        </p:nvSpPr>
+        <p:spPr/>
+      </p:sp>
+      <p:sp>
+        <p:nvSpPr>
+          <p:cNvPr id="3" name="슬라이드 노트 개체 틀 2"/>
+          <p:cNvSpPr>
+            <a:spLocks noGrp="1"/>
+          </p:cNvSpPr>
+          <p:nvPr>
+            <p:ph type="body" idx="1"/>
+          </p:nvPr>
+        </p:nvSpPr>
+        <p:spPr/>
+        <p:txBody>
+          <a:bodyPr/>
+          <a:lstStyle/>
+          <a:p>
+            <a:pPr marL="0" indent="0">
+              <a:buNone/>
+            </a:pPr>
+            <a:endParaRPr lang="en-US" altLang="ko-KR" sz="1200" b="0" i="0" kern="1200" dirty="0">
+              <a:solidFill>
+                <a:schemeClr val="tx1"/>
+              </a:solidFill>
+              <a:effectLst/>
+              <a:latin typeface="+mn-lt"/>
+              <a:ea typeface="+mn-ea"/>
+              <a:cs typeface="+mn-cs"/>
+            </a:endParaRPr>
+          </a:p>
+        </p:txBody>
+      </p:sp>
+      <p:sp>
+        <p:nvSpPr>
+          <p:cNvPr id="4" name="슬라이드 번호 개체 틀 3"/>
+          <p:cNvSpPr>
+            <a:spLocks noGrp="1"/>
+          </p:cNvSpPr>
+          <p:nvPr>
+            <p:ph type="sldNum" sz="quarter" idx="5"/>
+          </p:nvPr>
+        </p:nvSpPr>
+        <p:spPr/>
+        <p:txBody>
+          <a:bodyPr/>
+          <a:lstStyle/>
+          <a:p>
+            <a:fld id="{AF4B4130-2D9F-4E6D-9707-8718AD09D43C}" type="slidenum">
+              <a:rPr lang="ko-KR" altLang="en-US" smtClean="0"/>
+              <a:t>13</a:t>
+            </a:fld>
+            <a:endParaRPr lang="ko-KR" altLang="en-US"/>
+          </a:p>
+        </p:txBody>
+      </p:sp>
+    </p:spTree>
+    <p:extLst>
+      <p:ext uri="{BB962C8B-B14F-4D97-AF65-F5344CB8AC3E}">
+        <p14:creationId xmlns:p14="http://schemas.microsoft.com/office/powerpoint/2010/main" val="2804016913"/>
+      </p:ext>
+    </p:extLst>
+  </p:cSld>
+  <p:clrMapOvr>
+    <a:masterClrMapping/>
+  </p:clrMapOvr>
+</p:notes>
+</file>
+
+<file path=ppt/notesSlides/notesSlide14.xml><?xml version="1.0" encoding="utf-8"?>
+<p:notes xmlns:a="http://schemas.openxmlformats.org/drawingml/2006/main" xmlns:r="http://schemas.openxmlformats.org/officeDocument/2006/relationships" xmlns:p="http://schemas.openxmlformats.org/presentationml/2006/main">
+  <p:cSld>
+    <p:spTree>
+      <p:nvGrpSpPr>
+        <p:cNvPr id="1" name=""/>
+        <p:cNvGrpSpPr/>
+        <p:nvPr/>
+      </p:nvGrpSpPr>
+      <p:grpSpPr>
+        <a:xfrm>
+          <a:off x="0" y="0"/>
+          <a:ext cx="0" cy="0"/>
+          <a:chOff x="0" y="0"/>
+          <a:chExt cx="0" cy="0"/>
+        </a:xfrm>
+      </p:grpSpPr>
+      <p:sp>
+        <p:nvSpPr>
+          <p:cNvPr id="2" name="슬라이드 이미지 개체 틀 1"/>
+          <p:cNvSpPr>
+            <a:spLocks noGrp="1" noRot="1" noChangeAspect="1"/>
+          </p:cNvSpPr>
+          <p:nvPr>
+            <p:ph type="sldImg"/>
+          </p:nvPr>
+        </p:nvSpPr>
+        <p:spPr/>
+      </p:sp>
+      <p:sp>
+        <p:nvSpPr>
+          <p:cNvPr id="3" name="슬라이드 노트 개체 틀 2"/>
+          <p:cNvSpPr>
+            <a:spLocks noGrp="1"/>
+          </p:cNvSpPr>
+          <p:nvPr>
+            <p:ph type="body" idx="1"/>
+          </p:nvPr>
+        </p:nvSpPr>
+        <p:spPr/>
+        <p:txBody>
+          <a:bodyPr/>
+          <a:lstStyle/>
+          <a:p>
+            <a:pPr marL="0" indent="0">
+              <a:buNone/>
+            </a:pPr>
+            <a:endParaRPr lang="en-US" altLang="ko-KR" sz="1200" b="0" i="0" kern="1200" dirty="0">
+              <a:solidFill>
+                <a:schemeClr val="tx1"/>
+              </a:solidFill>
+              <a:effectLst/>
+              <a:latin typeface="+mn-lt"/>
+              <a:ea typeface="+mn-ea"/>
+              <a:cs typeface="+mn-cs"/>
+            </a:endParaRPr>
+          </a:p>
+        </p:txBody>
+      </p:sp>
+      <p:sp>
+        <p:nvSpPr>
+          <p:cNvPr id="4" name="슬라이드 번호 개체 틀 3"/>
+          <p:cNvSpPr>
+            <a:spLocks noGrp="1"/>
+          </p:cNvSpPr>
+          <p:nvPr>
+            <p:ph type="sldNum" sz="quarter" idx="5"/>
+          </p:nvPr>
+        </p:nvSpPr>
+        <p:spPr/>
+        <p:txBody>
+          <a:bodyPr/>
+          <a:lstStyle/>
+          <a:p>
+            <a:fld id="{AF4B4130-2D9F-4E6D-9707-8718AD09D43C}" type="slidenum">
+              <a:rPr lang="ko-KR" altLang="en-US" smtClean="0"/>
+              <a:t>14</a:t>
+            </a:fld>
+            <a:endParaRPr lang="ko-KR" altLang="en-US"/>
+          </a:p>
+        </p:txBody>
+      </p:sp>
+    </p:spTree>
+    <p:extLst>
+      <p:ext uri="{BB962C8B-B14F-4D97-AF65-F5344CB8AC3E}">
+        <p14:creationId xmlns:p14="http://schemas.microsoft.com/office/powerpoint/2010/main" val="697274186"/>
+      </p:ext>
+    </p:extLst>
+  </p:cSld>
+  <p:clrMapOvr>
+    <a:masterClrMapping/>
+  </p:clrMapOvr>
+</p:notes>
+</file>
+
+<file path=ppt/notesSlides/notesSlide15.xml><?xml version="1.0" encoding="utf-8"?>
+<p:notes xmlns:a="http://schemas.openxmlformats.org/drawingml/2006/main" xmlns:r="http://schemas.openxmlformats.org/officeDocument/2006/relationships" xmlns:p="http://schemas.openxmlformats.org/presentationml/2006/main">
+  <p:cSld>
+    <p:spTree>
+      <p:nvGrpSpPr>
+        <p:cNvPr id="1" name=""/>
+        <p:cNvGrpSpPr/>
+        <p:nvPr/>
+      </p:nvGrpSpPr>
+      <p:grpSpPr>
+        <a:xfrm>
+          <a:off x="0" y="0"/>
+          <a:ext cx="0" cy="0"/>
+          <a:chOff x="0" y="0"/>
+          <a:chExt cx="0" cy="0"/>
+        </a:xfrm>
+      </p:grpSpPr>
+      <p:sp>
+        <p:nvSpPr>
+          <p:cNvPr id="2" name="슬라이드 이미지 개체 틀 1"/>
+          <p:cNvSpPr>
+            <a:spLocks noGrp="1" noRot="1" noChangeAspect="1"/>
+          </p:cNvSpPr>
+          <p:nvPr>
+            <p:ph type="sldImg"/>
+          </p:nvPr>
+        </p:nvSpPr>
+        <p:spPr/>
+      </p:sp>
+      <p:sp>
+        <p:nvSpPr>
+          <p:cNvPr id="3" name="슬라이드 노트 개체 틀 2"/>
+          <p:cNvSpPr>
+            <a:spLocks noGrp="1"/>
+          </p:cNvSpPr>
+          <p:nvPr>
+            <p:ph type="body" idx="1"/>
+          </p:nvPr>
+        </p:nvSpPr>
+        <p:spPr/>
+        <p:txBody>
+          <a:bodyPr/>
+          <a:lstStyle/>
+          <a:p>
+            <a:pPr marL="0" indent="0">
+              <a:buNone/>
+            </a:pPr>
+            <a:endParaRPr lang="en-US" altLang="ko-KR" sz="1200" b="0" i="0" kern="1200" dirty="0">
+              <a:solidFill>
+                <a:schemeClr val="tx1"/>
+              </a:solidFill>
+              <a:effectLst/>
+              <a:latin typeface="+mn-lt"/>
+              <a:ea typeface="+mn-ea"/>
+              <a:cs typeface="+mn-cs"/>
+            </a:endParaRPr>
+          </a:p>
+        </p:txBody>
+      </p:sp>
+      <p:sp>
+        <p:nvSpPr>
+          <p:cNvPr id="4" name="슬라이드 번호 개체 틀 3"/>
+          <p:cNvSpPr>
+            <a:spLocks noGrp="1"/>
+          </p:cNvSpPr>
+          <p:nvPr>
+            <p:ph type="sldNum" sz="quarter" idx="5"/>
+          </p:nvPr>
+        </p:nvSpPr>
+        <p:spPr/>
+        <p:txBody>
+          <a:bodyPr/>
+          <a:lstStyle/>
+          <a:p>
+            <a:fld id="{AF4B4130-2D9F-4E6D-9707-8718AD09D43C}" type="slidenum">
+              <a:rPr lang="ko-KR" altLang="en-US" smtClean="0"/>
+              <a:t>15</a:t>
+            </a:fld>
+            <a:endParaRPr lang="ko-KR" altLang="en-US"/>
+          </a:p>
+        </p:txBody>
+      </p:sp>
+    </p:spTree>
+    <p:extLst>
+      <p:ext uri="{BB962C8B-B14F-4D97-AF65-F5344CB8AC3E}">
+        <p14:creationId xmlns:p14="http://schemas.microsoft.com/office/powerpoint/2010/main" val="708119397"/>
+      </p:ext>
+    </p:extLst>
+  </p:cSld>
+  <p:clrMapOvr>
+    <a:masterClrMapping/>
+  </p:clrMapOvr>
+</p:notes>
+</file>
+
+<file path=ppt/notesSlides/notesSlide16.xml><?xml version="1.0" encoding="utf-8"?>
+<p:notes xmlns:a="http://schemas.openxmlformats.org/drawingml/2006/main" xmlns:r="http://schemas.openxmlformats.org/officeDocument/2006/relationships" xmlns:p="http://schemas.openxmlformats.org/presentationml/2006/main">
+  <p:cSld>
+    <p:spTree>
+      <p:nvGrpSpPr>
+        <p:cNvPr id="1" name=""/>
+        <p:cNvGrpSpPr/>
+        <p:nvPr/>
+      </p:nvGrpSpPr>
+      <p:grpSpPr>
+        <a:xfrm>
+          <a:off x="0" y="0"/>
+          <a:ext cx="0" cy="0"/>
+          <a:chOff x="0" y="0"/>
+          <a:chExt cx="0" cy="0"/>
+        </a:xfrm>
+      </p:grpSpPr>
+      <p:sp>
+        <p:nvSpPr>
+          <p:cNvPr id="2" name="슬라이드 이미지 개체 틀 1"/>
+          <p:cNvSpPr>
+            <a:spLocks noGrp="1" noRot="1" noChangeAspect="1"/>
+          </p:cNvSpPr>
+          <p:nvPr>
+            <p:ph type="sldImg"/>
+          </p:nvPr>
+        </p:nvSpPr>
+        <p:spPr/>
+      </p:sp>
+      <p:sp>
+        <p:nvSpPr>
+          <p:cNvPr id="3" name="슬라이드 노트 개체 틀 2"/>
+          <p:cNvSpPr>
+            <a:spLocks noGrp="1"/>
+          </p:cNvSpPr>
+          <p:nvPr>
+            <p:ph type="body" idx="1"/>
+          </p:nvPr>
+        </p:nvSpPr>
+        <p:spPr/>
+        <p:txBody>
+          <a:bodyPr/>
+          <a:lstStyle/>
+          <a:p>
+            <a:pPr marL="0" indent="0">
+              <a:buNone/>
+            </a:pPr>
+            <a:endParaRPr lang="en-US" altLang="ko-KR" sz="1200" b="0" i="0" kern="1200" dirty="0">
+              <a:solidFill>
+                <a:schemeClr val="tx1"/>
+              </a:solidFill>
+              <a:effectLst/>
+              <a:latin typeface="+mn-lt"/>
+              <a:ea typeface="+mn-ea"/>
+              <a:cs typeface="+mn-cs"/>
+            </a:endParaRPr>
+          </a:p>
+        </p:txBody>
+      </p:sp>
+      <p:sp>
+        <p:nvSpPr>
+          <p:cNvPr id="4" name="슬라이드 번호 개체 틀 3"/>
+          <p:cNvSpPr>
+            <a:spLocks noGrp="1"/>
+          </p:cNvSpPr>
+          <p:nvPr>
+            <p:ph type="sldNum" sz="quarter" idx="5"/>
+          </p:nvPr>
+        </p:nvSpPr>
+        <p:spPr/>
+        <p:txBody>
+          <a:bodyPr/>
+          <a:lstStyle/>
+          <a:p>
+            <a:fld id="{AF4B4130-2D9F-4E6D-9707-8718AD09D43C}" type="slidenum">
+              <a:rPr lang="ko-KR" altLang="en-US" smtClean="0"/>
+              <a:t>16</a:t>
+            </a:fld>
+            <a:endParaRPr lang="ko-KR" altLang="en-US"/>
+          </a:p>
+        </p:txBody>
+      </p:sp>
+    </p:spTree>
+    <p:extLst>
+      <p:ext uri="{BB962C8B-B14F-4D97-AF65-F5344CB8AC3E}">
+        <p14:creationId xmlns:p14="http://schemas.microsoft.com/office/powerpoint/2010/main" val="844034252"/>
+      </p:ext>
+    </p:extLst>
+  </p:cSld>
+  <p:clrMapOvr>
+    <a:masterClrMapping/>
+  </p:clrMapOvr>
+</p:notes>
+</file>
+
+<file path=ppt/notesSlides/notesSlide17.xml><?xml version="1.0" encoding="utf-8"?>
+<p:notes xmlns:a="http://schemas.openxmlformats.org/drawingml/2006/main" xmlns:r="http://schemas.openxmlformats.org/officeDocument/2006/relationships" xmlns:p="http://schemas.openxmlformats.org/presentationml/2006/main">
+  <p:cSld>
+    <p:spTree>
+      <p:nvGrpSpPr>
+        <p:cNvPr id="1" name=""/>
+        <p:cNvGrpSpPr/>
+        <p:nvPr/>
+      </p:nvGrpSpPr>
+      <p:grpSpPr>
+        <a:xfrm>
+          <a:off x="0" y="0"/>
+          <a:ext cx="0" cy="0"/>
+          <a:chOff x="0" y="0"/>
+          <a:chExt cx="0" cy="0"/>
+        </a:xfrm>
+      </p:grpSpPr>
+      <p:sp>
+        <p:nvSpPr>
+          <p:cNvPr id="2" name="슬라이드 이미지 개체 틀 1"/>
+          <p:cNvSpPr>
+            <a:spLocks noGrp="1" noRot="1" noChangeAspect="1"/>
+          </p:cNvSpPr>
+          <p:nvPr>
+            <p:ph type="sldImg"/>
+          </p:nvPr>
+        </p:nvSpPr>
+        <p:spPr/>
+      </p:sp>
+      <p:sp>
+        <p:nvSpPr>
+          <p:cNvPr id="3" name="슬라이드 노트 개체 틀 2"/>
+          <p:cNvSpPr>
+            <a:spLocks noGrp="1"/>
+          </p:cNvSpPr>
+          <p:nvPr>
+            <p:ph type="body" idx="1"/>
+          </p:nvPr>
+        </p:nvSpPr>
+        <p:spPr/>
+        <p:txBody>
+          <a:bodyPr/>
+          <a:lstStyle/>
+          <a:p>
+            <a:pPr marL="0" indent="0">
+              <a:buNone/>
+            </a:pPr>
+            <a:endParaRPr lang="en-US" altLang="ko-KR" sz="1200" b="0" i="0" kern="1200" dirty="0">
+              <a:solidFill>
+                <a:schemeClr val="tx1"/>
+              </a:solidFill>
+              <a:effectLst/>
+              <a:latin typeface="+mn-lt"/>
+              <a:ea typeface="+mn-ea"/>
+              <a:cs typeface="+mn-cs"/>
+            </a:endParaRPr>
+          </a:p>
+        </p:txBody>
+      </p:sp>
+      <p:sp>
+        <p:nvSpPr>
+          <p:cNvPr id="4" name="슬라이드 번호 개체 틀 3"/>
+          <p:cNvSpPr>
+            <a:spLocks noGrp="1"/>
+          </p:cNvSpPr>
+          <p:nvPr>
+            <p:ph type="sldNum" sz="quarter" idx="5"/>
+          </p:nvPr>
+        </p:nvSpPr>
+        <p:spPr/>
+        <p:txBody>
+          <a:bodyPr/>
+          <a:lstStyle/>
+          <a:p>
+            <a:fld id="{AF4B4130-2D9F-4E6D-9707-8718AD09D43C}" type="slidenum">
+              <a:rPr lang="ko-KR" altLang="en-US" smtClean="0"/>
+              <a:t>17</a:t>
             </a:fld>
             <a:endParaRPr lang="ko-KR" altLang="en-US"/>
           </a:p>
@@ -1221,70 +1809,30 @@
           <a:bodyPr/>
           <a:lstStyle/>
           <a:p>
-            <a:pPr algn="l"/>
-            <a:r>
-              <a:rPr lang="ko-KR" altLang="en-US" sz="1200" dirty="0"/>
-              <a:t>코드의 실시간 생성을 최초로 지원한 툴이나</a:t>
-            </a:r>
-            <a:endParaRPr lang="en-US" altLang="ko-KR" sz="1200" dirty="0"/>
-          </a:p>
-          <a:p>
-            <a:pPr algn="l"/>
-            <a:r>
-              <a:rPr lang="en-US" altLang="ko-KR" sz="1200" dirty="0"/>
-              <a:t>Micro</a:t>
-            </a:r>
-            <a:r>
-              <a:rPr lang="ko-KR" altLang="en-US" sz="1200" dirty="0"/>
-              <a:t> </a:t>
-            </a:r>
-            <a:r>
-              <a:rPr lang="en-US" altLang="ko-KR" sz="1200" dirty="0"/>
-              <a:t>focus</a:t>
-            </a:r>
-            <a:r>
-              <a:rPr lang="ko-KR" altLang="en-US" sz="1200" dirty="0"/>
-              <a:t> 라는 회사에 인수되어 현재는 </a:t>
-            </a:r>
-            <a:r>
-              <a:rPr lang="en-US" altLang="ko-KR" sz="1200" dirty="0"/>
-              <a:t>Micro focus </a:t>
-            </a:r>
-            <a:r>
-              <a:rPr lang="en-US" altLang="ko-KR" sz="1200" dirty="0" err="1"/>
-              <a:t>togethe</a:t>
-            </a:r>
-            <a:r>
-              <a:rPr lang="ko-KR" altLang="en-US" sz="1200" dirty="0"/>
-              <a:t>로 개발이 이어지고있다</a:t>
-            </a:r>
-            <a:r>
-              <a:rPr lang="en-US" altLang="ko-KR" sz="1200" dirty="0"/>
-              <a:t>.</a:t>
-            </a:r>
-          </a:p>
-          <a:p>
-            <a:pPr algn="l"/>
-            <a:r>
-              <a:rPr lang="en-US" altLang="ko-KR" sz="1200" dirty="0"/>
-              <a:t>Borland together</a:t>
-            </a:r>
-            <a:r>
-              <a:rPr lang="ko-KR" altLang="en-US" sz="1200" dirty="0"/>
-              <a:t>라는 이름으로는 더 이상 업데이트</a:t>
-            </a:r>
-            <a:r>
-              <a:rPr lang="en-US" altLang="ko-KR" sz="1200" dirty="0"/>
-              <a:t>x</a:t>
-            </a:r>
-          </a:p>
-          <a:p>
-            <a:pPr algn="l"/>
-            <a:endParaRPr lang="en-US" altLang="ko-KR" sz="1200" dirty="0"/>
-          </a:p>
-          <a:p>
-            <a:pPr algn="l"/>
-            <a:endParaRPr lang="en-US" altLang="ko-KR" sz="1200" dirty="0"/>
+            <a:pPr marL="0" indent="0">
+              <a:buNone/>
+            </a:pPr>
+            <a:r>
+              <a:rPr lang="ko-KR" altLang="en-US" sz="1200" b="0" i="0" kern="1200" dirty="0" err="1">
+                <a:solidFill>
+                  <a:schemeClr val="tx1"/>
+                </a:solidFill>
+                <a:effectLst/>
+                <a:latin typeface="+mn-lt"/>
+                <a:ea typeface="+mn-ea"/>
+                <a:cs typeface="+mn-cs"/>
+              </a:rPr>
+              <a:t>이클립스기반</a:t>
+            </a:r>
+            <a:endParaRPr lang="en-US" altLang="ko-KR" sz="1200" b="0" i="0" kern="1200" dirty="0">
+              <a:solidFill>
+                <a:schemeClr val="tx1"/>
+              </a:solidFill>
+              <a:effectLst/>
+              <a:latin typeface="+mn-lt"/>
+              <a:ea typeface="+mn-ea"/>
+              <a:cs typeface="+mn-cs"/>
+            </a:endParaRPr>
           </a:p>
         </p:txBody>
       </p:sp>
@@ -1314,7 +1862,7 @@
     </p:spTree>
     <p:extLst>
       <p:ext uri="{BB962C8B-B14F-4D97-AF65-F5344CB8AC3E}">
-        <p14:creationId xmlns:p14="http://schemas.microsoft.com/office/powerpoint/2010/main" val="2448821599"/>
+        <p14:creationId xmlns:p14="http://schemas.microsoft.com/office/powerpoint/2010/main" val="1588723092"/>
       </p:ext>
     </p:extLst>
   </p:cSld>
@@ -1371,6 +1919,18 @@
             <a:pPr marL="0" indent="0">
               <a:buNone/>
             </a:pPr>
+            <a:r>
+              <a:rPr lang="ko-KR" altLang="en-US" sz="1200" b="0" i="0" kern="1200" dirty="0" err="1">
+                <a:solidFill>
+                  <a:schemeClr val="tx1"/>
+                </a:solidFill>
+                <a:effectLst/>
+                <a:latin typeface="+mn-lt"/>
+                <a:ea typeface="+mn-ea"/>
+                <a:cs typeface="+mn-cs"/>
+              </a:rPr>
+              <a:t>이클립스기반</a:t>
+            </a:r>
             <a:endParaRPr lang="en-US" altLang="ko-KR" sz="1200" b="0" i="0" kern="1200" dirty="0">
               <a:solidFill>
                 <a:schemeClr val="tx1"/>
@@ -1409,7 +1969,7 @@
     </p:spTree>
     <p:extLst>
       <p:ext uri="{BB962C8B-B14F-4D97-AF65-F5344CB8AC3E}">
-        <p14:creationId xmlns:p14="http://schemas.microsoft.com/office/powerpoint/2010/main" val="338113654"/>
+        <p14:creationId xmlns:p14="http://schemas.microsoft.com/office/powerpoint/2010/main" val="3166114773"/>
       </p:ext>
     </p:extLst>
   </p:cSld>
@@ -1463,18 +2023,66 @@
           <a:bodyPr/>
           <a:lstStyle/>
           <a:p>
-            <a:pPr marL="0" indent="0">
-              <a:buNone/>
-            </a:pPr>
-            <a:endParaRPr lang="en-US" altLang="ko-KR" sz="1200" b="0" i="0" kern="1200" dirty="0">
-              <a:solidFill>
-                <a:schemeClr val="tx1"/>
-              </a:solidFill>
-              <a:effectLst/>
-              <a:latin typeface="+mn-lt"/>
-              <a:ea typeface="+mn-ea"/>
-              <a:cs typeface="+mn-cs"/>
-            </a:endParaRPr>
+            <a:pPr algn="l"/>
+            <a:r>
+              <a:rPr lang="ko-KR" altLang="en-US" sz="1200" dirty="0"/>
+              <a:t>코드의 실시간 생성을 최초로 지원한 툴이나</a:t>
+            </a:r>
+            <a:endParaRPr lang="en-US" altLang="ko-KR" sz="1200" dirty="0"/>
+          </a:p>
+          <a:p>
+            <a:pPr algn="l"/>
+            <a:r>
+              <a:rPr lang="en-US" altLang="ko-KR" sz="1200" dirty="0"/>
+              <a:t>Micro</a:t>
+            </a:r>
+            <a:r>
+              <a:rPr lang="ko-KR" altLang="en-US" sz="1200" dirty="0"/>
+              <a:t> </a:t>
+            </a:r>
+            <a:r>
+              <a:rPr lang="en-US" altLang="ko-KR" sz="1200" dirty="0"/>
+              <a:t>focus</a:t>
+            </a:r>
+            <a:r>
+              <a:rPr lang="ko-KR" altLang="en-US" sz="1200" dirty="0"/>
+              <a:t> 라는 회사에 인수되어 현재는 </a:t>
+            </a:r>
+            <a:r>
+              <a:rPr lang="en-US" altLang="ko-KR" sz="1200" dirty="0"/>
+              <a:t>Micro focus together</a:t>
+            </a:r>
+            <a:r>
+              <a:rPr lang="ko-KR" altLang="en-US" sz="1200" dirty="0"/>
+              <a:t>로 개발이 이어지고있다</a:t>
+            </a:r>
+            <a:r>
+              <a:rPr lang="en-US" altLang="ko-KR" sz="1200" dirty="0"/>
+              <a:t>.</a:t>
+            </a:r>
+          </a:p>
+          <a:p>
+            <a:pPr algn="l"/>
+            <a:r>
+              <a:rPr lang="en-US" altLang="ko-KR" sz="1200" dirty="0"/>
+              <a:t>Borland together</a:t>
+            </a:r>
+            <a:r>
+              <a:rPr lang="ko-KR" altLang="en-US" sz="1200" dirty="0"/>
+              <a:t>라는 이름으로는 더 이상 업데이트</a:t>
+            </a:r>
+            <a:r>
+              <a:rPr lang="en-US" altLang="ko-KR" sz="1200" dirty="0"/>
+              <a:t>x</a:t>
+            </a:r>
+          </a:p>
+          <a:p>
+            <a:pPr algn="l"/>
+            <a:endParaRPr lang="en-US" altLang="ko-KR" sz="1200" dirty="0"/>
+          </a:p>
+          <a:p>
+            <a:pPr algn="l"/>
+            <a:endParaRPr lang="en-US" altLang="ko-KR" sz="1200" dirty="0"/>
           </a:p>
         </p:txBody>
       </p:sp>
@@ -1504,7 +2112,7 @@
     </p:spTree>
     <p:extLst>
       <p:ext uri="{BB962C8B-B14F-4D97-AF65-F5344CB8AC3E}">
-        <p14:creationId xmlns:p14="http://schemas.microsoft.com/office/powerpoint/2010/main" val="2081353109"/>
+        <p14:creationId xmlns:p14="http://schemas.microsoft.com/office/powerpoint/2010/main" val="2448821599"/>
       </p:ext>
     </p:extLst>
   </p:cSld>
@@ -1561,6 +2169,18 @@
             <a:pPr marL="0" indent="0">
               <a:buNone/>
             </a:pPr>
+            <a:r>
+              <a:rPr lang="ko-KR" altLang="en-US" sz="1200" b="0" i="0" kern="1200" dirty="0" err="1">
+                <a:solidFill>
+                  <a:schemeClr val="tx1"/>
+                </a:solidFill>
+                <a:effectLst/>
+                <a:latin typeface="+mn-lt"/>
+                <a:ea typeface="+mn-ea"/>
+                <a:cs typeface="+mn-cs"/>
+              </a:rPr>
+              <a:t>이클립스기반</a:t>
+            </a:r>
             <a:endParaRPr lang="en-US" altLang="ko-KR" sz="1200" b="0" i="0" kern="1200" dirty="0">
               <a:solidFill>
                 <a:schemeClr val="tx1"/>
@@ -1599,7 +2219,7 @@
     </p:spTree>
     <p:extLst>
       <p:ext uri="{BB962C8B-B14F-4D97-AF65-F5344CB8AC3E}">
-        <p14:creationId xmlns:p14="http://schemas.microsoft.com/office/powerpoint/2010/main" val="697274186"/>
+        <p14:creationId xmlns:p14="http://schemas.microsoft.com/office/powerpoint/2010/main" val="4260457494"/>
       </p:ext>
     </p:extLst>
   </p:cSld>
@@ -1656,6 +2276,18 @@
             <a:pPr marL="0" indent="0">
               <a:buNone/>
             </a:pPr>
+            <a:r>
+              <a:rPr lang="ko-KR" altLang="en-US" sz="1200" b="0" i="0" kern="1200" dirty="0" err="1">
+                <a:solidFill>
+                  <a:schemeClr val="tx1"/>
+                </a:solidFill>
+                <a:effectLst/>
+                <a:latin typeface="+mn-lt"/>
+                <a:ea typeface="+mn-ea"/>
+                <a:cs typeface="+mn-cs"/>
+              </a:rPr>
+              <a:t>이클립스기반</a:t>
+            </a:r>
             <a:endParaRPr lang="en-US" altLang="ko-KR" sz="1200" b="0" i="0" kern="1200" dirty="0">
               <a:solidFill>
                 <a:schemeClr val="tx1"/>
@@ -1694,7 +2326,7 @@
     </p:spTree>
     <p:extLst>
       <p:ext uri="{BB962C8B-B14F-4D97-AF65-F5344CB8AC3E}">
-        <p14:creationId xmlns:p14="http://schemas.microsoft.com/office/powerpoint/2010/main" val="708119397"/>
+        <p14:creationId xmlns:p14="http://schemas.microsoft.com/office/powerpoint/2010/main" val="1242263127"/>
       </p:ext>
     </p:extLst>
   </p:cSld>
@@ -1835,7 +2467,7 @@
           <a:p>
             <a:fld id="{B98F743E-9D20-4AAC-8931-B6F70214228F}" type="datetimeFigureOut">
               <a:rPr lang="ko-KR" altLang="en-US" smtClean="0"/>
-              <a:t>2018-12-24</a:t>
+              <a:t>2018-12-26</a:t>
             </a:fld>
             <a:endParaRPr lang="ko-KR" altLang="en-US"/>
           </a:p>
@@ -2005,7 +2637,7 @@
           <a:p>
             <a:fld id="{B98F743E-9D20-4AAC-8931-B6F70214228F}" type="datetimeFigureOut">
               <a:rPr lang="ko-KR" altLang="en-US" smtClean="0"/>
-              <a:t>2018-12-24</a:t>
+              <a:t>2018-12-26</a:t>
             </a:fld>
             <a:endParaRPr lang="ko-KR" altLang="en-US"/>
           </a:p>
@@ -2185,7 +2817,7 @@
           <a:p>
             <a:fld id="{B98F743E-9D20-4AAC-8931-B6F70214228F}" type="datetimeFigureOut">
               <a:rPr lang="ko-KR" altLang="en-US" smtClean="0"/>
-              <a:t>2018-12-24</a:t>
+              <a:t>2018-12-26</a:t>
             </a:fld>
             <a:endParaRPr lang="ko-KR" altLang="en-US"/>
           </a:p>
@@ -2355,7 +2987,7 @@
           <a:p>
             <a:fld id="{B98F743E-9D20-4AAC-8931-B6F70214228F}" type="datetimeFigureOut">
               <a:rPr lang="ko-KR" altLang="en-US" smtClean="0"/>
-              <a:t>2018-12-24</a:t>
+              <a:t>2018-12-26</a:t>
             </a:fld>
             <a:endParaRPr lang="ko-KR" altLang="en-US"/>
           </a:p>
@@ -2601,7 +3233,7 @@
           <a:p>
             <a:fld id="{B98F743E-9D20-4AAC-8931-B6F70214228F}" type="datetimeFigureOut">
               <a:rPr lang="ko-KR" altLang="en-US" smtClean="0"/>
-              <a:t>2018-12-24</a:t>
+              <a:t>2018-12-26</a:t>
             </a:fld>
             <a:endParaRPr lang="ko-KR" altLang="en-US"/>
           </a:p>
@@ -2833,7 +3465,7 @@
           <a:p>
             <a:fld id="{B98F743E-9D20-4AAC-8931-B6F70214228F}" type="datetimeFigureOut">
               <a:rPr lang="ko-KR" altLang="en-US" smtClean="0"/>
-              <a:t>2018-12-24</a:t>
+              <a:t>2018-12-26</a:t>
             </a:fld>
             <a:endParaRPr lang="ko-KR" altLang="en-US"/>
           </a:p>
@@ -3200,7 +3832,7 @@
           <a:p>
             <a:fld id="{B98F743E-9D20-4AAC-8931-B6F70214228F}" type="datetimeFigureOut">
               <a:rPr lang="ko-KR" altLang="en-US" smtClean="0"/>
-              <a:t>2018-12-24</a:t>
+              <a:t>2018-12-26</a:t>
             </a:fld>
             <a:endParaRPr lang="ko-KR" altLang="en-US"/>
           </a:p>
@@ -3318,7 +3950,7 @@
           <a:p>
             <a:fld id="{B98F743E-9D20-4AAC-8931-B6F70214228F}" type="datetimeFigureOut">
               <a:rPr lang="ko-KR" altLang="en-US" smtClean="0"/>
-              <a:t>2018-12-24</a:t>
+              <a:t>2018-12-26</a:t>
             </a:fld>
             <a:endParaRPr lang="ko-KR" altLang="en-US"/>
           </a:p>
@@ -3413,7 +4045,7 @@
           <a:p>
             <a:fld id="{B98F743E-9D20-4AAC-8931-B6F70214228F}" type="datetimeFigureOut">
               <a:rPr lang="ko-KR" altLang="en-US" smtClean="0"/>
-              <a:t>2018-12-24</a:t>
+              <a:t>2018-12-26</a:t>
             </a:fld>
             <a:endParaRPr lang="ko-KR" altLang="en-US"/>
           </a:p>
@@ -3690,7 +4322,7 @@
           <a:p>
             <a:fld id="{B98F743E-9D20-4AAC-8931-B6F70214228F}" type="datetimeFigureOut">
               <a:rPr lang="ko-KR" altLang="en-US" smtClean="0"/>
-              <a:t>2018-12-24</a:t>
+              <a:t>2018-12-26</a:t>
             </a:fld>
             <a:endParaRPr lang="ko-KR" altLang="en-US"/>
           </a:p>
@@ -3947,7 +4579,7 @@
           <a:p>
             <a:fld id="{B98F743E-9D20-4AAC-8931-B6F70214228F}" type="datetimeFigureOut">
               <a:rPr lang="ko-KR" altLang="en-US" smtClean="0"/>
-              <a:t>2018-12-24</a:t>
+              <a:t>2018-12-26</a:t>
             </a:fld>
             <a:endParaRPr lang="ko-KR" altLang="en-US"/>
           </a:p>
@@ -4160,7 +4792,7 @@
           <a:p>
             <a:fld id="{B98F743E-9D20-4AAC-8931-B6F70214228F}" type="datetimeFigureOut">
               <a:rPr lang="ko-KR" altLang="en-US" smtClean="0"/>
-              <a:t>2018-12-24</a:t>
+              <a:t>2018-12-26</a:t>
             </a:fld>
             <a:endParaRPr lang="ko-KR" altLang="en-US"/>
           </a:p>
@@ -5021,7 +5653,7 @@
         <p:spPr>
           <a:xfrm>
             <a:off x="1704513" y="620822"/>
-            <a:ext cx="1967205" cy="400110"/>
+            <a:ext cx="3827607" cy="400110"/>
           </a:xfrm>
           <a:prstGeom prst="rect">
             <a:avLst/>
@@ -5029,184 +5661,24 @@
           <a:noFill/>
         </p:spPr>
         <p:txBody>
-          <a:bodyPr wrap="none" rtlCol="0">
-            <a:spAutoFit/>
-          </a:bodyPr>
-          <a:lstStyle/>
-          <a:p>
-            <a:r>
-              <a:rPr lang="en-US" altLang="ko-KR" sz="2000" dirty="0"/>
-              <a:t>‘</a:t>
-            </a:r>
-            <a:r>
-              <a:rPr lang="ko-KR" altLang="en-US" sz="2000" dirty="0"/>
-              <a:t>개인적</a:t>
-            </a:r>
-            <a:r>
-              <a:rPr lang="en-US" altLang="ko-KR" sz="2000" dirty="0"/>
-              <a:t>’ </a:t>
-            </a:r>
-            <a:r>
-              <a:rPr lang="ko-KR" altLang="en-US" sz="2000" dirty="0"/>
-              <a:t>인 생각</a:t>
-            </a:r>
-            <a:endParaRPr lang="en-US" altLang="ko-KR" sz="2000" dirty="0"/>
-          </a:p>
-        </p:txBody>
-      </p:sp>
-      <p:cxnSp>
-        <p:nvCxnSpPr>
-          <p:cNvPr id="4" name="직선 화살표 연결선 3">
-            <a:extLst>
-              <a:ext uri="{FF2B5EF4-FFF2-40B4-BE49-F238E27FC236}">
-                <a16:creationId xmlns:a16="http://schemas.microsoft.com/office/drawing/2014/main" id="{1F8D94EB-BF83-4CAA-B603-E2909389D7C1}"/>
-              </a:ext>
-            </a:extLst>
-          </p:cNvPr>
-          <p:cNvCxnSpPr>
-            <a:cxnSpLocks/>
-          </p:cNvCxnSpPr>
-          <p:nvPr/>
-        </p:nvCxnSpPr>
-        <p:spPr>
-          <a:xfrm flipH="1">
-            <a:off x="2175636" y="5199962"/>
-            <a:ext cx="8003950" cy="0"/>
-          </a:xfrm>
-          <a:prstGeom prst="straightConnector1">
-            <a:avLst/>
-          </a:prstGeom>
-          <a:ln w="76200">
-            <a:tailEnd type="triangle"/>
-          </a:ln>
-        </p:spPr>
-        <p:style>
-          <a:lnRef idx="1">
-            <a:schemeClr val="accent1"/>
-          </a:lnRef>
-          <a:fillRef idx="0">
-            <a:schemeClr val="accent1"/>
-          </a:fillRef>
-          <a:effectRef idx="0">
-            <a:schemeClr val="accent1"/>
-          </a:effectRef>
-          <a:fontRef idx="minor">
-            <a:schemeClr val="tx1"/>
-          </a:fontRef>
-        </p:style>
-      </p:cxnSp>
-      <p:sp>
-        <p:nvSpPr>
-          <p:cNvPr id="12" name="TextBox 11">
-            <a:extLst>
-              <a:ext uri="{FF2B5EF4-FFF2-40B4-BE49-F238E27FC236}">
-                <a16:creationId xmlns:a16="http://schemas.microsoft.com/office/drawing/2014/main" id="{82C13EAE-7A0D-4A25-915E-32A07F9903D8}"/>
-              </a:ext>
-            </a:extLst>
-          </p:cNvPr>
-          <p:cNvSpPr txBox="1"/>
-          <p:nvPr/>
-        </p:nvSpPr>
-        <p:spPr>
-          <a:xfrm>
-            <a:off x="2437830" y="5318140"/>
-            <a:ext cx="779095" cy="369332"/>
-          </a:xfrm>
-          <a:prstGeom prst="rect">
-            <a:avLst/>
-          </a:prstGeom>
-          <a:noFill/>
-        </p:spPr>
-        <p:txBody>
           <a:bodyPr wrap="square" rtlCol="0">
             <a:spAutoFit/>
           </a:bodyPr>
           <a:lstStyle/>
           <a:p>
             <a:r>
-              <a:rPr lang="ko-KR" altLang="en-US" dirty="0"/>
-              <a:t>좋음</a:t>
-            </a:r>
-          </a:p>
-        </p:txBody>
-      </p:sp>
-      <p:sp>
-        <p:nvSpPr>
-          <p:cNvPr id="15" name="TextBox 14">
-            <a:extLst>
-              <a:ext uri="{FF2B5EF4-FFF2-40B4-BE49-F238E27FC236}">
-                <a16:creationId xmlns:a16="http://schemas.microsoft.com/office/drawing/2014/main" id="{3A5DD286-641D-48E4-9A4F-93D2A0E76C83}"/>
-              </a:ext>
-            </a:extLst>
-          </p:cNvPr>
-          <p:cNvSpPr txBox="1"/>
-          <p:nvPr/>
-        </p:nvSpPr>
-        <p:spPr>
-          <a:xfrm>
-            <a:off x="9518890" y="5318140"/>
-            <a:ext cx="779095" cy="369332"/>
-          </a:xfrm>
-          <a:prstGeom prst="rect">
-            <a:avLst/>
-          </a:prstGeom>
-          <a:noFill/>
-        </p:spPr>
-        <p:txBody>
-          <a:bodyPr wrap="square" rtlCol="0">
-            <a:spAutoFit/>
-          </a:bodyPr>
-          <a:lstStyle/>
-          <a:p>
-            <a:r>
-              <a:rPr lang="ko-KR" altLang="en-US" dirty="0"/>
-              <a:t>나쁨</a:t>
-            </a:r>
-          </a:p>
-        </p:txBody>
-      </p:sp>
-      <p:sp>
-        <p:nvSpPr>
-          <p:cNvPr id="16" name="TextBox 15">
-            <a:extLst>
-              <a:ext uri="{FF2B5EF4-FFF2-40B4-BE49-F238E27FC236}">
-                <a16:creationId xmlns:a16="http://schemas.microsoft.com/office/drawing/2014/main" id="{5EC63642-B229-4278-9396-B2D56B545478}"/>
-              </a:ext>
-            </a:extLst>
-          </p:cNvPr>
-          <p:cNvSpPr txBox="1"/>
-          <p:nvPr/>
-        </p:nvSpPr>
-        <p:spPr>
-          <a:xfrm>
-            <a:off x="5409807" y="5345563"/>
-            <a:ext cx="1620957" cy="523220"/>
-          </a:xfrm>
-          <a:prstGeom prst="rect">
-            <a:avLst/>
-          </a:prstGeom>
-          <a:noFill/>
-        </p:spPr>
-        <p:txBody>
-          <a:bodyPr wrap="none" rtlCol="0">
-            <a:spAutoFit/>
-          </a:bodyPr>
-          <a:lstStyle/>
-          <a:p>
-            <a:pPr algn="ctr"/>
-            <a:r>
-              <a:rPr lang="ko-KR" altLang="en-US" sz="2800" dirty="0"/>
-              <a:t>진입장벽</a:t>
+              <a:rPr lang="en-US" altLang="ko-KR" sz="2000" dirty="0"/>
+              <a:t>Borland together – Exam 3</a:t>
             </a:r>
           </a:p>
         </p:txBody>
       </p:sp>
       <p:pic>
         <p:nvPicPr>
-          <p:cNvPr id="13" name="그림 12">
+          <p:cNvPr id="3" name="그림 2">
             <a:extLst>
               <a:ext uri="{FF2B5EF4-FFF2-40B4-BE49-F238E27FC236}">
-                <a16:creationId xmlns:a16="http://schemas.microsoft.com/office/drawing/2014/main" id="{1108251B-DC62-4FEF-8E62-E8997F554D6C}"/>
+                <a16:creationId xmlns:a16="http://schemas.microsoft.com/office/drawing/2014/main" id="{3F73DE47-3E18-437D-90A9-3F74B1FD0B74}"/>
               </a:ext>
             </a:extLst>
           </p:cNvPr>
@@ -5229,335 +5701,8 @@
         </p:blipFill>
         <p:spPr>
           <a:xfrm>
-            <a:off x="5464416" y="3543307"/>
-            <a:ext cx="1263168" cy="1263168"/>
-          </a:xfrm>
-          <a:prstGeom prst="rect">
-            <a:avLst/>
-          </a:prstGeom>
-        </p:spPr>
-      </p:pic>
-      <p:pic>
-        <p:nvPicPr>
-          <p:cNvPr id="14" name="그림 13">
-            <a:extLst>
-              <a:ext uri="{FF2B5EF4-FFF2-40B4-BE49-F238E27FC236}">
-                <a16:creationId xmlns:a16="http://schemas.microsoft.com/office/drawing/2014/main" id="{403F70DD-CB6E-4182-BD18-B1B2C27D283E}"/>
-              </a:ext>
-            </a:extLst>
-          </p:cNvPr>
-          <p:cNvPicPr>
-            <a:picLocks noChangeAspect="1"/>
-          </p:cNvPicPr>
-          <p:nvPr/>
-        </p:nvPicPr>
-        <p:blipFill>
-          <a:blip r:embed="rId4">
-            <a:extLst>
-              <a:ext uri="{28A0092B-C50C-407E-A947-70E740481C1C}">
-                <a14:useLocalDpi xmlns:a14="http://schemas.microsoft.com/office/drawing/2010/main" val="0"/>
-              </a:ext>
-            </a:extLst>
-          </a:blip>
-          <a:stretch>
-            <a:fillRect/>
-          </a:stretch>
-        </p:blipFill>
-        <p:spPr>
-          <a:xfrm>
-            <a:off x="8645269" y="4092705"/>
-            <a:ext cx="1263168" cy="320845"/>
-          </a:xfrm>
-          <a:prstGeom prst="rect">
-            <a:avLst/>
-          </a:prstGeom>
-        </p:spPr>
-      </p:pic>
-      <p:pic>
-        <p:nvPicPr>
-          <p:cNvPr id="17" name="그림 16">
-            <a:extLst>
-              <a:ext uri="{FF2B5EF4-FFF2-40B4-BE49-F238E27FC236}">
-                <a16:creationId xmlns:a16="http://schemas.microsoft.com/office/drawing/2014/main" id="{CF9A8A81-5F54-47C0-BBC9-2755C1E7741A}"/>
-              </a:ext>
-            </a:extLst>
-          </p:cNvPr>
-          <p:cNvPicPr>
-            <a:picLocks noChangeAspect="1"/>
-          </p:cNvPicPr>
-          <p:nvPr/>
-        </p:nvPicPr>
-        <p:blipFill>
-          <a:blip r:embed="rId5">
-            <a:extLst>
-              <a:ext uri="{28A0092B-C50C-407E-A947-70E740481C1C}">
-                <a14:useLocalDpi xmlns:a14="http://schemas.microsoft.com/office/drawing/2010/main" val="0"/>
-              </a:ext>
-            </a:extLst>
-          </a:blip>
-          <a:stretch>
-            <a:fillRect/>
-          </a:stretch>
-        </p:blipFill>
-        <p:spPr>
-          <a:xfrm>
-            <a:off x="2033758" y="4009680"/>
-            <a:ext cx="1800663" cy="691455"/>
-          </a:xfrm>
-          <a:prstGeom prst="rect">
-            <a:avLst/>
-          </a:prstGeom>
-        </p:spPr>
-      </p:pic>
-      <p:cxnSp>
-        <p:nvCxnSpPr>
-          <p:cNvPr id="18" name="직선 화살표 연결선 17">
-            <a:extLst>
-              <a:ext uri="{FF2B5EF4-FFF2-40B4-BE49-F238E27FC236}">
-                <a16:creationId xmlns:a16="http://schemas.microsoft.com/office/drawing/2014/main" id="{D11591F5-0421-4DE2-A2BF-D78B2190D6E4}"/>
-              </a:ext>
-            </a:extLst>
-          </p:cNvPr>
-          <p:cNvCxnSpPr>
-            <a:cxnSpLocks/>
-          </p:cNvCxnSpPr>
-          <p:nvPr/>
-        </p:nvCxnSpPr>
-        <p:spPr>
-          <a:xfrm flipH="1">
-            <a:off x="2175636" y="2847223"/>
-            <a:ext cx="8003950" cy="0"/>
-          </a:xfrm>
-          <a:prstGeom prst="straightConnector1">
-            <a:avLst/>
-          </a:prstGeom>
-          <a:ln w="76200">
-            <a:tailEnd type="triangle"/>
-          </a:ln>
-        </p:spPr>
-        <p:style>
-          <a:lnRef idx="1">
-            <a:schemeClr val="accent1"/>
-          </a:lnRef>
-          <a:fillRef idx="0">
-            <a:schemeClr val="accent1"/>
-          </a:fillRef>
-          <a:effectRef idx="0">
-            <a:schemeClr val="accent1"/>
-          </a:effectRef>
-          <a:fontRef idx="minor">
-            <a:schemeClr val="tx1"/>
-          </a:fontRef>
-        </p:style>
-      </p:cxnSp>
-      <p:sp>
-        <p:nvSpPr>
-          <p:cNvPr id="19" name="TextBox 18">
-            <a:extLst>
-              <a:ext uri="{FF2B5EF4-FFF2-40B4-BE49-F238E27FC236}">
-                <a16:creationId xmlns:a16="http://schemas.microsoft.com/office/drawing/2014/main" id="{7B95092C-9181-47DC-BAD1-BB6155652A77}"/>
-              </a:ext>
-            </a:extLst>
-          </p:cNvPr>
-          <p:cNvSpPr txBox="1"/>
-          <p:nvPr/>
-        </p:nvSpPr>
-        <p:spPr>
-          <a:xfrm>
-            <a:off x="2437830" y="2965401"/>
-            <a:ext cx="779095" cy="369332"/>
-          </a:xfrm>
-          <a:prstGeom prst="rect">
-            <a:avLst/>
-          </a:prstGeom>
-          <a:noFill/>
-        </p:spPr>
-        <p:txBody>
-          <a:bodyPr wrap="square" rtlCol="0">
-            <a:spAutoFit/>
-          </a:bodyPr>
-          <a:lstStyle/>
-          <a:p>
-            <a:r>
-              <a:rPr lang="ko-KR" altLang="en-US" dirty="0"/>
-              <a:t>좋음</a:t>
-            </a:r>
-          </a:p>
-        </p:txBody>
-      </p:sp>
-      <p:sp>
-        <p:nvSpPr>
-          <p:cNvPr id="20" name="TextBox 19">
-            <a:extLst>
-              <a:ext uri="{FF2B5EF4-FFF2-40B4-BE49-F238E27FC236}">
-                <a16:creationId xmlns:a16="http://schemas.microsoft.com/office/drawing/2014/main" id="{D62AAEAA-5977-4120-8E53-1AEAC77B701B}"/>
-              </a:ext>
-            </a:extLst>
-          </p:cNvPr>
-          <p:cNvSpPr txBox="1"/>
-          <p:nvPr/>
-        </p:nvSpPr>
-        <p:spPr>
-          <a:xfrm>
-            <a:off x="9518890" y="2965401"/>
-            <a:ext cx="779095" cy="369332"/>
-          </a:xfrm>
-          <a:prstGeom prst="rect">
-            <a:avLst/>
-          </a:prstGeom>
-          <a:noFill/>
-        </p:spPr>
-        <p:txBody>
-          <a:bodyPr wrap="square" rtlCol="0">
-            <a:spAutoFit/>
-          </a:bodyPr>
-          <a:lstStyle/>
-          <a:p>
-            <a:r>
-              <a:rPr lang="ko-KR" altLang="en-US" dirty="0"/>
-              <a:t>나쁨</a:t>
-            </a:r>
-          </a:p>
-        </p:txBody>
-      </p:sp>
-      <p:sp>
-        <p:nvSpPr>
-          <p:cNvPr id="21" name="TextBox 20">
-            <a:extLst>
-              <a:ext uri="{FF2B5EF4-FFF2-40B4-BE49-F238E27FC236}">
-                <a16:creationId xmlns:a16="http://schemas.microsoft.com/office/drawing/2014/main" id="{21088DAF-2AEC-41CD-AD52-732B14A41CDB}"/>
-              </a:ext>
-            </a:extLst>
-          </p:cNvPr>
-          <p:cNvSpPr txBox="1"/>
-          <p:nvPr/>
-        </p:nvSpPr>
-        <p:spPr>
-          <a:xfrm>
-            <a:off x="5768880" y="2992824"/>
-            <a:ext cx="902811" cy="523220"/>
-          </a:xfrm>
-          <a:prstGeom prst="rect">
-            <a:avLst/>
-          </a:prstGeom>
-          <a:noFill/>
-        </p:spPr>
-        <p:txBody>
-          <a:bodyPr wrap="none" rtlCol="0">
-            <a:spAutoFit/>
-          </a:bodyPr>
-          <a:lstStyle/>
-          <a:p>
-            <a:pPr algn="ctr"/>
-            <a:r>
-              <a:rPr lang="ko-KR" altLang="en-US" sz="2800" dirty="0"/>
-              <a:t>성능</a:t>
-            </a:r>
-          </a:p>
-        </p:txBody>
-      </p:sp>
-      <p:pic>
-        <p:nvPicPr>
-          <p:cNvPr id="22" name="그림 21">
-            <a:extLst>
-              <a:ext uri="{FF2B5EF4-FFF2-40B4-BE49-F238E27FC236}">
-                <a16:creationId xmlns:a16="http://schemas.microsoft.com/office/drawing/2014/main" id="{29D6EF0C-D29C-4711-9161-7BC41FA66B54}"/>
-              </a:ext>
-            </a:extLst>
-          </p:cNvPr>
-          <p:cNvPicPr>
-            <a:picLocks noChangeAspect="1"/>
-          </p:cNvPicPr>
-          <p:nvPr/>
-        </p:nvPicPr>
-        <p:blipFill>
-          <a:blip r:embed="rId3">
-            <a:extLst>
-              <a:ext uri="{28A0092B-C50C-407E-A947-70E740481C1C}">
-                <a14:useLocalDpi xmlns:a14="http://schemas.microsoft.com/office/drawing/2010/main" val="0"/>
-              </a:ext>
-            </a:extLst>
-          </a:blip>
-          <a:stretch>
-            <a:fillRect/>
-          </a:stretch>
-        </p:blipFill>
-        <p:spPr>
-          <a:xfrm>
-            <a:off x="2195793" y="1297643"/>
-            <a:ext cx="1263168" cy="1263168"/>
-          </a:xfrm>
-          <a:prstGeom prst="rect">
-            <a:avLst/>
-          </a:prstGeom>
-        </p:spPr>
-      </p:pic>
-      <p:pic>
-        <p:nvPicPr>
-          <p:cNvPr id="23" name="그림 22">
-            <a:extLst>
-              <a:ext uri="{FF2B5EF4-FFF2-40B4-BE49-F238E27FC236}">
-                <a16:creationId xmlns:a16="http://schemas.microsoft.com/office/drawing/2014/main" id="{A11438AE-13EB-414C-AFAE-E996DB090AB8}"/>
-              </a:ext>
-            </a:extLst>
-          </p:cNvPr>
-          <p:cNvPicPr>
-            <a:picLocks noChangeAspect="1"/>
-          </p:cNvPicPr>
-          <p:nvPr/>
-        </p:nvPicPr>
-        <p:blipFill>
-          <a:blip r:embed="rId4">
-            <a:extLst>
-              <a:ext uri="{28A0092B-C50C-407E-A947-70E740481C1C}">
-                <a14:useLocalDpi xmlns:a14="http://schemas.microsoft.com/office/drawing/2010/main" val="0"/>
-              </a:ext>
-            </a:extLst>
-          </a:blip>
-          <a:stretch>
-            <a:fillRect/>
-          </a:stretch>
-        </p:blipFill>
-        <p:spPr>
-          <a:xfrm>
-            <a:off x="8645269" y="1739966"/>
-            <a:ext cx="1263168" cy="320845"/>
-          </a:xfrm>
-          <a:prstGeom prst="rect">
-            <a:avLst/>
-          </a:prstGeom>
-        </p:spPr>
-      </p:pic>
-      <p:pic>
-        <p:nvPicPr>
-          <p:cNvPr id="24" name="그림 23">
-            <a:extLst>
-              <a:ext uri="{FF2B5EF4-FFF2-40B4-BE49-F238E27FC236}">
-                <a16:creationId xmlns:a16="http://schemas.microsoft.com/office/drawing/2014/main" id="{5D1E06D7-64EF-4F09-8AB0-85DCCA44CEB7}"/>
-              </a:ext>
-            </a:extLst>
-          </p:cNvPr>
-          <p:cNvPicPr>
-            <a:picLocks noChangeAspect="1"/>
-          </p:cNvPicPr>
-          <p:nvPr/>
-        </p:nvPicPr>
-        <p:blipFill>
-          <a:blip r:embed="rId5">
-            <a:extLst>
-              <a:ext uri="{28A0092B-C50C-407E-A947-70E740481C1C}">
-                <a14:useLocalDpi xmlns:a14="http://schemas.microsoft.com/office/drawing/2010/main" val="0"/>
-              </a:ext>
-            </a:extLst>
-          </a:blip>
-          <a:stretch>
-            <a:fillRect/>
-          </a:stretch>
-        </p:blipFill>
-        <p:spPr>
-          <a:xfrm>
-            <a:off x="5195668" y="1569653"/>
-            <a:ext cx="1800663" cy="691455"/>
+            <a:off x="2937754" y="1158378"/>
+            <a:ext cx="6316492" cy="4924876"/>
           </a:xfrm>
           <a:prstGeom prst="rect">
             <a:avLst/>
@@ -5567,7 +5712,7 @@
     </p:spTree>
     <p:extLst>
       <p:ext uri="{BB962C8B-B14F-4D97-AF65-F5344CB8AC3E}">
-        <p14:creationId xmlns:p14="http://schemas.microsoft.com/office/powerpoint/2010/main" val="80080513"/>
+        <p14:creationId xmlns:p14="http://schemas.microsoft.com/office/powerpoint/2010/main" val="1016547194"/>
       </p:ext>
     </p:extLst>
   </p:cSld>
@@ -5701,1220 +5846,6 @@
         <p:spPr>
           <a:xfrm>
             <a:off x="1704513" y="620822"/>
-            <a:ext cx="954107" cy="400110"/>
-          </a:xfrm>
-          <a:prstGeom prst="rect">
-            <a:avLst/>
-          </a:prstGeom>
-          <a:noFill/>
-        </p:spPr>
-        <p:txBody>
-          <a:bodyPr wrap="none" rtlCol="0">
-            <a:spAutoFit/>
-          </a:bodyPr>
-          <a:lstStyle/>
-          <a:p>
-            <a:r>
-              <a:rPr lang="ko-KR" altLang="en-US" sz="2000" dirty="0"/>
-              <a:t>마무리</a:t>
-            </a:r>
-            <a:endParaRPr lang="en-US" altLang="ko-KR" sz="2000" dirty="0"/>
-          </a:p>
-        </p:txBody>
-      </p:sp>
-      <p:pic>
-        <p:nvPicPr>
-          <p:cNvPr id="8" name="그림 7">
-            <a:extLst>
-              <a:ext uri="{FF2B5EF4-FFF2-40B4-BE49-F238E27FC236}">
-                <a16:creationId xmlns:a16="http://schemas.microsoft.com/office/drawing/2014/main" id="{7BA09FEF-765A-47DF-9F8B-F8B0EF79FF3D}"/>
-              </a:ext>
-            </a:extLst>
-          </p:cNvPr>
-          <p:cNvPicPr>
-            <a:picLocks noChangeAspect="1"/>
-          </p:cNvPicPr>
-          <p:nvPr/>
-        </p:nvPicPr>
-        <p:blipFill>
-          <a:blip r:embed="rId3">
-            <a:extLst>
-              <a:ext uri="{28A0092B-C50C-407E-A947-70E740481C1C}">
-                <a14:useLocalDpi xmlns:a14="http://schemas.microsoft.com/office/drawing/2010/main" val="0"/>
-              </a:ext>
-            </a:extLst>
-          </a:blip>
-          <a:stretch>
-            <a:fillRect/>
-          </a:stretch>
-        </p:blipFill>
-        <p:spPr>
-          <a:xfrm>
-            <a:off x="4345152" y="2817972"/>
-            <a:ext cx="1263168" cy="1263168"/>
-          </a:xfrm>
-          <a:prstGeom prst="rect">
-            <a:avLst/>
-          </a:prstGeom>
-        </p:spPr>
-      </p:pic>
-      <p:pic>
-        <p:nvPicPr>
-          <p:cNvPr id="12" name="그림 11">
-            <a:extLst>
-              <a:ext uri="{FF2B5EF4-FFF2-40B4-BE49-F238E27FC236}">
-                <a16:creationId xmlns:a16="http://schemas.microsoft.com/office/drawing/2014/main" id="{754CF79F-98FA-4726-A7B7-F2150EAD4230}"/>
-              </a:ext>
-            </a:extLst>
-          </p:cNvPr>
-          <p:cNvPicPr>
-            <a:picLocks noChangeAspect="1"/>
-          </p:cNvPicPr>
-          <p:nvPr/>
-        </p:nvPicPr>
-        <p:blipFill>
-          <a:blip r:embed="rId4">
-            <a:extLst>
-              <a:ext uri="{28A0092B-C50C-407E-A947-70E740481C1C}">
-                <a14:useLocalDpi xmlns:a14="http://schemas.microsoft.com/office/drawing/2010/main" val="0"/>
-              </a:ext>
-            </a:extLst>
-          </a:blip>
-          <a:stretch>
-            <a:fillRect/>
-          </a:stretch>
-        </p:blipFill>
-        <p:spPr>
-          <a:xfrm>
-            <a:off x="5952098" y="2789684"/>
-            <a:ext cx="1263168" cy="320845"/>
-          </a:xfrm>
-          <a:prstGeom prst="rect">
-            <a:avLst/>
-          </a:prstGeom>
-        </p:spPr>
-      </p:pic>
-      <p:pic>
-        <p:nvPicPr>
-          <p:cNvPr id="13" name="그림 12">
-            <a:extLst>
-              <a:ext uri="{FF2B5EF4-FFF2-40B4-BE49-F238E27FC236}">
-                <a16:creationId xmlns:a16="http://schemas.microsoft.com/office/drawing/2014/main" id="{64BD4A03-1771-4CB2-93F9-CED19395A491}"/>
-              </a:ext>
-            </a:extLst>
-          </p:cNvPr>
-          <p:cNvPicPr>
-            <a:picLocks noChangeAspect="1"/>
-          </p:cNvPicPr>
-          <p:nvPr/>
-        </p:nvPicPr>
-        <p:blipFill>
-          <a:blip r:embed="rId5">
-            <a:extLst>
-              <a:ext uri="{28A0092B-C50C-407E-A947-70E740481C1C}">
-                <a14:useLocalDpi xmlns:a14="http://schemas.microsoft.com/office/drawing/2010/main" val="0"/>
-              </a:ext>
-            </a:extLst>
-          </a:blip>
-          <a:stretch>
-            <a:fillRect/>
-          </a:stretch>
-        </p:blipFill>
-        <p:spPr>
-          <a:xfrm>
-            <a:off x="5834577" y="3605573"/>
-            <a:ext cx="1800663" cy="691455"/>
-          </a:xfrm>
-          <a:prstGeom prst="rect">
-            <a:avLst/>
-          </a:prstGeom>
-        </p:spPr>
-      </p:pic>
-    </p:spTree>
-    <p:extLst>
-      <p:ext uri="{BB962C8B-B14F-4D97-AF65-F5344CB8AC3E}">
-        <p14:creationId xmlns:p14="http://schemas.microsoft.com/office/powerpoint/2010/main" val="739092488"/>
-      </p:ext>
-    </p:extLst>
-  </p:cSld>
-  <p:clrMapOvr>
-    <a:masterClrMapping/>
-  </p:clrMapOvr>
-</p:sld>
-</file>
-
-<file path=ppt/slides/slide2.xml><?xml version="1.0" encoding="utf-8"?>
-<p:sld xmlns:a="http://schemas.openxmlformats.org/drawingml/2006/main" xmlns:r="http://schemas.openxmlformats.org/officeDocument/2006/relationships" xmlns:p="http://schemas.openxmlformats.org/presentationml/2006/main">
-  <p:cSld>
-    <p:spTree>
-      <p:nvGrpSpPr>
-        <p:cNvPr id="1" name=""/>
-        <p:cNvGrpSpPr/>
-        <p:nvPr/>
-      </p:nvGrpSpPr>
-      <p:grpSpPr>
-        <a:xfrm>
-          <a:off x="0" y="0"/>
-          <a:ext cx="0" cy="0"/>
-          <a:chOff x="0" y="0"/>
-          <a:chExt cx="0" cy="0"/>
-        </a:xfrm>
-      </p:grpSpPr>
-      <p:sp>
-        <p:nvSpPr>
-          <p:cNvPr id="10" name="직사각형 9">
-            <a:extLst>
-              <a:ext uri="{FF2B5EF4-FFF2-40B4-BE49-F238E27FC236}">
-                <a16:creationId xmlns:a16="http://schemas.microsoft.com/office/drawing/2014/main" id="{72422AE4-B2BC-47F4-A55A-7923EBDB55ED}"/>
-              </a:ext>
-            </a:extLst>
-          </p:cNvPr>
-          <p:cNvSpPr/>
-          <p:nvPr/>
-        </p:nvSpPr>
-        <p:spPr>
-          <a:xfrm>
-            <a:off x="1586143" y="1020932"/>
-            <a:ext cx="9268287" cy="45719"/>
-          </a:xfrm>
-          <a:prstGeom prst="rect">
-            <a:avLst/>
-          </a:prstGeom>
-        </p:spPr>
-        <p:style>
-          <a:lnRef idx="2">
-            <a:schemeClr val="accent1">
-              <a:shade val="50000"/>
-            </a:schemeClr>
-          </a:lnRef>
-          <a:fillRef idx="1">
-            <a:schemeClr val="accent1"/>
-          </a:fillRef>
-          <a:effectRef idx="0">
-            <a:schemeClr val="accent1"/>
-          </a:effectRef>
-          <a:fontRef idx="minor">
-            <a:schemeClr val="lt1"/>
-          </a:fontRef>
-        </p:style>
-        <p:txBody>
-          <a:bodyPr rtlCol="0" anchor="ctr"/>
-          <a:lstStyle/>
-          <a:p>
-            <a:pPr algn="ctr"/>
-            <a:endParaRPr lang="ko-KR" altLang="en-US"/>
-          </a:p>
-        </p:txBody>
-      </p:sp>
-      <p:sp>
-        <p:nvSpPr>
-          <p:cNvPr id="11" name="직사각형 10">
-            <a:extLst>
-              <a:ext uri="{FF2B5EF4-FFF2-40B4-BE49-F238E27FC236}">
-                <a16:creationId xmlns:a16="http://schemas.microsoft.com/office/drawing/2014/main" id="{88C624B5-9431-4451-97AF-3F26F9D86089}"/>
-              </a:ext>
-            </a:extLst>
-          </p:cNvPr>
-          <p:cNvSpPr/>
-          <p:nvPr/>
-        </p:nvSpPr>
-        <p:spPr>
-          <a:xfrm flipV="1">
-            <a:off x="1586143" y="6174982"/>
-            <a:ext cx="9268287" cy="45719"/>
-          </a:xfrm>
-          <a:prstGeom prst="rect">
-            <a:avLst/>
-          </a:prstGeom>
-        </p:spPr>
-        <p:style>
-          <a:lnRef idx="2">
-            <a:schemeClr val="accent1">
-              <a:shade val="50000"/>
-            </a:schemeClr>
-          </a:lnRef>
-          <a:fillRef idx="1">
-            <a:schemeClr val="accent1"/>
-          </a:fillRef>
-          <a:effectRef idx="0">
-            <a:schemeClr val="accent1"/>
-          </a:effectRef>
-          <a:fontRef idx="minor">
-            <a:schemeClr val="lt1"/>
-          </a:fontRef>
-        </p:style>
-        <p:txBody>
-          <a:bodyPr rtlCol="0" anchor="ctr"/>
-          <a:lstStyle/>
-          <a:p>
-            <a:pPr algn="ctr"/>
-            <a:endParaRPr lang="ko-KR" altLang="en-US"/>
-          </a:p>
-        </p:txBody>
-      </p:sp>
-      <p:sp>
-        <p:nvSpPr>
-          <p:cNvPr id="9" name="TextBox 8">
-            <a:extLst>
-              <a:ext uri="{FF2B5EF4-FFF2-40B4-BE49-F238E27FC236}">
-                <a16:creationId xmlns:a16="http://schemas.microsoft.com/office/drawing/2014/main" id="{892C5DDA-40EE-4B50-9C05-6AFC7089F348}"/>
-              </a:ext>
-            </a:extLst>
-          </p:cNvPr>
-          <p:cNvSpPr txBox="1"/>
-          <p:nvPr/>
-        </p:nvSpPr>
-        <p:spPr>
-          <a:xfrm>
-            <a:off x="1704513" y="620822"/>
-            <a:ext cx="1266372" cy="400110"/>
-          </a:xfrm>
-          <a:prstGeom prst="rect">
-            <a:avLst/>
-          </a:prstGeom>
-          <a:noFill/>
-        </p:spPr>
-        <p:txBody>
-          <a:bodyPr wrap="none" rtlCol="0">
-            <a:spAutoFit/>
-          </a:bodyPr>
-          <a:lstStyle/>
-          <a:p>
-            <a:r>
-              <a:rPr lang="en-US" altLang="ko-KR" sz="2000" dirty="0"/>
-              <a:t>UML Tools</a:t>
-            </a:r>
-          </a:p>
-        </p:txBody>
-      </p:sp>
-      <p:sp>
-        <p:nvSpPr>
-          <p:cNvPr id="2" name="TextBox 1">
-            <a:extLst>
-              <a:ext uri="{FF2B5EF4-FFF2-40B4-BE49-F238E27FC236}">
-                <a16:creationId xmlns:a16="http://schemas.microsoft.com/office/drawing/2014/main" id="{76A9A7E0-07CD-4ED9-86BC-EA199523F4E6}"/>
-              </a:ext>
-            </a:extLst>
-          </p:cNvPr>
-          <p:cNvSpPr txBox="1"/>
-          <p:nvPr/>
-        </p:nvSpPr>
-        <p:spPr>
-          <a:xfrm>
-            <a:off x="4220335" y="3167390"/>
-            <a:ext cx="3751348" cy="461665"/>
-          </a:xfrm>
-          <a:prstGeom prst="rect">
-            <a:avLst/>
-          </a:prstGeom>
-          <a:noFill/>
-        </p:spPr>
-        <p:txBody>
-          <a:bodyPr wrap="none" rtlCol="0">
-            <a:spAutoFit/>
-          </a:bodyPr>
-          <a:lstStyle/>
-          <a:p>
-            <a:pPr algn="ctr"/>
-            <a:r>
-              <a:rPr lang="en-US" altLang="ko-KR" sz="2400" dirty="0"/>
-              <a:t>UML</a:t>
-            </a:r>
-            <a:r>
-              <a:rPr lang="ko-KR" altLang="en-US" sz="2400" dirty="0"/>
-              <a:t> 설계를 도와주는 도구</a:t>
-            </a:r>
-          </a:p>
-        </p:txBody>
-      </p:sp>
-    </p:spTree>
-    <p:extLst>
-      <p:ext uri="{BB962C8B-B14F-4D97-AF65-F5344CB8AC3E}">
-        <p14:creationId xmlns:p14="http://schemas.microsoft.com/office/powerpoint/2010/main" val="1131196585"/>
-      </p:ext>
-    </p:extLst>
-  </p:cSld>
-  <p:clrMapOvr>
-    <a:masterClrMapping/>
-  </p:clrMapOvr>
-</p:sld>
-</file>
-
-<file path=ppt/slides/slide3.xml><?xml version="1.0" encoding="utf-8"?>
-<p:sld xmlns:a="http://schemas.openxmlformats.org/drawingml/2006/main" xmlns:r="http://schemas.openxmlformats.org/officeDocument/2006/relationships" xmlns:p="http://schemas.openxmlformats.org/presentationml/2006/main">
-  <p:cSld>
-    <p:spTree>
-      <p:nvGrpSpPr>
-        <p:cNvPr id="1" name=""/>
-        <p:cNvGrpSpPr/>
-        <p:nvPr/>
-      </p:nvGrpSpPr>
-      <p:grpSpPr>
-        <a:xfrm>
-          <a:off x="0" y="0"/>
-          <a:ext cx="0" cy="0"/>
-          <a:chOff x="0" y="0"/>
-          <a:chExt cx="0" cy="0"/>
-        </a:xfrm>
-      </p:grpSpPr>
-      <p:sp>
-        <p:nvSpPr>
-          <p:cNvPr id="10" name="직사각형 9">
-            <a:extLst>
-              <a:ext uri="{FF2B5EF4-FFF2-40B4-BE49-F238E27FC236}">
-                <a16:creationId xmlns:a16="http://schemas.microsoft.com/office/drawing/2014/main" id="{72422AE4-B2BC-47F4-A55A-7923EBDB55ED}"/>
-              </a:ext>
-            </a:extLst>
-          </p:cNvPr>
-          <p:cNvSpPr/>
-          <p:nvPr/>
-        </p:nvSpPr>
-        <p:spPr>
-          <a:xfrm>
-            <a:off x="1586143" y="1020932"/>
-            <a:ext cx="9268287" cy="45719"/>
-          </a:xfrm>
-          <a:prstGeom prst="rect">
-            <a:avLst/>
-          </a:prstGeom>
-        </p:spPr>
-        <p:style>
-          <a:lnRef idx="2">
-            <a:schemeClr val="accent1">
-              <a:shade val="50000"/>
-            </a:schemeClr>
-          </a:lnRef>
-          <a:fillRef idx="1">
-            <a:schemeClr val="accent1"/>
-          </a:fillRef>
-          <a:effectRef idx="0">
-            <a:schemeClr val="accent1"/>
-          </a:effectRef>
-          <a:fontRef idx="minor">
-            <a:schemeClr val="lt1"/>
-          </a:fontRef>
-        </p:style>
-        <p:txBody>
-          <a:bodyPr rtlCol="0" anchor="ctr"/>
-          <a:lstStyle/>
-          <a:p>
-            <a:pPr algn="ctr"/>
-            <a:endParaRPr lang="ko-KR" altLang="en-US"/>
-          </a:p>
-        </p:txBody>
-      </p:sp>
-      <p:sp>
-        <p:nvSpPr>
-          <p:cNvPr id="11" name="직사각형 10">
-            <a:extLst>
-              <a:ext uri="{FF2B5EF4-FFF2-40B4-BE49-F238E27FC236}">
-                <a16:creationId xmlns:a16="http://schemas.microsoft.com/office/drawing/2014/main" id="{88C624B5-9431-4451-97AF-3F26F9D86089}"/>
-              </a:ext>
-            </a:extLst>
-          </p:cNvPr>
-          <p:cNvSpPr/>
-          <p:nvPr/>
-        </p:nvSpPr>
-        <p:spPr>
-          <a:xfrm flipV="1">
-            <a:off x="1586143" y="6174982"/>
-            <a:ext cx="9268287" cy="45719"/>
-          </a:xfrm>
-          <a:prstGeom prst="rect">
-            <a:avLst/>
-          </a:prstGeom>
-        </p:spPr>
-        <p:style>
-          <a:lnRef idx="2">
-            <a:schemeClr val="accent1">
-              <a:shade val="50000"/>
-            </a:schemeClr>
-          </a:lnRef>
-          <a:fillRef idx="1">
-            <a:schemeClr val="accent1"/>
-          </a:fillRef>
-          <a:effectRef idx="0">
-            <a:schemeClr val="accent1"/>
-          </a:effectRef>
-          <a:fontRef idx="minor">
-            <a:schemeClr val="lt1"/>
-          </a:fontRef>
-        </p:style>
-        <p:txBody>
-          <a:bodyPr rtlCol="0" anchor="ctr"/>
-          <a:lstStyle/>
-          <a:p>
-            <a:pPr algn="ctr"/>
-            <a:endParaRPr lang="ko-KR" altLang="en-US"/>
-          </a:p>
-        </p:txBody>
-      </p:sp>
-      <p:sp>
-        <p:nvSpPr>
-          <p:cNvPr id="9" name="TextBox 8">
-            <a:extLst>
-              <a:ext uri="{FF2B5EF4-FFF2-40B4-BE49-F238E27FC236}">
-                <a16:creationId xmlns:a16="http://schemas.microsoft.com/office/drawing/2014/main" id="{892C5DDA-40EE-4B50-9C05-6AFC7089F348}"/>
-              </a:ext>
-            </a:extLst>
-          </p:cNvPr>
-          <p:cNvSpPr txBox="1"/>
-          <p:nvPr/>
-        </p:nvSpPr>
-        <p:spPr>
-          <a:xfrm>
-            <a:off x="1704513" y="620822"/>
-            <a:ext cx="1550361" cy="400110"/>
-          </a:xfrm>
-          <a:prstGeom prst="rect">
-            <a:avLst/>
-          </a:prstGeom>
-          <a:noFill/>
-        </p:spPr>
-        <p:txBody>
-          <a:bodyPr wrap="none" rtlCol="0">
-            <a:spAutoFit/>
-          </a:bodyPr>
-          <a:lstStyle/>
-          <a:p>
-            <a:r>
-              <a:rPr lang="en-US" altLang="ko-KR" sz="2000" dirty="0"/>
-              <a:t>Rational rose</a:t>
-            </a:r>
-          </a:p>
-        </p:txBody>
-      </p:sp>
-      <p:sp>
-        <p:nvSpPr>
-          <p:cNvPr id="2" name="TextBox 1">
-            <a:extLst>
-              <a:ext uri="{FF2B5EF4-FFF2-40B4-BE49-F238E27FC236}">
-                <a16:creationId xmlns:a16="http://schemas.microsoft.com/office/drawing/2014/main" id="{76A9A7E0-07CD-4ED9-86BC-EA199523F4E6}"/>
-              </a:ext>
-            </a:extLst>
-          </p:cNvPr>
-          <p:cNvSpPr txBox="1"/>
-          <p:nvPr/>
-        </p:nvSpPr>
-        <p:spPr>
-          <a:xfrm>
-            <a:off x="3676331" y="4888089"/>
-            <a:ext cx="4839338" cy="461665"/>
-          </a:xfrm>
-          <a:prstGeom prst="rect">
-            <a:avLst/>
-          </a:prstGeom>
-          <a:noFill/>
-        </p:spPr>
-        <p:txBody>
-          <a:bodyPr wrap="none" rtlCol="0">
-            <a:spAutoFit/>
-          </a:bodyPr>
-          <a:lstStyle/>
-          <a:p>
-            <a:pPr algn="ctr"/>
-            <a:r>
-              <a:rPr lang="en-US" altLang="ko-KR" sz="2400" dirty="0"/>
-              <a:t>IBM</a:t>
-            </a:r>
-            <a:r>
-              <a:rPr lang="ko-KR" altLang="en-US" sz="2400" dirty="0"/>
-              <a:t> </a:t>
-            </a:r>
-            <a:r>
-              <a:rPr lang="en-US" altLang="ko-KR" sz="2400" dirty="0"/>
-              <a:t>Rational</a:t>
-            </a:r>
-            <a:r>
-              <a:rPr lang="ko-KR" altLang="en-US" sz="2400" dirty="0"/>
-              <a:t> </a:t>
-            </a:r>
-            <a:r>
-              <a:rPr lang="en-US" altLang="ko-KR" sz="2400" dirty="0"/>
-              <a:t>Software Architect(RSA)</a:t>
-            </a:r>
-            <a:endParaRPr lang="ko-KR" altLang="en-US" sz="2400" dirty="0"/>
-          </a:p>
-        </p:txBody>
-      </p:sp>
-      <p:pic>
-        <p:nvPicPr>
-          <p:cNvPr id="4" name="그림 3">
-            <a:extLst>
-              <a:ext uri="{FF2B5EF4-FFF2-40B4-BE49-F238E27FC236}">
-                <a16:creationId xmlns:a16="http://schemas.microsoft.com/office/drawing/2014/main" id="{F7246A50-5831-4DD4-A2CD-EE8DFD9AD4B3}"/>
-              </a:ext>
-            </a:extLst>
-          </p:cNvPr>
-          <p:cNvPicPr>
-            <a:picLocks noChangeAspect="1"/>
-          </p:cNvPicPr>
-          <p:nvPr/>
-        </p:nvPicPr>
-        <p:blipFill>
-          <a:blip r:embed="rId3">
-            <a:extLst>
-              <a:ext uri="{28A0092B-C50C-407E-A947-70E740481C1C}">
-                <a14:useLocalDpi xmlns:a14="http://schemas.microsoft.com/office/drawing/2010/main" val="0"/>
-              </a:ext>
-            </a:extLst>
-          </a:blip>
-          <a:stretch>
-            <a:fillRect/>
-          </a:stretch>
-        </p:blipFill>
-        <p:spPr>
-          <a:xfrm>
-            <a:off x="5000472" y="2333472"/>
-            <a:ext cx="2191056" cy="2191056"/>
-          </a:xfrm>
-          <a:prstGeom prst="rect">
-            <a:avLst/>
-          </a:prstGeom>
-        </p:spPr>
-      </p:pic>
-    </p:spTree>
-    <p:extLst>
-      <p:ext uri="{BB962C8B-B14F-4D97-AF65-F5344CB8AC3E}">
-        <p14:creationId xmlns:p14="http://schemas.microsoft.com/office/powerpoint/2010/main" val="3747662472"/>
-      </p:ext>
-    </p:extLst>
-  </p:cSld>
-  <p:clrMapOvr>
-    <a:masterClrMapping/>
-  </p:clrMapOvr>
-</p:sld>
-</file>
-
-<file path=ppt/slides/slide4.xml><?xml version="1.0" encoding="utf-8"?>
-<p:sld xmlns:a="http://schemas.openxmlformats.org/drawingml/2006/main" xmlns:r="http://schemas.openxmlformats.org/officeDocument/2006/relationships" xmlns:p="http://schemas.openxmlformats.org/presentationml/2006/main">
-  <p:cSld>
-    <p:spTree>
-      <p:nvGrpSpPr>
-        <p:cNvPr id="1" name=""/>
-        <p:cNvGrpSpPr/>
-        <p:nvPr/>
-      </p:nvGrpSpPr>
-      <p:grpSpPr>
-        <a:xfrm>
-          <a:off x="0" y="0"/>
-          <a:ext cx="0" cy="0"/>
-          <a:chOff x="0" y="0"/>
-          <a:chExt cx="0" cy="0"/>
-        </a:xfrm>
-      </p:grpSpPr>
-      <p:sp>
-        <p:nvSpPr>
-          <p:cNvPr id="10" name="직사각형 9">
-            <a:extLst>
-              <a:ext uri="{FF2B5EF4-FFF2-40B4-BE49-F238E27FC236}">
-                <a16:creationId xmlns:a16="http://schemas.microsoft.com/office/drawing/2014/main" id="{72422AE4-B2BC-47F4-A55A-7923EBDB55ED}"/>
-              </a:ext>
-            </a:extLst>
-          </p:cNvPr>
-          <p:cNvSpPr/>
-          <p:nvPr/>
-        </p:nvSpPr>
-        <p:spPr>
-          <a:xfrm>
-            <a:off x="1586143" y="1020932"/>
-            <a:ext cx="9268287" cy="45719"/>
-          </a:xfrm>
-          <a:prstGeom prst="rect">
-            <a:avLst/>
-          </a:prstGeom>
-        </p:spPr>
-        <p:style>
-          <a:lnRef idx="2">
-            <a:schemeClr val="accent1">
-              <a:shade val="50000"/>
-            </a:schemeClr>
-          </a:lnRef>
-          <a:fillRef idx="1">
-            <a:schemeClr val="accent1"/>
-          </a:fillRef>
-          <a:effectRef idx="0">
-            <a:schemeClr val="accent1"/>
-          </a:effectRef>
-          <a:fontRef idx="minor">
-            <a:schemeClr val="lt1"/>
-          </a:fontRef>
-        </p:style>
-        <p:txBody>
-          <a:bodyPr rtlCol="0" anchor="ctr"/>
-          <a:lstStyle/>
-          <a:p>
-            <a:pPr algn="ctr"/>
-            <a:endParaRPr lang="ko-KR" altLang="en-US"/>
-          </a:p>
-        </p:txBody>
-      </p:sp>
-      <p:sp>
-        <p:nvSpPr>
-          <p:cNvPr id="11" name="직사각형 10">
-            <a:extLst>
-              <a:ext uri="{FF2B5EF4-FFF2-40B4-BE49-F238E27FC236}">
-                <a16:creationId xmlns:a16="http://schemas.microsoft.com/office/drawing/2014/main" id="{88C624B5-9431-4451-97AF-3F26F9D86089}"/>
-              </a:ext>
-            </a:extLst>
-          </p:cNvPr>
-          <p:cNvSpPr/>
-          <p:nvPr/>
-        </p:nvSpPr>
-        <p:spPr>
-          <a:xfrm flipV="1">
-            <a:off x="1586143" y="6174982"/>
-            <a:ext cx="9268287" cy="45719"/>
-          </a:xfrm>
-          <a:prstGeom prst="rect">
-            <a:avLst/>
-          </a:prstGeom>
-        </p:spPr>
-        <p:style>
-          <a:lnRef idx="2">
-            <a:schemeClr val="accent1">
-              <a:shade val="50000"/>
-            </a:schemeClr>
-          </a:lnRef>
-          <a:fillRef idx="1">
-            <a:schemeClr val="accent1"/>
-          </a:fillRef>
-          <a:effectRef idx="0">
-            <a:schemeClr val="accent1"/>
-          </a:effectRef>
-          <a:fontRef idx="minor">
-            <a:schemeClr val="lt1"/>
-          </a:fontRef>
-        </p:style>
-        <p:txBody>
-          <a:bodyPr rtlCol="0" anchor="ctr"/>
-          <a:lstStyle/>
-          <a:p>
-            <a:pPr algn="ctr"/>
-            <a:endParaRPr lang="ko-KR" altLang="en-US"/>
-          </a:p>
-        </p:txBody>
-      </p:sp>
-      <p:sp>
-        <p:nvSpPr>
-          <p:cNvPr id="9" name="TextBox 8">
-            <a:extLst>
-              <a:ext uri="{FF2B5EF4-FFF2-40B4-BE49-F238E27FC236}">
-                <a16:creationId xmlns:a16="http://schemas.microsoft.com/office/drawing/2014/main" id="{892C5DDA-40EE-4B50-9C05-6AFC7089F348}"/>
-              </a:ext>
-            </a:extLst>
-          </p:cNvPr>
-          <p:cNvSpPr txBox="1"/>
-          <p:nvPr/>
-        </p:nvSpPr>
-        <p:spPr>
-          <a:xfrm>
-            <a:off x="1704513" y="620822"/>
-            <a:ext cx="744306" cy="400110"/>
-          </a:xfrm>
-          <a:prstGeom prst="rect">
-            <a:avLst/>
-          </a:prstGeom>
-          <a:noFill/>
-        </p:spPr>
-        <p:txBody>
-          <a:bodyPr wrap="none" rtlCol="0">
-            <a:spAutoFit/>
-          </a:bodyPr>
-          <a:lstStyle/>
-          <a:p>
-            <a:r>
-              <a:rPr lang="en-US" altLang="ko-KR" sz="2000" dirty="0"/>
-              <a:t>Exam</a:t>
-            </a:r>
-          </a:p>
-        </p:txBody>
-      </p:sp>
-      <p:pic>
-        <p:nvPicPr>
-          <p:cNvPr id="3" name="그림 2">
-            <a:extLst>
-              <a:ext uri="{FF2B5EF4-FFF2-40B4-BE49-F238E27FC236}">
-                <a16:creationId xmlns:a16="http://schemas.microsoft.com/office/drawing/2014/main" id="{3ECC1D6D-E90B-4E9A-937F-D010B7AF2B6C}"/>
-              </a:ext>
-            </a:extLst>
-          </p:cNvPr>
-          <p:cNvPicPr>
-            <a:picLocks noChangeAspect="1"/>
-          </p:cNvPicPr>
-          <p:nvPr/>
-        </p:nvPicPr>
-        <p:blipFill>
-          <a:blip r:embed="rId3">
-            <a:extLst>
-              <a:ext uri="{28A0092B-C50C-407E-A947-70E740481C1C}">
-                <a14:useLocalDpi xmlns:a14="http://schemas.microsoft.com/office/drawing/2010/main" val="0"/>
-              </a:ext>
-            </a:extLst>
-          </a:blip>
-          <a:stretch>
-            <a:fillRect/>
-          </a:stretch>
-        </p:blipFill>
-        <p:spPr>
-          <a:xfrm>
-            <a:off x="1617643" y="1149321"/>
-            <a:ext cx="8956713" cy="4851553"/>
-          </a:xfrm>
-          <a:prstGeom prst="rect">
-            <a:avLst/>
-          </a:prstGeom>
-        </p:spPr>
-      </p:pic>
-    </p:spTree>
-    <p:extLst>
-      <p:ext uri="{BB962C8B-B14F-4D97-AF65-F5344CB8AC3E}">
-        <p14:creationId xmlns:p14="http://schemas.microsoft.com/office/powerpoint/2010/main" val="990115812"/>
-      </p:ext>
-    </p:extLst>
-  </p:cSld>
-  <p:clrMapOvr>
-    <a:masterClrMapping/>
-  </p:clrMapOvr>
-  <p:timing>
-    <p:tnLst>
-      <p:par>
-        <p:cTn id="1" dur="indefinite" restart="never" nodeType="tmRoot">
-          <p:childTnLst>
-            <p:seq concurrent="1" nextAc="seek">
-              <p:cTn id="2" dur="indefinite" nodeType="mainSeq">
-                <p:childTnLst>
-                  <p:par>
-                    <p:cTn id="3" fill="hold">
-                      <p:stCondLst>
-                        <p:cond delay="indefinite"/>
-                      </p:stCondLst>
-                      <p:childTnLst>
-                        <p:par>
-                          <p:cTn id="4" fill="hold">
-                            <p:stCondLst>
-                              <p:cond delay="0"/>
-                            </p:stCondLst>
-                            <p:childTnLst>
-                              <p:par>
-                                <p:cTn id="5" presetID="10" presetClass="entr" presetSubtype="0" fill="hold" nodeType="clickEffect">
-                                  <p:stCondLst>
-                                    <p:cond delay="0"/>
-                                  </p:stCondLst>
-                                  <p:childTnLst>
-                                    <p:set>
-                                      <p:cBhvr>
-                                        <p:cTn id="6" dur="1" fill="hold">
-                                          <p:stCondLst>
-                                            <p:cond delay="0"/>
-                                          </p:stCondLst>
-                                        </p:cTn>
-                                        <p:tgtEl>
-                                          <p:spTgt spid="3"/>
-                                        </p:tgtEl>
-                                        <p:attrNameLst>
-                                          <p:attrName>style.visibility</p:attrName>
-                                        </p:attrNameLst>
-                                      </p:cBhvr>
-                                      <p:to>
-                                        <p:strVal val="visible"/>
-                                      </p:to>
-                                    </p:set>
-                                    <p:animEffect transition="in" filter="fade">
-                                      <p:cBhvr>
-                                        <p:cTn id="7" dur="500"/>
-                                        <p:tgtEl>
-                                          <p:spTgt spid="3"/>
-                                        </p:tgtEl>
-                                      </p:cBhvr>
-                                    </p:animEffect>
-                                  </p:childTnLst>
-                                </p:cTn>
-                              </p:par>
-                            </p:childTnLst>
-                          </p:cTn>
-                        </p:par>
-                      </p:childTnLst>
-                    </p:cTn>
-                  </p:par>
-                </p:childTnLst>
-              </p:cTn>
-              <p:prevCondLst>
-                <p:cond evt="onPrev" delay="0">
-                  <p:tgtEl>
-                    <p:sldTgt/>
-                  </p:tgtEl>
-                </p:cond>
-              </p:prevCondLst>
-              <p:nextCondLst>
-                <p:cond evt="onNext" delay="0">
-                  <p:tgtEl>
-                    <p:sldTgt/>
-                  </p:tgtEl>
-                </p:cond>
-              </p:nextCondLst>
-            </p:seq>
-          </p:childTnLst>
-        </p:cTn>
-      </p:par>
-    </p:tnLst>
-  </p:timing>
-</p:sld>
-</file>
-
-<file path=ppt/slides/slide5.xml><?xml version="1.0" encoding="utf-8"?>
-<p:sld xmlns:a="http://schemas.openxmlformats.org/drawingml/2006/main" xmlns:r="http://schemas.openxmlformats.org/officeDocument/2006/relationships" xmlns:p="http://schemas.openxmlformats.org/presentationml/2006/main">
-  <p:cSld>
-    <p:spTree>
-      <p:nvGrpSpPr>
-        <p:cNvPr id="1" name=""/>
-        <p:cNvGrpSpPr/>
-        <p:nvPr/>
-      </p:nvGrpSpPr>
-      <p:grpSpPr>
-        <a:xfrm>
-          <a:off x="0" y="0"/>
-          <a:ext cx="0" cy="0"/>
-          <a:chOff x="0" y="0"/>
-          <a:chExt cx="0" cy="0"/>
-        </a:xfrm>
-      </p:grpSpPr>
-      <p:sp>
-        <p:nvSpPr>
-          <p:cNvPr id="10" name="직사각형 9">
-            <a:extLst>
-              <a:ext uri="{FF2B5EF4-FFF2-40B4-BE49-F238E27FC236}">
-                <a16:creationId xmlns:a16="http://schemas.microsoft.com/office/drawing/2014/main" id="{72422AE4-B2BC-47F4-A55A-7923EBDB55ED}"/>
-              </a:ext>
-            </a:extLst>
-          </p:cNvPr>
-          <p:cNvSpPr/>
-          <p:nvPr/>
-        </p:nvSpPr>
-        <p:spPr>
-          <a:xfrm>
-            <a:off x="1586143" y="1020932"/>
-            <a:ext cx="9268287" cy="45719"/>
-          </a:xfrm>
-          <a:prstGeom prst="rect">
-            <a:avLst/>
-          </a:prstGeom>
-        </p:spPr>
-        <p:style>
-          <a:lnRef idx="2">
-            <a:schemeClr val="accent1">
-              <a:shade val="50000"/>
-            </a:schemeClr>
-          </a:lnRef>
-          <a:fillRef idx="1">
-            <a:schemeClr val="accent1"/>
-          </a:fillRef>
-          <a:effectRef idx="0">
-            <a:schemeClr val="accent1"/>
-          </a:effectRef>
-          <a:fontRef idx="minor">
-            <a:schemeClr val="lt1"/>
-          </a:fontRef>
-        </p:style>
-        <p:txBody>
-          <a:bodyPr rtlCol="0" anchor="ctr"/>
-          <a:lstStyle/>
-          <a:p>
-            <a:pPr algn="ctr"/>
-            <a:endParaRPr lang="ko-KR" altLang="en-US"/>
-          </a:p>
-        </p:txBody>
-      </p:sp>
-      <p:sp>
-        <p:nvSpPr>
-          <p:cNvPr id="11" name="직사각형 10">
-            <a:extLst>
-              <a:ext uri="{FF2B5EF4-FFF2-40B4-BE49-F238E27FC236}">
-                <a16:creationId xmlns:a16="http://schemas.microsoft.com/office/drawing/2014/main" id="{88C624B5-9431-4451-97AF-3F26F9D86089}"/>
-              </a:ext>
-            </a:extLst>
-          </p:cNvPr>
-          <p:cNvSpPr/>
-          <p:nvPr/>
-        </p:nvSpPr>
-        <p:spPr>
-          <a:xfrm flipV="1">
-            <a:off x="1586143" y="6174982"/>
-            <a:ext cx="9268287" cy="45719"/>
-          </a:xfrm>
-          <a:prstGeom prst="rect">
-            <a:avLst/>
-          </a:prstGeom>
-        </p:spPr>
-        <p:style>
-          <a:lnRef idx="2">
-            <a:schemeClr val="accent1">
-              <a:shade val="50000"/>
-            </a:schemeClr>
-          </a:lnRef>
-          <a:fillRef idx="1">
-            <a:schemeClr val="accent1"/>
-          </a:fillRef>
-          <a:effectRef idx="0">
-            <a:schemeClr val="accent1"/>
-          </a:effectRef>
-          <a:fontRef idx="minor">
-            <a:schemeClr val="lt1"/>
-          </a:fontRef>
-        </p:style>
-        <p:txBody>
-          <a:bodyPr rtlCol="0" anchor="ctr"/>
-          <a:lstStyle/>
-          <a:p>
-            <a:pPr algn="ctr"/>
-            <a:endParaRPr lang="ko-KR" altLang="en-US"/>
-          </a:p>
-        </p:txBody>
-      </p:sp>
-      <p:sp>
-        <p:nvSpPr>
-          <p:cNvPr id="9" name="TextBox 8">
-            <a:extLst>
-              <a:ext uri="{FF2B5EF4-FFF2-40B4-BE49-F238E27FC236}">
-                <a16:creationId xmlns:a16="http://schemas.microsoft.com/office/drawing/2014/main" id="{892C5DDA-40EE-4B50-9C05-6AFC7089F348}"/>
-              </a:ext>
-            </a:extLst>
-          </p:cNvPr>
-          <p:cNvSpPr txBox="1"/>
-          <p:nvPr/>
-        </p:nvSpPr>
-        <p:spPr>
-          <a:xfrm>
-            <a:off x="1704513" y="620822"/>
-            <a:ext cx="1961243" cy="400110"/>
-          </a:xfrm>
-          <a:prstGeom prst="rect">
-            <a:avLst/>
-          </a:prstGeom>
-          <a:noFill/>
-        </p:spPr>
-        <p:txBody>
-          <a:bodyPr wrap="none" rtlCol="0">
-            <a:spAutoFit/>
-          </a:bodyPr>
-          <a:lstStyle/>
-          <a:p>
-            <a:r>
-              <a:rPr lang="en-US" altLang="ko-KR" sz="2000" dirty="0"/>
-              <a:t>Borland together</a:t>
-            </a:r>
-          </a:p>
-        </p:txBody>
-      </p:sp>
-      <p:sp>
-        <p:nvSpPr>
-          <p:cNvPr id="2" name="TextBox 1">
-            <a:extLst>
-              <a:ext uri="{FF2B5EF4-FFF2-40B4-BE49-F238E27FC236}">
-                <a16:creationId xmlns:a16="http://schemas.microsoft.com/office/drawing/2014/main" id="{76A9A7E0-07CD-4ED9-86BC-EA199523F4E6}"/>
-              </a:ext>
-            </a:extLst>
-          </p:cNvPr>
-          <p:cNvSpPr txBox="1"/>
-          <p:nvPr/>
-        </p:nvSpPr>
-        <p:spPr>
-          <a:xfrm>
-            <a:off x="4699341" y="4767590"/>
-            <a:ext cx="2793329" cy="461665"/>
-          </a:xfrm>
-          <a:prstGeom prst="rect">
-            <a:avLst/>
-          </a:prstGeom>
-          <a:noFill/>
-        </p:spPr>
-        <p:txBody>
-          <a:bodyPr wrap="none" rtlCol="0">
-            <a:spAutoFit/>
-          </a:bodyPr>
-          <a:lstStyle/>
-          <a:p>
-            <a:pPr algn="ctr"/>
-            <a:r>
-              <a:rPr lang="en-US" altLang="ko-KR" sz="2400" dirty="0"/>
-              <a:t>Micro focus together</a:t>
-            </a:r>
-          </a:p>
-        </p:txBody>
-      </p:sp>
-      <p:pic>
-        <p:nvPicPr>
-          <p:cNvPr id="4" name="그림 3">
-            <a:extLst>
-              <a:ext uri="{FF2B5EF4-FFF2-40B4-BE49-F238E27FC236}">
-                <a16:creationId xmlns:a16="http://schemas.microsoft.com/office/drawing/2014/main" id="{525D04CD-1DE8-4AC5-B1CB-0B2865ED21C6}"/>
-              </a:ext>
-            </a:extLst>
-          </p:cNvPr>
-          <p:cNvPicPr>
-            <a:picLocks noChangeAspect="1"/>
-          </p:cNvPicPr>
-          <p:nvPr/>
-        </p:nvPicPr>
-        <p:blipFill>
-          <a:blip r:embed="rId3">
-            <a:extLst>
-              <a:ext uri="{28A0092B-C50C-407E-A947-70E740481C1C}">
-                <a14:useLocalDpi xmlns:a14="http://schemas.microsoft.com/office/drawing/2010/main" val="0"/>
-              </a:ext>
-            </a:extLst>
-          </a:blip>
-          <a:stretch>
-            <a:fillRect/>
-          </a:stretch>
-        </p:blipFill>
-        <p:spPr>
-          <a:xfrm>
-            <a:off x="4460179" y="3013501"/>
-            <a:ext cx="3271642" cy="830997"/>
-          </a:xfrm>
-          <a:prstGeom prst="rect">
-            <a:avLst/>
-          </a:prstGeom>
-        </p:spPr>
-      </p:pic>
-    </p:spTree>
-    <p:extLst>
-      <p:ext uri="{BB962C8B-B14F-4D97-AF65-F5344CB8AC3E}">
-        <p14:creationId xmlns:p14="http://schemas.microsoft.com/office/powerpoint/2010/main" val="639559170"/>
-      </p:ext>
-    </p:extLst>
-  </p:cSld>
-  <p:clrMapOvr>
-    <a:masterClrMapping/>
-  </p:clrMapOvr>
-</p:sld>
-</file>
-
-<file path=ppt/slides/slide6.xml><?xml version="1.0" encoding="utf-8"?>
-<p:sld xmlns:a="http://schemas.openxmlformats.org/drawingml/2006/main" xmlns:r="http://schemas.openxmlformats.org/officeDocument/2006/relationships" xmlns:p="http://schemas.openxmlformats.org/presentationml/2006/main">
-  <p:cSld>
-    <p:spTree>
-      <p:nvGrpSpPr>
-        <p:cNvPr id="1" name=""/>
-        <p:cNvGrpSpPr/>
-        <p:nvPr/>
-      </p:nvGrpSpPr>
-      <p:grpSpPr>
-        <a:xfrm>
-          <a:off x="0" y="0"/>
-          <a:ext cx="0" cy="0"/>
-          <a:chOff x="0" y="0"/>
-          <a:chExt cx="0" cy="0"/>
-        </a:xfrm>
-      </p:grpSpPr>
-      <p:sp>
-        <p:nvSpPr>
-          <p:cNvPr id="10" name="직사각형 9">
-            <a:extLst>
-              <a:ext uri="{FF2B5EF4-FFF2-40B4-BE49-F238E27FC236}">
-                <a16:creationId xmlns:a16="http://schemas.microsoft.com/office/drawing/2014/main" id="{72422AE4-B2BC-47F4-A55A-7923EBDB55ED}"/>
-              </a:ext>
-            </a:extLst>
-          </p:cNvPr>
-          <p:cNvSpPr/>
-          <p:nvPr/>
-        </p:nvSpPr>
-        <p:spPr>
-          <a:xfrm>
-            <a:off x="1586143" y="1020932"/>
-            <a:ext cx="9268287" cy="45719"/>
-          </a:xfrm>
-          <a:prstGeom prst="rect">
-            <a:avLst/>
-          </a:prstGeom>
-        </p:spPr>
-        <p:style>
-          <a:lnRef idx="2">
-            <a:schemeClr val="accent1">
-              <a:shade val="50000"/>
-            </a:schemeClr>
-          </a:lnRef>
-          <a:fillRef idx="1">
-            <a:schemeClr val="accent1"/>
-          </a:fillRef>
-          <a:effectRef idx="0">
-            <a:schemeClr val="accent1"/>
-          </a:effectRef>
-          <a:fontRef idx="minor">
-            <a:schemeClr val="lt1"/>
-          </a:fontRef>
-        </p:style>
-        <p:txBody>
-          <a:bodyPr rtlCol="0" anchor="ctr"/>
-          <a:lstStyle/>
-          <a:p>
-            <a:pPr algn="ctr"/>
-            <a:endParaRPr lang="ko-KR" altLang="en-US"/>
-          </a:p>
-        </p:txBody>
-      </p:sp>
-      <p:sp>
-        <p:nvSpPr>
-          <p:cNvPr id="11" name="직사각형 10">
-            <a:extLst>
-              <a:ext uri="{FF2B5EF4-FFF2-40B4-BE49-F238E27FC236}">
-                <a16:creationId xmlns:a16="http://schemas.microsoft.com/office/drawing/2014/main" id="{88C624B5-9431-4451-97AF-3F26F9D86089}"/>
-              </a:ext>
-            </a:extLst>
-          </p:cNvPr>
-          <p:cNvSpPr/>
-          <p:nvPr/>
-        </p:nvSpPr>
-        <p:spPr>
-          <a:xfrm flipV="1">
-            <a:off x="1586143" y="6174982"/>
-            <a:ext cx="9268287" cy="45719"/>
-          </a:xfrm>
-          <a:prstGeom prst="rect">
-            <a:avLst/>
-          </a:prstGeom>
-        </p:spPr>
-        <p:style>
-          <a:lnRef idx="2">
-            <a:schemeClr val="accent1">
-              <a:shade val="50000"/>
-            </a:schemeClr>
-          </a:lnRef>
-          <a:fillRef idx="1">
-            <a:schemeClr val="accent1"/>
-          </a:fillRef>
-          <a:effectRef idx="0">
-            <a:schemeClr val="accent1"/>
-          </a:effectRef>
-          <a:fontRef idx="minor">
-            <a:schemeClr val="lt1"/>
-          </a:fontRef>
-        </p:style>
-        <p:txBody>
-          <a:bodyPr rtlCol="0" anchor="ctr"/>
-          <a:lstStyle/>
-          <a:p>
-            <a:pPr algn="ctr"/>
-            <a:endParaRPr lang="ko-KR" altLang="en-US"/>
-          </a:p>
-        </p:txBody>
-      </p:sp>
-      <p:sp>
-        <p:nvSpPr>
-          <p:cNvPr id="9" name="TextBox 8">
-            <a:extLst>
-              <a:ext uri="{FF2B5EF4-FFF2-40B4-BE49-F238E27FC236}">
-                <a16:creationId xmlns:a16="http://schemas.microsoft.com/office/drawing/2014/main" id="{892C5DDA-40EE-4B50-9C05-6AFC7089F348}"/>
-              </a:ext>
-            </a:extLst>
-          </p:cNvPr>
-          <p:cNvSpPr txBox="1"/>
-          <p:nvPr/>
-        </p:nvSpPr>
-        <p:spPr>
-          <a:xfrm>
-            <a:off x="1704513" y="620822"/>
             <a:ext cx="1092030" cy="400110"/>
           </a:xfrm>
           <a:prstGeom prst="rect">
@@ -7034,7 +5965,7 @@
 </p:sld>
 </file>
 
-<file path=ppt/slides/slide7.xml><?xml version="1.0" encoding="utf-8"?>
+<file path=ppt/slides/slide12.xml><?xml version="1.0" encoding="utf-8"?>
 <p:sld xmlns:a="http://schemas.openxmlformats.org/drawingml/2006/main" xmlns:r="http://schemas.openxmlformats.org/officeDocument/2006/relationships" xmlns:p="http://schemas.openxmlformats.org/presentationml/2006/main">
   <p:cSld>
     <p:spTree>
@@ -7310,7 +6241,7 @@
 </p:sld>
 </file>
 
-<file path=ppt/slides/slide8.xml><?xml version="1.0" encoding="utf-8"?>
+<file path=ppt/slides/slide13.xml><?xml version="1.0" encoding="utf-8"?>
 <p:sld xmlns:a="http://schemas.openxmlformats.org/drawingml/2006/main" xmlns:r="http://schemas.openxmlformats.org/officeDocument/2006/relationships" xmlns:p="http://schemas.openxmlformats.org/presentationml/2006/main">
   <p:cSld>
     <p:spTree>
@@ -7434,7 +6365,7 @@
         <p:spPr>
           <a:xfrm>
             <a:off x="1704513" y="620822"/>
-            <a:ext cx="1268296" cy="400110"/>
+            <a:ext cx="744306" cy="400110"/>
           </a:xfrm>
           <a:prstGeom prst="rect">
             <a:avLst/>
@@ -7448,19 +6379,176 @@
           <a:lstStyle/>
           <a:p>
             <a:r>
-              <a:rPr lang="ko-KR" altLang="en-US" sz="2000" dirty="0"/>
-              <a:t>공통 사항</a:t>
-            </a:r>
-            <a:endParaRPr lang="en-US" altLang="ko-KR" sz="2000" dirty="0"/>
-          </a:p>
-        </p:txBody>
-      </p:sp>
-      <p:sp>
-        <p:nvSpPr>
-          <p:cNvPr id="2" name="TextBox 1">
+              <a:rPr lang="en-US" altLang="ko-KR" sz="2000" dirty="0"/>
+              <a:t>Exam</a:t>
+            </a:r>
+          </a:p>
+        </p:txBody>
+      </p:sp>
+      <p:pic>
+        <p:nvPicPr>
+          <p:cNvPr id="3" name="그림 2">
             <a:extLst>
               <a:ext uri="{FF2B5EF4-FFF2-40B4-BE49-F238E27FC236}">
-                <a16:creationId xmlns:a16="http://schemas.microsoft.com/office/drawing/2014/main" id="{76A9A7E0-07CD-4ED9-86BC-EA199523F4E6}"/>
+                <a16:creationId xmlns:a16="http://schemas.microsoft.com/office/drawing/2014/main" id="{9DEBD908-B91B-4D10-A718-06DB035B8398}"/>
+              </a:ext>
+            </a:extLst>
+          </p:cNvPr>
+          <p:cNvPicPr>
+            <a:picLocks noChangeAspect="1"/>
+          </p:cNvPicPr>
+          <p:nvPr/>
+        </p:nvPicPr>
+        <p:blipFill>
+          <a:blip r:embed="rId3">
+            <a:extLst>
+              <a:ext uri="{28A0092B-C50C-407E-A947-70E740481C1C}">
+                <a14:useLocalDpi xmlns:a14="http://schemas.microsoft.com/office/drawing/2010/main" val="0"/>
+              </a:ext>
+            </a:extLst>
+          </a:blip>
+          <a:stretch>
+            <a:fillRect/>
+          </a:stretch>
+        </p:blipFill>
+        <p:spPr>
+          <a:xfrm>
+            <a:off x="2732426" y="1464281"/>
+            <a:ext cx="7017502" cy="4565604"/>
+          </a:xfrm>
+          <a:prstGeom prst="rect">
+            <a:avLst/>
+          </a:prstGeom>
+        </p:spPr>
+      </p:pic>
+    </p:spTree>
+    <p:extLst>
+      <p:ext uri="{BB962C8B-B14F-4D97-AF65-F5344CB8AC3E}">
+        <p14:creationId xmlns:p14="http://schemas.microsoft.com/office/powerpoint/2010/main" val="137364496"/>
+      </p:ext>
+    </p:extLst>
+  </p:cSld>
+  <p:clrMapOvr>
+    <a:masterClrMapping/>
+  </p:clrMapOvr>
+</p:sld>
+</file>
+
+<file path=ppt/slides/slide14.xml><?xml version="1.0" encoding="utf-8"?>
+<p:sld xmlns:a="http://schemas.openxmlformats.org/drawingml/2006/main" xmlns:r="http://schemas.openxmlformats.org/officeDocument/2006/relationships" xmlns:p="http://schemas.openxmlformats.org/presentationml/2006/main">
+  <p:cSld>
+    <p:spTree>
+      <p:nvGrpSpPr>
+        <p:cNvPr id="1" name=""/>
+        <p:cNvGrpSpPr/>
+        <p:nvPr/>
+      </p:nvGrpSpPr>
+      <p:grpSpPr>
+        <a:xfrm>
+          <a:off x="0" y="0"/>
+          <a:ext cx="0" cy="0"/>
+          <a:chOff x="0" y="0"/>
+          <a:chExt cx="0" cy="0"/>
+        </a:xfrm>
+      </p:grpSpPr>
+      <p:sp>
+        <p:nvSpPr>
+          <p:cNvPr id="10" name="직사각형 9">
+            <a:extLst>
+              <a:ext uri="{FF2B5EF4-FFF2-40B4-BE49-F238E27FC236}">
+                <a16:creationId xmlns:a16="http://schemas.microsoft.com/office/drawing/2014/main" id="{72422AE4-B2BC-47F4-A55A-7923EBDB55ED}"/>
+              </a:ext>
+            </a:extLst>
+          </p:cNvPr>
+          <p:cNvSpPr/>
+          <p:nvPr/>
+        </p:nvSpPr>
+        <p:spPr>
+          <a:xfrm>
+            <a:off x="1586143" y="1020932"/>
+            <a:ext cx="9268287" cy="45719"/>
+          </a:xfrm>
+          <a:prstGeom prst="rect">
+            <a:avLst/>
+          </a:prstGeom>
+        </p:spPr>
+        <p:style>
+          <a:lnRef idx="2">
+            <a:schemeClr val="accent1">
+              <a:shade val="50000"/>
+            </a:schemeClr>
+          </a:lnRef>
+          <a:fillRef idx="1">
+            <a:schemeClr val="accent1"/>
+          </a:fillRef>
+          <a:effectRef idx="0">
+            <a:schemeClr val="accent1"/>
+          </a:effectRef>
+          <a:fontRef idx="minor">
+            <a:schemeClr val="lt1"/>
+          </a:fontRef>
+        </p:style>
+        <p:txBody>
+          <a:bodyPr rtlCol="0" anchor="ctr"/>
+          <a:lstStyle/>
+          <a:p>
+            <a:pPr algn="ctr"/>
+            <a:endParaRPr lang="ko-KR" altLang="en-US"/>
+          </a:p>
+        </p:txBody>
+      </p:sp>
+      <p:sp>
+        <p:nvSpPr>
+          <p:cNvPr id="11" name="직사각형 10">
+            <a:extLst>
+              <a:ext uri="{FF2B5EF4-FFF2-40B4-BE49-F238E27FC236}">
+                <a16:creationId xmlns:a16="http://schemas.microsoft.com/office/drawing/2014/main" id="{88C624B5-9431-4451-97AF-3F26F9D86089}"/>
+              </a:ext>
+            </a:extLst>
+          </p:cNvPr>
+          <p:cNvSpPr/>
+          <p:nvPr/>
+        </p:nvSpPr>
+        <p:spPr>
+          <a:xfrm flipV="1">
+            <a:off x="1586143" y="6174982"/>
+            <a:ext cx="9268287" cy="45719"/>
+          </a:xfrm>
+          <a:prstGeom prst="rect">
+            <a:avLst/>
+          </a:prstGeom>
+        </p:spPr>
+        <p:style>
+          <a:lnRef idx="2">
+            <a:schemeClr val="accent1">
+              <a:shade val="50000"/>
+            </a:schemeClr>
+          </a:lnRef>
+          <a:fillRef idx="1">
+            <a:schemeClr val="accent1"/>
+          </a:fillRef>
+          <a:effectRef idx="0">
+            <a:schemeClr val="accent1"/>
+          </a:effectRef>
+          <a:fontRef idx="minor">
+            <a:schemeClr val="lt1"/>
+          </a:fontRef>
+        </p:style>
+        <p:txBody>
+          <a:bodyPr rtlCol="0" anchor="ctr"/>
+          <a:lstStyle/>
+          <a:p>
+            <a:pPr algn="ctr"/>
+            <a:endParaRPr lang="ko-KR" altLang="en-US"/>
+          </a:p>
+        </p:txBody>
+      </p:sp>
+      <p:sp>
+        <p:nvSpPr>
+          <p:cNvPr id="9" name="TextBox 8">
+            <a:extLst>
+              <a:ext uri="{FF2B5EF4-FFF2-40B4-BE49-F238E27FC236}">
+                <a16:creationId xmlns:a16="http://schemas.microsoft.com/office/drawing/2014/main" id="{892C5DDA-40EE-4B50-9C05-6AFC7089F348}"/>
               </a:ext>
             </a:extLst>
           </p:cNvPr>
@@ -7469,7 +6557,43 @@
         </p:nvSpPr>
         <p:spPr>
           <a:xfrm>
-            <a:off x="2309807" y="1466761"/>
+            <a:off x="1704513" y="620822"/>
+            <a:ext cx="697627" cy="400110"/>
+          </a:xfrm>
+          <a:prstGeom prst="rect">
+            <a:avLst/>
+          </a:prstGeom>
+          <a:noFill/>
+        </p:spPr>
+        <p:txBody>
+          <a:bodyPr wrap="none" rtlCol="0">
+            <a:spAutoFit/>
+          </a:bodyPr>
+          <a:lstStyle/>
+          <a:p>
+            <a:r>
+              <a:rPr lang="ko-KR" altLang="en-US" sz="2000" dirty="0"/>
+              <a:t>특징</a:t>
+            </a:r>
+            <a:endParaRPr lang="en-US" altLang="ko-KR" sz="2000" dirty="0"/>
+          </a:p>
+        </p:txBody>
+      </p:sp>
+      <p:sp>
+        <p:nvSpPr>
+          <p:cNvPr id="2" name="TextBox 1">
+            <a:extLst>
+              <a:ext uri="{FF2B5EF4-FFF2-40B4-BE49-F238E27FC236}">
+                <a16:creationId xmlns:a16="http://schemas.microsoft.com/office/drawing/2014/main" id="{76A9A7E0-07CD-4ED9-86BC-EA199523F4E6}"/>
+              </a:ext>
+            </a:extLst>
+          </p:cNvPr>
+          <p:cNvSpPr txBox="1"/>
+          <p:nvPr/>
+        </p:nvSpPr>
+        <p:spPr>
+          <a:xfrm>
+            <a:off x="2309807" y="1281956"/>
             <a:ext cx="8089299" cy="2230739"/>
           </a:xfrm>
           <a:prstGeom prst="rect">
@@ -7529,7 +6653,7 @@
             </a:pPr>
             <a:r>
               <a:rPr lang="ko-KR" altLang="en-US" dirty="0"/>
-              <a:t>화이트박스의 성격을 띈 </a:t>
+              <a:t>일부 </a:t>
             </a:r>
             <a:r>
               <a:rPr lang="en-US" altLang="ko-KR" dirty="0"/>
@@ -7537,59 +6661,11 @@
             </a:r>
             <a:r>
               <a:rPr lang="ko-KR" altLang="en-US" dirty="0"/>
-              <a:t>다이어그램은 소스코드로 변환 가능</a:t>
+              <a:t>다이어그램을 소스코드로 변환 가능</a:t>
             </a:r>
             <a:r>
               <a:rPr lang="en-US" altLang="ko-KR" dirty="0"/>
               <a:t>.</a:t>
-            </a:r>
-          </a:p>
-          <a:p>
-            <a:pPr>
-              <a:lnSpc>
-                <a:spcPct val="200000"/>
-              </a:lnSpc>
-            </a:pPr>
-            <a:endParaRPr lang="ko-KR" altLang="en-US" dirty="0"/>
-          </a:p>
-        </p:txBody>
-      </p:sp>
-      <p:sp>
-        <p:nvSpPr>
-          <p:cNvPr id="6" name="TextBox 5">
-            <a:extLst>
-              <a:ext uri="{FF2B5EF4-FFF2-40B4-BE49-F238E27FC236}">
-                <a16:creationId xmlns:a16="http://schemas.microsoft.com/office/drawing/2014/main" id="{2A264114-0D06-4B28-BB3E-A1811D5979EE}"/>
-              </a:ext>
-            </a:extLst>
-          </p:cNvPr>
-          <p:cNvSpPr txBox="1"/>
-          <p:nvPr/>
-        </p:nvSpPr>
-        <p:spPr>
-          <a:xfrm>
-            <a:off x="2309806" y="3429000"/>
-            <a:ext cx="8089299" cy="2230739"/>
-          </a:xfrm>
-          <a:prstGeom prst="rect">
-            <a:avLst/>
-          </a:prstGeom>
-          <a:noFill/>
-        </p:spPr>
-        <p:txBody>
-          <a:bodyPr wrap="square" rtlCol="0">
-            <a:spAutoFit/>
-          </a:bodyPr>
-          <a:lstStyle/>
-          <a:p>
-            <a:pPr>
-              <a:lnSpc>
-                <a:spcPct val="200000"/>
-              </a:lnSpc>
-            </a:pPr>
-            <a:r>
-              <a:rPr lang="en-US" altLang="ko-KR" dirty="0"/>
-              <a:t>Borland together / Rational rose</a:t>
             </a:r>
           </a:p>
           <a:p>
@@ -7601,12 +6677,52 @@
               <a:buChar char="•"/>
             </a:pPr>
             <a:r>
+              <a:rPr lang="ko-KR" altLang="en-US" dirty="0" err="1"/>
+              <a:t>리버스</a:t>
+            </a:r>
+            <a:r>
               <a:rPr lang="ko-KR" altLang="en-US" dirty="0"/>
-              <a:t>실시간 소스코드 변환 가능</a:t>
-            </a:r>
+              <a:t> 엔지니어링 지원</a:t>
+            </a:r>
+          </a:p>
+        </p:txBody>
+      </p:sp>
+      <p:sp>
+        <p:nvSpPr>
+          <p:cNvPr id="6" name="TextBox 5">
+            <a:extLst>
+              <a:ext uri="{FF2B5EF4-FFF2-40B4-BE49-F238E27FC236}">
+                <a16:creationId xmlns:a16="http://schemas.microsoft.com/office/drawing/2014/main" id="{2A264114-0D06-4B28-BB3E-A1811D5979EE}"/>
+              </a:ext>
+            </a:extLst>
+          </p:cNvPr>
+          <p:cNvSpPr txBox="1"/>
+          <p:nvPr/>
+        </p:nvSpPr>
+        <p:spPr>
+          <a:xfrm>
+            <a:off x="2309807" y="3728938"/>
+            <a:ext cx="8089299" cy="2230739"/>
+          </a:xfrm>
+          <a:prstGeom prst="rect">
+            <a:avLst/>
+          </a:prstGeom>
+          <a:noFill/>
+        </p:spPr>
+        <p:txBody>
+          <a:bodyPr wrap="square" rtlCol="0">
+            <a:spAutoFit/>
+          </a:bodyPr>
+          <a:lstStyle/>
+          <a:p>
+            <a:pPr>
+              <a:lnSpc>
+                <a:spcPct val="200000"/>
+              </a:lnSpc>
+            </a:pPr>
             <a:r>
               <a:rPr lang="en-US" altLang="ko-KR" dirty="0"/>
-              <a:t>.</a:t>
+              <a:t>Borland together / Rational rose</a:t>
             </a:r>
           </a:p>
           <a:p>
@@ -7619,7 +6735,7 @@
             </a:pPr>
             <a:r>
               <a:rPr lang="ko-KR" altLang="en-US" dirty="0"/>
-              <a:t>설계와 개발을 동시에 진행 가능</a:t>
+              <a:t>실시간 소스코드 변환 가능</a:t>
             </a:r>
             <a:r>
               <a:rPr lang="en-US" altLang="ko-KR" dirty="0"/>
@@ -7635,12 +6751,37 @@
               <a:buChar char="•"/>
             </a:pPr>
             <a:r>
-              <a:rPr lang="ko-KR" altLang="en-US" dirty="0" err="1"/>
-              <a:t>리버스</a:t>
-            </a:r>
-            <a:r>
               <a:rPr lang="ko-KR" altLang="en-US" dirty="0"/>
-              <a:t> 엔지니어링 지원</a:t>
+              <a:t>설계와 개발을 동시에 진행 가능</a:t>
+            </a:r>
+            <a:r>
+              <a:rPr lang="en-US" altLang="ko-KR" dirty="0"/>
+              <a:t>.</a:t>
+            </a:r>
+          </a:p>
+          <a:p>
+            <a:pPr marL="342900" indent="-342900">
+              <a:lnSpc>
+                <a:spcPct val="200000"/>
+              </a:lnSpc>
+              <a:buFont typeface="Arial" panose="020B0604020202020204" pitchFamily="34" charset="0"/>
+              <a:buChar char="•"/>
+            </a:pPr>
+            <a:r>
+              <a:rPr lang="en-US" altLang="ko-KR" dirty="0"/>
+              <a:t>UML </a:t>
+            </a:r>
+            <a:r>
+              <a:rPr lang="ko-KR" altLang="en-US" dirty="0"/>
+              <a:t>다이어그램을 </a:t>
+            </a:r>
+            <a:r>
+              <a:rPr lang="en-US" altLang="ko-KR" dirty="0"/>
+              <a:t>OOP </a:t>
+            </a:r>
+            <a:r>
+              <a:rPr lang="ko-KR" altLang="en-US" dirty="0"/>
+              <a:t>프로젝트와 함께 관리 가능</a:t>
             </a:r>
             <a:r>
               <a:rPr lang="en-US" altLang="ko-KR" dirty="0"/>
@@ -7659,10 +6800,150 @@
   <p:clrMapOvr>
     <a:masterClrMapping/>
   </p:clrMapOvr>
+  <p:timing>
+    <p:tnLst>
+      <p:par>
+        <p:cTn id="1" dur="indefinite" restart="never" nodeType="tmRoot">
+          <p:childTnLst>
+            <p:seq concurrent="1" nextAc="seek">
+              <p:cTn id="2" dur="indefinite" nodeType="mainSeq">
+                <p:childTnLst>
+                  <p:par>
+                    <p:cTn id="3" fill="hold">
+                      <p:stCondLst>
+                        <p:cond delay="indefinite"/>
+                      </p:stCondLst>
+                      <p:childTnLst>
+                        <p:par>
+                          <p:cTn id="4" fill="hold">
+                            <p:stCondLst>
+                              <p:cond delay="0"/>
+                            </p:stCondLst>
+                            <p:childTnLst>
+                              <p:par>
+                                <p:cTn id="5" presetID="10" presetClass="entr" presetSubtype="0" fill="hold" grpId="0" nodeType="clickEffect">
+                                  <p:stCondLst>
+                                    <p:cond delay="0"/>
+                                  </p:stCondLst>
+                                  <p:childTnLst>
+                                    <p:set>
+                                      <p:cBhvr>
+                                        <p:cTn id="6" dur="1" fill="hold">
+                                          <p:stCondLst>
+                                            <p:cond delay="0"/>
+                                          </p:stCondLst>
+                                        </p:cTn>
+                                        <p:tgtEl>
+                                          <p:spTgt spid="2"/>
+                                        </p:tgtEl>
+                                        <p:attrNameLst>
+                                          <p:attrName>style.visibility</p:attrName>
+                                        </p:attrNameLst>
+                                      </p:cBhvr>
+                                      <p:to>
+                                        <p:strVal val="visible"/>
+                                      </p:to>
+                                    </p:set>
+                                    <p:animEffect transition="in" filter="fade">
+                                      <p:cBhvr>
+                                        <p:cTn id="7" dur="500"/>
+                                        <p:tgtEl>
+                                          <p:spTgt spid="2"/>
+                                        </p:tgtEl>
+                                      </p:cBhvr>
+                                    </p:animEffect>
+                                  </p:childTnLst>
+                                </p:cTn>
+                              </p:par>
+                            </p:childTnLst>
+                          </p:cTn>
+                        </p:par>
+                      </p:childTnLst>
+                    </p:cTn>
+                  </p:par>
+                  <p:par>
+                    <p:cTn id="8" fill="hold">
+                      <p:stCondLst>
+                        <p:cond delay="indefinite"/>
+                      </p:stCondLst>
+                      <p:childTnLst>
+                        <p:par>
+                          <p:cTn id="9" fill="hold">
+                            <p:stCondLst>
+                              <p:cond delay="0"/>
+                            </p:stCondLst>
+                            <p:childTnLst>
+                              <p:par>
+                                <p:cTn id="10" presetID="10" presetClass="entr" presetSubtype="0" fill="hold" grpId="0" nodeType="clickEffect">
+                                  <p:stCondLst>
+                                    <p:cond delay="0"/>
+                                  </p:stCondLst>
+                                  <p:childTnLst>
+                                    <p:set>
+                                      <p:cBhvr>
+                                        <p:cTn id="11" dur="1" fill="hold">
+                                          <p:stCondLst>
+                                            <p:cond delay="0"/>
+                                          </p:stCondLst>
+                                        </p:cTn>
+                                        <p:tgtEl>
+                                          <p:spTgt spid="6"/>
+                                        </p:tgtEl>
+                                        <p:attrNameLst>
+                                          <p:attrName>style.visibility</p:attrName>
+                                        </p:attrNameLst>
+                                      </p:cBhvr>
+                                      <p:to>
+                                        <p:strVal val="visible"/>
+                                      </p:to>
+                                    </p:set>
+                                    <p:animEffect transition="in" filter="fade">
+                                      <p:cBhvr>
+                                        <p:cTn id="12" dur="500"/>
+                                        <p:tgtEl>
+                                          <p:spTgt spid="6"/>
+                                        </p:tgtEl>
+                                      </p:cBhvr>
+                                    </p:animEffect>
+                                  </p:childTnLst>
+                                </p:cTn>
+                              </p:par>
+                            </p:childTnLst>
+                          </p:cTn>
+                        </p:par>
+                      </p:childTnLst>
+                    </p:cTn>
+                  </p:par>
+                </p:childTnLst>
+              </p:cTn>
+              <p:prevCondLst>
+                <p:cond evt="onPrev" delay="0">
+                  <p:tgtEl>
+                    <p:sldTgt/>
+                  </p:tgtEl>
+                </p:cond>
+              </p:prevCondLst>
+              <p:nextCondLst>
+                <p:cond evt="onNext" delay="0">
+                  <p:tgtEl>
+                    <p:sldTgt/>
+                  </p:tgtEl>
+                </p:cond>
+              </p:nextCondLst>
+            </p:seq>
+          </p:childTnLst>
+        </p:cTn>
+      </p:par>
+    </p:tnLst>
+    <p:bldLst>
+      <p:bldP spid="2" grpId="0"/>
+      <p:bldP spid="6" grpId="0"/>
+    </p:bldLst>
+  </p:timing>
 </p:sld>
 </file>
 
-<file path=ppt/slides/slide9.xml><?xml version="1.0" encoding="utf-8"?>
+<file path=ppt/slides/slide15.xml><?xml version="1.0" encoding="utf-8"?>
 <p:sld xmlns:a="http://schemas.openxmlformats.org/drawingml/2006/main" xmlns:r="http://schemas.openxmlformats.org/officeDocument/2006/relationships" xmlns:p="http://schemas.openxmlformats.org/presentationml/2006/main">
   <p:cSld>
     <p:spTree>
@@ -8043,6 +7324,3400 @@
   <p:clrMapOvr>
     <a:masterClrMapping/>
   </p:clrMapOvr>
+</p:sld>
+</file>
+
+<file path=ppt/slides/slide16.xml><?xml version="1.0" encoding="utf-8"?>
+<p:sld xmlns:a="http://schemas.openxmlformats.org/drawingml/2006/main" xmlns:r="http://schemas.openxmlformats.org/officeDocument/2006/relationships" xmlns:p="http://schemas.openxmlformats.org/presentationml/2006/main">
+  <p:cSld>
+    <p:spTree>
+      <p:nvGrpSpPr>
+        <p:cNvPr id="1" name=""/>
+        <p:cNvGrpSpPr/>
+        <p:nvPr/>
+      </p:nvGrpSpPr>
+      <p:grpSpPr>
+        <a:xfrm>
+          <a:off x="0" y="0"/>
+          <a:ext cx="0" cy="0"/>
+          <a:chOff x="0" y="0"/>
+          <a:chExt cx="0" cy="0"/>
+        </a:xfrm>
+      </p:grpSpPr>
+      <p:pic>
+        <p:nvPicPr>
+          <p:cNvPr id="22" name="그림 21">
+            <a:extLst>
+              <a:ext uri="{FF2B5EF4-FFF2-40B4-BE49-F238E27FC236}">
+                <a16:creationId xmlns:a16="http://schemas.microsoft.com/office/drawing/2014/main" id="{29D6EF0C-D29C-4711-9161-7BC41FA66B54}"/>
+              </a:ext>
+            </a:extLst>
+          </p:cNvPr>
+          <p:cNvPicPr>
+            <a:picLocks noChangeAspect="1"/>
+          </p:cNvPicPr>
+          <p:nvPr/>
+        </p:nvPicPr>
+        <p:blipFill>
+          <a:blip r:embed="rId3">
+            <a:extLst>
+              <a:ext uri="{28A0092B-C50C-407E-A947-70E740481C1C}">
+                <a14:useLocalDpi xmlns:a14="http://schemas.microsoft.com/office/drawing/2010/main" val="0"/>
+              </a:ext>
+            </a:extLst>
+          </a:blip>
+          <a:stretch>
+            <a:fillRect/>
+          </a:stretch>
+        </p:blipFill>
+        <p:spPr>
+          <a:xfrm>
+            <a:off x="3944598" y="2329327"/>
+            <a:ext cx="760184" cy="760184"/>
+          </a:xfrm>
+          <a:prstGeom prst="rect">
+            <a:avLst/>
+          </a:prstGeom>
+        </p:spPr>
+      </p:pic>
+      <p:pic>
+        <p:nvPicPr>
+          <p:cNvPr id="23" name="그림 22">
+            <a:extLst>
+              <a:ext uri="{FF2B5EF4-FFF2-40B4-BE49-F238E27FC236}">
+                <a16:creationId xmlns:a16="http://schemas.microsoft.com/office/drawing/2014/main" id="{A11438AE-13EB-414C-AFAE-E996DB090AB8}"/>
+              </a:ext>
+            </a:extLst>
+          </p:cNvPr>
+          <p:cNvPicPr>
+            <a:picLocks noChangeAspect="1"/>
+          </p:cNvPicPr>
+          <p:nvPr/>
+        </p:nvPicPr>
+        <p:blipFill>
+          <a:blip r:embed="rId4">
+            <a:extLst>
+              <a:ext uri="{28A0092B-C50C-407E-A947-70E740481C1C}">
+                <a14:useLocalDpi xmlns:a14="http://schemas.microsoft.com/office/drawing/2010/main" val="0"/>
+              </a:ext>
+            </a:extLst>
+          </a:blip>
+          <a:stretch>
+            <a:fillRect/>
+          </a:stretch>
+        </p:blipFill>
+        <p:spPr>
+          <a:xfrm>
+            <a:off x="3812396" y="2887716"/>
+            <a:ext cx="1024589" cy="260246"/>
+          </a:xfrm>
+          <a:prstGeom prst="rect">
+            <a:avLst/>
+          </a:prstGeom>
+        </p:spPr>
+      </p:pic>
+      <p:sp>
+        <p:nvSpPr>
+          <p:cNvPr id="10" name="직사각형 9">
+            <a:extLst>
+              <a:ext uri="{FF2B5EF4-FFF2-40B4-BE49-F238E27FC236}">
+                <a16:creationId xmlns:a16="http://schemas.microsoft.com/office/drawing/2014/main" id="{72422AE4-B2BC-47F4-A55A-7923EBDB55ED}"/>
+              </a:ext>
+            </a:extLst>
+          </p:cNvPr>
+          <p:cNvSpPr/>
+          <p:nvPr/>
+        </p:nvSpPr>
+        <p:spPr>
+          <a:xfrm>
+            <a:off x="1586143" y="1020932"/>
+            <a:ext cx="9268287" cy="45719"/>
+          </a:xfrm>
+          <a:prstGeom prst="rect">
+            <a:avLst/>
+          </a:prstGeom>
+        </p:spPr>
+        <p:style>
+          <a:lnRef idx="2">
+            <a:schemeClr val="accent1">
+              <a:shade val="50000"/>
+            </a:schemeClr>
+          </a:lnRef>
+          <a:fillRef idx="1">
+            <a:schemeClr val="accent1"/>
+          </a:fillRef>
+          <a:effectRef idx="0">
+            <a:schemeClr val="accent1"/>
+          </a:effectRef>
+          <a:fontRef idx="minor">
+            <a:schemeClr val="lt1"/>
+          </a:fontRef>
+        </p:style>
+        <p:txBody>
+          <a:bodyPr rtlCol="0" anchor="ctr"/>
+          <a:lstStyle/>
+          <a:p>
+            <a:pPr algn="ctr"/>
+            <a:endParaRPr lang="ko-KR" altLang="en-US"/>
+          </a:p>
+        </p:txBody>
+      </p:sp>
+      <p:sp>
+        <p:nvSpPr>
+          <p:cNvPr id="11" name="직사각형 10">
+            <a:extLst>
+              <a:ext uri="{FF2B5EF4-FFF2-40B4-BE49-F238E27FC236}">
+                <a16:creationId xmlns:a16="http://schemas.microsoft.com/office/drawing/2014/main" id="{88C624B5-9431-4451-97AF-3F26F9D86089}"/>
+              </a:ext>
+            </a:extLst>
+          </p:cNvPr>
+          <p:cNvSpPr/>
+          <p:nvPr/>
+        </p:nvSpPr>
+        <p:spPr>
+          <a:xfrm flipV="1">
+            <a:off x="1586143" y="6174982"/>
+            <a:ext cx="9268287" cy="45719"/>
+          </a:xfrm>
+          <a:prstGeom prst="rect">
+            <a:avLst/>
+          </a:prstGeom>
+        </p:spPr>
+        <p:style>
+          <a:lnRef idx="2">
+            <a:schemeClr val="accent1">
+              <a:shade val="50000"/>
+            </a:schemeClr>
+          </a:lnRef>
+          <a:fillRef idx="1">
+            <a:schemeClr val="accent1"/>
+          </a:fillRef>
+          <a:effectRef idx="0">
+            <a:schemeClr val="accent1"/>
+          </a:effectRef>
+          <a:fontRef idx="minor">
+            <a:schemeClr val="lt1"/>
+          </a:fontRef>
+        </p:style>
+        <p:txBody>
+          <a:bodyPr rtlCol="0" anchor="ctr"/>
+          <a:lstStyle/>
+          <a:p>
+            <a:pPr algn="ctr"/>
+            <a:endParaRPr lang="ko-KR" altLang="en-US"/>
+          </a:p>
+        </p:txBody>
+      </p:sp>
+      <p:sp>
+        <p:nvSpPr>
+          <p:cNvPr id="9" name="TextBox 8">
+            <a:extLst>
+              <a:ext uri="{FF2B5EF4-FFF2-40B4-BE49-F238E27FC236}">
+                <a16:creationId xmlns:a16="http://schemas.microsoft.com/office/drawing/2014/main" id="{892C5DDA-40EE-4B50-9C05-6AFC7089F348}"/>
+              </a:ext>
+            </a:extLst>
+          </p:cNvPr>
+          <p:cNvSpPr txBox="1"/>
+          <p:nvPr/>
+        </p:nvSpPr>
+        <p:spPr>
+          <a:xfrm>
+            <a:off x="1704513" y="620822"/>
+            <a:ext cx="1967205" cy="400110"/>
+          </a:xfrm>
+          <a:prstGeom prst="rect">
+            <a:avLst/>
+          </a:prstGeom>
+          <a:noFill/>
+        </p:spPr>
+        <p:txBody>
+          <a:bodyPr wrap="none" rtlCol="0">
+            <a:spAutoFit/>
+          </a:bodyPr>
+          <a:lstStyle/>
+          <a:p>
+            <a:r>
+              <a:rPr lang="en-US" altLang="ko-KR" sz="2000" dirty="0"/>
+              <a:t>‘</a:t>
+            </a:r>
+            <a:r>
+              <a:rPr lang="ko-KR" altLang="en-US" sz="2000" dirty="0"/>
+              <a:t>개인적</a:t>
+            </a:r>
+            <a:r>
+              <a:rPr lang="en-US" altLang="ko-KR" sz="2000" dirty="0"/>
+              <a:t>’ </a:t>
+            </a:r>
+            <a:r>
+              <a:rPr lang="ko-KR" altLang="en-US" sz="2000" dirty="0"/>
+              <a:t>인 생각</a:t>
+            </a:r>
+            <a:endParaRPr lang="en-US" altLang="ko-KR" sz="2000" dirty="0"/>
+          </a:p>
+        </p:txBody>
+      </p:sp>
+      <p:sp>
+        <p:nvSpPr>
+          <p:cNvPr id="12" name="TextBox 11">
+            <a:extLst>
+              <a:ext uri="{FF2B5EF4-FFF2-40B4-BE49-F238E27FC236}">
+                <a16:creationId xmlns:a16="http://schemas.microsoft.com/office/drawing/2014/main" id="{82C13EAE-7A0D-4A25-915E-32A07F9903D8}"/>
+              </a:ext>
+            </a:extLst>
+          </p:cNvPr>
+          <p:cNvSpPr txBox="1"/>
+          <p:nvPr/>
+        </p:nvSpPr>
+        <p:spPr>
+          <a:xfrm>
+            <a:off x="2060343" y="5318140"/>
+            <a:ext cx="779095" cy="369332"/>
+          </a:xfrm>
+          <a:prstGeom prst="rect">
+            <a:avLst/>
+          </a:prstGeom>
+          <a:noFill/>
+        </p:spPr>
+        <p:txBody>
+          <a:bodyPr wrap="square" rtlCol="0">
+            <a:spAutoFit/>
+          </a:bodyPr>
+          <a:lstStyle/>
+          <a:p>
+            <a:r>
+              <a:rPr lang="ko-KR" altLang="en-US" dirty="0"/>
+              <a:t>좋음</a:t>
+            </a:r>
+          </a:p>
+        </p:txBody>
+      </p:sp>
+      <p:sp>
+        <p:nvSpPr>
+          <p:cNvPr id="15" name="TextBox 14">
+            <a:extLst>
+              <a:ext uri="{FF2B5EF4-FFF2-40B4-BE49-F238E27FC236}">
+                <a16:creationId xmlns:a16="http://schemas.microsoft.com/office/drawing/2014/main" id="{3A5DD286-641D-48E4-9A4F-93D2A0E76C83}"/>
+              </a:ext>
+            </a:extLst>
+          </p:cNvPr>
+          <p:cNvSpPr txBox="1"/>
+          <p:nvPr/>
+        </p:nvSpPr>
+        <p:spPr>
+          <a:xfrm>
+            <a:off x="9730997" y="5306419"/>
+            <a:ext cx="1506208" cy="369332"/>
+          </a:xfrm>
+          <a:prstGeom prst="rect">
+            <a:avLst/>
+          </a:prstGeom>
+          <a:noFill/>
+        </p:spPr>
+        <p:txBody>
+          <a:bodyPr wrap="square" rtlCol="0">
+            <a:spAutoFit/>
+          </a:bodyPr>
+          <a:lstStyle/>
+          <a:p>
+            <a:r>
+              <a:rPr lang="ko-KR" altLang="en-US" dirty="0"/>
+              <a:t>나쁨</a:t>
+            </a:r>
+          </a:p>
+        </p:txBody>
+      </p:sp>
+      <p:sp>
+        <p:nvSpPr>
+          <p:cNvPr id="16" name="TextBox 15">
+            <a:extLst>
+              <a:ext uri="{FF2B5EF4-FFF2-40B4-BE49-F238E27FC236}">
+                <a16:creationId xmlns:a16="http://schemas.microsoft.com/office/drawing/2014/main" id="{5EC63642-B229-4278-9396-B2D56B545478}"/>
+              </a:ext>
+            </a:extLst>
+          </p:cNvPr>
+          <p:cNvSpPr txBox="1"/>
+          <p:nvPr/>
+        </p:nvSpPr>
+        <p:spPr>
+          <a:xfrm>
+            <a:off x="1873675" y="3479102"/>
+            <a:ext cx="1210588" cy="400110"/>
+          </a:xfrm>
+          <a:prstGeom prst="rect">
+            <a:avLst/>
+          </a:prstGeom>
+          <a:noFill/>
+        </p:spPr>
+        <p:txBody>
+          <a:bodyPr wrap="none" rtlCol="0">
+            <a:spAutoFit/>
+          </a:bodyPr>
+          <a:lstStyle/>
+          <a:p>
+            <a:pPr algn="ctr"/>
+            <a:r>
+              <a:rPr lang="ko-KR" altLang="en-US" sz="2000" dirty="0"/>
+              <a:t>진입장벽</a:t>
+            </a:r>
+          </a:p>
+        </p:txBody>
+      </p:sp>
+      <p:sp>
+        <p:nvSpPr>
+          <p:cNvPr id="21" name="TextBox 20">
+            <a:extLst>
+              <a:ext uri="{FF2B5EF4-FFF2-40B4-BE49-F238E27FC236}">
+                <a16:creationId xmlns:a16="http://schemas.microsoft.com/office/drawing/2014/main" id="{21088DAF-2AEC-41CD-AD52-732B14A41CDB}"/>
+              </a:ext>
+            </a:extLst>
+          </p:cNvPr>
+          <p:cNvSpPr txBox="1"/>
+          <p:nvPr/>
+        </p:nvSpPr>
+        <p:spPr>
+          <a:xfrm>
+            <a:off x="1873675" y="2347852"/>
+            <a:ext cx="2095445" cy="400110"/>
+          </a:xfrm>
+          <a:prstGeom prst="rect">
+            <a:avLst/>
+          </a:prstGeom>
+          <a:noFill/>
+        </p:spPr>
+        <p:txBody>
+          <a:bodyPr wrap="none" rtlCol="0">
+            <a:spAutoFit/>
+          </a:bodyPr>
+          <a:lstStyle/>
+          <a:p>
+            <a:r>
+              <a:rPr lang="ko-KR" altLang="en-US" sz="2000" dirty="0"/>
+              <a:t>설계와 개발 병행</a:t>
+            </a:r>
+          </a:p>
+        </p:txBody>
+      </p:sp>
+      <p:pic>
+        <p:nvPicPr>
+          <p:cNvPr id="24" name="그림 23">
+            <a:extLst>
+              <a:ext uri="{FF2B5EF4-FFF2-40B4-BE49-F238E27FC236}">
+                <a16:creationId xmlns:a16="http://schemas.microsoft.com/office/drawing/2014/main" id="{5D1E06D7-64EF-4F09-8AB0-85DCCA44CEB7}"/>
+              </a:ext>
+            </a:extLst>
+          </p:cNvPr>
+          <p:cNvPicPr>
+            <a:picLocks noChangeAspect="1"/>
+          </p:cNvPicPr>
+          <p:nvPr/>
+        </p:nvPicPr>
+        <p:blipFill>
+          <a:blip r:embed="rId5">
+            <a:extLst>
+              <a:ext uri="{28A0092B-C50C-407E-A947-70E740481C1C}">
+                <a14:useLocalDpi xmlns:a14="http://schemas.microsoft.com/office/drawing/2010/main" val="0"/>
+              </a:ext>
+            </a:extLst>
+          </a:blip>
+          <a:stretch>
+            <a:fillRect/>
+          </a:stretch>
+        </p:blipFill>
+        <p:spPr>
+          <a:xfrm>
+            <a:off x="6700526" y="2423302"/>
+            <a:ext cx="1490188" cy="572233"/>
+          </a:xfrm>
+          <a:prstGeom prst="rect">
+            <a:avLst/>
+          </a:prstGeom>
+        </p:spPr>
+      </p:pic>
+      <p:sp>
+        <p:nvSpPr>
+          <p:cNvPr id="2" name="직사각형 1">
+            <a:extLst>
+              <a:ext uri="{FF2B5EF4-FFF2-40B4-BE49-F238E27FC236}">
+                <a16:creationId xmlns:a16="http://schemas.microsoft.com/office/drawing/2014/main" id="{B923C860-04FC-4BEA-B22D-0BC547400C7A}"/>
+              </a:ext>
+            </a:extLst>
+          </p:cNvPr>
+          <p:cNvSpPr/>
+          <p:nvPr/>
+        </p:nvSpPr>
+        <p:spPr>
+          <a:xfrm>
+            <a:off x="1877119" y="2261424"/>
+            <a:ext cx="8632974" cy="962242"/>
+          </a:xfrm>
+          <a:prstGeom prst="rect">
+            <a:avLst/>
+          </a:prstGeom>
+          <a:noFill/>
+          <a:ln w="28575"/>
+        </p:spPr>
+        <p:style>
+          <a:lnRef idx="2">
+            <a:schemeClr val="accent1">
+              <a:shade val="50000"/>
+            </a:schemeClr>
+          </a:lnRef>
+          <a:fillRef idx="1">
+            <a:schemeClr val="accent1"/>
+          </a:fillRef>
+          <a:effectRef idx="0">
+            <a:schemeClr val="accent1"/>
+          </a:effectRef>
+          <a:fontRef idx="minor">
+            <a:schemeClr val="lt1"/>
+          </a:fontRef>
+        </p:style>
+        <p:txBody>
+          <a:bodyPr rtlCol="0" anchor="ctr"/>
+          <a:lstStyle/>
+          <a:p>
+            <a:pPr algn="ctr"/>
+            <a:endParaRPr lang="ko-KR" altLang="en-US"/>
+          </a:p>
+        </p:txBody>
+      </p:sp>
+      <p:cxnSp>
+        <p:nvCxnSpPr>
+          <p:cNvPr id="7" name="직선 화살표 연결선 6">
+            <a:extLst>
+              <a:ext uri="{FF2B5EF4-FFF2-40B4-BE49-F238E27FC236}">
+                <a16:creationId xmlns:a16="http://schemas.microsoft.com/office/drawing/2014/main" id="{EAC12389-8AD2-4F81-9EB2-51965EB8567B}"/>
+              </a:ext>
+            </a:extLst>
+          </p:cNvPr>
+          <p:cNvCxnSpPr>
+            <a:cxnSpLocks/>
+          </p:cNvCxnSpPr>
+          <p:nvPr/>
+        </p:nvCxnSpPr>
+        <p:spPr>
+          <a:xfrm>
+            <a:off x="2099771" y="5687472"/>
+            <a:ext cx="8241029" cy="0"/>
+          </a:xfrm>
+          <a:prstGeom prst="straightConnector1">
+            <a:avLst/>
+          </a:prstGeom>
+          <a:ln w="38100">
+            <a:headEnd type="triangle"/>
+            <a:tailEnd type="triangle"/>
+          </a:ln>
+        </p:spPr>
+        <p:style>
+          <a:lnRef idx="1">
+            <a:schemeClr val="accent1"/>
+          </a:lnRef>
+          <a:fillRef idx="0">
+            <a:schemeClr val="accent1"/>
+          </a:fillRef>
+          <a:effectRef idx="0">
+            <a:schemeClr val="accent1"/>
+          </a:effectRef>
+          <a:fontRef idx="minor">
+            <a:schemeClr val="tx1"/>
+          </a:fontRef>
+        </p:style>
+      </p:cxnSp>
+      <p:pic>
+        <p:nvPicPr>
+          <p:cNvPr id="26" name="그림 25">
+            <a:extLst>
+              <a:ext uri="{FF2B5EF4-FFF2-40B4-BE49-F238E27FC236}">
+                <a16:creationId xmlns:a16="http://schemas.microsoft.com/office/drawing/2014/main" id="{7A20667A-8B94-496B-8801-F6A8B1D5B37D}"/>
+              </a:ext>
+            </a:extLst>
+          </p:cNvPr>
+          <p:cNvPicPr>
+            <a:picLocks noChangeAspect="1"/>
+          </p:cNvPicPr>
+          <p:nvPr/>
+        </p:nvPicPr>
+        <p:blipFill>
+          <a:blip r:embed="rId3">
+            <a:extLst>
+              <a:ext uri="{28A0092B-C50C-407E-A947-70E740481C1C}">
+                <a14:useLocalDpi xmlns:a14="http://schemas.microsoft.com/office/drawing/2010/main" val="0"/>
+              </a:ext>
+            </a:extLst>
+          </a:blip>
+          <a:stretch>
+            <a:fillRect/>
+          </a:stretch>
+        </p:blipFill>
+        <p:spPr>
+          <a:xfrm>
+            <a:off x="5042511" y="3592998"/>
+            <a:ext cx="760184" cy="760184"/>
+          </a:xfrm>
+          <a:prstGeom prst="rect">
+            <a:avLst/>
+          </a:prstGeom>
+        </p:spPr>
+      </p:pic>
+      <p:pic>
+        <p:nvPicPr>
+          <p:cNvPr id="27" name="그림 26">
+            <a:extLst>
+              <a:ext uri="{FF2B5EF4-FFF2-40B4-BE49-F238E27FC236}">
+                <a16:creationId xmlns:a16="http://schemas.microsoft.com/office/drawing/2014/main" id="{313B0B03-BB16-4FBD-A452-24BA4288DB0A}"/>
+              </a:ext>
+            </a:extLst>
+          </p:cNvPr>
+          <p:cNvPicPr>
+            <a:picLocks noChangeAspect="1"/>
+          </p:cNvPicPr>
+          <p:nvPr/>
+        </p:nvPicPr>
+        <p:blipFill>
+          <a:blip r:embed="rId5">
+            <a:extLst>
+              <a:ext uri="{28A0092B-C50C-407E-A947-70E740481C1C}">
+                <a14:useLocalDpi xmlns:a14="http://schemas.microsoft.com/office/drawing/2010/main" val="0"/>
+              </a:ext>
+            </a:extLst>
+          </a:blip>
+          <a:stretch>
+            <a:fillRect/>
+          </a:stretch>
+        </p:blipFill>
+        <p:spPr>
+          <a:xfrm>
+            <a:off x="3579596" y="3698154"/>
+            <a:ext cx="1490188" cy="572233"/>
+          </a:xfrm>
+          <a:prstGeom prst="rect">
+            <a:avLst/>
+          </a:prstGeom>
+        </p:spPr>
+      </p:pic>
+      <p:pic>
+        <p:nvPicPr>
+          <p:cNvPr id="28" name="그림 27">
+            <a:extLst>
+              <a:ext uri="{FF2B5EF4-FFF2-40B4-BE49-F238E27FC236}">
+                <a16:creationId xmlns:a16="http://schemas.microsoft.com/office/drawing/2014/main" id="{9B00F0ED-E7CA-47B3-88B8-BA55BD45B423}"/>
+              </a:ext>
+            </a:extLst>
+          </p:cNvPr>
+          <p:cNvPicPr>
+            <a:picLocks noChangeAspect="1"/>
+          </p:cNvPicPr>
+          <p:nvPr/>
+        </p:nvPicPr>
+        <p:blipFill>
+          <a:blip r:embed="rId4">
+            <a:extLst>
+              <a:ext uri="{28A0092B-C50C-407E-A947-70E740481C1C}">
+                <a14:useLocalDpi xmlns:a14="http://schemas.microsoft.com/office/drawing/2010/main" val="0"/>
+              </a:ext>
+            </a:extLst>
+          </a:blip>
+          <a:stretch>
+            <a:fillRect/>
+          </a:stretch>
+        </p:blipFill>
+        <p:spPr>
+          <a:xfrm>
+            <a:off x="6098307" y="3838001"/>
+            <a:ext cx="1024589" cy="260246"/>
+          </a:xfrm>
+          <a:prstGeom prst="rect">
+            <a:avLst/>
+          </a:prstGeom>
+        </p:spPr>
+      </p:pic>
+      <p:sp>
+        <p:nvSpPr>
+          <p:cNvPr id="29" name="직사각형 28">
+            <a:extLst>
+              <a:ext uri="{FF2B5EF4-FFF2-40B4-BE49-F238E27FC236}">
+                <a16:creationId xmlns:a16="http://schemas.microsoft.com/office/drawing/2014/main" id="{7CCC8347-44EE-4F7D-AF6E-E6ACE2912547}"/>
+              </a:ext>
+            </a:extLst>
+          </p:cNvPr>
+          <p:cNvSpPr/>
+          <p:nvPr/>
+        </p:nvSpPr>
+        <p:spPr>
+          <a:xfrm>
+            <a:off x="1873675" y="3419100"/>
+            <a:ext cx="8632974" cy="962242"/>
+          </a:xfrm>
+          <a:prstGeom prst="rect">
+            <a:avLst/>
+          </a:prstGeom>
+          <a:noFill/>
+          <a:ln w="28575"/>
+        </p:spPr>
+        <p:style>
+          <a:lnRef idx="2">
+            <a:schemeClr val="accent1">
+              <a:shade val="50000"/>
+            </a:schemeClr>
+          </a:lnRef>
+          <a:fillRef idx="1">
+            <a:schemeClr val="accent1"/>
+          </a:fillRef>
+          <a:effectRef idx="0">
+            <a:schemeClr val="accent1"/>
+          </a:effectRef>
+          <a:fontRef idx="minor">
+            <a:schemeClr val="lt1"/>
+          </a:fontRef>
+        </p:style>
+        <p:txBody>
+          <a:bodyPr rtlCol="0" anchor="ctr"/>
+          <a:lstStyle/>
+          <a:p>
+            <a:pPr algn="ctr"/>
+            <a:endParaRPr lang="ko-KR" altLang="en-US"/>
+          </a:p>
+        </p:txBody>
+      </p:sp>
+    </p:spTree>
+    <p:extLst>
+      <p:ext uri="{BB962C8B-B14F-4D97-AF65-F5344CB8AC3E}">
+        <p14:creationId xmlns:p14="http://schemas.microsoft.com/office/powerpoint/2010/main" val="80080513"/>
+      </p:ext>
+    </p:extLst>
+  </p:cSld>
+  <p:clrMapOvr>
+    <a:masterClrMapping/>
+  </p:clrMapOvr>
+  <p:timing>
+    <p:tnLst>
+      <p:par>
+        <p:cTn id="1" dur="indefinite" restart="never" nodeType="tmRoot">
+          <p:childTnLst>
+            <p:seq concurrent="1" nextAc="seek">
+              <p:cTn id="2" dur="indefinite" nodeType="mainSeq">
+                <p:childTnLst>
+                  <p:par>
+                    <p:cTn id="3" fill="hold">
+                      <p:stCondLst>
+                        <p:cond delay="indefinite"/>
+                      </p:stCondLst>
+                      <p:childTnLst>
+                        <p:par>
+                          <p:cTn id="4" fill="hold">
+                            <p:stCondLst>
+                              <p:cond delay="0"/>
+                            </p:stCondLst>
+                            <p:childTnLst>
+                              <p:par>
+                                <p:cTn id="5" presetID="10" presetClass="entr" presetSubtype="0" fill="hold" grpId="0" nodeType="clickEffect">
+                                  <p:stCondLst>
+                                    <p:cond delay="0"/>
+                                  </p:stCondLst>
+                                  <p:childTnLst>
+                                    <p:set>
+                                      <p:cBhvr>
+                                        <p:cTn id="6" dur="1" fill="hold">
+                                          <p:stCondLst>
+                                            <p:cond delay="0"/>
+                                          </p:stCondLst>
+                                        </p:cTn>
+                                        <p:tgtEl>
+                                          <p:spTgt spid="12"/>
+                                        </p:tgtEl>
+                                        <p:attrNameLst>
+                                          <p:attrName>style.visibility</p:attrName>
+                                        </p:attrNameLst>
+                                      </p:cBhvr>
+                                      <p:to>
+                                        <p:strVal val="visible"/>
+                                      </p:to>
+                                    </p:set>
+                                    <p:animEffect transition="in" filter="fade">
+                                      <p:cBhvr>
+                                        <p:cTn id="7" dur="500"/>
+                                        <p:tgtEl>
+                                          <p:spTgt spid="12"/>
+                                        </p:tgtEl>
+                                      </p:cBhvr>
+                                    </p:animEffect>
+                                  </p:childTnLst>
+                                </p:cTn>
+                              </p:par>
+                              <p:par>
+                                <p:cTn id="8" presetID="10" presetClass="entr" presetSubtype="0" fill="hold" grpId="0" nodeType="withEffect">
+                                  <p:stCondLst>
+                                    <p:cond delay="0"/>
+                                  </p:stCondLst>
+                                  <p:childTnLst>
+                                    <p:set>
+                                      <p:cBhvr>
+                                        <p:cTn id="9" dur="1" fill="hold">
+                                          <p:stCondLst>
+                                            <p:cond delay="0"/>
+                                          </p:stCondLst>
+                                        </p:cTn>
+                                        <p:tgtEl>
+                                          <p:spTgt spid="15"/>
+                                        </p:tgtEl>
+                                        <p:attrNameLst>
+                                          <p:attrName>style.visibility</p:attrName>
+                                        </p:attrNameLst>
+                                      </p:cBhvr>
+                                      <p:to>
+                                        <p:strVal val="visible"/>
+                                      </p:to>
+                                    </p:set>
+                                    <p:animEffect transition="in" filter="fade">
+                                      <p:cBhvr>
+                                        <p:cTn id="10" dur="500"/>
+                                        <p:tgtEl>
+                                          <p:spTgt spid="15"/>
+                                        </p:tgtEl>
+                                      </p:cBhvr>
+                                    </p:animEffect>
+                                  </p:childTnLst>
+                                </p:cTn>
+                              </p:par>
+                              <p:par>
+                                <p:cTn id="11" presetID="10" presetClass="entr" presetSubtype="0" fill="hold" nodeType="withEffect">
+                                  <p:stCondLst>
+                                    <p:cond delay="0"/>
+                                  </p:stCondLst>
+                                  <p:childTnLst>
+                                    <p:set>
+                                      <p:cBhvr>
+                                        <p:cTn id="12" dur="1" fill="hold">
+                                          <p:stCondLst>
+                                            <p:cond delay="0"/>
+                                          </p:stCondLst>
+                                        </p:cTn>
+                                        <p:tgtEl>
+                                          <p:spTgt spid="7"/>
+                                        </p:tgtEl>
+                                        <p:attrNameLst>
+                                          <p:attrName>style.visibility</p:attrName>
+                                        </p:attrNameLst>
+                                      </p:cBhvr>
+                                      <p:to>
+                                        <p:strVal val="visible"/>
+                                      </p:to>
+                                    </p:set>
+                                    <p:animEffect transition="in" filter="fade">
+                                      <p:cBhvr>
+                                        <p:cTn id="13" dur="500"/>
+                                        <p:tgtEl>
+                                          <p:spTgt spid="7"/>
+                                        </p:tgtEl>
+                                      </p:cBhvr>
+                                    </p:animEffect>
+                                  </p:childTnLst>
+                                </p:cTn>
+                              </p:par>
+                            </p:childTnLst>
+                          </p:cTn>
+                        </p:par>
+                      </p:childTnLst>
+                    </p:cTn>
+                  </p:par>
+                  <p:par>
+                    <p:cTn id="14" fill="hold">
+                      <p:stCondLst>
+                        <p:cond delay="indefinite"/>
+                      </p:stCondLst>
+                      <p:childTnLst>
+                        <p:par>
+                          <p:cTn id="15" fill="hold">
+                            <p:stCondLst>
+                              <p:cond delay="0"/>
+                            </p:stCondLst>
+                            <p:childTnLst>
+                              <p:par>
+                                <p:cTn id="16" presetID="10" presetClass="entr" presetSubtype="0" fill="hold" nodeType="clickEffect">
+                                  <p:stCondLst>
+                                    <p:cond delay="0"/>
+                                  </p:stCondLst>
+                                  <p:childTnLst>
+                                    <p:set>
+                                      <p:cBhvr>
+                                        <p:cTn id="17" dur="1" fill="hold">
+                                          <p:stCondLst>
+                                            <p:cond delay="0"/>
+                                          </p:stCondLst>
+                                        </p:cTn>
+                                        <p:tgtEl>
+                                          <p:spTgt spid="22"/>
+                                        </p:tgtEl>
+                                        <p:attrNameLst>
+                                          <p:attrName>style.visibility</p:attrName>
+                                        </p:attrNameLst>
+                                      </p:cBhvr>
+                                      <p:to>
+                                        <p:strVal val="visible"/>
+                                      </p:to>
+                                    </p:set>
+                                    <p:animEffect transition="in" filter="fade">
+                                      <p:cBhvr>
+                                        <p:cTn id="18" dur="500"/>
+                                        <p:tgtEl>
+                                          <p:spTgt spid="22"/>
+                                        </p:tgtEl>
+                                      </p:cBhvr>
+                                    </p:animEffect>
+                                  </p:childTnLst>
+                                </p:cTn>
+                              </p:par>
+                              <p:par>
+                                <p:cTn id="19" presetID="10" presetClass="entr" presetSubtype="0" fill="hold" nodeType="withEffect">
+                                  <p:stCondLst>
+                                    <p:cond delay="0"/>
+                                  </p:stCondLst>
+                                  <p:childTnLst>
+                                    <p:set>
+                                      <p:cBhvr>
+                                        <p:cTn id="20" dur="1" fill="hold">
+                                          <p:stCondLst>
+                                            <p:cond delay="0"/>
+                                          </p:stCondLst>
+                                        </p:cTn>
+                                        <p:tgtEl>
+                                          <p:spTgt spid="23"/>
+                                        </p:tgtEl>
+                                        <p:attrNameLst>
+                                          <p:attrName>style.visibility</p:attrName>
+                                        </p:attrNameLst>
+                                      </p:cBhvr>
+                                      <p:to>
+                                        <p:strVal val="visible"/>
+                                      </p:to>
+                                    </p:set>
+                                    <p:animEffect transition="in" filter="fade">
+                                      <p:cBhvr>
+                                        <p:cTn id="21" dur="500"/>
+                                        <p:tgtEl>
+                                          <p:spTgt spid="23"/>
+                                        </p:tgtEl>
+                                      </p:cBhvr>
+                                    </p:animEffect>
+                                  </p:childTnLst>
+                                </p:cTn>
+                              </p:par>
+                              <p:par>
+                                <p:cTn id="22" presetID="10" presetClass="entr" presetSubtype="0" fill="hold" grpId="0" nodeType="withEffect">
+                                  <p:stCondLst>
+                                    <p:cond delay="0"/>
+                                  </p:stCondLst>
+                                  <p:childTnLst>
+                                    <p:set>
+                                      <p:cBhvr>
+                                        <p:cTn id="23" dur="1" fill="hold">
+                                          <p:stCondLst>
+                                            <p:cond delay="0"/>
+                                          </p:stCondLst>
+                                        </p:cTn>
+                                        <p:tgtEl>
+                                          <p:spTgt spid="21"/>
+                                        </p:tgtEl>
+                                        <p:attrNameLst>
+                                          <p:attrName>style.visibility</p:attrName>
+                                        </p:attrNameLst>
+                                      </p:cBhvr>
+                                      <p:to>
+                                        <p:strVal val="visible"/>
+                                      </p:to>
+                                    </p:set>
+                                    <p:animEffect transition="in" filter="fade">
+                                      <p:cBhvr>
+                                        <p:cTn id="24" dur="500"/>
+                                        <p:tgtEl>
+                                          <p:spTgt spid="21"/>
+                                        </p:tgtEl>
+                                      </p:cBhvr>
+                                    </p:animEffect>
+                                  </p:childTnLst>
+                                </p:cTn>
+                              </p:par>
+                              <p:par>
+                                <p:cTn id="25" presetID="10" presetClass="entr" presetSubtype="0" fill="hold" nodeType="withEffect">
+                                  <p:stCondLst>
+                                    <p:cond delay="0"/>
+                                  </p:stCondLst>
+                                  <p:childTnLst>
+                                    <p:set>
+                                      <p:cBhvr>
+                                        <p:cTn id="26" dur="1" fill="hold">
+                                          <p:stCondLst>
+                                            <p:cond delay="0"/>
+                                          </p:stCondLst>
+                                        </p:cTn>
+                                        <p:tgtEl>
+                                          <p:spTgt spid="24"/>
+                                        </p:tgtEl>
+                                        <p:attrNameLst>
+                                          <p:attrName>style.visibility</p:attrName>
+                                        </p:attrNameLst>
+                                      </p:cBhvr>
+                                      <p:to>
+                                        <p:strVal val="visible"/>
+                                      </p:to>
+                                    </p:set>
+                                    <p:animEffect transition="in" filter="fade">
+                                      <p:cBhvr>
+                                        <p:cTn id="27" dur="500"/>
+                                        <p:tgtEl>
+                                          <p:spTgt spid="24"/>
+                                        </p:tgtEl>
+                                      </p:cBhvr>
+                                    </p:animEffect>
+                                  </p:childTnLst>
+                                </p:cTn>
+                              </p:par>
+                              <p:par>
+                                <p:cTn id="28" presetID="10" presetClass="entr" presetSubtype="0" fill="hold" grpId="0" nodeType="withEffect">
+                                  <p:stCondLst>
+                                    <p:cond delay="0"/>
+                                  </p:stCondLst>
+                                  <p:childTnLst>
+                                    <p:set>
+                                      <p:cBhvr>
+                                        <p:cTn id="29" dur="1" fill="hold">
+                                          <p:stCondLst>
+                                            <p:cond delay="0"/>
+                                          </p:stCondLst>
+                                        </p:cTn>
+                                        <p:tgtEl>
+                                          <p:spTgt spid="2"/>
+                                        </p:tgtEl>
+                                        <p:attrNameLst>
+                                          <p:attrName>style.visibility</p:attrName>
+                                        </p:attrNameLst>
+                                      </p:cBhvr>
+                                      <p:to>
+                                        <p:strVal val="visible"/>
+                                      </p:to>
+                                    </p:set>
+                                    <p:animEffect transition="in" filter="fade">
+                                      <p:cBhvr>
+                                        <p:cTn id="30" dur="500"/>
+                                        <p:tgtEl>
+                                          <p:spTgt spid="2"/>
+                                        </p:tgtEl>
+                                      </p:cBhvr>
+                                    </p:animEffect>
+                                  </p:childTnLst>
+                                </p:cTn>
+                              </p:par>
+                            </p:childTnLst>
+                          </p:cTn>
+                        </p:par>
+                      </p:childTnLst>
+                    </p:cTn>
+                  </p:par>
+                  <p:par>
+                    <p:cTn id="31" fill="hold">
+                      <p:stCondLst>
+                        <p:cond delay="indefinite"/>
+                      </p:stCondLst>
+                      <p:childTnLst>
+                        <p:par>
+                          <p:cTn id="32" fill="hold">
+                            <p:stCondLst>
+                              <p:cond delay="0"/>
+                            </p:stCondLst>
+                            <p:childTnLst>
+                              <p:par>
+                                <p:cTn id="33" presetID="10" presetClass="entr" presetSubtype="0" fill="hold" grpId="0" nodeType="clickEffect">
+                                  <p:stCondLst>
+                                    <p:cond delay="0"/>
+                                  </p:stCondLst>
+                                  <p:childTnLst>
+                                    <p:set>
+                                      <p:cBhvr>
+                                        <p:cTn id="34" dur="1" fill="hold">
+                                          <p:stCondLst>
+                                            <p:cond delay="0"/>
+                                          </p:stCondLst>
+                                        </p:cTn>
+                                        <p:tgtEl>
+                                          <p:spTgt spid="16"/>
+                                        </p:tgtEl>
+                                        <p:attrNameLst>
+                                          <p:attrName>style.visibility</p:attrName>
+                                        </p:attrNameLst>
+                                      </p:cBhvr>
+                                      <p:to>
+                                        <p:strVal val="visible"/>
+                                      </p:to>
+                                    </p:set>
+                                    <p:animEffect transition="in" filter="fade">
+                                      <p:cBhvr>
+                                        <p:cTn id="35" dur="500"/>
+                                        <p:tgtEl>
+                                          <p:spTgt spid="16"/>
+                                        </p:tgtEl>
+                                      </p:cBhvr>
+                                    </p:animEffect>
+                                  </p:childTnLst>
+                                </p:cTn>
+                              </p:par>
+                              <p:par>
+                                <p:cTn id="36" presetID="10" presetClass="entr" presetSubtype="0" fill="hold" nodeType="withEffect">
+                                  <p:stCondLst>
+                                    <p:cond delay="0"/>
+                                  </p:stCondLst>
+                                  <p:childTnLst>
+                                    <p:set>
+                                      <p:cBhvr>
+                                        <p:cTn id="37" dur="1" fill="hold">
+                                          <p:stCondLst>
+                                            <p:cond delay="0"/>
+                                          </p:stCondLst>
+                                        </p:cTn>
+                                        <p:tgtEl>
+                                          <p:spTgt spid="26"/>
+                                        </p:tgtEl>
+                                        <p:attrNameLst>
+                                          <p:attrName>style.visibility</p:attrName>
+                                        </p:attrNameLst>
+                                      </p:cBhvr>
+                                      <p:to>
+                                        <p:strVal val="visible"/>
+                                      </p:to>
+                                    </p:set>
+                                    <p:animEffect transition="in" filter="fade">
+                                      <p:cBhvr>
+                                        <p:cTn id="38" dur="500"/>
+                                        <p:tgtEl>
+                                          <p:spTgt spid="26"/>
+                                        </p:tgtEl>
+                                      </p:cBhvr>
+                                    </p:animEffect>
+                                  </p:childTnLst>
+                                </p:cTn>
+                              </p:par>
+                              <p:par>
+                                <p:cTn id="39" presetID="10" presetClass="entr" presetSubtype="0" fill="hold" nodeType="withEffect">
+                                  <p:stCondLst>
+                                    <p:cond delay="0"/>
+                                  </p:stCondLst>
+                                  <p:childTnLst>
+                                    <p:set>
+                                      <p:cBhvr>
+                                        <p:cTn id="40" dur="1" fill="hold">
+                                          <p:stCondLst>
+                                            <p:cond delay="0"/>
+                                          </p:stCondLst>
+                                        </p:cTn>
+                                        <p:tgtEl>
+                                          <p:spTgt spid="27"/>
+                                        </p:tgtEl>
+                                        <p:attrNameLst>
+                                          <p:attrName>style.visibility</p:attrName>
+                                        </p:attrNameLst>
+                                      </p:cBhvr>
+                                      <p:to>
+                                        <p:strVal val="visible"/>
+                                      </p:to>
+                                    </p:set>
+                                    <p:animEffect transition="in" filter="fade">
+                                      <p:cBhvr>
+                                        <p:cTn id="41" dur="500"/>
+                                        <p:tgtEl>
+                                          <p:spTgt spid="27"/>
+                                        </p:tgtEl>
+                                      </p:cBhvr>
+                                    </p:animEffect>
+                                  </p:childTnLst>
+                                </p:cTn>
+                              </p:par>
+                              <p:par>
+                                <p:cTn id="42" presetID="10" presetClass="entr" presetSubtype="0" fill="hold" nodeType="withEffect">
+                                  <p:stCondLst>
+                                    <p:cond delay="0"/>
+                                  </p:stCondLst>
+                                  <p:childTnLst>
+                                    <p:set>
+                                      <p:cBhvr>
+                                        <p:cTn id="43" dur="1" fill="hold">
+                                          <p:stCondLst>
+                                            <p:cond delay="0"/>
+                                          </p:stCondLst>
+                                        </p:cTn>
+                                        <p:tgtEl>
+                                          <p:spTgt spid="28"/>
+                                        </p:tgtEl>
+                                        <p:attrNameLst>
+                                          <p:attrName>style.visibility</p:attrName>
+                                        </p:attrNameLst>
+                                      </p:cBhvr>
+                                      <p:to>
+                                        <p:strVal val="visible"/>
+                                      </p:to>
+                                    </p:set>
+                                    <p:animEffect transition="in" filter="fade">
+                                      <p:cBhvr>
+                                        <p:cTn id="44" dur="500"/>
+                                        <p:tgtEl>
+                                          <p:spTgt spid="28"/>
+                                        </p:tgtEl>
+                                      </p:cBhvr>
+                                    </p:animEffect>
+                                  </p:childTnLst>
+                                </p:cTn>
+                              </p:par>
+                              <p:par>
+                                <p:cTn id="45" presetID="10" presetClass="entr" presetSubtype="0" fill="hold" grpId="0" nodeType="withEffect">
+                                  <p:stCondLst>
+                                    <p:cond delay="0"/>
+                                  </p:stCondLst>
+                                  <p:childTnLst>
+                                    <p:set>
+                                      <p:cBhvr>
+                                        <p:cTn id="46" dur="1" fill="hold">
+                                          <p:stCondLst>
+                                            <p:cond delay="0"/>
+                                          </p:stCondLst>
+                                        </p:cTn>
+                                        <p:tgtEl>
+                                          <p:spTgt spid="29"/>
+                                        </p:tgtEl>
+                                        <p:attrNameLst>
+                                          <p:attrName>style.visibility</p:attrName>
+                                        </p:attrNameLst>
+                                      </p:cBhvr>
+                                      <p:to>
+                                        <p:strVal val="visible"/>
+                                      </p:to>
+                                    </p:set>
+                                    <p:animEffect transition="in" filter="fade">
+                                      <p:cBhvr>
+                                        <p:cTn id="47" dur="500"/>
+                                        <p:tgtEl>
+                                          <p:spTgt spid="29"/>
+                                        </p:tgtEl>
+                                      </p:cBhvr>
+                                    </p:animEffect>
+                                  </p:childTnLst>
+                                </p:cTn>
+                              </p:par>
+                            </p:childTnLst>
+                          </p:cTn>
+                        </p:par>
+                      </p:childTnLst>
+                    </p:cTn>
+                  </p:par>
+                </p:childTnLst>
+              </p:cTn>
+              <p:prevCondLst>
+                <p:cond evt="onPrev" delay="0">
+                  <p:tgtEl>
+                    <p:sldTgt/>
+                  </p:tgtEl>
+                </p:cond>
+              </p:prevCondLst>
+              <p:nextCondLst>
+                <p:cond evt="onNext" delay="0">
+                  <p:tgtEl>
+                    <p:sldTgt/>
+                  </p:tgtEl>
+                </p:cond>
+              </p:nextCondLst>
+            </p:seq>
+          </p:childTnLst>
+        </p:cTn>
+      </p:par>
+    </p:tnLst>
+    <p:bldLst>
+      <p:bldP spid="12" grpId="0"/>
+      <p:bldP spid="15" grpId="0"/>
+      <p:bldP spid="16" grpId="0"/>
+      <p:bldP spid="21" grpId="0"/>
+      <p:bldP spid="2" grpId="0" animBg="1"/>
+      <p:bldP spid="29" grpId="0" animBg="1"/>
+    </p:bldLst>
+  </p:timing>
+</p:sld>
+</file>
+
+<file path=ppt/slides/slide17.xml><?xml version="1.0" encoding="utf-8"?>
+<p:sld xmlns:a="http://schemas.openxmlformats.org/drawingml/2006/main" xmlns:r="http://schemas.openxmlformats.org/officeDocument/2006/relationships" xmlns:p="http://schemas.openxmlformats.org/presentationml/2006/main">
+  <p:cSld>
+    <p:spTree>
+      <p:nvGrpSpPr>
+        <p:cNvPr id="1" name=""/>
+        <p:cNvGrpSpPr/>
+        <p:nvPr/>
+      </p:nvGrpSpPr>
+      <p:grpSpPr>
+        <a:xfrm>
+          <a:off x="0" y="0"/>
+          <a:ext cx="0" cy="0"/>
+          <a:chOff x="0" y="0"/>
+          <a:chExt cx="0" cy="0"/>
+        </a:xfrm>
+      </p:grpSpPr>
+      <p:sp>
+        <p:nvSpPr>
+          <p:cNvPr id="10" name="직사각형 9">
+            <a:extLst>
+              <a:ext uri="{FF2B5EF4-FFF2-40B4-BE49-F238E27FC236}">
+                <a16:creationId xmlns:a16="http://schemas.microsoft.com/office/drawing/2014/main" id="{72422AE4-B2BC-47F4-A55A-7923EBDB55ED}"/>
+              </a:ext>
+            </a:extLst>
+          </p:cNvPr>
+          <p:cNvSpPr/>
+          <p:nvPr/>
+        </p:nvSpPr>
+        <p:spPr>
+          <a:xfrm>
+            <a:off x="1586143" y="1020932"/>
+            <a:ext cx="9268287" cy="45719"/>
+          </a:xfrm>
+          <a:prstGeom prst="rect">
+            <a:avLst/>
+          </a:prstGeom>
+        </p:spPr>
+        <p:style>
+          <a:lnRef idx="2">
+            <a:schemeClr val="accent1">
+              <a:shade val="50000"/>
+            </a:schemeClr>
+          </a:lnRef>
+          <a:fillRef idx="1">
+            <a:schemeClr val="accent1"/>
+          </a:fillRef>
+          <a:effectRef idx="0">
+            <a:schemeClr val="accent1"/>
+          </a:effectRef>
+          <a:fontRef idx="minor">
+            <a:schemeClr val="lt1"/>
+          </a:fontRef>
+        </p:style>
+        <p:txBody>
+          <a:bodyPr rtlCol="0" anchor="ctr"/>
+          <a:lstStyle/>
+          <a:p>
+            <a:pPr algn="ctr"/>
+            <a:endParaRPr lang="ko-KR" altLang="en-US"/>
+          </a:p>
+        </p:txBody>
+      </p:sp>
+      <p:sp>
+        <p:nvSpPr>
+          <p:cNvPr id="11" name="직사각형 10">
+            <a:extLst>
+              <a:ext uri="{FF2B5EF4-FFF2-40B4-BE49-F238E27FC236}">
+                <a16:creationId xmlns:a16="http://schemas.microsoft.com/office/drawing/2014/main" id="{88C624B5-9431-4451-97AF-3F26F9D86089}"/>
+              </a:ext>
+            </a:extLst>
+          </p:cNvPr>
+          <p:cNvSpPr/>
+          <p:nvPr/>
+        </p:nvSpPr>
+        <p:spPr>
+          <a:xfrm flipV="1">
+            <a:off x="1586143" y="6174982"/>
+            <a:ext cx="9268287" cy="45719"/>
+          </a:xfrm>
+          <a:prstGeom prst="rect">
+            <a:avLst/>
+          </a:prstGeom>
+        </p:spPr>
+        <p:style>
+          <a:lnRef idx="2">
+            <a:schemeClr val="accent1">
+              <a:shade val="50000"/>
+            </a:schemeClr>
+          </a:lnRef>
+          <a:fillRef idx="1">
+            <a:schemeClr val="accent1"/>
+          </a:fillRef>
+          <a:effectRef idx="0">
+            <a:schemeClr val="accent1"/>
+          </a:effectRef>
+          <a:fontRef idx="minor">
+            <a:schemeClr val="lt1"/>
+          </a:fontRef>
+        </p:style>
+        <p:txBody>
+          <a:bodyPr rtlCol="0" anchor="ctr"/>
+          <a:lstStyle/>
+          <a:p>
+            <a:pPr algn="ctr"/>
+            <a:endParaRPr lang="ko-KR" altLang="en-US"/>
+          </a:p>
+        </p:txBody>
+      </p:sp>
+      <p:sp>
+        <p:nvSpPr>
+          <p:cNvPr id="9" name="TextBox 8">
+            <a:extLst>
+              <a:ext uri="{FF2B5EF4-FFF2-40B4-BE49-F238E27FC236}">
+                <a16:creationId xmlns:a16="http://schemas.microsoft.com/office/drawing/2014/main" id="{892C5DDA-40EE-4B50-9C05-6AFC7089F348}"/>
+              </a:ext>
+            </a:extLst>
+          </p:cNvPr>
+          <p:cNvSpPr txBox="1"/>
+          <p:nvPr/>
+        </p:nvSpPr>
+        <p:spPr>
+          <a:xfrm>
+            <a:off x="1704513" y="620822"/>
+            <a:ext cx="954107" cy="400110"/>
+          </a:xfrm>
+          <a:prstGeom prst="rect">
+            <a:avLst/>
+          </a:prstGeom>
+          <a:noFill/>
+        </p:spPr>
+        <p:txBody>
+          <a:bodyPr wrap="none" rtlCol="0">
+            <a:spAutoFit/>
+          </a:bodyPr>
+          <a:lstStyle/>
+          <a:p>
+            <a:r>
+              <a:rPr lang="ko-KR" altLang="en-US" sz="2000" dirty="0"/>
+              <a:t>마무리</a:t>
+            </a:r>
+            <a:endParaRPr lang="en-US" altLang="ko-KR" sz="2000" dirty="0"/>
+          </a:p>
+        </p:txBody>
+      </p:sp>
+      <p:pic>
+        <p:nvPicPr>
+          <p:cNvPr id="8" name="그림 7">
+            <a:extLst>
+              <a:ext uri="{FF2B5EF4-FFF2-40B4-BE49-F238E27FC236}">
+                <a16:creationId xmlns:a16="http://schemas.microsoft.com/office/drawing/2014/main" id="{7BA09FEF-765A-47DF-9F8B-F8B0EF79FF3D}"/>
+              </a:ext>
+            </a:extLst>
+          </p:cNvPr>
+          <p:cNvPicPr>
+            <a:picLocks noChangeAspect="1"/>
+          </p:cNvPicPr>
+          <p:nvPr/>
+        </p:nvPicPr>
+        <p:blipFill>
+          <a:blip r:embed="rId3">
+            <a:extLst>
+              <a:ext uri="{28A0092B-C50C-407E-A947-70E740481C1C}">
+                <a14:useLocalDpi xmlns:a14="http://schemas.microsoft.com/office/drawing/2010/main" val="0"/>
+              </a:ext>
+            </a:extLst>
+          </a:blip>
+          <a:stretch>
+            <a:fillRect/>
+          </a:stretch>
+        </p:blipFill>
+        <p:spPr>
+          <a:xfrm>
+            <a:off x="4345152" y="2817972"/>
+            <a:ext cx="1263168" cy="1263168"/>
+          </a:xfrm>
+          <a:prstGeom prst="rect">
+            <a:avLst/>
+          </a:prstGeom>
+        </p:spPr>
+      </p:pic>
+      <p:pic>
+        <p:nvPicPr>
+          <p:cNvPr id="12" name="그림 11">
+            <a:extLst>
+              <a:ext uri="{FF2B5EF4-FFF2-40B4-BE49-F238E27FC236}">
+                <a16:creationId xmlns:a16="http://schemas.microsoft.com/office/drawing/2014/main" id="{754CF79F-98FA-4726-A7B7-F2150EAD4230}"/>
+              </a:ext>
+            </a:extLst>
+          </p:cNvPr>
+          <p:cNvPicPr>
+            <a:picLocks noChangeAspect="1"/>
+          </p:cNvPicPr>
+          <p:nvPr/>
+        </p:nvPicPr>
+        <p:blipFill>
+          <a:blip r:embed="rId4">
+            <a:extLst>
+              <a:ext uri="{28A0092B-C50C-407E-A947-70E740481C1C}">
+                <a14:useLocalDpi xmlns:a14="http://schemas.microsoft.com/office/drawing/2010/main" val="0"/>
+              </a:ext>
+            </a:extLst>
+          </a:blip>
+          <a:stretch>
+            <a:fillRect/>
+          </a:stretch>
+        </p:blipFill>
+        <p:spPr>
+          <a:xfrm>
+            <a:off x="5952098" y="2789684"/>
+            <a:ext cx="1263168" cy="320845"/>
+          </a:xfrm>
+          <a:prstGeom prst="rect">
+            <a:avLst/>
+          </a:prstGeom>
+        </p:spPr>
+      </p:pic>
+      <p:pic>
+        <p:nvPicPr>
+          <p:cNvPr id="13" name="그림 12">
+            <a:extLst>
+              <a:ext uri="{FF2B5EF4-FFF2-40B4-BE49-F238E27FC236}">
+                <a16:creationId xmlns:a16="http://schemas.microsoft.com/office/drawing/2014/main" id="{64BD4A03-1771-4CB2-93F9-CED19395A491}"/>
+              </a:ext>
+            </a:extLst>
+          </p:cNvPr>
+          <p:cNvPicPr>
+            <a:picLocks noChangeAspect="1"/>
+          </p:cNvPicPr>
+          <p:nvPr/>
+        </p:nvPicPr>
+        <p:blipFill>
+          <a:blip r:embed="rId5">
+            <a:extLst>
+              <a:ext uri="{28A0092B-C50C-407E-A947-70E740481C1C}">
+                <a14:useLocalDpi xmlns:a14="http://schemas.microsoft.com/office/drawing/2010/main" val="0"/>
+              </a:ext>
+            </a:extLst>
+          </a:blip>
+          <a:stretch>
+            <a:fillRect/>
+          </a:stretch>
+        </p:blipFill>
+        <p:spPr>
+          <a:xfrm>
+            <a:off x="5834577" y="3605573"/>
+            <a:ext cx="1800663" cy="691455"/>
+          </a:xfrm>
+          <a:prstGeom prst="rect">
+            <a:avLst/>
+          </a:prstGeom>
+        </p:spPr>
+      </p:pic>
+    </p:spTree>
+    <p:extLst>
+      <p:ext uri="{BB962C8B-B14F-4D97-AF65-F5344CB8AC3E}">
+        <p14:creationId xmlns:p14="http://schemas.microsoft.com/office/powerpoint/2010/main" val="739092488"/>
+      </p:ext>
+    </p:extLst>
+  </p:cSld>
+  <p:clrMapOvr>
+    <a:masterClrMapping/>
+  </p:clrMapOvr>
+</p:sld>
+</file>
+
+<file path=ppt/slides/slide2.xml><?xml version="1.0" encoding="utf-8"?>
+<p:sld xmlns:a="http://schemas.openxmlformats.org/drawingml/2006/main" xmlns:r="http://schemas.openxmlformats.org/officeDocument/2006/relationships" xmlns:p="http://schemas.openxmlformats.org/presentationml/2006/main">
+  <p:cSld>
+    <p:spTree>
+      <p:nvGrpSpPr>
+        <p:cNvPr id="1" name=""/>
+        <p:cNvGrpSpPr/>
+        <p:nvPr/>
+      </p:nvGrpSpPr>
+      <p:grpSpPr>
+        <a:xfrm>
+          <a:off x="0" y="0"/>
+          <a:ext cx="0" cy="0"/>
+          <a:chOff x="0" y="0"/>
+          <a:chExt cx="0" cy="0"/>
+        </a:xfrm>
+      </p:grpSpPr>
+      <p:sp>
+        <p:nvSpPr>
+          <p:cNvPr id="10" name="직사각형 9">
+            <a:extLst>
+              <a:ext uri="{FF2B5EF4-FFF2-40B4-BE49-F238E27FC236}">
+                <a16:creationId xmlns:a16="http://schemas.microsoft.com/office/drawing/2014/main" id="{72422AE4-B2BC-47F4-A55A-7923EBDB55ED}"/>
+              </a:ext>
+            </a:extLst>
+          </p:cNvPr>
+          <p:cNvSpPr/>
+          <p:nvPr/>
+        </p:nvSpPr>
+        <p:spPr>
+          <a:xfrm>
+            <a:off x="1586143" y="1020932"/>
+            <a:ext cx="9268287" cy="45719"/>
+          </a:xfrm>
+          <a:prstGeom prst="rect">
+            <a:avLst/>
+          </a:prstGeom>
+        </p:spPr>
+        <p:style>
+          <a:lnRef idx="2">
+            <a:schemeClr val="accent1">
+              <a:shade val="50000"/>
+            </a:schemeClr>
+          </a:lnRef>
+          <a:fillRef idx="1">
+            <a:schemeClr val="accent1"/>
+          </a:fillRef>
+          <a:effectRef idx="0">
+            <a:schemeClr val="accent1"/>
+          </a:effectRef>
+          <a:fontRef idx="minor">
+            <a:schemeClr val="lt1"/>
+          </a:fontRef>
+        </p:style>
+        <p:txBody>
+          <a:bodyPr rtlCol="0" anchor="ctr"/>
+          <a:lstStyle/>
+          <a:p>
+            <a:pPr algn="ctr"/>
+            <a:endParaRPr lang="ko-KR" altLang="en-US"/>
+          </a:p>
+        </p:txBody>
+      </p:sp>
+      <p:sp>
+        <p:nvSpPr>
+          <p:cNvPr id="11" name="직사각형 10">
+            <a:extLst>
+              <a:ext uri="{FF2B5EF4-FFF2-40B4-BE49-F238E27FC236}">
+                <a16:creationId xmlns:a16="http://schemas.microsoft.com/office/drawing/2014/main" id="{88C624B5-9431-4451-97AF-3F26F9D86089}"/>
+              </a:ext>
+            </a:extLst>
+          </p:cNvPr>
+          <p:cNvSpPr/>
+          <p:nvPr/>
+        </p:nvSpPr>
+        <p:spPr>
+          <a:xfrm flipV="1">
+            <a:off x="1586143" y="6174982"/>
+            <a:ext cx="9268287" cy="45719"/>
+          </a:xfrm>
+          <a:prstGeom prst="rect">
+            <a:avLst/>
+          </a:prstGeom>
+        </p:spPr>
+        <p:style>
+          <a:lnRef idx="2">
+            <a:schemeClr val="accent1">
+              <a:shade val="50000"/>
+            </a:schemeClr>
+          </a:lnRef>
+          <a:fillRef idx="1">
+            <a:schemeClr val="accent1"/>
+          </a:fillRef>
+          <a:effectRef idx="0">
+            <a:schemeClr val="accent1"/>
+          </a:effectRef>
+          <a:fontRef idx="minor">
+            <a:schemeClr val="lt1"/>
+          </a:fontRef>
+        </p:style>
+        <p:txBody>
+          <a:bodyPr rtlCol="0" anchor="ctr"/>
+          <a:lstStyle/>
+          <a:p>
+            <a:pPr algn="ctr"/>
+            <a:endParaRPr lang="ko-KR" altLang="en-US"/>
+          </a:p>
+        </p:txBody>
+      </p:sp>
+      <p:sp>
+        <p:nvSpPr>
+          <p:cNvPr id="9" name="TextBox 8">
+            <a:extLst>
+              <a:ext uri="{FF2B5EF4-FFF2-40B4-BE49-F238E27FC236}">
+                <a16:creationId xmlns:a16="http://schemas.microsoft.com/office/drawing/2014/main" id="{892C5DDA-40EE-4B50-9C05-6AFC7089F348}"/>
+              </a:ext>
+            </a:extLst>
+          </p:cNvPr>
+          <p:cNvSpPr txBox="1"/>
+          <p:nvPr/>
+        </p:nvSpPr>
+        <p:spPr>
+          <a:xfrm>
+            <a:off x="1704513" y="620822"/>
+            <a:ext cx="1266372" cy="400110"/>
+          </a:xfrm>
+          <a:prstGeom prst="rect">
+            <a:avLst/>
+          </a:prstGeom>
+          <a:noFill/>
+        </p:spPr>
+        <p:txBody>
+          <a:bodyPr wrap="none" rtlCol="0">
+            <a:spAutoFit/>
+          </a:bodyPr>
+          <a:lstStyle/>
+          <a:p>
+            <a:r>
+              <a:rPr lang="en-US" altLang="ko-KR" sz="2000" dirty="0"/>
+              <a:t>UML Tools</a:t>
+            </a:r>
+          </a:p>
+        </p:txBody>
+      </p:sp>
+      <p:sp>
+        <p:nvSpPr>
+          <p:cNvPr id="2" name="TextBox 1">
+            <a:extLst>
+              <a:ext uri="{FF2B5EF4-FFF2-40B4-BE49-F238E27FC236}">
+                <a16:creationId xmlns:a16="http://schemas.microsoft.com/office/drawing/2014/main" id="{76A9A7E0-07CD-4ED9-86BC-EA199523F4E6}"/>
+              </a:ext>
+            </a:extLst>
+          </p:cNvPr>
+          <p:cNvSpPr txBox="1"/>
+          <p:nvPr/>
+        </p:nvSpPr>
+        <p:spPr>
+          <a:xfrm>
+            <a:off x="4220335" y="3167390"/>
+            <a:ext cx="3751348" cy="461665"/>
+          </a:xfrm>
+          <a:prstGeom prst="rect">
+            <a:avLst/>
+          </a:prstGeom>
+          <a:noFill/>
+        </p:spPr>
+        <p:txBody>
+          <a:bodyPr wrap="none" rtlCol="0">
+            <a:spAutoFit/>
+          </a:bodyPr>
+          <a:lstStyle/>
+          <a:p>
+            <a:pPr algn="ctr"/>
+            <a:r>
+              <a:rPr lang="en-US" altLang="ko-KR" sz="2400" dirty="0"/>
+              <a:t>UML</a:t>
+            </a:r>
+            <a:r>
+              <a:rPr lang="ko-KR" altLang="en-US" sz="2400" dirty="0"/>
+              <a:t> 설계를 도와주는 도구</a:t>
+            </a:r>
+          </a:p>
+        </p:txBody>
+      </p:sp>
+    </p:spTree>
+    <p:extLst>
+      <p:ext uri="{BB962C8B-B14F-4D97-AF65-F5344CB8AC3E}">
+        <p14:creationId xmlns:p14="http://schemas.microsoft.com/office/powerpoint/2010/main" val="1131196585"/>
+      </p:ext>
+    </p:extLst>
+  </p:cSld>
+  <p:clrMapOvr>
+    <a:masterClrMapping/>
+  </p:clrMapOvr>
+</p:sld>
+</file>
+
+<file path=ppt/slides/slide3.xml><?xml version="1.0" encoding="utf-8"?>
+<p:sld xmlns:a="http://schemas.openxmlformats.org/drawingml/2006/main" xmlns:r="http://schemas.openxmlformats.org/officeDocument/2006/relationships" xmlns:p="http://schemas.openxmlformats.org/presentationml/2006/main">
+  <p:cSld>
+    <p:spTree>
+      <p:nvGrpSpPr>
+        <p:cNvPr id="1" name=""/>
+        <p:cNvGrpSpPr/>
+        <p:nvPr/>
+      </p:nvGrpSpPr>
+      <p:grpSpPr>
+        <a:xfrm>
+          <a:off x="0" y="0"/>
+          <a:ext cx="0" cy="0"/>
+          <a:chOff x="0" y="0"/>
+          <a:chExt cx="0" cy="0"/>
+        </a:xfrm>
+      </p:grpSpPr>
+      <p:sp>
+        <p:nvSpPr>
+          <p:cNvPr id="10" name="직사각형 9">
+            <a:extLst>
+              <a:ext uri="{FF2B5EF4-FFF2-40B4-BE49-F238E27FC236}">
+                <a16:creationId xmlns:a16="http://schemas.microsoft.com/office/drawing/2014/main" id="{72422AE4-B2BC-47F4-A55A-7923EBDB55ED}"/>
+              </a:ext>
+            </a:extLst>
+          </p:cNvPr>
+          <p:cNvSpPr/>
+          <p:nvPr/>
+        </p:nvSpPr>
+        <p:spPr>
+          <a:xfrm>
+            <a:off x="1586143" y="1020932"/>
+            <a:ext cx="9268287" cy="45719"/>
+          </a:xfrm>
+          <a:prstGeom prst="rect">
+            <a:avLst/>
+          </a:prstGeom>
+        </p:spPr>
+        <p:style>
+          <a:lnRef idx="2">
+            <a:schemeClr val="accent1">
+              <a:shade val="50000"/>
+            </a:schemeClr>
+          </a:lnRef>
+          <a:fillRef idx="1">
+            <a:schemeClr val="accent1"/>
+          </a:fillRef>
+          <a:effectRef idx="0">
+            <a:schemeClr val="accent1"/>
+          </a:effectRef>
+          <a:fontRef idx="minor">
+            <a:schemeClr val="lt1"/>
+          </a:fontRef>
+        </p:style>
+        <p:txBody>
+          <a:bodyPr rtlCol="0" anchor="ctr"/>
+          <a:lstStyle/>
+          <a:p>
+            <a:pPr algn="ctr"/>
+            <a:endParaRPr lang="ko-KR" altLang="en-US"/>
+          </a:p>
+        </p:txBody>
+      </p:sp>
+      <p:sp>
+        <p:nvSpPr>
+          <p:cNvPr id="11" name="직사각형 10">
+            <a:extLst>
+              <a:ext uri="{FF2B5EF4-FFF2-40B4-BE49-F238E27FC236}">
+                <a16:creationId xmlns:a16="http://schemas.microsoft.com/office/drawing/2014/main" id="{88C624B5-9431-4451-97AF-3F26F9D86089}"/>
+              </a:ext>
+            </a:extLst>
+          </p:cNvPr>
+          <p:cNvSpPr/>
+          <p:nvPr/>
+        </p:nvSpPr>
+        <p:spPr>
+          <a:xfrm flipV="1">
+            <a:off x="1586143" y="6174982"/>
+            <a:ext cx="9268287" cy="45719"/>
+          </a:xfrm>
+          <a:prstGeom prst="rect">
+            <a:avLst/>
+          </a:prstGeom>
+        </p:spPr>
+        <p:style>
+          <a:lnRef idx="2">
+            <a:schemeClr val="accent1">
+              <a:shade val="50000"/>
+            </a:schemeClr>
+          </a:lnRef>
+          <a:fillRef idx="1">
+            <a:schemeClr val="accent1"/>
+          </a:fillRef>
+          <a:effectRef idx="0">
+            <a:schemeClr val="accent1"/>
+          </a:effectRef>
+          <a:fontRef idx="minor">
+            <a:schemeClr val="lt1"/>
+          </a:fontRef>
+        </p:style>
+        <p:txBody>
+          <a:bodyPr rtlCol="0" anchor="ctr"/>
+          <a:lstStyle/>
+          <a:p>
+            <a:pPr algn="ctr"/>
+            <a:endParaRPr lang="ko-KR" altLang="en-US"/>
+          </a:p>
+        </p:txBody>
+      </p:sp>
+      <p:sp>
+        <p:nvSpPr>
+          <p:cNvPr id="9" name="TextBox 8">
+            <a:extLst>
+              <a:ext uri="{FF2B5EF4-FFF2-40B4-BE49-F238E27FC236}">
+                <a16:creationId xmlns:a16="http://schemas.microsoft.com/office/drawing/2014/main" id="{892C5DDA-40EE-4B50-9C05-6AFC7089F348}"/>
+              </a:ext>
+            </a:extLst>
+          </p:cNvPr>
+          <p:cNvSpPr txBox="1"/>
+          <p:nvPr/>
+        </p:nvSpPr>
+        <p:spPr>
+          <a:xfrm>
+            <a:off x="1704513" y="620822"/>
+            <a:ext cx="1550361" cy="400110"/>
+          </a:xfrm>
+          <a:prstGeom prst="rect">
+            <a:avLst/>
+          </a:prstGeom>
+          <a:noFill/>
+        </p:spPr>
+        <p:txBody>
+          <a:bodyPr wrap="none" rtlCol="0">
+            <a:spAutoFit/>
+          </a:bodyPr>
+          <a:lstStyle/>
+          <a:p>
+            <a:r>
+              <a:rPr lang="en-US" altLang="ko-KR" sz="2000" dirty="0"/>
+              <a:t>Rational rose</a:t>
+            </a:r>
+          </a:p>
+        </p:txBody>
+      </p:sp>
+      <p:sp>
+        <p:nvSpPr>
+          <p:cNvPr id="2" name="TextBox 1">
+            <a:extLst>
+              <a:ext uri="{FF2B5EF4-FFF2-40B4-BE49-F238E27FC236}">
+                <a16:creationId xmlns:a16="http://schemas.microsoft.com/office/drawing/2014/main" id="{76A9A7E0-07CD-4ED9-86BC-EA199523F4E6}"/>
+              </a:ext>
+            </a:extLst>
+          </p:cNvPr>
+          <p:cNvSpPr txBox="1"/>
+          <p:nvPr/>
+        </p:nvSpPr>
+        <p:spPr>
+          <a:xfrm>
+            <a:off x="3676331" y="4888089"/>
+            <a:ext cx="4839338" cy="461665"/>
+          </a:xfrm>
+          <a:prstGeom prst="rect">
+            <a:avLst/>
+          </a:prstGeom>
+          <a:noFill/>
+        </p:spPr>
+        <p:txBody>
+          <a:bodyPr wrap="none" rtlCol="0">
+            <a:spAutoFit/>
+          </a:bodyPr>
+          <a:lstStyle/>
+          <a:p>
+            <a:pPr algn="ctr"/>
+            <a:r>
+              <a:rPr lang="en-US" altLang="ko-KR" sz="2400" dirty="0"/>
+              <a:t>IBM</a:t>
+            </a:r>
+            <a:r>
+              <a:rPr lang="ko-KR" altLang="en-US" sz="2400" dirty="0"/>
+              <a:t> </a:t>
+            </a:r>
+            <a:r>
+              <a:rPr lang="en-US" altLang="ko-KR" sz="2400" dirty="0"/>
+              <a:t>Rational</a:t>
+            </a:r>
+            <a:r>
+              <a:rPr lang="ko-KR" altLang="en-US" sz="2400" dirty="0"/>
+              <a:t> </a:t>
+            </a:r>
+            <a:r>
+              <a:rPr lang="en-US" altLang="ko-KR" sz="2400" dirty="0"/>
+              <a:t>Software Architect(RSA)</a:t>
+            </a:r>
+            <a:endParaRPr lang="ko-KR" altLang="en-US" sz="2400" dirty="0"/>
+          </a:p>
+        </p:txBody>
+      </p:sp>
+      <p:pic>
+        <p:nvPicPr>
+          <p:cNvPr id="4" name="그림 3">
+            <a:extLst>
+              <a:ext uri="{FF2B5EF4-FFF2-40B4-BE49-F238E27FC236}">
+                <a16:creationId xmlns:a16="http://schemas.microsoft.com/office/drawing/2014/main" id="{F7246A50-5831-4DD4-A2CD-EE8DFD9AD4B3}"/>
+              </a:ext>
+            </a:extLst>
+          </p:cNvPr>
+          <p:cNvPicPr>
+            <a:picLocks noChangeAspect="1"/>
+          </p:cNvPicPr>
+          <p:nvPr/>
+        </p:nvPicPr>
+        <p:blipFill>
+          <a:blip r:embed="rId3">
+            <a:extLst>
+              <a:ext uri="{28A0092B-C50C-407E-A947-70E740481C1C}">
+                <a14:useLocalDpi xmlns:a14="http://schemas.microsoft.com/office/drawing/2010/main" val="0"/>
+              </a:ext>
+            </a:extLst>
+          </a:blip>
+          <a:stretch>
+            <a:fillRect/>
+          </a:stretch>
+        </p:blipFill>
+        <p:spPr>
+          <a:xfrm>
+            <a:off x="5000472" y="2333472"/>
+            <a:ext cx="2191056" cy="2191056"/>
+          </a:xfrm>
+          <a:prstGeom prst="rect">
+            <a:avLst/>
+          </a:prstGeom>
+        </p:spPr>
+      </p:pic>
+    </p:spTree>
+    <p:extLst>
+      <p:ext uri="{BB962C8B-B14F-4D97-AF65-F5344CB8AC3E}">
+        <p14:creationId xmlns:p14="http://schemas.microsoft.com/office/powerpoint/2010/main" val="3747662472"/>
+      </p:ext>
+    </p:extLst>
+  </p:cSld>
+  <p:clrMapOvr>
+    <a:masterClrMapping/>
+  </p:clrMapOvr>
+</p:sld>
+</file>
+
+<file path=ppt/slides/slide4.xml><?xml version="1.0" encoding="utf-8"?>
+<p:sld xmlns:a="http://schemas.openxmlformats.org/drawingml/2006/main" xmlns:r="http://schemas.openxmlformats.org/officeDocument/2006/relationships" xmlns:p="http://schemas.openxmlformats.org/presentationml/2006/main">
+  <p:cSld>
+    <p:spTree>
+      <p:nvGrpSpPr>
+        <p:cNvPr id="1" name=""/>
+        <p:cNvGrpSpPr/>
+        <p:nvPr/>
+      </p:nvGrpSpPr>
+      <p:grpSpPr>
+        <a:xfrm>
+          <a:off x="0" y="0"/>
+          <a:ext cx="0" cy="0"/>
+          <a:chOff x="0" y="0"/>
+          <a:chExt cx="0" cy="0"/>
+        </a:xfrm>
+      </p:grpSpPr>
+      <p:sp>
+        <p:nvSpPr>
+          <p:cNvPr id="10" name="직사각형 9">
+            <a:extLst>
+              <a:ext uri="{FF2B5EF4-FFF2-40B4-BE49-F238E27FC236}">
+                <a16:creationId xmlns:a16="http://schemas.microsoft.com/office/drawing/2014/main" id="{72422AE4-B2BC-47F4-A55A-7923EBDB55ED}"/>
+              </a:ext>
+            </a:extLst>
+          </p:cNvPr>
+          <p:cNvSpPr/>
+          <p:nvPr/>
+        </p:nvSpPr>
+        <p:spPr>
+          <a:xfrm>
+            <a:off x="1586143" y="1020932"/>
+            <a:ext cx="9268287" cy="45719"/>
+          </a:xfrm>
+          <a:prstGeom prst="rect">
+            <a:avLst/>
+          </a:prstGeom>
+        </p:spPr>
+        <p:style>
+          <a:lnRef idx="2">
+            <a:schemeClr val="accent1">
+              <a:shade val="50000"/>
+            </a:schemeClr>
+          </a:lnRef>
+          <a:fillRef idx="1">
+            <a:schemeClr val="accent1"/>
+          </a:fillRef>
+          <a:effectRef idx="0">
+            <a:schemeClr val="accent1"/>
+          </a:effectRef>
+          <a:fontRef idx="minor">
+            <a:schemeClr val="lt1"/>
+          </a:fontRef>
+        </p:style>
+        <p:txBody>
+          <a:bodyPr rtlCol="0" anchor="ctr"/>
+          <a:lstStyle/>
+          <a:p>
+            <a:pPr algn="ctr"/>
+            <a:endParaRPr lang="ko-KR" altLang="en-US"/>
+          </a:p>
+        </p:txBody>
+      </p:sp>
+      <p:sp>
+        <p:nvSpPr>
+          <p:cNvPr id="11" name="직사각형 10">
+            <a:extLst>
+              <a:ext uri="{FF2B5EF4-FFF2-40B4-BE49-F238E27FC236}">
+                <a16:creationId xmlns:a16="http://schemas.microsoft.com/office/drawing/2014/main" id="{88C624B5-9431-4451-97AF-3F26F9D86089}"/>
+              </a:ext>
+            </a:extLst>
+          </p:cNvPr>
+          <p:cNvSpPr/>
+          <p:nvPr/>
+        </p:nvSpPr>
+        <p:spPr>
+          <a:xfrm flipV="1">
+            <a:off x="1586143" y="6174982"/>
+            <a:ext cx="9268287" cy="45719"/>
+          </a:xfrm>
+          <a:prstGeom prst="rect">
+            <a:avLst/>
+          </a:prstGeom>
+        </p:spPr>
+        <p:style>
+          <a:lnRef idx="2">
+            <a:schemeClr val="accent1">
+              <a:shade val="50000"/>
+            </a:schemeClr>
+          </a:lnRef>
+          <a:fillRef idx="1">
+            <a:schemeClr val="accent1"/>
+          </a:fillRef>
+          <a:effectRef idx="0">
+            <a:schemeClr val="accent1"/>
+          </a:effectRef>
+          <a:fontRef idx="minor">
+            <a:schemeClr val="lt1"/>
+          </a:fontRef>
+        </p:style>
+        <p:txBody>
+          <a:bodyPr rtlCol="0" anchor="ctr"/>
+          <a:lstStyle/>
+          <a:p>
+            <a:pPr algn="ctr"/>
+            <a:endParaRPr lang="ko-KR" altLang="en-US"/>
+          </a:p>
+        </p:txBody>
+      </p:sp>
+      <p:sp>
+        <p:nvSpPr>
+          <p:cNvPr id="9" name="TextBox 8">
+            <a:extLst>
+              <a:ext uri="{FF2B5EF4-FFF2-40B4-BE49-F238E27FC236}">
+                <a16:creationId xmlns:a16="http://schemas.microsoft.com/office/drawing/2014/main" id="{892C5DDA-40EE-4B50-9C05-6AFC7089F348}"/>
+              </a:ext>
+            </a:extLst>
+          </p:cNvPr>
+          <p:cNvSpPr txBox="1"/>
+          <p:nvPr/>
+        </p:nvSpPr>
+        <p:spPr>
+          <a:xfrm>
+            <a:off x="1704513" y="620822"/>
+            <a:ext cx="2541208" cy="400110"/>
+          </a:xfrm>
+          <a:prstGeom prst="rect">
+            <a:avLst/>
+          </a:prstGeom>
+          <a:noFill/>
+        </p:spPr>
+        <p:txBody>
+          <a:bodyPr wrap="none" rtlCol="0">
+            <a:spAutoFit/>
+          </a:bodyPr>
+          <a:lstStyle/>
+          <a:p>
+            <a:r>
+              <a:rPr lang="en-US" altLang="ko-KR" sz="2000" dirty="0"/>
+              <a:t>Rational rose – Exam 1</a:t>
+            </a:r>
+          </a:p>
+        </p:txBody>
+      </p:sp>
+      <p:pic>
+        <p:nvPicPr>
+          <p:cNvPr id="4" name="그림 3">
+            <a:extLst>
+              <a:ext uri="{FF2B5EF4-FFF2-40B4-BE49-F238E27FC236}">
+                <a16:creationId xmlns:a16="http://schemas.microsoft.com/office/drawing/2014/main" id="{ECA1EB40-9504-4DF2-A058-8FC66308A8C2}"/>
+              </a:ext>
+            </a:extLst>
+          </p:cNvPr>
+          <p:cNvPicPr>
+            <a:picLocks noChangeAspect="1"/>
+          </p:cNvPicPr>
+          <p:nvPr/>
+        </p:nvPicPr>
+        <p:blipFill>
+          <a:blip r:embed="rId3">
+            <a:extLst>
+              <a:ext uri="{28A0092B-C50C-407E-A947-70E740481C1C}">
+                <a14:useLocalDpi xmlns:a14="http://schemas.microsoft.com/office/drawing/2010/main" val="0"/>
+              </a:ext>
+            </a:extLst>
+          </a:blip>
+          <a:stretch>
+            <a:fillRect/>
+          </a:stretch>
+        </p:blipFill>
+        <p:spPr>
+          <a:xfrm>
+            <a:off x="1844040" y="1287509"/>
+            <a:ext cx="8900160" cy="4709668"/>
+          </a:xfrm>
+          <a:prstGeom prst="rect">
+            <a:avLst/>
+          </a:prstGeom>
+        </p:spPr>
+      </p:pic>
+    </p:spTree>
+    <p:extLst>
+      <p:ext uri="{BB962C8B-B14F-4D97-AF65-F5344CB8AC3E}">
+        <p14:creationId xmlns:p14="http://schemas.microsoft.com/office/powerpoint/2010/main" val="990115812"/>
+      </p:ext>
+    </p:extLst>
+  </p:cSld>
+  <p:clrMapOvr>
+    <a:masterClrMapping/>
+  </p:clrMapOvr>
+</p:sld>
+</file>
+
+<file path=ppt/slides/slide5.xml><?xml version="1.0" encoding="utf-8"?>
+<p:sld xmlns:a="http://schemas.openxmlformats.org/drawingml/2006/main" xmlns:r="http://schemas.openxmlformats.org/officeDocument/2006/relationships" xmlns:p="http://schemas.openxmlformats.org/presentationml/2006/main">
+  <p:cSld>
+    <p:spTree>
+      <p:nvGrpSpPr>
+        <p:cNvPr id="1" name=""/>
+        <p:cNvGrpSpPr/>
+        <p:nvPr/>
+      </p:nvGrpSpPr>
+      <p:grpSpPr>
+        <a:xfrm>
+          <a:off x="0" y="0"/>
+          <a:ext cx="0" cy="0"/>
+          <a:chOff x="0" y="0"/>
+          <a:chExt cx="0" cy="0"/>
+        </a:xfrm>
+      </p:grpSpPr>
+      <p:sp>
+        <p:nvSpPr>
+          <p:cNvPr id="10" name="직사각형 9">
+            <a:extLst>
+              <a:ext uri="{FF2B5EF4-FFF2-40B4-BE49-F238E27FC236}">
+                <a16:creationId xmlns:a16="http://schemas.microsoft.com/office/drawing/2014/main" id="{72422AE4-B2BC-47F4-A55A-7923EBDB55ED}"/>
+              </a:ext>
+            </a:extLst>
+          </p:cNvPr>
+          <p:cNvSpPr/>
+          <p:nvPr/>
+        </p:nvSpPr>
+        <p:spPr>
+          <a:xfrm>
+            <a:off x="1586143" y="1020932"/>
+            <a:ext cx="9268287" cy="45719"/>
+          </a:xfrm>
+          <a:prstGeom prst="rect">
+            <a:avLst/>
+          </a:prstGeom>
+        </p:spPr>
+        <p:style>
+          <a:lnRef idx="2">
+            <a:schemeClr val="accent1">
+              <a:shade val="50000"/>
+            </a:schemeClr>
+          </a:lnRef>
+          <a:fillRef idx="1">
+            <a:schemeClr val="accent1"/>
+          </a:fillRef>
+          <a:effectRef idx="0">
+            <a:schemeClr val="accent1"/>
+          </a:effectRef>
+          <a:fontRef idx="minor">
+            <a:schemeClr val="lt1"/>
+          </a:fontRef>
+        </p:style>
+        <p:txBody>
+          <a:bodyPr rtlCol="0" anchor="ctr"/>
+          <a:lstStyle/>
+          <a:p>
+            <a:pPr algn="ctr"/>
+            <a:endParaRPr lang="ko-KR" altLang="en-US"/>
+          </a:p>
+        </p:txBody>
+      </p:sp>
+      <p:sp>
+        <p:nvSpPr>
+          <p:cNvPr id="11" name="직사각형 10">
+            <a:extLst>
+              <a:ext uri="{FF2B5EF4-FFF2-40B4-BE49-F238E27FC236}">
+                <a16:creationId xmlns:a16="http://schemas.microsoft.com/office/drawing/2014/main" id="{88C624B5-9431-4451-97AF-3F26F9D86089}"/>
+              </a:ext>
+            </a:extLst>
+          </p:cNvPr>
+          <p:cNvSpPr/>
+          <p:nvPr/>
+        </p:nvSpPr>
+        <p:spPr>
+          <a:xfrm flipV="1">
+            <a:off x="1586143" y="6174982"/>
+            <a:ext cx="9268287" cy="45719"/>
+          </a:xfrm>
+          <a:prstGeom prst="rect">
+            <a:avLst/>
+          </a:prstGeom>
+        </p:spPr>
+        <p:style>
+          <a:lnRef idx="2">
+            <a:schemeClr val="accent1">
+              <a:shade val="50000"/>
+            </a:schemeClr>
+          </a:lnRef>
+          <a:fillRef idx="1">
+            <a:schemeClr val="accent1"/>
+          </a:fillRef>
+          <a:effectRef idx="0">
+            <a:schemeClr val="accent1"/>
+          </a:effectRef>
+          <a:fontRef idx="minor">
+            <a:schemeClr val="lt1"/>
+          </a:fontRef>
+        </p:style>
+        <p:txBody>
+          <a:bodyPr rtlCol="0" anchor="ctr"/>
+          <a:lstStyle/>
+          <a:p>
+            <a:pPr algn="ctr"/>
+            <a:endParaRPr lang="ko-KR" altLang="en-US"/>
+          </a:p>
+        </p:txBody>
+      </p:sp>
+      <p:sp>
+        <p:nvSpPr>
+          <p:cNvPr id="9" name="TextBox 8">
+            <a:extLst>
+              <a:ext uri="{FF2B5EF4-FFF2-40B4-BE49-F238E27FC236}">
+                <a16:creationId xmlns:a16="http://schemas.microsoft.com/office/drawing/2014/main" id="{892C5DDA-40EE-4B50-9C05-6AFC7089F348}"/>
+              </a:ext>
+            </a:extLst>
+          </p:cNvPr>
+          <p:cNvSpPr txBox="1"/>
+          <p:nvPr/>
+        </p:nvSpPr>
+        <p:spPr>
+          <a:xfrm>
+            <a:off x="1704513" y="620822"/>
+            <a:ext cx="2541208" cy="400110"/>
+          </a:xfrm>
+          <a:prstGeom prst="rect">
+            <a:avLst/>
+          </a:prstGeom>
+          <a:noFill/>
+        </p:spPr>
+        <p:txBody>
+          <a:bodyPr wrap="none" rtlCol="0">
+            <a:spAutoFit/>
+          </a:bodyPr>
+          <a:lstStyle/>
+          <a:p>
+            <a:r>
+              <a:rPr lang="en-US" altLang="ko-KR" sz="2000" dirty="0"/>
+              <a:t>Rational rose – Exam 2</a:t>
+            </a:r>
+          </a:p>
+        </p:txBody>
+      </p:sp>
+      <p:pic>
+        <p:nvPicPr>
+          <p:cNvPr id="3" name="그림 2">
+            <a:extLst>
+              <a:ext uri="{FF2B5EF4-FFF2-40B4-BE49-F238E27FC236}">
+                <a16:creationId xmlns:a16="http://schemas.microsoft.com/office/drawing/2014/main" id="{086D9F6C-39AC-43D1-81B3-970294EF3EEB}"/>
+              </a:ext>
+            </a:extLst>
+          </p:cNvPr>
+          <p:cNvPicPr>
+            <a:picLocks noChangeAspect="1"/>
+          </p:cNvPicPr>
+          <p:nvPr/>
+        </p:nvPicPr>
+        <p:blipFill>
+          <a:blip r:embed="rId3">
+            <a:extLst>
+              <a:ext uri="{28A0092B-C50C-407E-A947-70E740481C1C}">
+                <a14:useLocalDpi xmlns:a14="http://schemas.microsoft.com/office/drawing/2010/main" val="0"/>
+              </a:ext>
+            </a:extLst>
+          </a:blip>
+          <a:stretch>
+            <a:fillRect/>
+          </a:stretch>
+        </p:blipFill>
+        <p:spPr>
+          <a:xfrm>
+            <a:off x="2865794" y="1481301"/>
+            <a:ext cx="6460412" cy="4355767"/>
+          </a:xfrm>
+          <a:prstGeom prst="rect">
+            <a:avLst/>
+          </a:prstGeom>
+        </p:spPr>
+      </p:pic>
+    </p:spTree>
+    <p:extLst>
+      <p:ext uri="{BB962C8B-B14F-4D97-AF65-F5344CB8AC3E}">
+        <p14:creationId xmlns:p14="http://schemas.microsoft.com/office/powerpoint/2010/main" val="963760387"/>
+      </p:ext>
+    </p:extLst>
+  </p:cSld>
+  <p:clrMapOvr>
+    <a:masterClrMapping/>
+  </p:clrMapOvr>
+</p:sld>
+</file>
+
+<file path=ppt/slides/slide6.xml><?xml version="1.0" encoding="utf-8"?>
+<p:sld xmlns:a="http://schemas.openxmlformats.org/drawingml/2006/main" xmlns:r="http://schemas.openxmlformats.org/officeDocument/2006/relationships" xmlns:p="http://schemas.openxmlformats.org/presentationml/2006/main">
+  <p:cSld>
+    <p:spTree>
+      <p:nvGrpSpPr>
+        <p:cNvPr id="1" name=""/>
+        <p:cNvGrpSpPr/>
+        <p:nvPr/>
+      </p:nvGrpSpPr>
+      <p:grpSpPr>
+        <a:xfrm>
+          <a:off x="0" y="0"/>
+          <a:ext cx="0" cy="0"/>
+          <a:chOff x="0" y="0"/>
+          <a:chExt cx="0" cy="0"/>
+        </a:xfrm>
+      </p:grpSpPr>
+      <p:sp>
+        <p:nvSpPr>
+          <p:cNvPr id="10" name="직사각형 9">
+            <a:extLst>
+              <a:ext uri="{FF2B5EF4-FFF2-40B4-BE49-F238E27FC236}">
+                <a16:creationId xmlns:a16="http://schemas.microsoft.com/office/drawing/2014/main" id="{72422AE4-B2BC-47F4-A55A-7923EBDB55ED}"/>
+              </a:ext>
+            </a:extLst>
+          </p:cNvPr>
+          <p:cNvSpPr/>
+          <p:nvPr/>
+        </p:nvSpPr>
+        <p:spPr>
+          <a:xfrm>
+            <a:off x="1586143" y="1020932"/>
+            <a:ext cx="9268287" cy="45719"/>
+          </a:xfrm>
+          <a:prstGeom prst="rect">
+            <a:avLst/>
+          </a:prstGeom>
+        </p:spPr>
+        <p:style>
+          <a:lnRef idx="2">
+            <a:schemeClr val="accent1">
+              <a:shade val="50000"/>
+            </a:schemeClr>
+          </a:lnRef>
+          <a:fillRef idx="1">
+            <a:schemeClr val="accent1"/>
+          </a:fillRef>
+          <a:effectRef idx="0">
+            <a:schemeClr val="accent1"/>
+          </a:effectRef>
+          <a:fontRef idx="minor">
+            <a:schemeClr val="lt1"/>
+          </a:fontRef>
+        </p:style>
+        <p:txBody>
+          <a:bodyPr rtlCol="0" anchor="ctr"/>
+          <a:lstStyle/>
+          <a:p>
+            <a:pPr algn="ctr"/>
+            <a:endParaRPr lang="ko-KR" altLang="en-US"/>
+          </a:p>
+        </p:txBody>
+      </p:sp>
+      <p:sp>
+        <p:nvSpPr>
+          <p:cNvPr id="11" name="직사각형 10">
+            <a:extLst>
+              <a:ext uri="{FF2B5EF4-FFF2-40B4-BE49-F238E27FC236}">
+                <a16:creationId xmlns:a16="http://schemas.microsoft.com/office/drawing/2014/main" id="{88C624B5-9431-4451-97AF-3F26F9D86089}"/>
+              </a:ext>
+            </a:extLst>
+          </p:cNvPr>
+          <p:cNvSpPr/>
+          <p:nvPr/>
+        </p:nvSpPr>
+        <p:spPr>
+          <a:xfrm flipV="1">
+            <a:off x="1586143" y="6174982"/>
+            <a:ext cx="9268287" cy="45719"/>
+          </a:xfrm>
+          <a:prstGeom prst="rect">
+            <a:avLst/>
+          </a:prstGeom>
+        </p:spPr>
+        <p:style>
+          <a:lnRef idx="2">
+            <a:schemeClr val="accent1">
+              <a:shade val="50000"/>
+            </a:schemeClr>
+          </a:lnRef>
+          <a:fillRef idx="1">
+            <a:schemeClr val="accent1"/>
+          </a:fillRef>
+          <a:effectRef idx="0">
+            <a:schemeClr val="accent1"/>
+          </a:effectRef>
+          <a:fontRef idx="minor">
+            <a:schemeClr val="lt1"/>
+          </a:fontRef>
+        </p:style>
+        <p:txBody>
+          <a:bodyPr rtlCol="0" anchor="ctr"/>
+          <a:lstStyle/>
+          <a:p>
+            <a:pPr algn="ctr"/>
+            <a:endParaRPr lang="ko-KR" altLang="en-US"/>
+          </a:p>
+        </p:txBody>
+      </p:sp>
+      <p:sp>
+        <p:nvSpPr>
+          <p:cNvPr id="9" name="TextBox 8">
+            <a:extLst>
+              <a:ext uri="{FF2B5EF4-FFF2-40B4-BE49-F238E27FC236}">
+                <a16:creationId xmlns:a16="http://schemas.microsoft.com/office/drawing/2014/main" id="{892C5DDA-40EE-4B50-9C05-6AFC7089F348}"/>
+              </a:ext>
+            </a:extLst>
+          </p:cNvPr>
+          <p:cNvSpPr txBox="1"/>
+          <p:nvPr/>
+        </p:nvSpPr>
+        <p:spPr>
+          <a:xfrm>
+            <a:off x="1704513" y="620822"/>
+            <a:ext cx="2541208" cy="400110"/>
+          </a:xfrm>
+          <a:prstGeom prst="rect">
+            <a:avLst/>
+          </a:prstGeom>
+          <a:noFill/>
+        </p:spPr>
+        <p:txBody>
+          <a:bodyPr wrap="none" rtlCol="0">
+            <a:spAutoFit/>
+          </a:bodyPr>
+          <a:lstStyle/>
+          <a:p>
+            <a:r>
+              <a:rPr lang="en-US" altLang="ko-KR" sz="2000" dirty="0"/>
+              <a:t>Rational rose – Exam 3</a:t>
+            </a:r>
+          </a:p>
+        </p:txBody>
+      </p:sp>
+      <p:pic>
+        <p:nvPicPr>
+          <p:cNvPr id="4" name="그림 3">
+            <a:extLst>
+              <a:ext uri="{FF2B5EF4-FFF2-40B4-BE49-F238E27FC236}">
+                <a16:creationId xmlns:a16="http://schemas.microsoft.com/office/drawing/2014/main" id="{DB91E854-0634-4000-85D0-239BE0DAE87F}"/>
+              </a:ext>
+            </a:extLst>
+          </p:cNvPr>
+          <p:cNvPicPr>
+            <a:picLocks noChangeAspect="1"/>
+          </p:cNvPicPr>
+          <p:nvPr/>
+        </p:nvPicPr>
+        <p:blipFill>
+          <a:blip r:embed="rId3">
+            <a:extLst>
+              <a:ext uri="{28A0092B-C50C-407E-A947-70E740481C1C}">
+                <a14:useLocalDpi xmlns:a14="http://schemas.microsoft.com/office/drawing/2010/main" val="0"/>
+              </a:ext>
+            </a:extLst>
+          </a:blip>
+          <a:stretch>
+            <a:fillRect/>
+          </a:stretch>
+        </p:blipFill>
+        <p:spPr>
+          <a:xfrm>
+            <a:off x="1518627" y="2017542"/>
+            <a:ext cx="9335803" cy="3115110"/>
+          </a:xfrm>
+          <a:prstGeom prst="rect">
+            <a:avLst/>
+          </a:prstGeom>
+        </p:spPr>
+      </p:pic>
+    </p:spTree>
+    <p:extLst>
+      <p:ext uri="{BB962C8B-B14F-4D97-AF65-F5344CB8AC3E}">
+        <p14:creationId xmlns:p14="http://schemas.microsoft.com/office/powerpoint/2010/main" val="1378873231"/>
+      </p:ext>
+    </p:extLst>
+  </p:cSld>
+  <p:clrMapOvr>
+    <a:masterClrMapping/>
+  </p:clrMapOvr>
+</p:sld>
+</file>
+
+<file path=ppt/slides/slide7.xml><?xml version="1.0" encoding="utf-8"?>
+<p:sld xmlns:a="http://schemas.openxmlformats.org/drawingml/2006/main" xmlns:r="http://schemas.openxmlformats.org/officeDocument/2006/relationships" xmlns:p="http://schemas.openxmlformats.org/presentationml/2006/main">
+  <p:cSld>
+    <p:spTree>
+      <p:nvGrpSpPr>
+        <p:cNvPr id="1" name=""/>
+        <p:cNvGrpSpPr/>
+        <p:nvPr/>
+      </p:nvGrpSpPr>
+      <p:grpSpPr>
+        <a:xfrm>
+          <a:off x="0" y="0"/>
+          <a:ext cx="0" cy="0"/>
+          <a:chOff x="0" y="0"/>
+          <a:chExt cx="0" cy="0"/>
+        </a:xfrm>
+      </p:grpSpPr>
+      <p:sp>
+        <p:nvSpPr>
+          <p:cNvPr id="10" name="직사각형 9">
+            <a:extLst>
+              <a:ext uri="{FF2B5EF4-FFF2-40B4-BE49-F238E27FC236}">
+                <a16:creationId xmlns:a16="http://schemas.microsoft.com/office/drawing/2014/main" id="{72422AE4-B2BC-47F4-A55A-7923EBDB55ED}"/>
+              </a:ext>
+            </a:extLst>
+          </p:cNvPr>
+          <p:cNvSpPr/>
+          <p:nvPr/>
+        </p:nvSpPr>
+        <p:spPr>
+          <a:xfrm>
+            <a:off x="1586143" y="1020932"/>
+            <a:ext cx="9268287" cy="45719"/>
+          </a:xfrm>
+          <a:prstGeom prst="rect">
+            <a:avLst/>
+          </a:prstGeom>
+        </p:spPr>
+        <p:style>
+          <a:lnRef idx="2">
+            <a:schemeClr val="accent1">
+              <a:shade val="50000"/>
+            </a:schemeClr>
+          </a:lnRef>
+          <a:fillRef idx="1">
+            <a:schemeClr val="accent1"/>
+          </a:fillRef>
+          <a:effectRef idx="0">
+            <a:schemeClr val="accent1"/>
+          </a:effectRef>
+          <a:fontRef idx="minor">
+            <a:schemeClr val="lt1"/>
+          </a:fontRef>
+        </p:style>
+        <p:txBody>
+          <a:bodyPr rtlCol="0" anchor="ctr"/>
+          <a:lstStyle/>
+          <a:p>
+            <a:pPr algn="ctr"/>
+            <a:endParaRPr lang="ko-KR" altLang="en-US"/>
+          </a:p>
+        </p:txBody>
+      </p:sp>
+      <p:sp>
+        <p:nvSpPr>
+          <p:cNvPr id="11" name="직사각형 10">
+            <a:extLst>
+              <a:ext uri="{FF2B5EF4-FFF2-40B4-BE49-F238E27FC236}">
+                <a16:creationId xmlns:a16="http://schemas.microsoft.com/office/drawing/2014/main" id="{88C624B5-9431-4451-97AF-3F26F9D86089}"/>
+              </a:ext>
+            </a:extLst>
+          </p:cNvPr>
+          <p:cNvSpPr/>
+          <p:nvPr/>
+        </p:nvSpPr>
+        <p:spPr>
+          <a:xfrm flipV="1">
+            <a:off x="1586143" y="6174982"/>
+            <a:ext cx="9268287" cy="45719"/>
+          </a:xfrm>
+          <a:prstGeom prst="rect">
+            <a:avLst/>
+          </a:prstGeom>
+        </p:spPr>
+        <p:style>
+          <a:lnRef idx="2">
+            <a:schemeClr val="accent1">
+              <a:shade val="50000"/>
+            </a:schemeClr>
+          </a:lnRef>
+          <a:fillRef idx="1">
+            <a:schemeClr val="accent1"/>
+          </a:fillRef>
+          <a:effectRef idx="0">
+            <a:schemeClr val="accent1"/>
+          </a:effectRef>
+          <a:fontRef idx="minor">
+            <a:schemeClr val="lt1"/>
+          </a:fontRef>
+        </p:style>
+        <p:txBody>
+          <a:bodyPr rtlCol="0" anchor="ctr"/>
+          <a:lstStyle/>
+          <a:p>
+            <a:pPr algn="ctr"/>
+            <a:endParaRPr lang="ko-KR" altLang="en-US"/>
+          </a:p>
+        </p:txBody>
+      </p:sp>
+      <p:sp>
+        <p:nvSpPr>
+          <p:cNvPr id="9" name="TextBox 8">
+            <a:extLst>
+              <a:ext uri="{FF2B5EF4-FFF2-40B4-BE49-F238E27FC236}">
+                <a16:creationId xmlns:a16="http://schemas.microsoft.com/office/drawing/2014/main" id="{892C5DDA-40EE-4B50-9C05-6AFC7089F348}"/>
+              </a:ext>
+            </a:extLst>
+          </p:cNvPr>
+          <p:cNvSpPr txBox="1"/>
+          <p:nvPr/>
+        </p:nvSpPr>
+        <p:spPr>
+          <a:xfrm>
+            <a:off x="1704513" y="620822"/>
+            <a:ext cx="1961243" cy="400110"/>
+          </a:xfrm>
+          <a:prstGeom prst="rect">
+            <a:avLst/>
+          </a:prstGeom>
+          <a:noFill/>
+        </p:spPr>
+        <p:txBody>
+          <a:bodyPr wrap="none" rtlCol="0">
+            <a:spAutoFit/>
+          </a:bodyPr>
+          <a:lstStyle/>
+          <a:p>
+            <a:r>
+              <a:rPr lang="en-US" altLang="ko-KR" sz="2000" dirty="0"/>
+              <a:t>Borland together</a:t>
+            </a:r>
+          </a:p>
+        </p:txBody>
+      </p:sp>
+      <p:sp>
+        <p:nvSpPr>
+          <p:cNvPr id="2" name="TextBox 1">
+            <a:extLst>
+              <a:ext uri="{FF2B5EF4-FFF2-40B4-BE49-F238E27FC236}">
+                <a16:creationId xmlns:a16="http://schemas.microsoft.com/office/drawing/2014/main" id="{76A9A7E0-07CD-4ED9-86BC-EA199523F4E6}"/>
+              </a:ext>
+            </a:extLst>
+          </p:cNvPr>
+          <p:cNvSpPr txBox="1"/>
+          <p:nvPr/>
+        </p:nvSpPr>
+        <p:spPr>
+          <a:xfrm>
+            <a:off x="4699341" y="4767590"/>
+            <a:ext cx="2793329" cy="461665"/>
+          </a:xfrm>
+          <a:prstGeom prst="rect">
+            <a:avLst/>
+          </a:prstGeom>
+          <a:noFill/>
+        </p:spPr>
+        <p:txBody>
+          <a:bodyPr wrap="none" rtlCol="0">
+            <a:spAutoFit/>
+          </a:bodyPr>
+          <a:lstStyle/>
+          <a:p>
+            <a:pPr algn="ctr"/>
+            <a:r>
+              <a:rPr lang="en-US" altLang="ko-KR" sz="2400" dirty="0"/>
+              <a:t>Micro focus together</a:t>
+            </a:r>
+          </a:p>
+        </p:txBody>
+      </p:sp>
+      <p:pic>
+        <p:nvPicPr>
+          <p:cNvPr id="4" name="그림 3">
+            <a:extLst>
+              <a:ext uri="{FF2B5EF4-FFF2-40B4-BE49-F238E27FC236}">
+                <a16:creationId xmlns:a16="http://schemas.microsoft.com/office/drawing/2014/main" id="{525D04CD-1DE8-4AC5-B1CB-0B2865ED21C6}"/>
+              </a:ext>
+            </a:extLst>
+          </p:cNvPr>
+          <p:cNvPicPr>
+            <a:picLocks noChangeAspect="1"/>
+          </p:cNvPicPr>
+          <p:nvPr/>
+        </p:nvPicPr>
+        <p:blipFill>
+          <a:blip r:embed="rId3">
+            <a:extLst>
+              <a:ext uri="{28A0092B-C50C-407E-A947-70E740481C1C}">
+                <a14:useLocalDpi xmlns:a14="http://schemas.microsoft.com/office/drawing/2010/main" val="0"/>
+              </a:ext>
+            </a:extLst>
+          </a:blip>
+          <a:stretch>
+            <a:fillRect/>
+          </a:stretch>
+        </p:blipFill>
+        <p:spPr>
+          <a:xfrm>
+            <a:off x="4460179" y="3013501"/>
+            <a:ext cx="3271642" cy="830997"/>
+          </a:xfrm>
+          <a:prstGeom prst="rect">
+            <a:avLst/>
+          </a:prstGeom>
+        </p:spPr>
+      </p:pic>
+    </p:spTree>
+    <p:extLst>
+      <p:ext uri="{BB962C8B-B14F-4D97-AF65-F5344CB8AC3E}">
+        <p14:creationId xmlns:p14="http://schemas.microsoft.com/office/powerpoint/2010/main" val="639559170"/>
+      </p:ext>
+    </p:extLst>
+  </p:cSld>
+  <p:clrMapOvr>
+    <a:masterClrMapping/>
+  </p:clrMapOvr>
+</p:sld>
+</file>
+
+<file path=ppt/slides/slide8.xml><?xml version="1.0" encoding="utf-8"?>
+<p:sld xmlns:a="http://schemas.openxmlformats.org/drawingml/2006/main" xmlns:r="http://schemas.openxmlformats.org/officeDocument/2006/relationships" xmlns:p="http://schemas.openxmlformats.org/presentationml/2006/main">
+  <p:cSld>
+    <p:spTree>
+      <p:nvGrpSpPr>
+        <p:cNvPr id="1" name=""/>
+        <p:cNvGrpSpPr/>
+        <p:nvPr/>
+      </p:nvGrpSpPr>
+      <p:grpSpPr>
+        <a:xfrm>
+          <a:off x="0" y="0"/>
+          <a:ext cx="0" cy="0"/>
+          <a:chOff x="0" y="0"/>
+          <a:chExt cx="0" cy="0"/>
+        </a:xfrm>
+      </p:grpSpPr>
+      <p:sp>
+        <p:nvSpPr>
+          <p:cNvPr id="10" name="직사각형 9">
+            <a:extLst>
+              <a:ext uri="{FF2B5EF4-FFF2-40B4-BE49-F238E27FC236}">
+                <a16:creationId xmlns:a16="http://schemas.microsoft.com/office/drawing/2014/main" id="{72422AE4-B2BC-47F4-A55A-7923EBDB55ED}"/>
+              </a:ext>
+            </a:extLst>
+          </p:cNvPr>
+          <p:cNvSpPr/>
+          <p:nvPr/>
+        </p:nvSpPr>
+        <p:spPr>
+          <a:xfrm>
+            <a:off x="1586143" y="1020932"/>
+            <a:ext cx="9268287" cy="45719"/>
+          </a:xfrm>
+          <a:prstGeom prst="rect">
+            <a:avLst/>
+          </a:prstGeom>
+        </p:spPr>
+        <p:style>
+          <a:lnRef idx="2">
+            <a:schemeClr val="accent1">
+              <a:shade val="50000"/>
+            </a:schemeClr>
+          </a:lnRef>
+          <a:fillRef idx="1">
+            <a:schemeClr val="accent1"/>
+          </a:fillRef>
+          <a:effectRef idx="0">
+            <a:schemeClr val="accent1"/>
+          </a:effectRef>
+          <a:fontRef idx="minor">
+            <a:schemeClr val="lt1"/>
+          </a:fontRef>
+        </p:style>
+        <p:txBody>
+          <a:bodyPr rtlCol="0" anchor="ctr"/>
+          <a:lstStyle/>
+          <a:p>
+            <a:pPr algn="ctr"/>
+            <a:endParaRPr lang="ko-KR" altLang="en-US"/>
+          </a:p>
+        </p:txBody>
+      </p:sp>
+      <p:sp>
+        <p:nvSpPr>
+          <p:cNvPr id="11" name="직사각형 10">
+            <a:extLst>
+              <a:ext uri="{FF2B5EF4-FFF2-40B4-BE49-F238E27FC236}">
+                <a16:creationId xmlns:a16="http://schemas.microsoft.com/office/drawing/2014/main" id="{88C624B5-9431-4451-97AF-3F26F9D86089}"/>
+              </a:ext>
+            </a:extLst>
+          </p:cNvPr>
+          <p:cNvSpPr/>
+          <p:nvPr/>
+        </p:nvSpPr>
+        <p:spPr>
+          <a:xfrm flipV="1">
+            <a:off x="1586143" y="6174982"/>
+            <a:ext cx="9268287" cy="45719"/>
+          </a:xfrm>
+          <a:prstGeom prst="rect">
+            <a:avLst/>
+          </a:prstGeom>
+        </p:spPr>
+        <p:style>
+          <a:lnRef idx="2">
+            <a:schemeClr val="accent1">
+              <a:shade val="50000"/>
+            </a:schemeClr>
+          </a:lnRef>
+          <a:fillRef idx="1">
+            <a:schemeClr val="accent1"/>
+          </a:fillRef>
+          <a:effectRef idx="0">
+            <a:schemeClr val="accent1"/>
+          </a:effectRef>
+          <a:fontRef idx="minor">
+            <a:schemeClr val="lt1"/>
+          </a:fontRef>
+        </p:style>
+        <p:txBody>
+          <a:bodyPr rtlCol="0" anchor="ctr"/>
+          <a:lstStyle/>
+          <a:p>
+            <a:pPr algn="ctr"/>
+            <a:endParaRPr lang="ko-KR" altLang="en-US"/>
+          </a:p>
+        </p:txBody>
+      </p:sp>
+      <p:sp>
+        <p:nvSpPr>
+          <p:cNvPr id="9" name="TextBox 8">
+            <a:extLst>
+              <a:ext uri="{FF2B5EF4-FFF2-40B4-BE49-F238E27FC236}">
+                <a16:creationId xmlns:a16="http://schemas.microsoft.com/office/drawing/2014/main" id="{892C5DDA-40EE-4B50-9C05-6AFC7089F348}"/>
+              </a:ext>
+            </a:extLst>
+          </p:cNvPr>
+          <p:cNvSpPr txBox="1"/>
+          <p:nvPr/>
+        </p:nvSpPr>
+        <p:spPr>
+          <a:xfrm>
+            <a:off x="1704513" y="620822"/>
+            <a:ext cx="3827607" cy="400110"/>
+          </a:xfrm>
+          <a:prstGeom prst="rect">
+            <a:avLst/>
+          </a:prstGeom>
+          <a:noFill/>
+        </p:spPr>
+        <p:txBody>
+          <a:bodyPr wrap="square" rtlCol="0">
+            <a:spAutoFit/>
+          </a:bodyPr>
+          <a:lstStyle/>
+          <a:p>
+            <a:r>
+              <a:rPr lang="en-US" altLang="ko-KR" sz="2000" dirty="0"/>
+              <a:t>Borland together – Exam 1</a:t>
+            </a:r>
+          </a:p>
+        </p:txBody>
+      </p:sp>
+      <p:pic>
+        <p:nvPicPr>
+          <p:cNvPr id="3" name="그림 2">
+            <a:extLst>
+              <a:ext uri="{FF2B5EF4-FFF2-40B4-BE49-F238E27FC236}">
+                <a16:creationId xmlns:a16="http://schemas.microsoft.com/office/drawing/2014/main" id="{002802C7-424D-4A1F-A2A2-5C100CFDAAF3}"/>
+              </a:ext>
+            </a:extLst>
+          </p:cNvPr>
+          <p:cNvPicPr>
+            <a:picLocks noChangeAspect="1"/>
+          </p:cNvPicPr>
+          <p:nvPr/>
+        </p:nvPicPr>
+        <p:blipFill>
+          <a:blip r:embed="rId3">
+            <a:extLst>
+              <a:ext uri="{28A0092B-C50C-407E-A947-70E740481C1C}">
+                <a14:useLocalDpi xmlns:a14="http://schemas.microsoft.com/office/drawing/2010/main" val="0"/>
+              </a:ext>
+            </a:extLst>
+          </a:blip>
+          <a:stretch>
+            <a:fillRect/>
+          </a:stretch>
+        </p:blipFill>
+        <p:spPr>
+          <a:xfrm>
+            <a:off x="1586142" y="1113768"/>
+            <a:ext cx="9268287" cy="5015495"/>
+          </a:xfrm>
+          <a:prstGeom prst="rect">
+            <a:avLst/>
+          </a:prstGeom>
+        </p:spPr>
+      </p:pic>
+    </p:spTree>
+    <p:extLst>
+      <p:ext uri="{BB962C8B-B14F-4D97-AF65-F5344CB8AC3E}">
+        <p14:creationId xmlns:p14="http://schemas.microsoft.com/office/powerpoint/2010/main" val="2179272382"/>
+      </p:ext>
+    </p:extLst>
+  </p:cSld>
+  <p:clrMapOvr>
+    <a:masterClrMapping/>
+  </p:clrMapOvr>
+</p:sld>
+</file>
+
+<file path=ppt/slides/slide9.xml><?xml version="1.0" encoding="utf-8"?>
+<p:sld xmlns:a="http://schemas.openxmlformats.org/drawingml/2006/main" xmlns:r="http://schemas.openxmlformats.org/officeDocument/2006/relationships" xmlns:p="http://schemas.openxmlformats.org/presentationml/2006/main">
+  <p:cSld>
+    <p:spTree>
+      <p:nvGrpSpPr>
+        <p:cNvPr id="1" name=""/>
+        <p:cNvGrpSpPr/>
+        <p:nvPr/>
+      </p:nvGrpSpPr>
+      <p:grpSpPr>
+        <a:xfrm>
+          <a:off x="0" y="0"/>
+          <a:ext cx="0" cy="0"/>
+          <a:chOff x="0" y="0"/>
+          <a:chExt cx="0" cy="0"/>
+        </a:xfrm>
+      </p:grpSpPr>
+      <p:sp>
+        <p:nvSpPr>
+          <p:cNvPr id="10" name="직사각형 9">
+            <a:extLst>
+              <a:ext uri="{FF2B5EF4-FFF2-40B4-BE49-F238E27FC236}">
+                <a16:creationId xmlns:a16="http://schemas.microsoft.com/office/drawing/2014/main" id="{72422AE4-B2BC-47F4-A55A-7923EBDB55ED}"/>
+              </a:ext>
+            </a:extLst>
+          </p:cNvPr>
+          <p:cNvSpPr/>
+          <p:nvPr/>
+        </p:nvSpPr>
+        <p:spPr>
+          <a:xfrm>
+            <a:off x="1586143" y="1020932"/>
+            <a:ext cx="9268287" cy="45719"/>
+          </a:xfrm>
+          <a:prstGeom prst="rect">
+            <a:avLst/>
+          </a:prstGeom>
+        </p:spPr>
+        <p:style>
+          <a:lnRef idx="2">
+            <a:schemeClr val="accent1">
+              <a:shade val="50000"/>
+            </a:schemeClr>
+          </a:lnRef>
+          <a:fillRef idx="1">
+            <a:schemeClr val="accent1"/>
+          </a:fillRef>
+          <a:effectRef idx="0">
+            <a:schemeClr val="accent1"/>
+          </a:effectRef>
+          <a:fontRef idx="minor">
+            <a:schemeClr val="lt1"/>
+          </a:fontRef>
+        </p:style>
+        <p:txBody>
+          <a:bodyPr rtlCol="0" anchor="ctr"/>
+          <a:lstStyle/>
+          <a:p>
+            <a:pPr algn="ctr"/>
+            <a:endParaRPr lang="ko-KR" altLang="en-US"/>
+          </a:p>
+        </p:txBody>
+      </p:sp>
+      <p:sp>
+        <p:nvSpPr>
+          <p:cNvPr id="11" name="직사각형 10">
+            <a:extLst>
+              <a:ext uri="{FF2B5EF4-FFF2-40B4-BE49-F238E27FC236}">
+                <a16:creationId xmlns:a16="http://schemas.microsoft.com/office/drawing/2014/main" id="{88C624B5-9431-4451-97AF-3F26F9D86089}"/>
+              </a:ext>
+            </a:extLst>
+          </p:cNvPr>
+          <p:cNvSpPr/>
+          <p:nvPr/>
+        </p:nvSpPr>
+        <p:spPr>
+          <a:xfrm flipV="1">
+            <a:off x="1586143" y="6174982"/>
+            <a:ext cx="9268287" cy="45719"/>
+          </a:xfrm>
+          <a:prstGeom prst="rect">
+            <a:avLst/>
+          </a:prstGeom>
+        </p:spPr>
+        <p:style>
+          <a:lnRef idx="2">
+            <a:schemeClr val="accent1">
+              <a:shade val="50000"/>
+            </a:schemeClr>
+          </a:lnRef>
+          <a:fillRef idx="1">
+            <a:schemeClr val="accent1"/>
+          </a:fillRef>
+          <a:effectRef idx="0">
+            <a:schemeClr val="accent1"/>
+          </a:effectRef>
+          <a:fontRef idx="minor">
+            <a:schemeClr val="lt1"/>
+          </a:fontRef>
+        </p:style>
+        <p:txBody>
+          <a:bodyPr rtlCol="0" anchor="ctr"/>
+          <a:lstStyle/>
+          <a:p>
+            <a:pPr algn="ctr"/>
+            <a:endParaRPr lang="ko-KR" altLang="en-US"/>
+          </a:p>
+        </p:txBody>
+      </p:sp>
+      <p:sp>
+        <p:nvSpPr>
+          <p:cNvPr id="9" name="TextBox 8">
+            <a:extLst>
+              <a:ext uri="{FF2B5EF4-FFF2-40B4-BE49-F238E27FC236}">
+                <a16:creationId xmlns:a16="http://schemas.microsoft.com/office/drawing/2014/main" id="{892C5DDA-40EE-4B50-9C05-6AFC7089F348}"/>
+              </a:ext>
+            </a:extLst>
+          </p:cNvPr>
+          <p:cNvSpPr txBox="1"/>
+          <p:nvPr/>
+        </p:nvSpPr>
+        <p:spPr>
+          <a:xfrm>
+            <a:off x="1704513" y="620822"/>
+            <a:ext cx="3827607" cy="400110"/>
+          </a:xfrm>
+          <a:prstGeom prst="rect">
+            <a:avLst/>
+          </a:prstGeom>
+          <a:noFill/>
+        </p:spPr>
+        <p:txBody>
+          <a:bodyPr wrap="square" rtlCol="0">
+            <a:spAutoFit/>
+          </a:bodyPr>
+          <a:lstStyle/>
+          <a:p>
+            <a:r>
+              <a:rPr lang="en-US" altLang="ko-KR" sz="2000" dirty="0"/>
+              <a:t>Borland together – Exam 2</a:t>
+            </a:r>
+          </a:p>
+        </p:txBody>
+      </p:sp>
+      <p:pic>
+        <p:nvPicPr>
+          <p:cNvPr id="4" name="그림 3">
+            <a:extLst>
+              <a:ext uri="{FF2B5EF4-FFF2-40B4-BE49-F238E27FC236}">
+                <a16:creationId xmlns:a16="http://schemas.microsoft.com/office/drawing/2014/main" id="{6B4F2638-797D-4E01-9D04-E991CFFC98A0}"/>
+              </a:ext>
+            </a:extLst>
+          </p:cNvPr>
+          <p:cNvPicPr>
+            <a:picLocks noChangeAspect="1"/>
+          </p:cNvPicPr>
+          <p:nvPr/>
+        </p:nvPicPr>
+        <p:blipFill>
+          <a:blip r:embed="rId3">
+            <a:extLst>
+              <a:ext uri="{28A0092B-C50C-407E-A947-70E740481C1C}">
+                <a14:useLocalDpi xmlns:a14="http://schemas.microsoft.com/office/drawing/2010/main" val="0"/>
+              </a:ext>
+            </a:extLst>
+          </a:blip>
+          <a:stretch>
+            <a:fillRect/>
+          </a:stretch>
+        </p:blipFill>
+        <p:spPr>
+          <a:xfrm>
+            <a:off x="3852549" y="1218891"/>
+            <a:ext cx="4486901" cy="4420217"/>
+          </a:xfrm>
+          <a:prstGeom prst="rect">
+            <a:avLst/>
+          </a:prstGeom>
+        </p:spPr>
+      </p:pic>
+      <p:sp>
+        <p:nvSpPr>
+          <p:cNvPr id="5" name="직사각형 4">
+            <a:extLst>
+              <a:ext uri="{FF2B5EF4-FFF2-40B4-BE49-F238E27FC236}">
+                <a16:creationId xmlns:a16="http://schemas.microsoft.com/office/drawing/2014/main" id="{D033EB51-A400-4147-9F3F-00C63B2422F7}"/>
+              </a:ext>
+            </a:extLst>
+          </p:cNvPr>
+          <p:cNvSpPr/>
+          <p:nvPr/>
+        </p:nvSpPr>
+        <p:spPr>
+          <a:xfrm>
+            <a:off x="3852549" y="1218891"/>
+            <a:ext cx="4486901" cy="4374498"/>
+          </a:xfrm>
+          <a:prstGeom prst="rect">
+            <a:avLst/>
+          </a:prstGeom>
+          <a:noFill/>
+          <a:ln w="57150"/>
+        </p:spPr>
+        <p:style>
+          <a:lnRef idx="2">
+            <a:schemeClr val="accent1">
+              <a:shade val="50000"/>
+            </a:schemeClr>
+          </a:lnRef>
+          <a:fillRef idx="1">
+            <a:schemeClr val="accent1"/>
+          </a:fillRef>
+          <a:effectRef idx="0">
+            <a:schemeClr val="accent1"/>
+          </a:effectRef>
+          <a:fontRef idx="minor">
+            <a:schemeClr val="lt1"/>
+          </a:fontRef>
+        </p:style>
+        <p:txBody>
+          <a:bodyPr rtlCol="0" anchor="ctr"/>
+          <a:lstStyle/>
+          <a:p>
+            <a:pPr algn="ctr"/>
+            <a:endParaRPr lang="ko-KR" altLang="en-US"/>
+          </a:p>
+        </p:txBody>
+      </p:sp>
+      <p:sp>
+        <p:nvSpPr>
+          <p:cNvPr id="6" name="TextBox 5">
+            <a:extLst>
+              <a:ext uri="{FF2B5EF4-FFF2-40B4-BE49-F238E27FC236}">
+                <a16:creationId xmlns:a16="http://schemas.microsoft.com/office/drawing/2014/main" id="{B1D1BADA-A6CA-450C-9BFE-2676382FD449}"/>
+              </a:ext>
+            </a:extLst>
+          </p:cNvPr>
+          <p:cNvSpPr txBox="1"/>
+          <p:nvPr/>
+        </p:nvSpPr>
+        <p:spPr>
+          <a:xfrm>
+            <a:off x="5532120" y="5453241"/>
+            <a:ext cx="1085554" cy="584775"/>
+          </a:xfrm>
+          <a:prstGeom prst="rect">
+            <a:avLst/>
+          </a:prstGeom>
+          <a:noFill/>
+        </p:spPr>
+        <p:txBody>
+          <a:bodyPr wrap="none" rtlCol="0">
+            <a:spAutoFit/>
+          </a:bodyPr>
+          <a:lstStyle/>
+          <a:p>
+            <a:r>
+              <a:rPr lang="en-US" altLang="ko-KR" sz="3200" dirty="0"/>
+              <a:t>Click!</a:t>
+            </a:r>
+            <a:endParaRPr lang="ko-KR" altLang="en-US" sz="3200" dirty="0"/>
+          </a:p>
+        </p:txBody>
+      </p:sp>
+      <p:pic>
+        <p:nvPicPr>
+          <p:cNvPr id="8" name="그림 7">
+            <a:extLst>
+              <a:ext uri="{FF2B5EF4-FFF2-40B4-BE49-F238E27FC236}">
+                <a16:creationId xmlns:a16="http://schemas.microsoft.com/office/drawing/2014/main" id="{2B4E9B7A-0385-4989-A113-C3FC3E9E80CC}"/>
+              </a:ext>
+            </a:extLst>
+          </p:cNvPr>
+          <p:cNvPicPr>
+            <a:picLocks noChangeAspect="1"/>
+          </p:cNvPicPr>
+          <p:nvPr/>
+        </p:nvPicPr>
+        <p:blipFill>
+          <a:blip r:embed="rId4">
+            <a:extLst>
+              <a:ext uri="{28A0092B-C50C-407E-A947-70E740481C1C}">
+                <a14:useLocalDpi xmlns:a14="http://schemas.microsoft.com/office/drawing/2010/main" val="0"/>
+              </a:ext>
+            </a:extLst>
+          </a:blip>
+          <a:stretch>
+            <a:fillRect/>
+          </a:stretch>
+        </p:blipFill>
+        <p:spPr>
+          <a:xfrm>
+            <a:off x="2640814" y="1169811"/>
+            <a:ext cx="7524266" cy="4902011"/>
+          </a:xfrm>
+          <a:prstGeom prst="rect">
+            <a:avLst/>
+          </a:prstGeom>
+        </p:spPr>
+      </p:pic>
+    </p:spTree>
+    <p:extLst>
+      <p:ext uri="{BB962C8B-B14F-4D97-AF65-F5344CB8AC3E}">
+        <p14:creationId xmlns:p14="http://schemas.microsoft.com/office/powerpoint/2010/main" val="1226691036"/>
+      </p:ext>
+    </p:extLst>
+  </p:cSld>
+  <p:clrMapOvr>
+    <a:masterClrMapping/>
+  </p:clrMapOvr>
+  <p:timing>
+    <p:tnLst>
+      <p:par>
+        <p:cTn id="1" dur="indefinite" restart="never" nodeType="tmRoot">
+          <p:childTnLst>
+            <p:seq concurrent="1" nextAc="seek">
+              <p:cTn id="2" dur="indefinite" nodeType="mainSeq">
+                <p:childTnLst>
+                  <p:par>
+                    <p:cTn id="3" fill="hold">
+                      <p:stCondLst>
+                        <p:cond delay="indefinite"/>
+                      </p:stCondLst>
+                      <p:childTnLst>
+                        <p:par>
+                          <p:cTn id="4" fill="hold">
+                            <p:stCondLst>
+                              <p:cond delay="0"/>
+                            </p:stCondLst>
+                            <p:childTnLst>
+                              <p:par>
+                                <p:cTn id="5" presetID="1" presetClass="entr" presetSubtype="0" fill="hold" grpId="0" nodeType="clickEffect">
+                                  <p:stCondLst>
+                                    <p:cond delay="0"/>
+                                  </p:stCondLst>
+                                  <p:childTnLst>
+                                    <p:set>
+                                      <p:cBhvr>
+                                        <p:cTn id="6" dur="1" fill="hold">
+                                          <p:stCondLst>
+                                            <p:cond delay="0"/>
+                                          </p:stCondLst>
+                                        </p:cTn>
+                                        <p:tgtEl>
+                                          <p:spTgt spid="5"/>
+                                        </p:tgtEl>
+                                        <p:attrNameLst>
+                                          <p:attrName>style.visibility</p:attrName>
+                                        </p:attrNameLst>
+                                      </p:cBhvr>
+                                      <p:to>
+                                        <p:strVal val="visible"/>
+                                      </p:to>
+                                    </p:set>
+                                  </p:childTnLst>
+                                </p:cTn>
+                              </p:par>
+                              <p:par>
+                                <p:cTn id="7" presetID="1" presetClass="entr" presetSubtype="0" fill="hold" grpId="0" nodeType="withEffect">
+                                  <p:stCondLst>
+                                    <p:cond delay="0"/>
+                                  </p:stCondLst>
+                                  <p:childTnLst>
+                                    <p:set>
+                                      <p:cBhvr>
+                                        <p:cTn id="8" dur="1" fill="hold">
+                                          <p:stCondLst>
+                                            <p:cond delay="0"/>
+                                          </p:stCondLst>
+                                        </p:cTn>
+                                        <p:tgtEl>
+                                          <p:spTgt spid="6"/>
+                                        </p:tgtEl>
+                                        <p:attrNameLst>
+                                          <p:attrName>style.visibility</p:attrName>
+                                        </p:attrNameLst>
+                                      </p:cBhvr>
+                                      <p:to>
+                                        <p:strVal val="visible"/>
+                                      </p:to>
+                                    </p:set>
+                                  </p:childTnLst>
+                                </p:cTn>
+                              </p:par>
+                            </p:childTnLst>
+                          </p:cTn>
+                        </p:par>
+                      </p:childTnLst>
+                    </p:cTn>
+                  </p:par>
+                  <p:par>
+                    <p:cTn id="9" fill="hold">
+                      <p:stCondLst>
+                        <p:cond delay="indefinite"/>
+                      </p:stCondLst>
+                      <p:childTnLst>
+                        <p:par>
+                          <p:cTn id="10" fill="hold">
+                            <p:stCondLst>
+                              <p:cond delay="0"/>
+                            </p:stCondLst>
+                            <p:childTnLst>
+                              <p:par>
+                                <p:cTn id="11" presetID="10" presetClass="entr" presetSubtype="0" fill="hold" nodeType="clickEffect">
+                                  <p:stCondLst>
+                                    <p:cond delay="0"/>
+                                  </p:stCondLst>
+                                  <p:childTnLst>
+                                    <p:set>
+                                      <p:cBhvr>
+                                        <p:cTn id="12" dur="1" fill="hold">
+                                          <p:stCondLst>
+                                            <p:cond delay="0"/>
+                                          </p:stCondLst>
+                                        </p:cTn>
+                                        <p:tgtEl>
+                                          <p:spTgt spid="8"/>
+                                        </p:tgtEl>
+                                        <p:attrNameLst>
+                                          <p:attrName>style.visibility</p:attrName>
+                                        </p:attrNameLst>
+                                      </p:cBhvr>
+                                      <p:to>
+                                        <p:strVal val="visible"/>
+                                      </p:to>
+                                    </p:set>
+                                    <p:animEffect transition="in" filter="fade">
+                                      <p:cBhvr>
+                                        <p:cTn id="13" dur="500"/>
+                                        <p:tgtEl>
+                                          <p:spTgt spid="8"/>
+                                        </p:tgtEl>
+                                      </p:cBhvr>
+                                    </p:animEffect>
+                                  </p:childTnLst>
+                                </p:cTn>
+                              </p:par>
+                            </p:childTnLst>
+                          </p:cTn>
+                        </p:par>
+                      </p:childTnLst>
+                    </p:cTn>
+                  </p:par>
+                </p:childTnLst>
+              </p:cTn>
+              <p:prevCondLst>
+                <p:cond evt="onPrev" delay="0">
+                  <p:tgtEl>
+                    <p:sldTgt/>
+                  </p:tgtEl>
+                </p:cond>
+              </p:prevCondLst>
+              <p:nextCondLst>
+                <p:cond evt="onNext" delay="0">
+                  <p:tgtEl>
+                    <p:sldTgt/>
+                  </p:tgtEl>
+                </p:cond>
+              </p:nextCondLst>
+            </p:seq>
+          </p:childTnLst>
+        </p:cTn>
+      </p:par>
+    </p:tnLst>
+    <p:bldLst>
+      <p:bldP spid="5" grpId="0" animBg="1"/>
+      <p:bldP spid="6" grpId="0"/>
+    </p:bldLst>
+  </p:timing>
 </p:sld>
 </file>
 

--- a/Study/11. Rational rose + StarUML + Borland together.pptx
+++ b/Study/11. Rational rose + StarUML + Borland together.pptx
@@ -9,21 +9,21 @@
   </p:notesMasterIdLst>
   <p:sldIdLst>
     <p:sldId id="256" r:id="rId2"/>
-    <p:sldId id="291" r:id="rId3"/>
-    <p:sldId id="296" r:id="rId4"/>
-    <p:sldId id="299" r:id="rId5"/>
-    <p:sldId id="301" r:id="rId6"/>
-    <p:sldId id="302" r:id="rId7"/>
-    <p:sldId id="294" r:id="rId8"/>
-    <p:sldId id="303" r:id="rId9"/>
-    <p:sldId id="304" r:id="rId10"/>
-    <p:sldId id="305" r:id="rId11"/>
-    <p:sldId id="295" r:id="rId12"/>
-    <p:sldId id="298" r:id="rId13"/>
-    <p:sldId id="306" r:id="rId14"/>
-    <p:sldId id="293" r:id="rId15"/>
-    <p:sldId id="297" r:id="rId16"/>
-    <p:sldId id="300" r:id="rId17"/>
+    <p:sldId id="308" r:id="rId3"/>
+    <p:sldId id="307" r:id="rId4"/>
+    <p:sldId id="296" r:id="rId5"/>
+    <p:sldId id="299" r:id="rId6"/>
+    <p:sldId id="301" r:id="rId7"/>
+    <p:sldId id="302" r:id="rId8"/>
+    <p:sldId id="294" r:id="rId9"/>
+    <p:sldId id="303" r:id="rId10"/>
+    <p:sldId id="304" r:id="rId11"/>
+    <p:sldId id="305" r:id="rId12"/>
+    <p:sldId id="295" r:id="rId13"/>
+    <p:sldId id="298" r:id="rId14"/>
+    <p:sldId id="306" r:id="rId15"/>
+    <p:sldId id="293" r:id="rId16"/>
+    <p:sldId id="297" r:id="rId17"/>
     <p:sldId id="292" r:id="rId18"/>
   </p:sldIdLst>
   <p:sldSz cx="12192000" cy="6858000"/>
@@ -213,7 +213,7 @@
           <a:p>
             <a:fld id="{11C1DE6C-A8D2-4454-96CE-D55F41ADDCF3}" type="datetimeFigureOut">
               <a:rPr lang="ko-KR" altLang="en-US" smtClean="0"/>
-              <a:t>2018-12-26</a:t>
+              <a:t>2018-12-27</a:t>
             </a:fld>
             <a:endParaRPr lang="ko-KR" altLang="en-US"/>
           </a:p>
@@ -661,7 +661,7 @@
     </p:spTree>
     <p:extLst>
       <p:ext uri="{BB962C8B-B14F-4D97-AF65-F5344CB8AC3E}">
-        <p14:creationId xmlns:p14="http://schemas.microsoft.com/office/powerpoint/2010/main" val="4012018062"/>
+        <p14:creationId xmlns:p14="http://schemas.microsoft.com/office/powerpoint/2010/main" val="1242263127"/>
       </p:ext>
     </p:extLst>
   </p:cSld>
@@ -718,6 +718,18 @@
             <a:pPr marL="0" indent="0">
               <a:buNone/>
             </a:pPr>
+            <a:r>
+              <a:rPr lang="ko-KR" altLang="en-US" sz="1200" b="0" i="0" kern="1200" dirty="0" err="1">
+                <a:solidFill>
+                  <a:schemeClr val="tx1"/>
+                </a:solidFill>
+                <a:effectLst/>
+                <a:latin typeface="+mn-lt"/>
+                <a:ea typeface="+mn-ea"/>
+                <a:cs typeface="+mn-cs"/>
+              </a:rPr>
+              <a:t>이클립스기반</a:t>
+            </a:r>
             <a:endParaRPr lang="en-US" altLang="ko-KR" sz="1200" b="0" i="0" kern="1200" dirty="0">
               <a:solidFill>
                 <a:schemeClr val="tx1"/>
@@ -756,7 +768,7 @@
     </p:spTree>
     <p:extLst>
       <p:ext uri="{BB962C8B-B14F-4D97-AF65-F5344CB8AC3E}">
-        <p14:creationId xmlns:p14="http://schemas.microsoft.com/office/powerpoint/2010/main" val="338113654"/>
+        <p14:creationId xmlns:p14="http://schemas.microsoft.com/office/powerpoint/2010/main" val="4012018062"/>
       </p:ext>
     </p:extLst>
   </p:cSld>
@@ -851,7 +863,7 @@
     </p:spTree>
     <p:extLst>
       <p:ext uri="{BB962C8B-B14F-4D97-AF65-F5344CB8AC3E}">
-        <p14:creationId xmlns:p14="http://schemas.microsoft.com/office/powerpoint/2010/main" val="2081353109"/>
+        <p14:creationId xmlns:p14="http://schemas.microsoft.com/office/powerpoint/2010/main" val="338113654"/>
       </p:ext>
     </p:extLst>
   </p:cSld>
@@ -946,7 +958,7 @@
     </p:spTree>
     <p:extLst>
       <p:ext uri="{BB962C8B-B14F-4D97-AF65-F5344CB8AC3E}">
-        <p14:creationId xmlns:p14="http://schemas.microsoft.com/office/powerpoint/2010/main" val="2804016913"/>
+        <p14:creationId xmlns:p14="http://schemas.microsoft.com/office/powerpoint/2010/main" val="2081353109"/>
       </p:ext>
     </p:extLst>
   </p:cSld>
@@ -1041,7 +1053,7 @@
     </p:spTree>
     <p:extLst>
       <p:ext uri="{BB962C8B-B14F-4D97-AF65-F5344CB8AC3E}">
-        <p14:creationId xmlns:p14="http://schemas.microsoft.com/office/powerpoint/2010/main" val="697274186"/>
+        <p14:creationId xmlns:p14="http://schemas.microsoft.com/office/powerpoint/2010/main" val="2804016913"/>
       </p:ext>
     </p:extLst>
   </p:cSld>
@@ -1136,7 +1148,7 @@
     </p:spTree>
     <p:extLst>
       <p:ext uri="{BB962C8B-B14F-4D97-AF65-F5344CB8AC3E}">
-        <p14:creationId xmlns:p14="http://schemas.microsoft.com/office/powerpoint/2010/main" val="708119397"/>
+        <p14:creationId xmlns:p14="http://schemas.microsoft.com/office/powerpoint/2010/main" val="697274186"/>
       </p:ext>
     </p:extLst>
   </p:cSld>
@@ -1231,7 +1243,7 @@
     </p:spTree>
     <p:extLst>
       <p:ext uri="{BB962C8B-B14F-4D97-AF65-F5344CB8AC3E}">
-        <p14:creationId xmlns:p14="http://schemas.microsoft.com/office/powerpoint/2010/main" val="844034252"/>
+        <p14:creationId xmlns:p14="http://schemas.microsoft.com/office/powerpoint/2010/main" val="708119397"/>
       </p:ext>
     </p:extLst>
   </p:cSld>
@@ -1421,7 +1433,7 @@
     </p:spTree>
     <p:extLst>
       <p:ext uri="{BB962C8B-B14F-4D97-AF65-F5344CB8AC3E}">
-        <p14:creationId xmlns:p14="http://schemas.microsoft.com/office/powerpoint/2010/main" val="3868846757"/>
+        <p14:creationId xmlns:p14="http://schemas.microsoft.com/office/powerpoint/2010/main" val="1903912045"/>
       </p:ext>
     </p:extLst>
   </p:cSld>
@@ -1475,139 +1487,7 @@
           <a:bodyPr/>
           <a:lstStyle/>
           <a:p>
-            <a:pPr algn="l"/>
-            <a:r>
-              <a:rPr lang="ko-KR" altLang="en-US" sz="1200" dirty="0"/>
-              <a:t>역사가 굉장히 깊다</a:t>
-            </a:r>
-            <a:r>
-              <a:rPr lang="en-US" altLang="ko-KR" sz="1200" dirty="0"/>
-              <a:t>. UML</a:t>
-            </a:r>
-            <a:r>
-              <a:rPr lang="ko-KR" altLang="en-US" sz="1200" dirty="0"/>
-              <a:t>의 등장과 동시에 탄생함</a:t>
-            </a:r>
-            <a:r>
-              <a:rPr lang="en-US" altLang="ko-KR" sz="1200" dirty="0"/>
-              <a:t>.</a:t>
-            </a:r>
-          </a:p>
-          <a:p>
-            <a:pPr algn="l"/>
-            <a:r>
-              <a:rPr lang="en-US" altLang="ko-KR" sz="1200" dirty="0"/>
-              <a:t>IBM</a:t>
-            </a:r>
-            <a:r>
-              <a:rPr lang="ko-KR" altLang="en-US" sz="1200" dirty="0"/>
-              <a:t>에 인수되어 </a:t>
-            </a:r>
-            <a:r>
-              <a:rPr lang="en-US" altLang="ko-KR" sz="1200" dirty="0"/>
-              <a:t>Rational rose</a:t>
-            </a:r>
-            <a:r>
-              <a:rPr lang="ko-KR" altLang="en-US" sz="1200" dirty="0"/>
-              <a:t>의 업데이트는 중단되었으나</a:t>
-            </a:r>
-            <a:r>
-              <a:rPr lang="en-US" altLang="ko-KR" sz="1200" dirty="0"/>
-              <a:t>,</a:t>
-            </a:r>
-          </a:p>
-          <a:p>
-            <a:pPr algn="l"/>
-            <a:r>
-              <a:rPr lang="en-US" altLang="ko-KR" sz="1200" dirty="0"/>
-              <a:t>IBM</a:t>
-            </a:r>
-            <a:r>
-              <a:rPr lang="ko-KR" altLang="en-US" sz="1200" dirty="0"/>
-              <a:t> </a:t>
-            </a:r>
-            <a:r>
-              <a:rPr lang="en-US" altLang="ko-KR" sz="1200" dirty="0"/>
-              <a:t>Rational</a:t>
-            </a:r>
-            <a:r>
-              <a:rPr lang="ko-KR" altLang="en-US" sz="1200" dirty="0"/>
-              <a:t> </a:t>
-            </a:r>
-            <a:r>
-              <a:rPr lang="en-US" altLang="ko-KR" sz="1200" dirty="0"/>
-              <a:t>Software Architect(RSA)</a:t>
-            </a:r>
-            <a:r>
-              <a:rPr lang="ko-KR" altLang="en-US" sz="1200" dirty="0"/>
-              <a:t>라는 이름으로 새롭게 발전하는 중이다</a:t>
-            </a:r>
-            <a:r>
-              <a:rPr lang="en-US" altLang="ko-KR" sz="1200" dirty="0"/>
-              <a:t>.</a:t>
-            </a:r>
-          </a:p>
-          <a:p>
-            <a:pPr algn="l"/>
-            <a:r>
-              <a:rPr lang="en-US" altLang="ko-KR" sz="1200" dirty="0"/>
-              <a:t>REST API Modeling </a:t>
-            </a:r>
-            <a:r>
-              <a:rPr lang="ko-KR" altLang="en-US" sz="1200" dirty="0"/>
-              <a:t>기능이 따로 있음</a:t>
-            </a:r>
-            <a:r>
-              <a:rPr lang="en-US" altLang="ko-KR" sz="1200" dirty="0"/>
-              <a:t>.</a:t>
-            </a:r>
-          </a:p>
-          <a:p>
-            <a:pPr algn="l"/>
-            <a:r>
-              <a:rPr lang="ko-KR" altLang="en-US" sz="1200" dirty="0"/>
-              <a:t>호환성 좋음</a:t>
-            </a:r>
-            <a:r>
-              <a:rPr lang="en-US" altLang="ko-KR" sz="1200" dirty="0"/>
-              <a:t>.</a:t>
-            </a:r>
-          </a:p>
-          <a:p>
-            <a:pPr algn="l"/>
-            <a:endParaRPr lang="ko-KR" altLang="en-US" sz="1200" dirty="0"/>
-          </a:p>
-          <a:p>
-            <a:pPr marL="0" indent="0" algn="l">
-              <a:buNone/>
-            </a:pPr>
-            <a:r>
-              <a:rPr lang="ko-KR" altLang="en-US" sz="1200" b="0" i="0" kern="1200" dirty="0">
-                <a:solidFill>
-                  <a:schemeClr val="tx1"/>
-                </a:solidFill>
-                <a:effectLst/>
-                <a:latin typeface="+mn-lt"/>
-                <a:ea typeface="+mn-ea"/>
-                <a:cs typeface="+mn-cs"/>
-              </a:rPr>
-              <a:t>굉장히 직관적</a:t>
-            </a:r>
-            <a:r>
-              <a:rPr lang="en-US" altLang="ko-KR" sz="1200" b="0" i="0" kern="1200" dirty="0">
-                <a:solidFill>
-                  <a:schemeClr val="tx1"/>
-                </a:solidFill>
-                <a:effectLst/>
-                <a:latin typeface="+mn-lt"/>
-                <a:ea typeface="+mn-ea"/>
-                <a:cs typeface="+mn-cs"/>
-              </a:rPr>
-              <a:t>.</a:t>
-            </a:r>
-          </a:p>
-          <a:p>
-            <a:pPr marL="0" indent="0" algn="l">
+            <a:pPr marL="0" indent="0">
               <a:buNone/>
             </a:pPr>
             <a:endParaRPr lang="en-US" altLang="ko-KR" sz="1200" b="0" i="0" kern="1200" dirty="0">
@@ -1648,7 +1528,7 @@
     </p:spTree>
     <p:extLst>
       <p:ext uri="{BB962C8B-B14F-4D97-AF65-F5344CB8AC3E}">
-        <p14:creationId xmlns:p14="http://schemas.microsoft.com/office/powerpoint/2010/main" val="3581618159"/>
+        <p14:creationId xmlns:p14="http://schemas.microsoft.com/office/powerpoint/2010/main" val="4180007822"/>
       </p:ext>
     </p:extLst>
   </p:cSld>
@@ -1702,11 +1582,114 @@
           <a:bodyPr/>
           <a:lstStyle/>
           <a:p>
-            <a:pPr marL="0" indent="0">
+            <a:pPr algn="l"/>
+            <a:r>
+              <a:rPr lang="ko-KR" altLang="en-US" sz="1200" dirty="0"/>
+              <a:t>역사가 굉장히 깊다</a:t>
+            </a:r>
+            <a:r>
+              <a:rPr lang="en-US" altLang="ko-KR" sz="1200" dirty="0"/>
+              <a:t>. UML</a:t>
+            </a:r>
+            <a:r>
+              <a:rPr lang="ko-KR" altLang="en-US" sz="1200" dirty="0"/>
+              <a:t>의 등장과 동시에 탄생함</a:t>
+            </a:r>
+            <a:r>
+              <a:rPr lang="en-US" altLang="ko-KR" sz="1200" dirty="0"/>
+              <a:t>.</a:t>
+            </a:r>
+          </a:p>
+          <a:p>
+            <a:pPr algn="l"/>
+            <a:r>
+              <a:rPr lang="en-US" altLang="ko-KR" sz="1200" dirty="0"/>
+              <a:t>IBM</a:t>
+            </a:r>
+            <a:r>
+              <a:rPr lang="ko-KR" altLang="en-US" sz="1200" dirty="0"/>
+              <a:t>에 인수되어 </a:t>
+            </a:r>
+            <a:r>
+              <a:rPr lang="en-US" altLang="ko-KR" sz="1200" dirty="0"/>
+              <a:t>Rational rose</a:t>
+            </a:r>
+            <a:r>
+              <a:rPr lang="ko-KR" altLang="en-US" sz="1200" dirty="0"/>
+              <a:t>의 업데이트는 중단되었으나</a:t>
+            </a:r>
+            <a:r>
+              <a:rPr lang="en-US" altLang="ko-KR" sz="1200" dirty="0"/>
+              <a:t>,</a:t>
+            </a:r>
+          </a:p>
+          <a:p>
+            <a:pPr algn="l"/>
+            <a:r>
+              <a:rPr lang="en-US" altLang="ko-KR" sz="1200" dirty="0"/>
+              <a:t>IBM</a:t>
+            </a:r>
+            <a:r>
+              <a:rPr lang="ko-KR" altLang="en-US" sz="1200" dirty="0"/>
+              <a:t> </a:t>
+            </a:r>
+            <a:r>
+              <a:rPr lang="en-US" altLang="ko-KR" sz="1200" dirty="0"/>
+              <a:t>Rational</a:t>
+            </a:r>
+            <a:r>
+              <a:rPr lang="ko-KR" altLang="en-US" sz="1200" dirty="0"/>
+              <a:t> </a:t>
+            </a:r>
+            <a:r>
+              <a:rPr lang="en-US" altLang="ko-KR" sz="1200" dirty="0"/>
+              <a:t>Software Architect(RSA)</a:t>
+            </a:r>
+            <a:r>
+              <a:rPr lang="ko-KR" altLang="en-US" sz="1200" dirty="0"/>
+              <a:t>라는 이름으로 새롭게 발전하는 중이다</a:t>
+            </a:r>
+            <a:r>
+              <a:rPr lang="en-US" altLang="ko-KR" sz="1200" dirty="0"/>
+              <a:t>.</a:t>
+            </a:r>
+          </a:p>
+          <a:p>
+            <a:pPr algn="l"/>
+            <a:r>
+              <a:rPr lang="en-US" altLang="ko-KR" sz="1200" dirty="0"/>
+              <a:t>REST API Modeling </a:t>
+            </a:r>
+            <a:r>
+              <a:rPr lang="ko-KR" altLang="en-US" sz="1200" dirty="0"/>
+              <a:t>기능이 따로 있음</a:t>
+            </a:r>
+            <a:r>
+              <a:rPr lang="en-US" altLang="ko-KR" sz="1200" dirty="0"/>
+              <a:t>.</a:t>
+            </a:r>
+          </a:p>
+          <a:p>
+            <a:pPr algn="l"/>
+            <a:r>
+              <a:rPr lang="ko-KR" altLang="en-US" sz="1200" dirty="0"/>
+              <a:t>호환성 좋음</a:t>
+            </a:r>
+            <a:r>
+              <a:rPr lang="en-US" altLang="ko-KR" sz="1200" dirty="0"/>
+              <a:t>.</a:t>
+            </a:r>
+          </a:p>
+          <a:p>
+            <a:pPr algn="l"/>
+            <a:endParaRPr lang="ko-KR" altLang="en-US" sz="1200" dirty="0"/>
+          </a:p>
+          <a:p>
+            <a:pPr marL="0" indent="0" algn="l">
               <a:buNone/>
             </a:pPr>
             <a:r>
-              <a:rPr lang="ko-KR" altLang="en-US" sz="1200" b="0" i="0" kern="1200" dirty="0" err="1">
+              <a:rPr lang="ko-KR" altLang="en-US" sz="1200" b="0" i="0" kern="1200" dirty="0">
                 <a:solidFill>
                   <a:schemeClr val="tx1"/>
                 </a:solidFill>
@@ -1715,8 +1698,25 @@
                 <a:ea typeface="+mn-ea"/>
                 <a:cs typeface="+mn-cs"/>
               </a:rPr>
-              <a:t>이클립스기반</a:t>
-            </a:r>
+              <a:t>굉장히 직관적</a:t>
+            </a:r>
+            <a:r>
+              <a:rPr lang="en-US" altLang="ko-KR" sz="1200" b="0" i="0" kern="1200" dirty="0">
+                <a:solidFill>
+                  <a:schemeClr val="tx1"/>
+                </a:solidFill>
+                <a:effectLst/>
+                <a:latin typeface="+mn-lt"/>
+                <a:ea typeface="+mn-ea"/>
+                <a:cs typeface="+mn-cs"/>
+              </a:rPr>
+              <a:t>.</a:t>
+            </a:r>
+          </a:p>
+          <a:p>
+            <a:pPr marL="0" indent="0" algn="l">
+              <a:buNone/>
+            </a:pPr>
             <a:endParaRPr lang="en-US" altLang="ko-KR" sz="1200" b="0" i="0" kern="1200" dirty="0">
               <a:solidFill>
                 <a:schemeClr val="tx1"/>
@@ -1755,7 +1755,7 @@
     </p:spTree>
     <p:extLst>
       <p:ext uri="{BB962C8B-B14F-4D97-AF65-F5344CB8AC3E}">
-        <p14:creationId xmlns:p14="http://schemas.microsoft.com/office/powerpoint/2010/main" val="3779483649"/>
+        <p14:creationId xmlns:p14="http://schemas.microsoft.com/office/powerpoint/2010/main" val="3581618159"/>
       </p:ext>
     </p:extLst>
   </p:cSld>
@@ -1862,7 +1862,7 @@
     </p:spTree>
     <p:extLst>
       <p:ext uri="{BB962C8B-B14F-4D97-AF65-F5344CB8AC3E}">
-        <p14:creationId xmlns:p14="http://schemas.microsoft.com/office/powerpoint/2010/main" val="1588723092"/>
+        <p14:creationId xmlns:p14="http://schemas.microsoft.com/office/powerpoint/2010/main" val="3779483649"/>
       </p:ext>
     </p:extLst>
   </p:cSld>
@@ -1969,7 +1969,7 @@
     </p:spTree>
     <p:extLst>
       <p:ext uri="{BB962C8B-B14F-4D97-AF65-F5344CB8AC3E}">
-        <p14:creationId xmlns:p14="http://schemas.microsoft.com/office/powerpoint/2010/main" val="3166114773"/>
+        <p14:creationId xmlns:p14="http://schemas.microsoft.com/office/powerpoint/2010/main" val="1588723092"/>
       </p:ext>
     </p:extLst>
   </p:cSld>
@@ -2023,66 +2023,30 @@
           <a:bodyPr/>
           <a:lstStyle/>
           <a:p>
-            <a:pPr algn="l"/>
-            <a:r>
-              <a:rPr lang="ko-KR" altLang="en-US" sz="1200" dirty="0"/>
-              <a:t>코드의 실시간 생성을 최초로 지원한 툴이나</a:t>
-            </a:r>
-            <a:endParaRPr lang="en-US" altLang="ko-KR" sz="1200" dirty="0"/>
-          </a:p>
-          <a:p>
-            <a:pPr algn="l"/>
-            <a:r>
-              <a:rPr lang="en-US" altLang="ko-KR" sz="1200" dirty="0"/>
-              <a:t>Micro</a:t>
-            </a:r>
-            <a:r>
-              <a:rPr lang="ko-KR" altLang="en-US" sz="1200" dirty="0"/>
-              <a:t> </a:t>
-            </a:r>
-            <a:r>
-              <a:rPr lang="en-US" altLang="ko-KR" sz="1200" dirty="0"/>
-              <a:t>focus</a:t>
-            </a:r>
-            <a:r>
-              <a:rPr lang="ko-KR" altLang="en-US" sz="1200" dirty="0"/>
-              <a:t> 라는 회사에 인수되어 현재는 </a:t>
-            </a:r>
-            <a:r>
-              <a:rPr lang="en-US" altLang="ko-KR" sz="1200" dirty="0"/>
-              <a:t>Micro focus together</a:t>
-            </a:r>
-            <a:r>
-              <a:rPr lang="ko-KR" altLang="en-US" sz="1200" dirty="0"/>
-              <a:t>로 개발이 이어지고있다</a:t>
-            </a:r>
-            <a:r>
-              <a:rPr lang="en-US" altLang="ko-KR" sz="1200" dirty="0"/>
-              <a:t>.</a:t>
-            </a:r>
-          </a:p>
-          <a:p>
-            <a:pPr algn="l"/>
-            <a:r>
-              <a:rPr lang="en-US" altLang="ko-KR" sz="1200" dirty="0"/>
-              <a:t>Borland together</a:t>
-            </a:r>
-            <a:r>
-              <a:rPr lang="ko-KR" altLang="en-US" sz="1200" dirty="0"/>
-              <a:t>라는 이름으로는 더 이상 업데이트</a:t>
-            </a:r>
-            <a:r>
-              <a:rPr lang="en-US" altLang="ko-KR" sz="1200" dirty="0"/>
-              <a:t>x</a:t>
-            </a:r>
-          </a:p>
-          <a:p>
-            <a:pPr algn="l"/>
-            <a:endParaRPr lang="en-US" altLang="ko-KR" sz="1200" dirty="0"/>
-          </a:p>
-          <a:p>
-            <a:pPr algn="l"/>
-            <a:endParaRPr lang="en-US" altLang="ko-KR" sz="1200" dirty="0"/>
+            <a:pPr marL="0" indent="0">
+              <a:buNone/>
+            </a:pPr>
+            <a:r>
+              <a:rPr lang="ko-KR" altLang="en-US" sz="1200" b="0" i="0" kern="1200" dirty="0" err="1">
+                <a:solidFill>
+                  <a:schemeClr val="tx1"/>
+                </a:solidFill>
+                <a:effectLst/>
+                <a:latin typeface="+mn-lt"/>
+                <a:ea typeface="+mn-ea"/>
+                <a:cs typeface="+mn-cs"/>
+              </a:rPr>
+              <a:t>이클립스기반</a:t>
+            </a:r>
+            <a:endParaRPr lang="en-US" altLang="ko-KR" sz="1200" b="0" i="0" kern="1200" dirty="0">
+              <a:solidFill>
+                <a:schemeClr val="tx1"/>
+              </a:solidFill>
+              <a:effectLst/>
+              <a:latin typeface="+mn-lt"/>
+              <a:ea typeface="+mn-ea"/>
+              <a:cs typeface="+mn-cs"/>
+            </a:endParaRPr>
           </a:p>
         </p:txBody>
       </p:sp>
@@ -2112,7 +2076,7 @@
     </p:spTree>
     <p:extLst>
       <p:ext uri="{BB962C8B-B14F-4D97-AF65-F5344CB8AC3E}">
-        <p14:creationId xmlns:p14="http://schemas.microsoft.com/office/powerpoint/2010/main" val="2448821599"/>
+        <p14:creationId xmlns:p14="http://schemas.microsoft.com/office/powerpoint/2010/main" val="3166114773"/>
       </p:ext>
     </p:extLst>
   </p:cSld>
@@ -2166,30 +2130,66 @@
           <a:bodyPr/>
           <a:lstStyle/>
           <a:p>
-            <a:pPr marL="0" indent="0">
-              <a:buNone/>
-            </a:pPr>
-            <a:r>
-              <a:rPr lang="ko-KR" altLang="en-US" sz="1200" b="0" i="0" kern="1200" dirty="0" err="1">
-                <a:solidFill>
-                  <a:schemeClr val="tx1"/>
-                </a:solidFill>
-                <a:effectLst/>
-                <a:latin typeface="+mn-lt"/>
-                <a:ea typeface="+mn-ea"/>
-                <a:cs typeface="+mn-cs"/>
-              </a:rPr>
-              <a:t>이클립스기반</a:t>
-            </a:r>
-            <a:endParaRPr lang="en-US" altLang="ko-KR" sz="1200" b="0" i="0" kern="1200" dirty="0">
-              <a:solidFill>
-                <a:schemeClr val="tx1"/>
-              </a:solidFill>
-              <a:effectLst/>
-              <a:latin typeface="+mn-lt"/>
-              <a:ea typeface="+mn-ea"/>
-              <a:cs typeface="+mn-cs"/>
-            </a:endParaRPr>
+            <a:pPr algn="l"/>
+            <a:r>
+              <a:rPr lang="ko-KR" altLang="en-US" sz="1200" dirty="0"/>
+              <a:t>코드의 실시간 생성을 최초로 지원한 툴이나</a:t>
+            </a:r>
+            <a:endParaRPr lang="en-US" altLang="ko-KR" sz="1200" dirty="0"/>
+          </a:p>
+          <a:p>
+            <a:pPr algn="l"/>
+            <a:r>
+              <a:rPr lang="en-US" altLang="ko-KR" sz="1200" dirty="0"/>
+              <a:t>Micro</a:t>
+            </a:r>
+            <a:r>
+              <a:rPr lang="ko-KR" altLang="en-US" sz="1200" dirty="0"/>
+              <a:t> </a:t>
+            </a:r>
+            <a:r>
+              <a:rPr lang="en-US" altLang="ko-KR" sz="1200" dirty="0"/>
+              <a:t>focus</a:t>
+            </a:r>
+            <a:r>
+              <a:rPr lang="ko-KR" altLang="en-US" sz="1200" dirty="0"/>
+              <a:t> 라는 회사에 인수되어 현재는 </a:t>
+            </a:r>
+            <a:r>
+              <a:rPr lang="en-US" altLang="ko-KR" sz="1200" dirty="0"/>
+              <a:t>Micro focus together</a:t>
+            </a:r>
+            <a:r>
+              <a:rPr lang="ko-KR" altLang="en-US" sz="1200" dirty="0"/>
+              <a:t>로 개발이 이어지고있다</a:t>
+            </a:r>
+            <a:r>
+              <a:rPr lang="en-US" altLang="ko-KR" sz="1200" dirty="0"/>
+              <a:t>.</a:t>
+            </a:r>
+          </a:p>
+          <a:p>
+            <a:pPr algn="l"/>
+            <a:r>
+              <a:rPr lang="en-US" altLang="ko-KR" sz="1200" dirty="0"/>
+              <a:t>Borland together</a:t>
+            </a:r>
+            <a:r>
+              <a:rPr lang="ko-KR" altLang="en-US" sz="1200" dirty="0"/>
+              <a:t>라는 이름으로는 더 이상 업데이트</a:t>
+            </a:r>
+            <a:r>
+              <a:rPr lang="en-US" altLang="ko-KR" sz="1200" dirty="0"/>
+              <a:t>x</a:t>
+            </a:r>
+          </a:p>
+          <a:p>
+            <a:pPr algn="l"/>
+            <a:endParaRPr lang="en-US" altLang="ko-KR" sz="1200" dirty="0"/>
+          </a:p>
+          <a:p>
+            <a:pPr algn="l"/>
+            <a:endParaRPr lang="en-US" altLang="ko-KR" sz="1200" dirty="0"/>
           </a:p>
         </p:txBody>
       </p:sp>
@@ -2219,7 +2219,7 @@
     </p:spTree>
     <p:extLst>
       <p:ext uri="{BB962C8B-B14F-4D97-AF65-F5344CB8AC3E}">
-        <p14:creationId xmlns:p14="http://schemas.microsoft.com/office/powerpoint/2010/main" val="4260457494"/>
+        <p14:creationId xmlns:p14="http://schemas.microsoft.com/office/powerpoint/2010/main" val="2448821599"/>
       </p:ext>
     </p:extLst>
   </p:cSld>
@@ -2326,7 +2326,7 @@
     </p:spTree>
     <p:extLst>
       <p:ext uri="{BB962C8B-B14F-4D97-AF65-F5344CB8AC3E}">
-        <p14:creationId xmlns:p14="http://schemas.microsoft.com/office/powerpoint/2010/main" val="1242263127"/>
+        <p14:creationId xmlns:p14="http://schemas.microsoft.com/office/powerpoint/2010/main" val="4260457494"/>
       </p:ext>
     </p:extLst>
   </p:cSld>
@@ -2467,7 +2467,7 @@
           <a:p>
             <a:fld id="{B98F743E-9D20-4AAC-8931-B6F70214228F}" type="datetimeFigureOut">
               <a:rPr lang="ko-KR" altLang="en-US" smtClean="0"/>
-              <a:t>2018-12-26</a:t>
+              <a:t>2018-12-27</a:t>
             </a:fld>
             <a:endParaRPr lang="ko-KR" altLang="en-US"/>
           </a:p>
@@ -2637,7 +2637,7 @@
           <a:p>
             <a:fld id="{B98F743E-9D20-4AAC-8931-B6F70214228F}" type="datetimeFigureOut">
               <a:rPr lang="ko-KR" altLang="en-US" smtClean="0"/>
-              <a:t>2018-12-26</a:t>
+              <a:t>2018-12-27</a:t>
             </a:fld>
             <a:endParaRPr lang="ko-KR" altLang="en-US"/>
           </a:p>
@@ -2817,7 +2817,7 @@
           <a:p>
             <a:fld id="{B98F743E-9D20-4AAC-8931-B6F70214228F}" type="datetimeFigureOut">
               <a:rPr lang="ko-KR" altLang="en-US" smtClean="0"/>
-              <a:t>2018-12-26</a:t>
+              <a:t>2018-12-27</a:t>
             </a:fld>
             <a:endParaRPr lang="ko-KR" altLang="en-US"/>
           </a:p>
@@ -2987,7 +2987,7 @@
           <a:p>
             <a:fld id="{B98F743E-9D20-4AAC-8931-B6F70214228F}" type="datetimeFigureOut">
               <a:rPr lang="ko-KR" altLang="en-US" smtClean="0"/>
-              <a:t>2018-12-26</a:t>
+              <a:t>2018-12-27</a:t>
             </a:fld>
             <a:endParaRPr lang="ko-KR" altLang="en-US"/>
           </a:p>
@@ -3233,7 +3233,7 @@
           <a:p>
             <a:fld id="{B98F743E-9D20-4AAC-8931-B6F70214228F}" type="datetimeFigureOut">
               <a:rPr lang="ko-KR" altLang="en-US" smtClean="0"/>
-              <a:t>2018-12-26</a:t>
+              <a:t>2018-12-27</a:t>
             </a:fld>
             <a:endParaRPr lang="ko-KR" altLang="en-US"/>
           </a:p>
@@ -3465,7 +3465,7 @@
           <a:p>
             <a:fld id="{B98F743E-9D20-4AAC-8931-B6F70214228F}" type="datetimeFigureOut">
               <a:rPr lang="ko-KR" altLang="en-US" smtClean="0"/>
-              <a:t>2018-12-26</a:t>
+              <a:t>2018-12-27</a:t>
             </a:fld>
             <a:endParaRPr lang="ko-KR" altLang="en-US"/>
           </a:p>
@@ -3832,7 +3832,7 @@
           <a:p>
             <a:fld id="{B98F743E-9D20-4AAC-8931-B6F70214228F}" type="datetimeFigureOut">
               <a:rPr lang="ko-KR" altLang="en-US" smtClean="0"/>
-              <a:t>2018-12-26</a:t>
+              <a:t>2018-12-27</a:t>
             </a:fld>
             <a:endParaRPr lang="ko-KR" altLang="en-US"/>
           </a:p>
@@ -3950,7 +3950,7 @@
           <a:p>
             <a:fld id="{B98F743E-9D20-4AAC-8931-B6F70214228F}" type="datetimeFigureOut">
               <a:rPr lang="ko-KR" altLang="en-US" smtClean="0"/>
-              <a:t>2018-12-26</a:t>
+              <a:t>2018-12-27</a:t>
             </a:fld>
             <a:endParaRPr lang="ko-KR" altLang="en-US"/>
           </a:p>
@@ -4045,7 +4045,7 @@
           <a:p>
             <a:fld id="{B98F743E-9D20-4AAC-8931-B6F70214228F}" type="datetimeFigureOut">
               <a:rPr lang="ko-KR" altLang="en-US" smtClean="0"/>
-              <a:t>2018-12-26</a:t>
+              <a:t>2018-12-27</a:t>
             </a:fld>
             <a:endParaRPr lang="ko-KR" altLang="en-US"/>
           </a:p>
@@ -4322,7 +4322,7 @@
           <a:p>
             <a:fld id="{B98F743E-9D20-4AAC-8931-B6F70214228F}" type="datetimeFigureOut">
               <a:rPr lang="ko-KR" altLang="en-US" smtClean="0"/>
-              <a:t>2018-12-26</a:t>
+              <a:t>2018-12-27</a:t>
             </a:fld>
             <a:endParaRPr lang="ko-KR" altLang="en-US"/>
           </a:p>
@@ -4579,7 +4579,7 @@
           <a:p>
             <a:fld id="{B98F743E-9D20-4AAC-8931-B6F70214228F}" type="datetimeFigureOut">
               <a:rPr lang="ko-KR" altLang="en-US" smtClean="0"/>
-              <a:t>2018-12-26</a:t>
+              <a:t>2018-12-27</a:t>
             </a:fld>
             <a:endParaRPr lang="ko-KR" altLang="en-US"/>
           </a:p>
@@ -4792,7 +4792,7 @@
           <a:p>
             <a:fld id="{B98F743E-9D20-4AAC-8931-B6F70214228F}" type="datetimeFigureOut">
               <a:rPr lang="ko-KR" altLang="en-US" smtClean="0"/>
-              <a:t>2018-12-26</a:t>
+              <a:t>2018-12-27</a:t>
             </a:fld>
             <a:endParaRPr lang="ko-KR" altLang="en-US"/>
           </a:p>
@@ -5668,6 +5668,478 @@
           <a:p>
             <a:r>
               <a:rPr lang="en-US" altLang="ko-KR" sz="2000" dirty="0"/>
+              <a:t>Borland together – Exam 2</a:t>
+            </a:r>
+          </a:p>
+        </p:txBody>
+      </p:sp>
+      <p:pic>
+        <p:nvPicPr>
+          <p:cNvPr id="4" name="그림 3">
+            <a:extLst>
+              <a:ext uri="{FF2B5EF4-FFF2-40B4-BE49-F238E27FC236}">
+                <a16:creationId xmlns:a16="http://schemas.microsoft.com/office/drawing/2014/main" id="{6B4F2638-797D-4E01-9D04-E991CFFC98A0}"/>
+              </a:ext>
+            </a:extLst>
+          </p:cNvPr>
+          <p:cNvPicPr>
+            <a:picLocks noChangeAspect="1"/>
+          </p:cNvPicPr>
+          <p:nvPr/>
+        </p:nvPicPr>
+        <p:blipFill>
+          <a:blip r:embed="rId3">
+            <a:extLst>
+              <a:ext uri="{28A0092B-C50C-407E-A947-70E740481C1C}">
+                <a14:useLocalDpi xmlns:a14="http://schemas.microsoft.com/office/drawing/2010/main" val="0"/>
+              </a:ext>
+            </a:extLst>
+          </a:blip>
+          <a:stretch>
+            <a:fillRect/>
+          </a:stretch>
+        </p:blipFill>
+        <p:spPr>
+          <a:xfrm>
+            <a:off x="3852549" y="1218891"/>
+            <a:ext cx="4486901" cy="4420217"/>
+          </a:xfrm>
+          <a:prstGeom prst="rect">
+            <a:avLst/>
+          </a:prstGeom>
+        </p:spPr>
+      </p:pic>
+      <p:sp>
+        <p:nvSpPr>
+          <p:cNvPr id="5" name="직사각형 4">
+            <a:extLst>
+              <a:ext uri="{FF2B5EF4-FFF2-40B4-BE49-F238E27FC236}">
+                <a16:creationId xmlns:a16="http://schemas.microsoft.com/office/drawing/2014/main" id="{D033EB51-A400-4147-9F3F-00C63B2422F7}"/>
+              </a:ext>
+            </a:extLst>
+          </p:cNvPr>
+          <p:cNvSpPr/>
+          <p:nvPr/>
+        </p:nvSpPr>
+        <p:spPr>
+          <a:xfrm>
+            <a:off x="3852549" y="1218891"/>
+            <a:ext cx="4486901" cy="4374498"/>
+          </a:xfrm>
+          <a:prstGeom prst="rect">
+            <a:avLst/>
+          </a:prstGeom>
+          <a:noFill/>
+          <a:ln w="57150"/>
+        </p:spPr>
+        <p:style>
+          <a:lnRef idx="2">
+            <a:schemeClr val="accent1">
+              <a:shade val="50000"/>
+            </a:schemeClr>
+          </a:lnRef>
+          <a:fillRef idx="1">
+            <a:schemeClr val="accent1"/>
+          </a:fillRef>
+          <a:effectRef idx="0">
+            <a:schemeClr val="accent1"/>
+          </a:effectRef>
+          <a:fontRef idx="minor">
+            <a:schemeClr val="lt1"/>
+          </a:fontRef>
+        </p:style>
+        <p:txBody>
+          <a:bodyPr rtlCol="0" anchor="ctr"/>
+          <a:lstStyle/>
+          <a:p>
+            <a:pPr algn="ctr"/>
+            <a:endParaRPr lang="ko-KR" altLang="en-US"/>
+          </a:p>
+        </p:txBody>
+      </p:sp>
+      <p:sp>
+        <p:nvSpPr>
+          <p:cNvPr id="6" name="TextBox 5">
+            <a:extLst>
+              <a:ext uri="{FF2B5EF4-FFF2-40B4-BE49-F238E27FC236}">
+                <a16:creationId xmlns:a16="http://schemas.microsoft.com/office/drawing/2014/main" id="{B1D1BADA-A6CA-450C-9BFE-2676382FD449}"/>
+              </a:ext>
+            </a:extLst>
+          </p:cNvPr>
+          <p:cNvSpPr txBox="1"/>
+          <p:nvPr/>
+        </p:nvSpPr>
+        <p:spPr>
+          <a:xfrm>
+            <a:off x="5532120" y="5453241"/>
+            <a:ext cx="1085554" cy="584775"/>
+          </a:xfrm>
+          <a:prstGeom prst="rect">
+            <a:avLst/>
+          </a:prstGeom>
+          <a:noFill/>
+        </p:spPr>
+        <p:txBody>
+          <a:bodyPr wrap="none" rtlCol="0">
+            <a:spAutoFit/>
+          </a:bodyPr>
+          <a:lstStyle/>
+          <a:p>
+            <a:r>
+              <a:rPr lang="en-US" altLang="ko-KR" sz="3200" dirty="0"/>
+              <a:t>Click!</a:t>
+            </a:r>
+            <a:endParaRPr lang="ko-KR" altLang="en-US" sz="3200" dirty="0"/>
+          </a:p>
+        </p:txBody>
+      </p:sp>
+      <p:pic>
+        <p:nvPicPr>
+          <p:cNvPr id="8" name="그림 7">
+            <a:extLst>
+              <a:ext uri="{FF2B5EF4-FFF2-40B4-BE49-F238E27FC236}">
+                <a16:creationId xmlns:a16="http://schemas.microsoft.com/office/drawing/2014/main" id="{2B4E9B7A-0385-4989-A113-C3FC3E9E80CC}"/>
+              </a:ext>
+            </a:extLst>
+          </p:cNvPr>
+          <p:cNvPicPr>
+            <a:picLocks noChangeAspect="1"/>
+          </p:cNvPicPr>
+          <p:nvPr/>
+        </p:nvPicPr>
+        <p:blipFill>
+          <a:blip r:embed="rId4">
+            <a:extLst>
+              <a:ext uri="{28A0092B-C50C-407E-A947-70E740481C1C}">
+                <a14:useLocalDpi xmlns:a14="http://schemas.microsoft.com/office/drawing/2010/main" val="0"/>
+              </a:ext>
+            </a:extLst>
+          </a:blip>
+          <a:stretch>
+            <a:fillRect/>
+          </a:stretch>
+        </p:blipFill>
+        <p:spPr>
+          <a:xfrm>
+            <a:off x="2640814" y="1169811"/>
+            <a:ext cx="7524266" cy="4902011"/>
+          </a:xfrm>
+          <a:prstGeom prst="rect">
+            <a:avLst/>
+          </a:prstGeom>
+        </p:spPr>
+      </p:pic>
+    </p:spTree>
+    <p:extLst>
+      <p:ext uri="{BB962C8B-B14F-4D97-AF65-F5344CB8AC3E}">
+        <p14:creationId xmlns:p14="http://schemas.microsoft.com/office/powerpoint/2010/main" val="1226691036"/>
+      </p:ext>
+    </p:extLst>
+  </p:cSld>
+  <p:clrMapOvr>
+    <a:masterClrMapping/>
+  </p:clrMapOvr>
+  <p:timing>
+    <p:tnLst>
+      <p:par>
+        <p:cTn id="1" dur="indefinite" restart="never" nodeType="tmRoot">
+          <p:childTnLst>
+            <p:seq concurrent="1" nextAc="seek">
+              <p:cTn id="2" dur="indefinite" nodeType="mainSeq">
+                <p:childTnLst>
+                  <p:par>
+                    <p:cTn id="3" fill="hold">
+                      <p:stCondLst>
+                        <p:cond delay="indefinite"/>
+                      </p:stCondLst>
+                      <p:childTnLst>
+                        <p:par>
+                          <p:cTn id="4" fill="hold">
+                            <p:stCondLst>
+                              <p:cond delay="0"/>
+                            </p:stCondLst>
+                            <p:childTnLst>
+                              <p:par>
+                                <p:cTn id="5" presetID="1" presetClass="entr" presetSubtype="0" fill="hold" grpId="0" nodeType="clickEffect">
+                                  <p:stCondLst>
+                                    <p:cond delay="0"/>
+                                  </p:stCondLst>
+                                  <p:childTnLst>
+                                    <p:set>
+                                      <p:cBhvr>
+                                        <p:cTn id="6" dur="1" fill="hold">
+                                          <p:stCondLst>
+                                            <p:cond delay="0"/>
+                                          </p:stCondLst>
+                                        </p:cTn>
+                                        <p:tgtEl>
+                                          <p:spTgt spid="5"/>
+                                        </p:tgtEl>
+                                        <p:attrNameLst>
+                                          <p:attrName>style.visibility</p:attrName>
+                                        </p:attrNameLst>
+                                      </p:cBhvr>
+                                      <p:to>
+                                        <p:strVal val="visible"/>
+                                      </p:to>
+                                    </p:set>
+                                  </p:childTnLst>
+                                </p:cTn>
+                              </p:par>
+                              <p:par>
+                                <p:cTn id="7" presetID="1" presetClass="entr" presetSubtype="0" fill="hold" grpId="0" nodeType="withEffect">
+                                  <p:stCondLst>
+                                    <p:cond delay="0"/>
+                                  </p:stCondLst>
+                                  <p:childTnLst>
+                                    <p:set>
+                                      <p:cBhvr>
+                                        <p:cTn id="8" dur="1" fill="hold">
+                                          <p:stCondLst>
+                                            <p:cond delay="0"/>
+                                          </p:stCondLst>
+                                        </p:cTn>
+                                        <p:tgtEl>
+                                          <p:spTgt spid="6"/>
+                                        </p:tgtEl>
+                                        <p:attrNameLst>
+                                          <p:attrName>style.visibility</p:attrName>
+                                        </p:attrNameLst>
+                                      </p:cBhvr>
+                                      <p:to>
+                                        <p:strVal val="visible"/>
+                                      </p:to>
+                                    </p:set>
+                                  </p:childTnLst>
+                                </p:cTn>
+                              </p:par>
+                            </p:childTnLst>
+                          </p:cTn>
+                        </p:par>
+                      </p:childTnLst>
+                    </p:cTn>
+                  </p:par>
+                  <p:par>
+                    <p:cTn id="9" fill="hold">
+                      <p:stCondLst>
+                        <p:cond delay="indefinite"/>
+                      </p:stCondLst>
+                      <p:childTnLst>
+                        <p:par>
+                          <p:cTn id="10" fill="hold">
+                            <p:stCondLst>
+                              <p:cond delay="0"/>
+                            </p:stCondLst>
+                            <p:childTnLst>
+                              <p:par>
+                                <p:cTn id="11" presetID="10" presetClass="entr" presetSubtype="0" fill="hold" nodeType="clickEffect">
+                                  <p:stCondLst>
+                                    <p:cond delay="0"/>
+                                  </p:stCondLst>
+                                  <p:childTnLst>
+                                    <p:set>
+                                      <p:cBhvr>
+                                        <p:cTn id="12" dur="1" fill="hold">
+                                          <p:stCondLst>
+                                            <p:cond delay="0"/>
+                                          </p:stCondLst>
+                                        </p:cTn>
+                                        <p:tgtEl>
+                                          <p:spTgt spid="8"/>
+                                        </p:tgtEl>
+                                        <p:attrNameLst>
+                                          <p:attrName>style.visibility</p:attrName>
+                                        </p:attrNameLst>
+                                      </p:cBhvr>
+                                      <p:to>
+                                        <p:strVal val="visible"/>
+                                      </p:to>
+                                    </p:set>
+                                    <p:animEffect transition="in" filter="fade">
+                                      <p:cBhvr>
+                                        <p:cTn id="13" dur="500"/>
+                                        <p:tgtEl>
+                                          <p:spTgt spid="8"/>
+                                        </p:tgtEl>
+                                      </p:cBhvr>
+                                    </p:animEffect>
+                                  </p:childTnLst>
+                                </p:cTn>
+                              </p:par>
+                            </p:childTnLst>
+                          </p:cTn>
+                        </p:par>
+                      </p:childTnLst>
+                    </p:cTn>
+                  </p:par>
+                </p:childTnLst>
+              </p:cTn>
+              <p:prevCondLst>
+                <p:cond evt="onPrev" delay="0">
+                  <p:tgtEl>
+                    <p:sldTgt/>
+                  </p:tgtEl>
+                </p:cond>
+              </p:prevCondLst>
+              <p:nextCondLst>
+                <p:cond evt="onNext" delay="0">
+                  <p:tgtEl>
+                    <p:sldTgt/>
+                  </p:tgtEl>
+                </p:cond>
+              </p:nextCondLst>
+            </p:seq>
+          </p:childTnLst>
+        </p:cTn>
+      </p:par>
+    </p:tnLst>
+    <p:bldLst>
+      <p:bldP spid="5" grpId="0" animBg="1"/>
+      <p:bldP spid="6" grpId="0"/>
+    </p:bldLst>
+  </p:timing>
+</p:sld>
+</file>
+
+<file path=ppt/slides/slide11.xml><?xml version="1.0" encoding="utf-8"?>
+<p:sld xmlns:a="http://schemas.openxmlformats.org/drawingml/2006/main" xmlns:r="http://schemas.openxmlformats.org/officeDocument/2006/relationships" xmlns:p="http://schemas.openxmlformats.org/presentationml/2006/main">
+  <p:cSld>
+    <p:spTree>
+      <p:nvGrpSpPr>
+        <p:cNvPr id="1" name=""/>
+        <p:cNvGrpSpPr/>
+        <p:nvPr/>
+      </p:nvGrpSpPr>
+      <p:grpSpPr>
+        <a:xfrm>
+          <a:off x="0" y="0"/>
+          <a:ext cx="0" cy="0"/>
+          <a:chOff x="0" y="0"/>
+          <a:chExt cx="0" cy="0"/>
+        </a:xfrm>
+      </p:grpSpPr>
+      <p:sp>
+        <p:nvSpPr>
+          <p:cNvPr id="10" name="직사각형 9">
+            <a:extLst>
+              <a:ext uri="{FF2B5EF4-FFF2-40B4-BE49-F238E27FC236}">
+                <a16:creationId xmlns:a16="http://schemas.microsoft.com/office/drawing/2014/main" id="{72422AE4-B2BC-47F4-A55A-7923EBDB55ED}"/>
+              </a:ext>
+            </a:extLst>
+          </p:cNvPr>
+          <p:cNvSpPr/>
+          <p:nvPr/>
+        </p:nvSpPr>
+        <p:spPr>
+          <a:xfrm>
+            <a:off x="1586143" y="1020932"/>
+            <a:ext cx="9268287" cy="45719"/>
+          </a:xfrm>
+          <a:prstGeom prst="rect">
+            <a:avLst/>
+          </a:prstGeom>
+        </p:spPr>
+        <p:style>
+          <a:lnRef idx="2">
+            <a:schemeClr val="accent1">
+              <a:shade val="50000"/>
+            </a:schemeClr>
+          </a:lnRef>
+          <a:fillRef idx="1">
+            <a:schemeClr val="accent1"/>
+          </a:fillRef>
+          <a:effectRef idx="0">
+            <a:schemeClr val="accent1"/>
+          </a:effectRef>
+          <a:fontRef idx="minor">
+            <a:schemeClr val="lt1"/>
+          </a:fontRef>
+        </p:style>
+        <p:txBody>
+          <a:bodyPr rtlCol="0" anchor="ctr"/>
+          <a:lstStyle/>
+          <a:p>
+            <a:pPr algn="ctr"/>
+            <a:endParaRPr lang="ko-KR" altLang="en-US"/>
+          </a:p>
+        </p:txBody>
+      </p:sp>
+      <p:sp>
+        <p:nvSpPr>
+          <p:cNvPr id="11" name="직사각형 10">
+            <a:extLst>
+              <a:ext uri="{FF2B5EF4-FFF2-40B4-BE49-F238E27FC236}">
+                <a16:creationId xmlns:a16="http://schemas.microsoft.com/office/drawing/2014/main" id="{88C624B5-9431-4451-97AF-3F26F9D86089}"/>
+              </a:ext>
+            </a:extLst>
+          </p:cNvPr>
+          <p:cNvSpPr/>
+          <p:nvPr/>
+        </p:nvSpPr>
+        <p:spPr>
+          <a:xfrm flipV="1">
+            <a:off x="1586143" y="6174982"/>
+            <a:ext cx="9268287" cy="45719"/>
+          </a:xfrm>
+          <a:prstGeom prst="rect">
+            <a:avLst/>
+          </a:prstGeom>
+        </p:spPr>
+        <p:style>
+          <a:lnRef idx="2">
+            <a:schemeClr val="accent1">
+              <a:shade val="50000"/>
+            </a:schemeClr>
+          </a:lnRef>
+          <a:fillRef idx="1">
+            <a:schemeClr val="accent1"/>
+          </a:fillRef>
+          <a:effectRef idx="0">
+            <a:schemeClr val="accent1"/>
+          </a:effectRef>
+          <a:fontRef idx="minor">
+            <a:schemeClr val="lt1"/>
+          </a:fontRef>
+        </p:style>
+        <p:txBody>
+          <a:bodyPr rtlCol="0" anchor="ctr"/>
+          <a:lstStyle/>
+          <a:p>
+            <a:pPr algn="ctr"/>
+            <a:endParaRPr lang="ko-KR" altLang="en-US"/>
+          </a:p>
+        </p:txBody>
+      </p:sp>
+      <p:sp>
+        <p:nvSpPr>
+          <p:cNvPr id="9" name="TextBox 8">
+            <a:extLst>
+              <a:ext uri="{FF2B5EF4-FFF2-40B4-BE49-F238E27FC236}">
+                <a16:creationId xmlns:a16="http://schemas.microsoft.com/office/drawing/2014/main" id="{892C5DDA-40EE-4B50-9C05-6AFC7089F348}"/>
+              </a:ext>
+            </a:extLst>
+          </p:cNvPr>
+          <p:cNvSpPr txBox="1"/>
+          <p:nvPr/>
+        </p:nvSpPr>
+        <p:spPr>
+          <a:xfrm>
+            <a:off x="1704513" y="620822"/>
+            <a:ext cx="3827607" cy="400110"/>
+          </a:xfrm>
+          <a:prstGeom prst="rect">
+            <a:avLst/>
+          </a:prstGeom>
+          <a:noFill/>
+        </p:spPr>
+        <p:txBody>
+          <a:bodyPr wrap="square" rtlCol="0">
+            <a:spAutoFit/>
+          </a:bodyPr>
+          <a:lstStyle/>
+          <a:p>
+            <a:r>
+              <a:rPr lang="en-US" altLang="ko-KR" sz="2000" dirty="0"/>
               <a:t>Borland together – Exam 3</a:t>
             </a:r>
           </a:p>
@@ -5722,7 +6194,7 @@
 </p:sld>
 </file>
 
-<file path=ppt/slides/slide11.xml><?xml version="1.0" encoding="utf-8"?>
+<file path=ppt/slides/slide12.xml><?xml version="1.0" encoding="utf-8"?>
 <p:sld xmlns:a="http://schemas.openxmlformats.org/drawingml/2006/main" xmlns:r="http://schemas.openxmlformats.org/officeDocument/2006/relationships" xmlns:p="http://schemas.openxmlformats.org/presentationml/2006/main">
   <p:cSld>
     <p:spTree>
@@ -5965,7 +6437,7 @@
 </p:sld>
 </file>
 
-<file path=ppt/slides/slide12.xml><?xml version="1.0" encoding="utf-8"?>
+<file path=ppt/slides/slide13.xml><?xml version="1.0" encoding="utf-8"?>
 <p:sld xmlns:a="http://schemas.openxmlformats.org/drawingml/2006/main" xmlns:r="http://schemas.openxmlformats.org/officeDocument/2006/relationships" xmlns:p="http://schemas.openxmlformats.org/presentationml/2006/main">
   <p:cSld>
     <p:spTree>
@@ -6241,7 +6713,7 @@
 </p:sld>
 </file>
 
-<file path=ppt/slides/slide13.xml><?xml version="1.0" encoding="utf-8"?>
+<file path=ppt/slides/slide14.xml><?xml version="1.0" encoding="utf-8"?>
 <p:sld xmlns:a="http://schemas.openxmlformats.org/drawingml/2006/main" xmlns:r="http://schemas.openxmlformats.org/officeDocument/2006/relationships" xmlns:p="http://schemas.openxmlformats.org/presentationml/2006/main">
   <p:cSld>
     <p:spTree>
@@ -6434,7 +6906,7 @@
 </p:sld>
 </file>
 
-<file path=ppt/slides/slide14.xml><?xml version="1.0" encoding="utf-8"?>
+<file path=ppt/slides/slide15.xml><?xml version="1.0" encoding="utf-8"?>
 <p:sld xmlns:a="http://schemas.openxmlformats.org/drawingml/2006/main" xmlns:r="http://schemas.openxmlformats.org/officeDocument/2006/relationships" xmlns:p="http://schemas.openxmlformats.org/presentationml/2006/main">
   <p:cSld>
     <p:spTree>
@@ -6702,7 +7174,7 @@
         <p:spPr>
           <a:xfrm>
             <a:off x="2309807" y="3728938"/>
-            <a:ext cx="8089299" cy="2230739"/>
+            <a:ext cx="8089299" cy="2228495"/>
           </a:xfrm>
           <a:prstGeom prst="rect">
             <a:avLst/>
@@ -6751,29 +7223,12 @@
               <a:buChar char="•"/>
             </a:pPr>
             <a:r>
+              <a:rPr lang="en-US" altLang="ko-KR" dirty="0"/>
+              <a:t>IDE</a:t>
+            </a:r>
+            <a:r>
               <a:rPr lang="ko-KR" altLang="en-US" dirty="0"/>
-              <a:t>설계와 개발을 동시에 진행 가능</a:t>
-            </a:r>
-            <a:r>
-              <a:rPr lang="en-US" altLang="ko-KR" dirty="0"/>
-              <a:t>.</a:t>
-            </a:r>
-          </a:p>
-          <a:p>
-            <a:pPr marL="342900" indent="-342900">
-              <a:lnSpc>
-                <a:spcPct val="200000"/>
-              </a:lnSpc>
-              <a:buFont typeface="Arial" panose="020B0604020202020204" pitchFamily="34" charset="0"/>
-              <a:buChar char="•"/>
-            </a:pPr>
-            <a:r>
-              <a:rPr lang="en-US" altLang="ko-KR" dirty="0"/>
-              <a:t>UML </a:t>
-            </a:r>
-            <a:r>
-              <a:rPr lang="ko-KR" altLang="en-US" dirty="0"/>
-              <a:t>다이어그램을 </a:t>
+              <a:t>에 플러그인 형식으로 추가된 툴이기에 개발과 설계를 동시에 할 수 있고 </a:t>
             </a:r>
             <a:r>
               <a:rPr lang="en-US" altLang="ko-KR" dirty="0"/>
@@ -6781,7 +7236,15 @@
             </a:r>
             <a:r>
               <a:rPr lang="ko-KR" altLang="en-US" dirty="0"/>
-              <a:t>프로젝트와 함께 관리 가능</a:t>
+              <a:t>프로젝트를 </a:t>
+            </a:r>
+            <a:r>
+              <a:rPr lang="en-US" altLang="ko-KR" dirty="0"/>
+              <a:t>UML</a:t>
+            </a:r>
+            <a:r>
+              <a:rPr lang="ko-KR" altLang="en-US" dirty="0"/>
+              <a:t>툴에서 함께 관리할 수 있다</a:t>
             </a:r>
             <a:r>
               <a:rPr lang="en-US" altLang="ko-KR" dirty="0"/>
@@ -6943,7 +7406,7 @@
 </p:sld>
 </file>
 
-<file path=ppt/slides/slide15.xml><?xml version="1.0" encoding="utf-8"?>
+<file path=ppt/slides/slide16.xml><?xml version="1.0" encoding="utf-8"?>
 <p:sld xmlns:a="http://schemas.openxmlformats.org/drawingml/2006/main" xmlns:r="http://schemas.openxmlformats.org/officeDocument/2006/relationships" xmlns:p="http://schemas.openxmlformats.org/presentationml/2006/main">
   <p:cSld>
     <p:spTree>
@@ -7327,7 +7790,7 @@
 </p:sld>
 </file>
 
-<file path=ppt/slides/slide16.xml><?xml version="1.0" encoding="utf-8"?>
+<file path=ppt/slides/slide17.xml><?xml version="1.0" encoding="utf-8"?>
 <p:sld xmlns:a="http://schemas.openxmlformats.org/drawingml/2006/main" xmlns:r="http://schemas.openxmlformats.org/officeDocument/2006/relationships" xmlns:p="http://schemas.openxmlformats.org/presentationml/2006/main">
   <p:cSld>
     <p:spTree>
@@ -7344,12 +7807,140 @@
           <a:chExt cx="0" cy="0"/>
         </a:xfrm>
       </p:grpSpPr>
+      <p:sp>
+        <p:nvSpPr>
+          <p:cNvPr id="10" name="직사각형 9">
+            <a:extLst>
+              <a:ext uri="{FF2B5EF4-FFF2-40B4-BE49-F238E27FC236}">
+                <a16:creationId xmlns:a16="http://schemas.microsoft.com/office/drawing/2014/main" id="{72422AE4-B2BC-47F4-A55A-7923EBDB55ED}"/>
+              </a:ext>
+            </a:extLst>
+          </p:cNvPr>
+          <p:cNvSpPr/>
+          <p:nvPr/>
+        </p:nvSpPr>
+        <p:spPr>
+          <a:xfrm>
+            <a:off x="1586143" y="1020932"/>
+            <a:ext cx="9268287" cy="45719"/>
+          </a:xfrm>
+          <a:prstGeom prst="rect">
+            <a:avLst/>
+          </a:prstGeom>
+        </p:spPr>
+        <p:style>
+          <a:lnRef idx="2">
+            <a:schemeClr val="accent1">
+              <a:shade val="50000"/>
+            </a:schemeClr>
+          </a:lnRef>
+          <a:fillRef idx="1">
+            <a:schemeClr val="accent1"/>
+          </a:fillRef>
+          <a:effectRef idx="0">
+            <a:schemeClr val="accent1"/>
+          </a:effectRef>
+          <a:fontRef idx="minor">
+            <a:schemeClr val="lt1"/>
+          </a:fontRef>
+        </p:style>
+        <p:txBody>
+          <a:bodyPr rtlCol="0" anchor="ctr"/>
+          <a:lstStyle/>
+          <a:p>
+            <a:pPr algn="ctr"/>
+            <a:endParaRPr lang="ko-KR" altLang="en-US"/>
+          </a:p>
+        </p:txBody>
+      </p:sp>
+      <p:sp>
+        <p:nvSpPr>
+          <p:cNvPr id="11" name="직사각형 10">
+            <a:extLst>
+              <a:ext uri="{FF2B5EF4-FFF2-40B4-BE49-F238E27FC236}">
+                <a16:creationId xmlns:a16="http://schemas.microsoft.com/office/drawing/2014/main" id="{88C624B5-9431-4451-97AF-3F26F9D86089}"/>
+              </a:ext>
+            </a:extLst>
+          </p:cNvPr>
+          <p:cNvSpPr/>
+          <p:nvPr/>
+        </p:nvSpPr>
+        <p:spPr>
+          <a:xfrm flipV="1">
+            <a:off x="1586143" y="6174982"/>
+            <a:ext cx="9268287" cy="45719"/>
+          </a:xfrm>
+          <a:prstGeom prst="rect">
+            <a:avLst/>
+          </a:prstGeom>
+        </p:spPr>
+        <p:style>
+          <a:lnRef idx="2">
+            <a:schemeClr val="accent1">
+              <a:shade val="50000"/>
+            </a:schemeClr>
+          </a:lnRef>
+          <a:fillRef idx="1">
+            <a:schemeClr val="accent1"/>
+          </a:fillRef>
+          <a:effectRef idx="0">
+            <a:schemeClr val="accent1"/>
+          </a:effectRef>
+          <a:fontRef idx="minor">
+            <a:schemeClr val="lt1"/>
+          </a:fontRef>
+        </p:style>
+        <p:txBody>
+          <a:bodyPr rtlCol="0" anchor="ctr"/>
+          <a:lstStyle/>
+          <a:p>
+            <a:pPr algn="ctr"/>
+            <a:endParaRPr lang="ko-KR" altLang="en-US"/>
+          </a:p>
+        </p:txBody>
+      </p:sp>
+      <p:sp>
+        <p:nvSpPr>
+          <p:cNvPr id="9" name="TextBox 8">
+            <a:extLst>
+              <a:ext uri="{FF2B5EF4-FFF2-40B4-BE49-F238E27FC236}">
+                <a16:creationId xmlns:a16="http://schemas.microsoft.com/office/drawing/2014/main" id="{892C5DDA-40EE-4B50-9C05-6AFC7089F348}"/>
+              </a:ext>
+            </a:extLst>
+          </p:cNvPr>
+          <p:cNvSpPr txBox="1"/>
+          <p:nvPr/>
+        </p:nvSpPr>
+        <p:spPr>
+          <a:xfrm>
+            <a:off x="1704513" y="620822"/>
+            <a:ext cx="954107" cy="400110"/>
+          </a:xfrm>
+          <a:prstGeom prst="rect">
+            <a:avLst/>
+          </a:prstGeom>
+          <a:noFill/>
+        </p:spPr>
+        <p:txBody>
+          <a:bodyPr wrap="none" rtlCol="0">
+            <a:spAutoFit/>
+          </a:bodyPr>
+          <a:lstStyle/>
+          <a:p>
+            <a:r>
+              <a:rPr lang="ko-KR" altLang="en-US" sz="2000" dirty="0"/>
+              <a:t>마무리</a:t>
+            </a:r>
+            <a:endParaRPr lang="en-US" altLang="ko-KR" sz="2000" dirty="0"/>
+          </a:p>
+        </p:txBody>
+      </p:sp>
       <p:pic>
         <p:nvPicPr>
-          <p:cNvPr id="22" name="그림 21">
+          <p:cNvPr id="8" name="그림 7">
             <a:extLst>
               <a:ext uri="{FF2B5EF4-FFF2-40B4-BE49-F238E27FC236}">
-                <a16:creationId xmlns:a16="http://schemas.microsoft.com/office/drawing/2014/main" id="{29D6EF0C-D29C-4711-9161-7BC41FA66B54}"/>
+                <a16:creationId xmlns:a16="http://schemas.microsoft.com/office/drawing/2014/main" id="{7BA09FEF-765A-47DF-9F8B-F8B0EF79FF3D}"/>
               </a:ext>
             </a:extLst>
           </p:cNvPr>
@@ -7372,8 +7963,8 @@
         </p:blipFill>
         <p:spPr>
           <a:xfrm>
-            <a:off x="3944598" y="2329327"/>
-            <a:ext cx="760184" cy="760184"/>
+            <a:off x="4345152" y="2817972"/>
+            <a:ext cx="1263168" cy="1263168"/>
           </a:xfrm>
           <a:prstGeom prst="rect">
             <a:avLst/>
@@ -7382,10 +7973,10 @@
       </p:pic>
       <p:pic>
         <p:nvPicPr>
-          <p:cNvPr id="23" name="그림 22">
+          <p:cNvPr id="12" name="그림 11">
             <a:extLst>
               <a:ext uri="{FF2B5EF4-FFF2-40B4-BE49-F238E27FC236}">
-                <a16:creationId xmlns:a16="http://schemas.microsoft.com/office/drawing/2014/main" id="{A11438AE-13EB-414C-AFAE-E996DB090AB8}"/>
+                <a16:creationId xmlns:a16="http://schemas.microsoft.com/office/drawing/2014/main" id="{754CF79F-98FA-4726-A7B7-F2150EAD4230}"/>
               </a:ext>
             </a:extLst>
           </p:cNvPr>
@@ -7408,301 +7999,20 @@
         </p:blipFill>
         <p:spPr>
           <a:xfrm>
-            <a:off x="3812396" y="2887716"/>
-            <a:ext cx="1024589" cy="260246"/>
+            <a:off x="5952098" y="2789684"/>
+            <a:ext cx="1263168" cy="320845"/>
           </a:xfrm>
           <a:prstGeom prst="rect">
             <a:avLst/>
           </a:prstGeom>
         </p:spPr>
       </p:pic>
-      <p:sp>
-        <p:nvSpPr>
-          <p:cNvPr id="10" name="직사각형 9">
+      <p:pic>
+        <p:nvPicPr>
+          <p:cNvPr id="13" name="그림 12">
             <a:extLst>
               <a:ext uri="{FF2B5EF4-FFF2-40B4-BE49-F238E27FC236}">
-                <a16:creationId xmlns:a16="http://schemas.microsoft.com/office/drawing/2014/main" id="{72422AE4-B2BC-47F4-A55A-7923EBDB55ED}"/>
-              </a:ext>
-            </a:extLst>
-          </p:cNvPr>
-          <p:cNvSpPr/>
-          <p:nvPr/>
-        </p:nvSpPr>
-        <p:spPr>
-          <a:xfrm>
-            <a:off x="1586143" y="1020932"/>
-            <a:ext cx="9268287" cy="45719"/>
-          </a:xfrm>
-          <a:prstGeom prst="rect">
-            <a:avLst/>
-          </a:prstGeom>
-        </p:spPr>
-        <p:style>
-          <a:lnRef idx="2">
-            <a:schemeClr val="accent1">
-              <a:shade val="50000"/>
-            </a:schemeClr>
-          </a:lnRef>
-          <a:fillRef idx="1">
-            <a:schemeClr val="accent1"/>
-          </a:fillRef>
-          <a:effectRef idx="0">
-            <a:schemeClr val="accent1"/>
-          </a:effectRef>
-          <a:fontRef idx="minor">
-            <a:schemeClr val="lt1"/>
-          </a:fontRef>
-        </p:style>
-        <p:txBody>
-          <a:bodyPr rtlCol="0" anchor="ctr"/>
-          <a:lstStyle/>
-          <a:p>
-            <a:pPr algn="ctr"/>
-            <a:endParaRPr lang="ko-KR" altLang="en-US"/>
-          </a:p>
-        </p:txBody>
-      </p:sp>
-      <p:sp>
-        <p:nvSpPr>
-          <p:cNvPr id="11" name="직사각형 10">
-            <a:extLst>
-              <a:ext uri="{FF2B5EF4-FFF2-40B4-BE49-F238E27FC236}">
-                <a16:creationId xmlns:a16="http://schemas.microsoft.com/office/drawing/2014/main" id="{88C624B5-9431-4451-97AF-3F26F9D86089}"/>
-              </a:ext>
-            </a:extLst>
-          </p:cNvPr>
-          <p:cNvSpPr/>
-          <p:nvPr/>
-        </p:nvSpPr>
-        <p:spPr>
-          <a:xfrm flipV="1">
-            <a:off x="1586143" y="6174982"/>
-            <a:ext cx="9268287" cy="45719"/>
-          </a:xfrm>
-          <a:prstGeom prst="rect">
-            <a:avLst/>
-          </a:prstGeom>
-        </p:spPr>
-        <p:style>
-          <a:lnRef idx="2">
-            <a:schemeClr val="accent1">
-              <a:shade val="50000"/>
-            </a:schemeClr>
-          </a:lnRef>
-          <a:fillRef idx="1">
-            <a:schemeClr val="accent1"/>
-          </a:fillRef>
-          <a:effectRef idx="0">
-            <a:schemeClr val="accent1"/>
-          </a:effectRef>
-          <a:fontRef idx="minor">
-            <a:schemeClr val="lt1"/>
-          </a:fontRef>
-        </p:style>
-        <p:txBody>
-          <a:bodyPr rtlCol="0" anchor="ctr"/>
-          <a:lstStyle/>
-          <a:p>
-            <a:pPr algn="ctr"/>
-            <a:endParaRPr lang="ko-KR" altLang="en-US"/>
-          </a:p>
-        </p:txBody>
-      </p:sp>
-      <p:sp>
-        <p:nvSpPr>
-          <p:cNvPr id="9" name="TextBox 8">
-            <a:extLst>
-              <a:ext uri="{FF2B5EF4-FFF2-40B4-BE49-F238E27FC236}">
-                <a16:creationId xmlns:a16="http://schemas.microsoft.com/office/drawing/2014/main" id="{892C5DDA-40EE-4B50-9C05-6AFC7089F348}"/>
-              </a:ext>
-            </a:extLst>
-          </p:cNvPr>
-          <p:cNvSpPr txBox="1"/>
-          <p:nvPr/>
-        </p:nvSpPr>
-        <p:spPr>
-          <a:xfrm>
-            <a:off x="1704513" y="620822"/>
-            <a:ext cx="1967205" cy="400110"/>
-          </a:xfrm>
-          <a:prstGeom prst="rect">
-            <a:avLst/>
-          </a:prstGeom>
-          <a:noFill/>
-        </p:spPr>
-        <p:txBody>
-          <a:bodyPr wrap="none" rtlCol="0">
-            <a:spAutoFit/>
-          </a:bodyPr>
-          <a:lstStyle/>
-          <a:p>
-            <a:r>
-              <a:rPr lang="en-US" altLang="ko-KR" sz="2000" dirty="0"/>
-              <a:t>‘</a:t>
-            </a:r>
-            <a:r>
-              <a:rPr lang="ko-KR" altLang="en-US" sz="2000" dirty="0"/>
-              <a:t>개인적</a:t>
-            </a:r>
-            <a:r>
-              <a:rPr lang="en-US" altLang="ko-KR" sz="2000" dirty="0"/>
-              <a:t>’ </a:t>
-            </a:r>
-            <a:r>
-              <a:rPr lang="ko-KR" altLang="en-US" sz="2000" dirty="0"/>
-              <a:t>인 생각</a:t>
-            </a:r>
-            <a:endParaRPr lang="en-US" altLang="ko-KR" sz="2000" dirty="0"/>
-          </a:p>
-        </p:txBody>
-      </p:sp>
-      <p:sp>
-        <p:nvSpPr>
-          <p:cNvPr id="12" name="TextBox 11">
-            <a:extLst>
-              <a:ext uri="{FF2B5EF4-FFF2-40B4-BE49-F238E27FC236}">
-                <a16:creationId xmlns:a16="http://schemas.microsoft.com/office/drawing/2014/main" id="{82C13EAE-7A0D-4A25-915E-32A07F9903D8}"/>
-              </a:ext>
-            </a:extLst>
-          </p:cNvPr>
-          <p:cNvSpPr txBox="1"/>
-          <p:nvPr/>
-        </p:nvSpPr>
-        <p:spPr>
-          <a:xfrm>
-            <a:off x="2060343" y="5318140"/>
-            <a:ext cx="779095" cy="369332"/>
-          </a:xfrm>
-          <a:prstGeom prst="rect">
-            <a:avLst/>
-          </a:prstGeom>
-          <a:noFill/>
-        </p:spPr>
-        <p:txBody>
-          <a:bodyPr wrap="square" rtlCol="0">
-            <a:spAutoFit/>
-          </a:bodyPr>
-          <a:lstStyle/>
-          <a:p>
-            <a:r>
-              <a:rPr lang="ko-KR" altLang="en-US" dirty="0"/>
-              <a:t>좋음</a:t>
-            </a:r>
-          </a:p>
-        </p:txBody>
-      </p:sp>
-      <p:sp>
-        <p:nvSpPr>
-          <p:cNvPr id="15" name="TextBox 14">
-            <a:extLst>
-              <a:ext uri="{FF2B5EF4-FFF2-40B4-BE49-F238E27FC236}">
-                <a16:creationId xmlns:a16="http://schemas.microsoft.com/office/drawing/2014/main" id="{3A5DD286-641D-48E4-9A4F-93D2A0E76C83}"/>
-              </a:ext>
-            </a:extLst>
-          </p:cNvPr>
-          <p:cNvSpPr txBox="1"/>
-          <p:nvPr/>
-        </p:nvSpPr>
-        <p:spPr>
-          <a:xfrm>
-            <a:off x="9730997" y="5306419"/>
-            <a:ext cx="1506208" cy="369332"/>
-          </a:xfrm>
-          <a:prstGeom prst="rect">
-            <a:avLst/>
-          </a:prstGeom>
-          <a:noFill/>
-        </p:spPr>
-        <p:txBody>
-          <a:bodyPr wrap="square" rtlCol="0">
-            <a:spAutoFit/>
-          </a:bodyPr>
-          <a:lstStyle/>
-          <a:p>
-            <a:r>
-              <a:rPr lang="ko-KR" altLang="en-US" dirty="0"/>
-              <a:t>나쁨</a:t>
-            </a:r>
-          </a:p>
-        </p:txBody>
-      </p:sp>
-      <p:sp>
-        <p:nvSpPr>
-          <p:cNvPr id="16" name="TextBox 15">
-            <a:extLst>
-              <a:ext uri="{FF2B5EF4-FFF2-40B4-BE49-F238E27FC236}">
-                <a16:creationId xmlns:a16="http://schemas.microsoft.com/office/drawing/2014/main" id="{5EC63642-B229-4278-9396-B2D56B545478}"/>
-              </a:ext>
-            </a:extLst>
-          </p:cNvPr>
-          <p:cNvSpPr txBox="1"/>
-          <p:nvPr/>
-        </p:nvSpPr>
-        <p:spPr>
-          <a:xfrm>
-            <a:off x="1873675" y="3479102"/>
-            <a:ext cx="1210588" cy="400110"/>
-          </a:xfrm>
-          <a:prstGeom prst="rect">
-            <a:avLst/>
-          </a:prstGeom>
-          <a:noFill/>
-        </p:spPr>
-        <p:txBody>
-          <a:bodyPr wrap="none" rtlCol="0">
-            <a:spAutoFit/>
-          </a:bodyPr>
-          <a:lstStyle/>
-          <a:p>
-            <a:pPr algn="ctr"/>
-            <a:r>
-              <a:rPr lang="ko-KR" altLang="en-US" sz="2000" dirty="0"/>
-              <a:t>진입장벽</a:t>
-            </a:r>
-          </a:p>
-        </p:txBody>
-      </p:sp>
-      <p:sp>
-        <p:nvSpPr>
-          <p:cNvPr id="21" name="TextBox 20">
-            <a:extLst>
-              <a:ext uri="{FF2B5EF4-FFF2-40B4-BE49-F238E27FC236}">
-                <a16:creationId xmlns:a16="http://schemas.microsoft.com/office/drawing/2014/main" id="{21088DAF-2AEC-41CD-AD52-732B14A41CDB}"/>
-              </a:ext>
-            </a:extLst>
-          </p:cNvPr>
-          <p:cNvSpPr txBox="1"/>
-          <p:nvPr/>
-        </p:nvSpPr>
-        <p:spPr>
-          <a:xfrm>
-            <a:off x="1873675" y="2347852"/>
-            <a:ext cx="2095445" cy="400110"/>
-          </a:xfrm>
-          <a:prstGeom prst="rect">
-            <a:avLst/>
-          </a:prstGeom>
-          <a:noFill/>
-        </p:spPr>
-        <p:txBody>
-          <a:bodyPr wrap="none" rtlCol="0">
-            <a:spAutoFit/>
-          </a:bodyPr>
-          <a:lstStyle/>
-          <a:p>
-            <a:r>
-              <a:rPr lang="ko-KR" altLang="en-US" sz="2000" dirty="0"/>
-              <a:t>설계와 개발 병행</a:t>
-            </a:r>
-          </a:p>
-        </p:txBody>
-      </p:sp>
-      <p:pic>
-        <p:nvPicPr>
-          <p:cNvPr id="24" name="그림 23">
-            <a:extLst>
-              <a:ext uri="{FF2B5EF4-FFF2-40B4-BE49-F238E27FC236}">
-                <a16:creationId xmlns:a16="http://schemas.microsoft.com/office/drawing/2014/main" id="{5D1E06D7-64EF-4F09-8AB0-85DCCA44CEB7}"/>
+                <a16:creationId xmlns:a16="http://schemas.microsoft.com/office/drawing/2014/main" id="{64BD4A03-1771-4CB2-93F9-CED19395A491}"/>
               </a:ext>
             </a:extLst>
           </p:cNvPr>
@@ -7725,110 +8035,50 @@
         </p:blipFill>
         <p:spPr>
           <a:xfrm>
-            <a:off x="6700526" y="2423302"/>
-            <a:ext cx="1490188" cy="572233"/>
+            <a:off x="5834577" y="3605573"/>
+            <a:ext cx="1800663" cy="691455"/>
           </a:xfrm>
           <a:prstGeom prst="rect">
             <a:avLst/>
           </a:prstGeom>
         </p:spPr>
       </p:pic>
-      <p:sp>
-        <p:nvSpPr>
-          <p:cNvPr id="2" name="직사각형 1">
+    </p:spTree>
+    <p:extLst>
+      <p:ext uri="{BB962C8B-B14F-4D97-AF65-F5344CB8AC3E}">
+        <p14:creationId xmlns:p14="http://schemas.microsoft.com/office/powerpoint/2010/main" val="739092488"/>
+      </p:ext>
+    </p:extLst>
+  </p:cSld>
+  <p:clrMapOvr>
+    <a:masterClrMapping/>
+  </p:clrMapOvr>
+</p:sld>
+</file>
+
+<file path=ppt/slides/slide2.xml><?xml version="1.0" encoding="utf-8"?>
+<p:sld xmlns:a="http://schemas.openxmlformats.org/drawingml/2006/main" xmlns:r="http://schemas.openxmlformats.org/officeDocument/2006/relationships" xmlns:p="http://schemas.openxmlformats.org/presentationml/2006/main">
+  <p:cSld>
+    <p:spTree>
+      <p:nvGrpSpPr>
+        <p:cNvPr id="1" name=""/>
+        <p:cNvGrpSpPr/>
+        <p:nvPr/>
+      </p:nvGrpSpPr>
+      <p:grpSpPr>
+        <a:xfrm>
+          <a:off x="0" y="0"/>
+          <a:ext cx="0" cy="0"/>
+          <a:chOff x="0" y="0"/>
+          <a:chExt cx="0" cy="0"/>
+        </a:xfrm>
+      </p:grpSpPr>
+      <p:pic>
+        <p:nvPicPr>
+          <p:cNvPr id="12" name="그림 11">
             <a:extLst>
               <a:ext uri="{FF2B5EF4-FFF2-40B4-BE49-F238E27FC236}">
-                <a16:creationId xmlns:a16="http://schemas.microsoft.com/office/drawing/2014/main" id="{B923C860-04FC-4BEA-B22D-0BC547400C7A}"/>
-              </a:ext>
-            </a:extLst>
-          </p:cNvPr>
-          <p:cNvSpPr/>
-          <p:nvPr/>
-        </p:nvSpPr>
-        <p:spPr>
-          <a:xfrm>
-            <a:off x="1877119" y="2261424"/>
-            <a:ext cx="8632974" cy="962242"/>
-          </a:xfrm>
-          <a:prstGeom prst="rect">
-            <a:avLst/>
-          </a:prstGeom>
-          <a:noFill/>
-          <a:ln w="28575"/>
-        </p:spPr>
-        <p:style>
-          <a:lnRef idx="2">
-            <a:schemeClr val="accent1">
-              <a:shade val="50000"/>
-            </a:schemeClr>
-          </a:lnRef>
-          <a:fillRef idx="1">
-            <a:schemeClr val="accent1"/>
-          </a:fillRef>
-          <a:effectRef idx="0">
-            <a:schemeClr val="accent1"/>
-          </a:effectRef>
-          <a:fontRef idx="minor">
-            <a:schemeClr val="lt1"/>
-          </a:fontRef>
-        </p:style>
-        <p:txBody>
-          <a:bodyPr rtlCol="0" anchor="ctr"/>
-          <a:lstStyle/>
-          <a:p>
-            <a:pPr algn="ctr"/>
-            <a:endParaRPr lang="ko-KR" altLang="en-US"/>
-          </a:p>
-        </p:txBody>
-      </p:sp>
-      <p:cxnSp>
-        <p:nvCxnSpPr>
-          <p:cNvPr id="7" name="직선 화살표 연결선 6">
-            <a:extLst>
-              <a:ext uri="{FF2B5EF4-FFF2-40B4-BE49-F238E27FC236}">
-                <a16:creationId xmlns:a16="http://schemas.microsoft.com/office/drawing/2014/main" id="{EAC12389-8AD2-4F81-9EB2-51965EB8567B}"/>
-              </a:ext>
-            </a:extLst>
-          </p:cNvPr>
-          <p:cNvCxnSpPr>
-            <a:cxnSpLocks/>
-          </p:cNvCxnSpPr>
-          <p:nvPr/>
-        </p:nvCxnSpPr>
-        <p:spPr>
-          <a:xfrm>
-            <a:off x="2099771" y="5687472"/>
-            <a:ext cx="8241029" cy="0"/>
-          </a:xfrm>
-          <a:prstGeom prst="straightConnector1">
-            <a:avLst/>
-          </a:prstGeom>
-          <a:ln w="38100">
-            <a:headEnd type="triangle"/>
-            <a:tailEnd type="triangle"/>
-          </a:ln>
-        </p:spPr>
-        <p:style>
-          <a:lnRef idx="1">
-            <a:schemeClr val="accent1"/>
-          </a:lnRef>
-          <a:fillRef idx="0">
-            <a:schemeClr val="accent1"/>
-          </a:fillRef>
-          <a:effectRef idx="0">
-            <a:schemeClr val="accent1"/>
-          </a:effectRef>
-          <a:fontRef idx="minor">
-            <a:schemeClr val="tx1"/>
-          </a:fontRef>
-        </p:style>
-      </p:cxnSp>
-      <p:pic>
-        <p:nvPicPr>
-          <p:cNvPr id="26" name="그림 25">
-            <a:extLst>
-              <a:ext uri="{FF2B5EF4-FFF2-40B4-BE49-F238E27FC236}">
-                <a16:creationId xmlns:a16="http://schemas.microsoft.com/office/drawing/2014/main" id="{7A20667A-8B94-496B-8801-F6A8B1D5B37D}"/>
+                <a16:creationId xmlns:a16="http://schemas.microsoft.com/office/drawing/2014/main" id="{F6AC76EF-B6DE-4B93-BF81-00667872E4D9}"/>
               </a:ext>
             </a:extLst>
           </p:cNvPr>
@@ -7851,56 +8101,160 @@
         </p:blipFill>
         <p:spPr>
           <a:xfrm>
-            <a:off x="5042511" y="3592998"/>
-            <a:ext cx="760184" cy="760184"/>
+            <a:off x="4664258" y="1888953"/>
+            <a:ext cx="2514927" cy="2828069"/>
           </a:xfrm>
           <a:prstGeom prst="rect">
             <a:avLst/>
           </a:prstGeom>
         </p:spPr>
       </p:pic>
-      <p:pic>
-        <p:nvPicPr>
-          <p:cNvPr id="27" name="그림 26">
+      <p:sp>
+        <p:nvSpPr>
+          <p:cNvPr id="10" name="직사각형 9">
             <a:extLst>
               <a:ext uri="{FF2B5EF4-FFF2-40B4-BE49-F238E27FC236}">
-                <a16:creationId xmlns:a16="http://schemas.microsoft.com/office/drawing/2014/main" id="{313B0B03-BB16-4FBD-A452-24BA4288DB0A}"/>
+                <a16:creationId xmlns:a16="http://schemas.microsoft.com/office/drawing/2014/main" id="{72422AE4-B2BC-47F4-A55A-7923EBDB55ED}"/>
               </a:ext>
             </a:extLst>
           </p:cNvPr>
-          <p:cNvPicPr>
-            <a:picLocks noChangeAspect="1"/>
-          </p:cNvPicPr>
+          <p:cNvSpPr/>
           <p:nvPr/>
-        </p:nvPicPr>
-        <p:blipFill>
-          <a:blip r:embed="rId5">
-            <a:extLst>
-              <a:ext uri="{28A0092B-C50C-407E-A947-70E740481C1C}">
-                <a14:useLocalDpi xmlns:a14="http://schemas.microsoft.com/office/drawing/2010/main" val="0"/>
-              </a:ext>
-            </a:extLst>
-          </a:blip>
-          <a:stretch>
-            <a:fillRect/>
-          </a:stretch>
-        </p:blipFill>
+        </p:nvSpPr>
         <p:spPr>
           <a:xfrm>
-            <a:off x="3579596" y="3698154"/>
-            <a:ext cx="1490188" cy="572233"/>
+            <a:off x="1586143" y="1020932"/>
+            <a:ext cx="9268287" cy="45719"/>
           </a:xfrm>
           <a:prstGeom prst="rect">
             <a:avLst/>
           </a:prstGeom>
         </p:spPr>
-      </p:pic>
+        <p:style>
+          <a:lnRef idx="2">
+            <a:schemeClr val="accent1">
+              <a:shade val="50000"/>
+            </a:schemeClr>
+          </a:lnRef>
+          <a:fillRef idx="1">
+            <a:schemeClr val="accent1"/>
+          </a:fillRef>
+          <a:effectRef idx="0">
+            <a:schemeClr val="accent1"/>
+          </a:effectRef>
+          <a:fontRef idx="minor">
+            <a:schemeClr val="lt1"/>
+          </a:fontRef>
+        </p:style>
+        <p:txBody>
+          <a:bodyPr rtlCol="0" anchor="ctr"/>
+          <a:lstStyle/>
+          <a:p>
+            <a:pPr algn="ctr"/>
+            <a:endParaRPr lang="ko-KR" altLang="en-US"/>
+          </a:p>
+        </p:txBody>
+      </p:sp>
+      <p:sp>
+        <p:nvSpPr>
+          <p:cNvPr id="11" name="직사각형 10">
+            <a:extLst>
+              <a:ext uri="{FF2B5EF4-FFF2-40B4-BE49-F238E27FC236}">
+                <a16:creationId xmlns:a16="http://schemas.microsoft.com/office/drawing/2014/main" id="{88C624B5-9431-4451-97AF-3F26F9D86089}"/>
+              </a:ext>
+            </a:extLst>
+          </p:cNvPr>
+          <p:cNvSpPr/>
+          <p:nvPr/>
+        </p:nvSpPr>
+        <p:spPr>
+          <a:xfrm flipV="1">
+            <a:off x="1586143" y="6174982"/>
+            <a:ext cx="9268287" cy="45719"/>
+          </a:xfrm>
+          <a:prstGeom prst="rect">
+            <a:avLst/>
+          </a:prstGeom>
+        </p:spPr>
+        <p:style>
+          <a:lnRef idx="2">
+            <a:schemeClr val="accent1">
+              <a:shade val="50000"/>
+            </a:schemeClr>
+          </a:lnRef>
+          <a:fillRef idx="1">
+            <a:schemeClr val="accent1"/>
+          </a:fillRef>
+          <a:effectRef idx="0">
+            <a:schemeClr val="accent1"/>
+          </a:effectRef>
+          <a:fontRef idx="minor">
+            <a:schemeClr val="lt1"/>
+          </a:fontRef>
+        </p:style>
+        <p:txBody>
+          <a:bodyPr rtlCol="0" anchor="ctr"/>
+          <a:lstStyle/>
+          <a:p>
+            <a:pPr algn="ctr"/>
+            <a:endParaRPr lang="ko-KR" altLang="en-US"/>
+          </a:p>
+        </p:txBody>
+      </p:sp>
+      <p:sp>
+        <p:nvSpPr>
+          <p:cNvPr id="9" name="TextBox 8">
+            <a:extLst>
+              <a:ext uri="{FF2B5EF4-FFF2-40B4-BE49-F238E27FC236}">
+                <a16:creationId xmlns:a16="http://schemas.microsoft.com/office/drawing/2014/main" id="{892C5DDA-40EE-4B50-9C05-6AFC7089F348}"/>
+              </a:ext>
+            </a:extLst>
+          </p:cNvPr>
+          <p:cNvSpPr txBox="1"/>
+          <p:nvPr/>
+        </p:nvSpPr>
+        <p:spPr>
+          <a:xfrm>
+            <a:off x="1704513" y="620822"/>
+            <a:ext cx="2451312" cy="400110"/>
+          </a:xfrm>
+          <a:prstGeom prst="rect">
+            <a:avLst/>
+          </a:prstGeom>
+          <a:noFill/>
+        </p:spPr>
+        <p:txBody>
+          <a:bodyPr wrap="none" rtlCol="0">
+            <a:spAutoFit/>
+          </a:bodyPr>
+          <a:lstStyle/>
+          <a:p>
+            <a:r>
+              <a:rPr lang="en-US" altLang="ko-KR" sz="2000" dirty="0"/>
+              <a:t>(</a:t>
+            </a:r>
+            <a:r>
+              <a:rPr lang="ko-KR" altLang="en-US" sz="2000" dirty="0"/>
+              <a:t>추가</a:t>
+            </a:r>
+            <a:r>
+              <a:rPr lang="en-US" altLang="ko-KR" sz="2000" dirty="0"/>
+              <a:t>)</a:t>
+            </a:r>
+            <a:r>
+              <a:rPr lang="ko-KR" altLang="en-US" sz="2000" dirty="0"/>
+              <a:t>클래스의 표현</a:t>
+            </a:r>
+            <a:endParaRPr lang="en-US" altLang="ko-KR" sz="2000" dirty="0"/>
+          </a:p>
+        </p:txBody>
+      </p:sp>
       <p:pic>
         <p:nvPicPr>
-          <p:cNvPr id="28" name="그림 27">
+          <p:cNvPr id="4" name="그림 3">
             <a:extLst>
               <a:ext uri="{FF2B5EF4-FFF2-40B4-BE49-F238E27FC236}">
-                <a16:creationId xmlns:a16="http://schemas.microsoft.com/office/drawing/2014/main" id="{9B00F0ED-E7CA-47B3-88B8-BA55BD45B423}"/>
+                <a16:creationId xmlns:a16="http://schemas.microsoft.com/office/drawing/2014/main" id="{601AC2B4-3011-48AF-81FF-21E64A0FCC5E}"/>
               </a:ext>
             </a:extLst>
           </p:cNvPr>
@@ -7923,8 +8277,8 @@
         </p:blipFill>
         <p:spPr>
           <a:xfrm>
-            <a:off x="6098307" y="3838001"/>
-            <a:ext cx="1024589" cy="260246"/>
+            <a:off x="7179185" y="1756132"/>
+            <a:ext cx="2514927" cy="3002053"/>
           </a:xfrm>
           <a:prstGeom prst="rect">
             <a:avLst/>
@@ -7933,10 +8287,10 @@
       </p:pic>
       <p:sp>
         <p:nvSpPr>
-          <p:cNvPr id="29" name="직사각형 28">
+          <p:cNvPr id="3" name="직사각형 2">
             <a:extLst>
               <a:ext uri="{FF2B5EF4-FFF2-40B4-BE49-F238E27FC236}">
-                <a16:creationId xmlns:a16="http://schemas.microsoft.com/office/drawing/2014/main" id="{7CCC8347-44EE-4F7D-AF6E-E6ACE2912547}"/>
+                <a16:creationId xmlns:a16="http://schemas.microsoft.com/office/drawing/2014/main" id="{6F0A1A6D-0647-4B50-8DED-B9CE6C5C69CA}"/>
               </a:ext>
             </a:extLst>
           </p:cNvPr>
@@ -7945,44 +8299,257 @@
         </p:nvSpPr>
         <p:spPr>
           <a:xfrm>
-            <a:off x="1873675" y="3419100"/>
-            <a:ext cx="8632974" cy="962242"/>
+            <a:off x="9397317" y="3085823"/>
+            <a:ext cx="1005840" cy="381002"/>
+          </a:xfrm>
+          <a:prstGeom prst="rect">
+            <a:avLst/>
+          </a:prstGeom>
+          <a:ln>
+            <a:noFill/>
+          </a:ln>
+        </p:spPr>
+        <p:style>
+          <a:lnRef idx="2">
+            <a:schemeClr val="accent6"/>
+          </a:lnRef>
+          <a:fillRef idx="1">
+            <a:schemeClr val="lt1"/>
+          </a:fillRef>
+          <a:effectRef idx="0">
+            <a:schemeClr val="accent6"/>
+          </a:effectRef>
+          <a:fontRef idx="minor">
+            <a:schemeClr val="dk1"/>
+          </a:fontRef>
+        </p:style>
+        <p:txBody>
+          <a:bodyPr rtlCol="0" anchor="ctr"/>
+          <a:lstStyle/>
+          <a:p>
+            <a:pPr algn="ctr"/>
+            <a:endParaRPr lang="ko-KR" altLang="en-US"/>
+          </a:p>
+        </p:txBody>
+      </p:sp>
+      <p:cxnSp>
+        <p:nvCxnSpPr>
+          <p:cNvPr id="6" name="직선 연결선 5">
+            <a:extLst>
+              <a:ext uri="{FF2B5EF4-FFF2-40B4-BE49-F238E27FC236}">
+                <a16:creationId xmlns:a16="http://schemas.microsoft.com/office/drawing/2014/main" id="{7E832598-F21C-4C28-8773-B175FFEEA18C}"/>
+              </a:ext>
+            </a:extLst>
+          </p:cNvPr>
+          <p:cNvCxnSpPr>
+            <a:cxnSpLocks/>
+          </p:cNvCxnSpPr>
+          <p:nvPr/>
+        </p:nvCxnSpPr>
+        <p:spPr>
+          <a:xfrm flipH="1">
+            <a:off x="4098274" y="2704884"/>
+            <a:ext cx="798940" cy="0"/>
+          </a:xfrm>
+          <a:prstGeom prst="line">
+            <a:avLst/>
+          </a:prstGeom>
+          <a:ln w="38100" cap="flat" cmpd="sng" algn="ctr">
+            <a:solidFill>
+              <a:srgbClr val="FF0000"/>
+            </a:solidFill>
+            <a:prstDash val="solid"/>
+            <a:round/>
+            <a:headEnd type="none" w="med" len="med"/>
+            <a:tailEnd type="arrow" w="med" len="med"/>
+          </a:ln>
+        </p:spPr>
+        <p:style>
+          <a:lnRef idx="0">
+            <a:scrgbClr r="0" g="0" b="0"/>
+          </a:lnRef>
+          <a:fillRef idx="0">
+            <a:scrgbClr r="0" g="0" b="0"/>
+          </a:fillRef>
+          <a:effectRef idx="0">
+            <a:scrgbClr r="0" g="0" b="0"/>
+          </a:effectRef>
+          <a:fontRef idx="minor">
+            <a:schemeClr val="tx1"/>
+          </a:fontRef>
+        </p:style>
+      </p:cxnSp>
+      <p:sp>
+        <p:nvSpPr>
+          <p:cNvPr id="7" name="TextBox 6">
+            <a:extLst>
+              <a:ext uri="{FF2B5EF4-FFF2-40B4-BE49-F238E27FC236}">
+                <a16:creationId xmlns:a16="http://schemas.microsoft.com/office/drawing/2014/main" id="{D011E340-3B40-40CC-A563-59D2FE2062BE}"/>
+              </a:ext>
+            </a:extLst>
+          </p:cNvPr>
+          <p:cNvSpPr txBox="1"/>
+          <p:nvPr/>
+        </p:nvSpPr>
+        <p:spPr>
+          <a:xfrm>
+            <a:off x="2518501" y="2266496"/>
+            <a:ext cx="1826275" cy="1200329"/>
           </a:xfrm>
           <a:prstGeom prst="rect">
             <a:avLst/>
           </a:prstGeom>
           <a:noFill/>
-          <a:ln w="28575"/>
+        </p:spPr>
+        <p:txBody>
+          <a:bodyPr wrap="square" rtlCol="0">
+            <a:spAutoFit/>
+          </a:bodyPr>
+          <a:lstStyle/>
+          <a:p>
+            <a:r>
+              <a:rPr lang="en-US" altLang="ko-KR" dirty="0"/>
+              <a:t>default : ~</a:t>
+            </a:r>
+          </a:p>
+          <a:p>
+            <a:r>
+              <a:rPr lang="en-US" altLang="ko-KR" dirty="0"/>
+              <a:t>private : -</a:t>
+            </a:r>
+          </a:p>
+          <a:p>
+            <a:r>
+              <a:rPr lang="en-US" altLang="ko-KR" dirty="0"/>
+              <a:t>public : +</a:t>
+            </a:r>
+          </a:p>
+          <a:p>
+            <a:r>
+              <a:rPr lang="en-US" altLang="ko-KR" dirty="0"/>
+              <a:t>protected : #</a:t>
+            </a:r>
+          </a:p>
+        </p:txBody>
+      </p:sp>
+      <p:sp>
+        <p:nvSpPr>
+          <p:cNvPr id="14" name="TextBox 13">
+            <a:extLst>
+              <a:ext uri="{FF2B5EF4-FFF2-40B4-BE49-F238E27FC236}">
+                <a16:creationId xmlns:a16="http://schemas.microsoft.com/office/drawing/2014/main" id="{4409DF68-62D8-4448-BC05-8163211BD8A6}"/>
+              </a:ext>
+            </a:extLst>
+          </p:cNvPr>
+          <p:cNvSpPr txBox="1"/>
+          <p:nvPr/>
+        </p:nvSpPr>
+        <p:spPr>
+          <a:xfrm>
+            <a:off x="2653882" y="5408889"/>
+            <a:ext cx="6190172" cy="646331"/>
+          </a:xfrm>
+          <a:prstGeom prst="rect">
+            <a:avLst/>
+          </a:prstGeom>
+          <a:noFill/>
+        </p:spPr>
+        <p:txBody>
+          <a:bodyPr wrap="square" rtlCol="0">
+            <a:spAutoFit/>
+          </a:bodyPr>
+          <a:lstStyle/>
+          <a:p>
+            <a:pPr algn="ctr"/>
+            <a:r>
+              <a:rPr lang="ko-KR" altLang="en-US" dirty="0"/>
+              <a:t>메소드의 정보나 표현할 주석들을 </a:t>
+            </a:r>
+            <a:r>
+              <a:rPr lang="en-US" altLang="ko-KR" dirty="0"/>
+              <a:t>Note</a:t>
+            </a:r>
+            <a:r>
+              <a:rPr lang="ko-KR" altLang="en-US" dirty="0"/>
+              <a:t>로 작성</a:t>
+            </a:r>
+            <a:r>
+              <a:rPr lang="en-US" altLang="ko-KR" dirty="0"/>
+              <a:t>.</a:t>
+            </a:r>
+          </a:p>
+          <a:p>
+            <a:pPr algn="ctr"/>
+            <a:r>
+              <a:rPr lang="ko-KR" altLang="en-US" dirty="0"/>
+              <a:t>대개 선행조건</a:t>
+            </a:r>
+            <a:r>
+              <a:rPr lang="en-US" altLang="ko-KR" dirty="0"/>
+              <a:t>, </a:t>
+            </a:r>
+            <a:r>
+              <a:rPr lang="ko-KR" altLang="en-US" dirty="0"/>
+              <a:t>후행조건을 표현하는 방식으로 작성한다</a:t>
+            </a:r>
+            <a:r>
+              <a:rPr lang="en-US" altLang="ko-KR" dirty="0"/>
+              <a:t>.</a:t>
+            </a:r>
+          </a:p>
+        </p:txBody>
+      </p:sp>
+      <p:cxnSp>
+        <p:nvCxnSpPr>
+          <p:cNvPr id="15" name="직선 연결선 14">
+            <a:extLst>
+              <a:ext uri="{FF2B5EF4-FFF2-40B4-BE49-F238E27FC236}">
+                <a16:creationId xmlns:a16="http://schemas.microsoft.com/office/drawing/2014/main" id="{0350A6F9-EA36-48FE-B1BA-43621AB5A6D8}"/>
+              </a:ext>
+            </a:extLst>
+          </p:cNvPr>
+          <p:cNvCxnSpPr>
+            <a:cxnSpLocks/>
+          </p:cNvCxnSpPr>
+          <p:nvPr/>
+        </p:nvCxnSpPr>
+        <p:spPr>
+          <a:xfrm flipV="1">
+            <a:off x="5748968" y="4758185"/>
+            <a:ext cx="0" cy="609541"/>
+          </a:xfrm>
+          <a:prstGeom prst="line">
+            <a:avLst/>
+          </a:prstGeom>
+          <a:ln w="38100" cap="flat" cmpd="sng" algn="ctr">
+            <a:solidFill>
+              <a:srgbClr val="FF0000"/>
+            </a:solidFill>
+            <a:prstDash val="solid"/>
+            <a:round/>
+            <a:headEnd type="none" w="med" len="med"/>
+            <a:tailEnd type="arrow" w="med" len="med"/>
+          </a:ln>
         </p:spPr>
         <p:style>
-          <a:lnRef idx="2">
-            <a:schemeClr val="accent1">
-              <a:shade val="50000"/>
-            </a:schemeClr>
+          <a:lnRef idx="0">
+            <a:scrgbClr r="0" g="0" b="0"/>
           </a:lnRef>
-          <a:fillRef idx="1">
-            <a:schemeClr val="accent1"/>
+          <a:fillRef idx="0">
+            <a:scrgbClr r="0" g="0" b="0"/>
           </a:fillRef>
           <a:effectRef idx="0">
-            <a:schemeClr val="accent1"/>
+            <a:scrgbClr r="0" g="0" b="0"/>
           </a:effectRef>
           <a:fontRef idx="minor">
-            <a:schemeClr val="lt1"/>
+            <a:schemeClr val="tx1"/>
           </a:fontRef>
         </p:style>
-        <p:txBody>
-          <a:bodyPr rtlCol="0" anchor="ctr"/>
-          <a:lstStyle/>
-          <a:p>
-            <a:pPr algn="ctr"/>
-            <a:endParaRPr lang="ko-KR" altLang="en-US"/>
-          </a:p>
-        </p:txBody>
-      </p:sp>
+      </p:cxnSp>
     </p:spTree>
     <p:extLst>
       <p:ext uri="{BB962C8B-B14F-4D97-AF65-F5344CB8AC3E}">
-        <p14:creationId xmlns:p14="http://schemas.microsoft.com/office/powerpoint/2010/main" val="80080513"/>
+        <p14:creationId xmlns:p14="http://schemas.microsoft.com/office/powerpoint/2010/main" val="3282779554"/>
       </p:ext>
     </p:extLst>
   </p:cSld>
@@ -8010,7 +8577,7 @@
                             </p:stCondLst>
                             <p:childTnLst>
                               <p:par>
-                                <p:cTn id="5" presetID="10" presetClass="entr" presetSubtype="0" fill="hold" grpId="0" nodeType="clickEffect">
+                                <p:cTn id="5" presetID="10" presetClass="entr" presetSubtype="0" fill="hold" nodeType="clickEffect">
                                   <p:stCondLst>
                                     <p:cond delay="0"/>
                                   </p:stCondLst>
@@ -8023,7 +8590,7 @@
                                           </p:stCondLst>
                                         </p:cTn>
                                         <p:tgtEl>
-                                          <p:spTgt spid="12"/>
+                                          <p:spTgt spid="6"/>
                                         </p:tgtEl>
                                         <p:attrNameLst>
                                           <p:attrName>style.visibility</p:attrName>
@@ -8037,7 +8604,7 @@
                                       <p:cBhvr>
                                         <p:cTn id="7" dur="500"/>
                                         <p:tgtEl>
-                                          <p:spTgt spid="12"/>
+                                          <p:spTgt spid="6"/>
                                         </p:tgtEl>
                                       </p:cBhvr>
                                     </p:animEffect>
@@ -8058,7 +8625,7 @@
                                           </p:stCondLst>
                                         </p:cTn>
                                         <p:tgtEl>
-                                          <p:spTgt spid="15"/>
+                                          <p:spTgt spid="7"/>
                                         </p:tgtEl>
                                         <p:attrNameLst>
                                           <p:attrName>style.visibility</p:attrName>
@@ -8071,41 +8638,6 @@
                                     <p:animEffect transition="in" filter="fade">
                                       <p:cBhvr>
                                         <p:cTn id="10" dur="500"/>
-                                        <p:tgtEl>
-                                          <p:spTgt spid="15"/>
-                                        </p:tgtEl>
-                                      </p:cBhvr>
-                                    </p:animEffect>
-                                  </p:childTnLst>
-                                </p:cTn>
-                              </p:par>
-                              <p:par>
-                                <p:cTn id="11" presetID="10" presetClass="entr" presetSubtype="0" fill="hold" nodeType="withEffect">
-                                  <p:stCondLst>
-                                    <p:cond delay="0"/>
-                                  </p:stCondLst>
-                                  <p:childTnLst>
-                                    <p:set>
-                                      <p:cBhvr>
-                                        <p:cTn id="12" dur="1" fill="hold">
-                                          <p:stCondLst>
-                                            <p:cond delay="0"/>
-                                          </p:stCondLst>
-                                        </p:cTn>
-                                        <p:tgtEl>
-                                          <p:spTgt spid="7"/>
-                                        </p:tgtEl>
-                                        <p:attrNameLst>
-                                          <p:attrName>style.visibility</p:attrName>
-                                        </p:attrNameLst>
-                                      </p:cBhvr>
-                                      <p:to>
-                                        <p:strVal val="visible"/>
-                                      </p:to>
-                                    </p:set>
-                                    <p:animEffect transition="in" filter="fade">
-                                      <p:cBhvr>
-                                        <p:cTn id="13" dur="500"/>
                                         <p:tgtEl>
                                           <p:spTgt spid="7"/>
                                         </p:tgtEl>
@@ -8121,19 +8653,54 @@
                     </p:cTn>
                   </p:par>
                   <p:par>
-                    <p:cTn id="14" fill="hold">
+                    <p:cTn id="11" fill="hold">
                       <p:stCondLst>
                         <p:cond delay="indefinite"/>
                       </p:stCondLst>
                       <p:childTnLst>
                         <p:par>
-                          <p:cTn id="15" fill="hold">
+                          <p:cTn id="12" fill="hold">
                             <p:stCondLst>
                               <p:cond delay="0"/>
                             </p:stCondLst>
                             <p:childTnLst>
                               <p:par>
-                                <p:cTn id="16" presetID="10" presetClass="entr" presetSubtype="0" fill="hold" nodeType="clickEffect">
+                                <p:cTn id="13" presetID="10" presetClass="entr" presetSubtype="0" fill="hold" grpId="0" nodeType="clickEffect">
+                                  <p:stCondLst>
+                                    <p:cond delay="0"/>
+                                  </p:stCondLst>
+                                  <p:childTnLst>
+                                    <p:set>
+                                      <p:cBhvr>
+                                        <p:cTn id="14" dur="1" fill="hold">
+                                          <p:stCondLst>
+                                            <p:cond delay="0"/>
+                                          </p:stCondLst>
+                                        </p:cTn>
+                                        <p:tgtEl>
+                                          <p:spTgt spid="14"/>
+                                        </p:tgtEl>
+                                        <p:attrNameLst>
+                                          <p:attrName>style.visibility</p:attrName>
+                                        </p:attrNameLst>
+                                      </p:cBhvr>
+                                      <p:to>
+                                        <p:strVal val="visible"/>
+                                      </p:to>
+                                    </p:set>
+                                    <p:animEffect transition="in" filter="fade">
+                                      <p:cBhvr>
+                                        <p:cTn id="15" dur="500"/>
+                                        <p:tgtEl>
+                                          <p:spTgt spid="14"/>
+                                        </p:tgtEl>
+                                      </p:cBhvr>
+                                    </p:animEffect>
+                                  </p:childTnLst>
+                                </p:cTn>
+                              </p:par>
+                              <p:par>
+                                <p:cTn id="16" presetID="10" presetClass="entr" presetSubtype="0" fill="hold" nodeType="withEffect">
                                   <p:stCondLst>
                                     <p:cond delay="0"/>
                                   </p:stCondLst>
@@ -8146,7 +8713,7 @@
                                           </p:stCondLst>
                                         </p:cTn>
                                         <p:tgtEl>
-                                          <p:spTgt spid="22"/>
+                                          <p:spTgt spid="15"/>
                                         </p:tgtEl>
                                         <p:attrNameLst>
                                           <p:attrName>style.visibility</p:attrName>
@@ -8160,340 +8727,7 @@
                                       <p:cBhvr>
                                         <p:cTn id="18" dur="500"/>
                                         <p:tgtEl>
-                                          <p:spTgt spid="22"/>
-                                        </p:tgtEl>
-                                      </p:cBhvr>
-                                    </p:animEffect>
-                                  </p:childTnLst>
-                                </p:cTn>
-                              </p:par>
-                              <p:par>
-                                <p:cTn id="19" presetID="10" presetClass="entr" presetSubtype="0" fill="hold" nodeType="withEffect">
-                                  <p:stCondLst>
-                                    <p:cond delay="0"/>
-                                  </p:stCondLst>
-                                  <p:childTnLst>
-                                    <p:set>
-                                      <p:cBhvr>
-                                        <p:cTn id="20" dur="1" fill="hold">
-                                          <p:stCondLst>
-                                            <p:cond delay="0"/>
-                                          </p:stCondLst>
-                                        </p:cTn>
-                                        <p:tgtEl>
-                                          <p:spTgt spid="23"/>
-                                        </p:tgtEl>
-                                        <p:attrNameLst>
-                                          <p:attrName>style.visibility</p:attrName>
-                                        </p:attrNameLst>
-                                      </p:cBhvr>
-                                      <p:to>
-                                        <p:strVal val="visible"/>
-                                      </p:to>
-                                    </p:set>
-                                    <p:animEffect transition="in" filter="fade">
-                                      <p:cBhvr>
-                                        <p:cTn id="21" dur="500"/>
-                                        <p:tgtEl>
-                                          <p:spTgt spid="23"/>
-                                        </p:tgtEl>
-                                      </p:cBhvr>
-                                    </p:animEffect>
-                                  </p:childTnLst>
-                                </p:cTn>
-                              </p:par>
-                              <p:par>
-                                <p:cTn id="22" presetID="10" presetClass="entr" presetSubtype="0" fill="hold" grpId="0" nodeType="withEffect">
-                                  <p:stCondLst>
-                                    <p:cond delay="0"/>
-                                  </p:stCondLst>
-                                  <p:childTnLst>
-                                    <p:set>
-                                      <p:cBhvr>
-                                        <p:cTn id="23" dur="1" fill="hold">
-                                          <p:stCondLst>
-                                            <p:cond delay="0"/>
-                                          </p:stCondLst>
-                                        </p:cTn>
-                                        <p:tgtEl>
-                                          <p:spTgt spid="21"/>
-                                        </p:tgtEl>
-                                        <p:attrNameLst>
-                                          <p:attrName>style.visibility</p:attrName>
-                                        </p:attrNameLst>
-                                      </p:cBhvr>
-                                      <p:to>
-                                        <p:strVal val="visible"/>
-                                      </p:to>
-                                    </p:set>
-                                    <p:animEffect transition="in" filter="fade">
-                                      <p:cBhvr>
-                                        <p:cTn id="24" dur="500"/>
-                                        <p:tgtEl>
-                                          <p:spTgt spid="21"/>
-                                        </p:tgtEl>
-                                      </p:cBhvr>
-                                    </p:animEffect>
-                                  </p:childTnLst>
-                                </p:cTn>
-                              </p:par>
-                              <p:par>
-                                <p:cTn id="25" presetID="10" presetClass="entr" presetSubtype="0" fill="hold" nodeType="withEffect">
-                                  <p:stCondLst>
-                                    <p:cond delay="0"/>
-                                  </p:stCondLst>
-                                  <p:childTnLst>
-                                    <p:set>
-                                      <p:cBhvr>
-                                        <p:cTn id="26" dur="1" fill="hold">
-                                          <p:stCondLst>
-                                            <p:cond delay="0"/>
-                                          </p:stCondLst>
-                                        </p:cTn>
-                                        <p:tgtEl>
-                                          <p:spTgt spid="24"/>
-                                        </p:tgtEl>
-                                        <p:attrNameLst>
-                                          <p:attrName>style.visibility</p:attrName>
-                                        </p:attrNameLst>
-                                      </p:cBhvr>
-                                      <p:to>
-                                        <p:strVal val="visible"/>
-                                      </p:to>
-                                    </p:set>
-                                    <p:animEffect transition="in" filter="fade">
-                                      <p:cBhvr>
-                                        <p:cTn id="27" dur="500"/>
-                                        <p:tgtEl>
-                                          <p:spTgt spid="24"/>
-                                        </p:tgtEl>
-                                      </p:cBhvr>
-                                    </p:animEffect>
-                                  </p:childTnLst>
-                                </p:cTn>
-                              </p:par>
-                              <p:par>
-                                <p:cTn id="28" presetID="10" presetClass="entr" presetSubtype="0" fill="hold" grpId="0" nodeType="withEffect">
-                                  <p:stCondLst>
-                                    <p:cond delay="0"/>
-                                  </p:stCondLst>
-                                  <p:childTnLst>
-                                    <p:set>
-                                      <p:cBhvr>
-                                        <p:cTn id="29" dur="1" fill="hold">
-                                          <p:stCondLst>
-                                            <p:cond delay="0"/>
-                                          </p:stCondLst>
-                                        </p:cTn>
-                                        <p:tgtEl>
-                                          <p:spTgt spid="2"/>
-                                        </p:tgtEl>
-                                        <p:attrNameLst>
-                                          <p:attrName>style.visibility</p:attrName>
-                                        </p:attrNameLst>
-                                      </p:cBhvr>
-                                      <p:to>
-                                        <p:strVal val="visible"/>
-                                      </p:to>
-                                    </p:set>
-                                    <p:animEffect transition="in" filter="fade">
-                                      <p:cBhvr>
-                                        <p:cTn id="30" dur="500"/>
-                                        <p:tgtEl>
-                                          <p:spTgt spid="2"/>
-                                        </p:tgtEl>
-                                      </p:cBhvr>
-                                    </p:animEffect>
-                                  </p:childTnLst>
-                                </p:cTn>
-                              </p:par>
-                            </p:childTnLst>
-                          </p:cTn>
-                        </p:par>
-                      </p:childTnLst>
-                    </p:cTn>
-                  </p:par>
-                  <p:par>
-                    <p:cTn id="31" fill="hold">
-                      <p:stCondLst>
-                        <p:cond delay="indefinite"/>
-                      </p:stCondLst>
-                      <p:childTnLst>
-                        <p:par>
-                          <p:cTn id="32" fill="hold">
-                            <p:stCondLst>
-                              <p:cond delay="0"/>
-                            </p:stCondLst>
-                            <p:childTnLst>
-                              <p:par>
-                                <p:cTn id="33" presetID="10" presetClass="entr" presetSubtype="0" fill="hold" grpId="0" nodeType="clickEffect">
-                                  <p:stCondLst>
-                                    <p:cond delay="0"/>
-                                  </p:stCondLst>
-                                  <p:childTnLst>
-                                    <p:set>
-                                      <p:cBhvr>
-                                        <p:cTn id="34" dur="1" fill="hold">
-                                          <p:stCondLst>
-                                            <p:cond delay="0"/>
-                                          </p:stCondLst>
-                                        </p:cTn>
-                                        <p:tgtEl>
-                                          <p:spTgt spid="16"/>
-                                        </p:tgtEl>
-                                        <p:attrNameLst>
-                                          <p:attrName>style.visibility</p:attrName>
-                                        </p:attrNameLst>
-                                      </p:cBhvr>
-                                      <p:to>
-                                        <p:strVal val="visible"/>
-                                      </p:to>
-                                    </p:set>
-                                    <p:animEffect transition="in" filter="fade">
-                                      <p:cBhvr>
-                                        <p:cTn id="35" dur="500"/>
-                                        <p:tgtEl>
-                                          <p:spTgt spid="16"/>
-                                        </p:tgtEl>
-                                      </p:cBhvr>
-                                    </p:animEffect>
-                                  </p:childTnLst>
-                                </p:cTn>
-                              </p:par>
-                              <p:par>
-                                <p:cTn id="36" presetID="10" presetClass="entr" presetSubtype="0" fill="hold" nodeType="withEffect">
-                                  <p:stCondLst>
-                                    <p:cond delay="0"/>
-                                  </p:stCondLst>
-                                  <p:childTnLst>
-                                    <p:set>
-                                      <p:cBhvr>
-                                        <p:cTn id="37" dur="1" fill="hold">
-                                          <p:stCondLst>
-                                            <p:cond delay="0"/>
-                                          </p:stCondLst>
-                                        </p:cTn>
-                                        <p:tgtEl>
-                                          <p:spTgt spid="26"/>
-                                        </p:tgtEl>
-                                        <p:attrNameLst>
-                                          <p:attrName>style.visibility</p:attrName>
-                                        </p:attrNameLst>
-                                      </p:cBhvr>
-                                      <p:to>
-                                        <p:strVal val="visible"/>
-                                      </p:to>
-                                    </p:set>
-                                    <p:animEffect transition="in" filter="fade">
-                                      <p:cBhvr>
-                                        <p:cTn id="38" dur="500"/>
-                                        <p:tgtEl>
-                                          <p:spTgt spid="26"/>
-                                        </p:tgtEl>
-                                      </p:cBhvr>
-                                    </p:animEffect>
-                                  </p:childTnLst>
-                                </p:cTn>
-                              </p:par>
-                              <p:par>
-                                <p:cTn id="39" presetID="10" presetClass="entr" presetSubtype="0" fill="hold" nodeType="withEffect">
-                                  <p:stCondLst>
-                                    <p:cond delay="0"/>
-                                  </p:stCondLst>
-                                  <p:childTnLst>
-                                    <p:set>
-                                      <p:cBhvr>
-                                        <p:cTn id="40" dur="1" fill="hold">
-                                          <p:stCondLst>
-                                            <p:cond delay="0"/>
-                                          </p:stCondLst>
-                                        </p:cTn>
-                                        <p:tgtEl>
-                                          <p:spTgt spid="27"/>
-                                        </p:tgtEl>
-                                        <p:attrNameLst>
-                                          <p:attrName>style.visibility</p:attrName>
-                                        </p:attrNameLst>
-                                      </p:cBhvr>
-                                      <p:to>
-                                        <p:strVal val="visible"/>
-                                      </p:to>
-                                    </p:set>
-                                    <p:animEffect transition="in" filter="fade">
-                                      <p:cBhvr>
-                                        <p:cTn id="41" dur="500"/>
-                                        <p:tgtEl>
-                                          <p:spTgt spid="27"/>
-                                        </p:tgtEl>
-                                      </p:cBhvr>
-                                    </p:animEffect>
-                                  </p:childTnLst>
-                                </p:cTn>
-                              </p:par>
-                              <p:par>
-                                <p:cTn id="42" presetID="10" presetClass="entr" presetSubtype="0" fill="hold" nodeType="withEffect">
-                                  <p:stCondLst>
-                                    <p:cond delay="0"/>
-                                  </p:stCondLst>
-                                  <p:childTnLst>
-                                    <p:set>
-                                      <p:cBhvr>
-                                        <p:cTn id="43" dur="1" fill="hold">
-                                          <p:stCondLst>
-                                            <p:cond delay="0"/>
-                                          </p:stCondLst>
-                                        </p:cTn>
-                                        <p:tgtEl>
-                                          <p:spTgt spid="28"/>
-                                        </p:tgtEl>
-                                        <p:attrNameLst>
-                                          <p:attrName>style.visibility</p:attrName>
-                                        </p:attrNameLst>
-                                      </p:cBhvr>
-                                      <p:to>
-                                        <p:strVal val="visible"/>
-                                      </p:to>
-                                    </p:set>
-                                    <p:animEffect transition="in" filter="fade">
-                                      <p:cBhvr>
-                                        <p:cTn id="44" dur="500"/>
-                                        <p:tgtEl>
-                                          <p:spTgt spid="28"/>
-                                        </p:tgtEl>
-                                      </p:cBhvr>
-                                    </p:animEffect>
-                                  </p:childTnLst>
-                                </p:cTn>
-                              </p:par>
-                              <p:par>
-                                <p:cTn id="45" presetID="10" presetClass="entr" presetSubtype="0" fill="hold" grpId="0" nodeType="withEffect">
-                                  <p:stCondLst>
-                                    <p:cond delay="0"/>
-                                  </p:stCondLst>
-                                  <p:childTnLst>
-                                    <p:set>
-                                      <p:cBhvr>
-                                        <p:cTn id="46" dur="1" fill="hold">
-                                          <p:stCondLst>
-                                            <p:cond delay="0"/>
-                                          </p:stCondLst>
-                                        </p:cTn>
-                                        <p:tgtEl>
-                                          <p:spTgt spid="29"/>
-                                        </p:tgtEl>
-                                        <p:attrNameLst>
-                                          <p:attrName>style.visibility</p:attrName>
-                                        </p:attrNameLst>
-                                      </p:cBhvr>
-                                      <p:to>
-                                        <p:strVal val="visible"/>
-                                      </p:to>
-                                    </p:set>
-                                    <p:animEffect transition="in" filter="fade">
-                                      <p:cBhvr>
-                                        <p:cTn id="47" dur="500"/>
-                                        <p:tgtEl>
-                                          <p:spTgt spid="29"/>
+                                          <p:spTgt spid="15"/>
                                         </p:tgtEl>
                                       </p:cBhvr>
                                     </p:animEffect>
@@ -8528,18 +8762,14 @@
       </p:par>
     </p:tnLst>
     <p:bldLst>
-      <p:bldP spid="12" grpId="0"/>
-      <p:bldP spid="15" grpId="0"/>
-      <p:bldP spid="16" grpId="0"/>
-      <p:bldP spid="21" grpId="0"/>
-      <p:bldP spid="2" grpId="0" animBg="1"/>
-      <p:bldP spid="29" grpId="0" animBg="1"/>
+      <p:bldP spid="7" grpId="0"/>
+      <p:bldP spid="14" grpId="0"/>
     </p:bldLst>
   </p:timing>
 </p:sld>
 </file>
 
-<file path=ppt/slides/slide17.xml><?xml version="1.0" encoding="utf-8"?>
+<file path=ppt/slides/slide3.xml><?xml version="1.0" encoding="utf-8"?>
 <p:sld xmlns:a="http://schemas.openxmlformats.org/drawingml/2006/main" xmlns:r="http://schemas.openxmlformats.org/officeDocument/2006/relationships" xmlns:p="http://schemas.openxmlformats.org/presentationml/2006/main">
   <p:cSld>
     <p:spTree>
@@ -8663,7 +8893,7 @@
         <p:spPr>
           <a:xfrm>
             <a:off x="1704513" y="620822"/>
-            <a:ext cx="954107" cy="400110"/>
+            <a:ext cx="1266372" cy="400110"/>
           </a:xfrm>
           <a:prstGeom prst="rect">
             <a:avLst/>
@@ -8677,125 +8907,56 @@
           <a:lstStyle/>
           <a:p>
             <a:r>
-              <a:rPr lang="ko-KR" altLang="en-US" sz="2000" dirty="0"/>
-              <a:t>마무리</a:t>
-            </a:r>
-            <a:endParaRPr lang="en-US" altLang="ko-KR" sz="2000" dirty="0"/>
-          </a:p>
-        </p:txBody>
-      </p:sp>
-      <p:pic>
-        <p:nvPicPr>
-          <p:cNvPr id="8" name="그림 7">
+              <a:rPr lang="en-US" altLang="ko-KR" sz="2000" dirty="0"/>
+              <a:t>UML Tools</a:t>
+            </a:r>
+          </a:p>
+        </p:txBody>
+      </p:sp>
+      <p:sp>
+        <p:nvSpPr>
+          <p:cNvPr id="2" name="TextBox 1">
             <a:extLst>
               <a:ext uri="{FF2B5EF4-FFF2-40B4-BE49-F238E27FC236}">
-                <a16:creationId xmlns:a16="http://schemas.microsoft.com/office/drawing/2014/main" id="{7BA09FEF-765A-47DF-9F8B-F8B0EF79FF3D}"/>
+                <a16:creationId xmlns:a16="http://schemas.microsoft.com/office/drawing/2014/main" id="{76A9A7E0-07CD-4ED9-86BC-EA199523F4E6}"/>
               </a:ext>
             </a:extLst>
           </p:cNvPr>
-          <p:cNvPicPr>
-            <a:picLocks noChangeAspect="1"/>
-          </p:cNvPicPr>
+          <p:cNvSpPr txBox="1"/>
           <p:nvPr/>
-        </p:nvPicPr>
-        <p:blipFill>
-          <a:blip r:embed="rId3">
-            <a:extLst>
-              <a:ext uri="{28A0092B-C50C-407E-A947-70E740481C1C}">
-                <a14:useLocalDpi xmlns:a14="http://schemas.microsoft.com/office/drawing/2010/main" val="0"/>
-              </a:ext>
-            </a:extLst>
-          </a:blip>
-          <a:stretch>
-            <a:fillRect/>
-          </a:stretch>
-        </p:blipFill>
+        </p:nvSpPr>
         <p:spPr>
           <a:xfrm>
-            <a:off x="4345152" y="2817972"/>
-            <a:ext cx="1263168" cy="1263168"/>
+            <a:off x="4220335" y="3167390"/>
+            <a:ext cx="3751348" cy="461665"/>
           </a:xfrm>
           <a:prstGeom prst="rect">
             <a:avLst/>
           </a:prstGeom>
-        </p:spPr>
-      </p:pic>
-      <p:pic>
-        <p:nvPicPr>
-          <p:cNvPr id="12" name="그림 11">
-            <a:extLst>
-              <a:ext uri="{FF2B5EF4-FFF2-40B4-BE49-F238E27FC236}">
-                <a16:creationId xmlns:a16="http://schemas.microsoft.com/office/drawing/2014/main" id="{754CF79F-98FA-4726-A7B7-F2150EAD4230}"/>
-              </a:ext>
-            </a:extLst>
-          </p:cNvPr>
-          <p:cNvPicPr>
-            <a:picLocks noChangeAspect="1"/>
-          </p:cNvPicPr>
-          <p:nvPr/>
-        </p:nvPicPr>
-        <p:blipFill>
-          <a:blip r:embed="rId4">
-            <a:extLst>
-              <a:ext uri="{28A0092B-C50C-407E-A947-70E740481C1C}">
-                <a14:useLocalDpi xmlns:a14="http://schemas.microsoft.com/office/drawing/2010/main" val="0"/>
-              </a:ext>
-            </a:extLst>
-          </a:blip>
-          <a:stretch>
-            <a:fillRect/>
-          </a:stretch>
-        </p:blipFill>
-        <p:spPr>
-          <a:xfrm>
-            <a:off x="5952098" y="2789684"/>
-            <a:ext cx="1263168" cy="320845"/>
-          </a:xfrm>
-          <a:prstGeom prst="rect">
-            <a:avLst/>
-          </a:prstGeom>
-        </p:spPr>
-      </p:pic>
-      <p:pic>
-        <p:nvPicPr>
-          <p:cNvPr id="13" name="그림 12">
-            <a:extLst>
-              <a:ext uri="{FF2B5EF4-FFF2-40B4-BE49-F238E27FC236}">
-                <a16:creationId xmlns:a16="http://schemas.microsoft.com/office/drawing/2014/main" id="{64BD4A03-1771-4CB2-93F9-CED19395A491}"/>
-              </a:ext>
-            </a:extLst>
-          </p:cNvPr>
-          <p:cNvPicPr>
-            <a:picLocks noChangeAspect="1"/>
-          </p:cNvPicPr>
-          <p:nvPr/>
-        </p:nvPicPr>
-        <p:blipFill>
-          <a:blip r:embed="rId5">
-            <a:extLst>
-              <a:ext uri="{28A0092B-C50C-407E-A947-70E740481C1C}">
-                <a14:useLocalDpi xmlns:a14="http://schemas.microsoft.com/office/drawing/2010/main" val="0"/>
-              </a:ext>
-            </a:extLst>
-          </a:blip>
-          <a:stretch>
-            <a:fillRect/>
-          </a:stretch>
-        </p:blipFill>
-        <p:spPr>
-          <a:xfrm>
-            <a:off x="5834577" y="3605573"/>
-            <a:ext cx="1800663" cy="691455"/>
-          </a:xfrm>
-          <a:prstGeom prst="rect">
-            <a:avLst/>
-          </a:prstGeom>
-        </p:spPr>
-      </p:pic>
+          <a:noFill/>
+        </p:spPr>
+        <p:txBody>
+          <a:bodyPr wrap="none" rtlCol="0">
+            <a:spAutoFit/>
+          </a:bodyPr>
+          <a:lstStyle/>
+          <a:p>
+            <a:pPr algn="ctr"/>
+            <a:r>
+              <a:rPr lang="en-US" altLang="ko-KR" sz="2400" dirty="0"/>
+              <a:t>UML</a:t>
+            </a:r>
+            <a:r>
+              <a:rPr lang="ko-KR" altLang="en-US" sz="2400" dirty="0"/>
+              <a:t> 설계를 도와주는 도구</a:t>
+            </a:r>
+          </a:p>
+        </p:txBody>
+      </p:sp>
     </p:spTree>
     <p:extLst>
       <p:ext uri="{BB962C8B-B14F-4D97-AF65-F5344CB8AC3E}">
-        <p14:creationId xmlns:p14="http://schemas.microsoft.com/office/powerpoint/2010/main" val="739092488"/>
+        <p14:creationId xmlns:p14="http://schemas.microsoft.com/office/powerpoint/2010/main" val="12504363"/>
       </p:ext>
     </p:extLst>
   </p:cSld>
@@ -8805,204 +8966,7 @@
 </p:sld>
 </file>
 
-<file path=ppt/slides/slide2.xml><?xml version="1.0" encoding="utf-8"?>
-<p:sld xmlns:a="http://schemas.openxmlformats.org/drawingml/2006/main" xmlns:r="http://schemas.openxmlformats.org/officeDocument/2006/relationships" xmlns:p="http://schemas.openxmlformats.org/presentationml/2006/main">
-  <p:cSld>
-    <p:spTree>
-      <p:nvGrpSpPr>
-        <p:cNvPr id="1" name=""/>
-        <p:cNvGrpSpPr/>
-        <p:nvPr/>
-      </p:nvGrpSpPr>
-      <p:grpSpPr>
-        <a:xfrm>
-          <a:off x="0" y="0"/>
-          <a:ext cx="0" cy="0"/>
-          <a:chOff x="0" y="0"/>
-          <a:chExt cx="0" cy="0"/>
-        </a:xfrm>
-      </p:grpSpPr>
-      <p:sp>
-        <p:nvSpPr>
-          <p:cNvPr id="10" name="직사각형 9">
-            <a:extLst>
-              <a:ext uri="{FF2B5EF4-FFF2-40B4-BE49-F238E27FC236}">
-                <a16:creationId xmlns:a16="http://schemas.microsoft.com/office/drawing/2014/main" id="{72422AE4-B2BC-47F4-A55A-7923EBDB55ED}"/>
-              </a:ext>
-            </a:extLst>
-          </p:cNvPr>
-          <p:cNvSpPr/>
-          <p:nvPr/>
-        </p:nvSpPr>
-        <p:spPr>
-          <a:xfrm>
-            <a:off x="1586143" y="1020932"/>
-            <a:ext cx="9268287" cy="45719"/>
-          </a:xfrm>
-          <a:prstGeom prst="rect">
-            <a:avLst/>
-          </a:prstGeom>
-        </p:spPr>
-        <p:style>
-          <a:lnRef idx="2">
-            <a:schemeClr val="accent1">
-              <a:shade val="50000"/>
-            </a:schemeClr>
-          </a:lnRef>
-          <a:fillRef idx="1">
-            <a:schemeClr val="accent1"/>
-          </a:fillRef>
-          <a:effectRef idx="0">
-            <a:schemeClr val="accent1"/>
-          </a:effectRef>
-          <a:fontRef idx="minor">
-            <a:schemeClr val="lt1"/>
-          </a:fontRef>
-        </p:style>
-        <p:txBody>
-          <a:bodyPr rtlCol="0" anchor="ctr"/>
-          <a:lstStyle/>
-          <a:p>
-            <a:pPr algn="ctr"/>
-            <a:endParaRPr lang="ko-KR" altLang="en-US"/>
-          </a:p>
-        </p:txBody>
-      </p:sp>
-      <p:sp>
-        <p:nvSpPr>
-          <p:cNvPr id="11" name="직사각형 10">
-            <a:extLst>
-              <a:ext uri="{FF2B5EF4-FFF2-40B4-BE49-F238E27FC236}">
-                <a16:creationId xmlns:a16="http://schemas.microsoft.com/office/drawing/2014/main" id="{88C624B5-9431-4451-97AF-3F26F9D86089}"/>
-              </a:ext>
-            </a:extLst>
-          </p:cNvPr>
-          <p:cNvSpPr/>
-          <p:nvPr/>
-        </p:nvSpPr>
-        <p:spPr>
-          <a:xfrm flipV="1">
-            <a:off x="1586143" y="6174982"/>
-            <a:ext cx="9268287" cy="45719"/>
-          </a:xfrm>
-          <a:prstGeom prst="rect">
-            <a:avLst/>
-          </a:prstGeom>
-        </p:spPr>
-        <p:style>
-          <a:lnRef idx="2">
-            <a:schemeClr val="accent1">
-              <a:shade val="50000"/>
-            </a:schemeClr>
-          </a:lnRef>
-          <a:fillRef idx="1">
-            <a:schemeClr val="accent1"/>
-          </a:fillRef>
-          <a:effectRef idx="0">
-            <a:schemeClr val="accent1"/>
-          </a:effectRef>
-          <a:fontRef idx="minor">
-            <a:schemeClr val="lt1"/>
-          </a:fontRef>
-        </p:style>
-        <p:txBody>
-          <a:bodyPr rtlCol="0" anchor="ctr"/>
-          <a:lstStyle/>
-          <a:p>
-            <a:pPr algn="ctr"/>
-            <a:endParaRPr lang="ko-KR" altLang="en-US"/>
-          </a:p>
-        </p:txBody>
-      </p:sp>
-      <p:sp>
-        <p:nvSpPr>
-          <p:cNvPr id="9" name="TextBox 8">
-            <a:extLst>
-              <a:ext uri="{FF2B5EF4-FFF2-40B4-BE49-F238E27FC236}">
-                <a16:creationId xmlns:a16="http://schemas.microsoft.com/office/drawing/2014/main" id="{892C5DDA-40EE-4B50-9C05-6AFC7089F348}"/>
-              </a:ext>
-            </a:extLst>
-          </p:cNvPr>
-          <p:cNvSpPr txBox="1"/>
-          <p:nvPr/>
-        </p:nvSpPr>
-        <p:spPr>
-          <a:xfrm>
-            <a:off x="1704513" y="620822"/>
-            <a:ext cx="1266372" cy="400110"/>
-          </a:xfrm>
-          <a:prstGeom prst="rect">
-            <a:avLst/>
-          </a:prstGeom>
-          <a:noFill/>
-        </p:spPr>
-        <p:txBody>
-          <a:bodyPr wrap="none" rtlCol="0">
-            <a:spAutoFit/>
-          </a:bodyPr>
-          <a:lstStyle/>
-          <a:p>
-            <a:r>
-              <a:rPr lang="en-US" altLang="ko-KR" sz="2000" dirty="0"/>
-              <a:t>UML Tools</a:t>
-            </a:r>
-          </a:p>
-        </p:txBody>
-      </p:sp>
-      <p:sp>
-        <p:nvSpPr>
-          <p:cNvPr id="2" name="TextBox 1">
-            <a:extLst>
-              <a:ext uri="{FF2B5EF4-FFF2-40B4-BE49-F238E27FC236}">
-                <a16:creationId xmlns:a16="http://schemas.microsoft.com/office/drawing/2014/main" id="{76A9A7E0-07CD-4ED9-86BC-EA199523F4E6}"/>
-              </a:ext>
-            </a:extLst>
-          </p:cNvPr>
-          <p:cNvSpPr txBox="1"/>
-          <p:nvPr/>
-        </p:nvSpPr>
-        <p:spPr>
-          <a:xfrm>
-            <a:off x="4220335" y="3167390"/>
-            <a:ext cx="3751348" cy="461665"/>
-          </a:xfrm>
-          <a:prstGeom prst="rect">
-            <a:avLst/>
-          </a:prstGeom>
-          <a:noFill/>
-        </p:spPr>
-        <p:txBody>
-          <a:bodyPr wrap="none" rtlCol="0">
-            <a:spAutoFit/>
-          </a:bodyPr>
-          <a:lstStyle/>
-          <a:p>
-            <a:pPr algn="ctr"/>
-            <a:r>
-              <a:rPr lang="en-US" altLang="ko-KR" sz="2400" dirty="0"/>
-              <a:t>UML</a:t>
-            </a:r>
-            <a:r>
-              <a:rPr lang="ko-KR" altLang="en-US" sz="2400" dirty="0"/>
-              <a:t> 설계를 도와주는 도구</a:t>
-            </a:r>
-          </a:p>
-        </p:txBody>
-      </p:sp>
-    </p:spTree>
-    <p:extLst>
-      <p:ext uri="{BB962C8B-B14F-4D97-AF65-F5344CB8AC3E}">
-        <p14:creationId xmlns:p14="http://schemas.microsoft.com/office/powerpoint/2010/main" val="1131196585"/>
-      </p:ext>
-    </p:extLst>
-  </p:cSld>
-  <p:clrMapOvr>
-    <a:masterClrMapping/>
-  </p:clrMapOvr>
-</p:sld>
-</file>
-
-<file path=ppt/slides/slide3.xml><?xml version="1.0" encoding="utf-8"?>
+<file path=ppt/slides/slide4.xml><?xml version="1.0" encoding="utf-8"?>
 <p:sld xmlns:a="http://schemas.openxmlformats.org/drawingml/2006/main" xmlns:r="http://schemas.openxmlformats.org/officeDocument/2006/relationships" xmlns:p="http://schemas.openxmlformats.org/presentationml/2006/main">
   <p:cSld>
     <p:spTree>
@@ -9248,7 +9212,7 @@
 </p:sld>
 </file>
 
-<file path=ppt/slides/slide4.xml><?xml version="1.0" encoding="utf-8"?>
+<file path=ppt/slides/slide5.xml><?xml version="1.0" encoding="utf-8"?>
 <p:sld xmlns:a="http://schemas.openxmlformats.org/drawingml/2006/main" xmlns:r="http://schemas.openxmlformats.org/officeDocument/2006/relationships" xmlns:p="http://schemas.openxmlformats.org/presentationml/2006/main">
   <p:cSld>
     <p:spTree>
@@ -9441,7 +9405,7 @@
 </p:sld>
 </file>
 
-<file path=ppt/slides/slide5.xml><?xml version="1.0" encoding="utf-8"?>
+<file path=ppt/slides/slide6.xml><?xml version="1.0" encoding="utf-8"?>
 <p:sld xmlns:a="http://schemas.openxmlformats.org/drawingml/2006/main" xmlns:r="http://schemas.openxmlformats.org/officeDocument/2006/relationships" xmlns:p="http://schemas.openxmlformats.org/presentationml/2006/main">
   <p:cSld>
     <p:spTree>
@@ -9634,7 +9598,7 @@
 </p:sld>
 </file>
 
-<file path=ppt/slides/slide6.xml><?xml version="1.0" encoding="utf-8"?>
+<file path=ppt/slides/slide7.xml><?xml version="1.0" encoding="utf-8"?>
 <p:sld xmlns:a="http://schemas.openxmlformats.org/drawingml/2006/main" xmlns:r="http://schemas.openxmlformats.org/officeDocument/2006/relationships" xmlns:p="http://schemas.openxmlformats.org/presentationml/2006/main">
   <p:cSld>
     <p:spTree>
@@ -9827,7 +9791,7 @@
 </p:sld>
 </file>
 
-<file path=ppt/slides/slide7.xml><?xml version="1.0" encoding="utf-8"?>
+<file path=ppt/slides/slide8.xml><?xml version="1.0" encoding="utf-8"?>
 <p:sld xmlns:a="http://schemas.openxmlformats.org/drawingml/2006/main" xmlns:r="http://schemas.openxmlformats.org/officeDocument/2006/relationships" xmlns:p="http://schemas.openxmlformats.org/presentationml/2006/main">
   <p:cSld>
     <p:spTree>
@@ -10056,7 +10020,7 @@
 </p:sld>
 </file>
 
-<file path=ppt/slides/slide8.xml><?xml version="1.0" encoding="utf-8"?>
+<file path=ppt/slides/slide9.xml><?xml version="1.0" encoding="utf-8"?>
 <p:sld xmlns:a="http://schemas.openxmlformats.org/drawingml/2006/main" xmlns:r="http://schemas.openxmlformats.org/officeDocument/2006/relationships" xmlns:p="http://schemas.openxmlformats.org/presentationml/2006/main">
   <p:cSld>
     <p:spTree>
@@ -10246,478 +10210,6 @@
   <p:clrMapOvr>
     <a:masterClrMapping/>
   </p:clrMapOvr>
-</p:sld>
-</file>
-
-<file path=ppt/slides/slide9.xml><?xml version="1.0" encoding="utf-8"?>
-<p:sld xmlns:a="http://schemas.openxmlformats.org/drawingml/2006/main" xmlns:r="http://schemas.openxmlformats.org/officeDocument/2006/relationships" xmlns:p="http://schemas.openxmlformats.org/presentationml/2006/main">
-  <p:cSld>
-    <p:spTree>
-      <p:nvGrpSpPr>
-        <p:cNvPr id="1" name=""/>
-        <p:cNvGrpSpPr/>
-        <p:nvPr/>
-      </p:nvGrpSpPr>
-      <p:grpSpPr>
-        <a:xfrm>
-          <a:off x="0" y="0"/>
-          <a:ext cx="0" cy="0"/>
-          <a:chOff x="0" y="0"/>
-          <a:chExt cx="0" cy="0"/>
-        </a:xfrm>
-      </p:grpSpPr>
-      <p:sp>
-        <p:nvSpPr>
-          <p:cNvPr id="10" name="직사각형 9">
-            <a:extLst>
-              <a:ext uri="{FF2B5EF4-FFF2-40B4-BE49-F238E27FC236}">
-                <a16:creationId xmlns:a16="http://schemas.microsoft.com/office/drawing/2014/main" id="{72422AE4-B2BC-47F4-A55A-7923EBDB55ED}"/>
-              </a:ext>
-            </a:extLst>
-          </p:cNvPr>
-          <p:cNvSpPr/>
-          <p:nvPr/>
-        </p:nvSpPr>
-        <p:spPr>
-          <a:xfrm>
-            <a:off x="1586143" y="1020932"/>
-            <a:ext cx="9268287" cy="45719"/>
-          </a:xfrm>
-          <a:prstGeom prst="rect">
-            <a:avLst/>
-          </a:prstGeom>
-        </p:spPr>
-        <p:style>
-          <a:lnRef idx="2">
-            <a:schemeClr val="accent1">
-              <a:shade val="50000"/>
-            </a:schemeClr>
-          </a:lnRef>
-          <a:fillRef idx="1">
-            <a:schemeClr val="accent1"/>
-          </a:fillRef>
-          <a:effectRef idx="0">
-            <a:schemeClr val="accent1"/>
-          </a:effectRef>
-          <a:fontRef idx="minor">
-            <a:schemeClr val="lt1"/>
-          </a:fontRef>
-        </p:style>
-        <p:txBody>
-          <a:bodyPr rtlCol="0" anchor="ctr"/>
-          <a:lstStyle/>
-          <a:p>
-            <a:pPr algn="ctr"/>
-            <a:endParaRPr lang="ko-KR" altLang="en-US"/>
-          </a:p>
-        </p:txBody>
-      </p:sp>
-      <p:sp>
-        <p:nvSpPr>
-          <p:cNvPr id="11" name="직사각형 10">
-            <a:extLst>
-              <a:ext uri="{FF2B5EF4-FFF2-40B4-BE49-F238E27FC236}">
-                <a16:creationId xmlns:a16="http://schemas.microsoft.com/office/drawing/2014/main" id="{88C624B5-9431-4451-97AF-3F26F9D86089}"/>
-              </a:ext>
-            </a:extLst>
-          </p:cNvPr>
-          <p:cNvSpPr/>
-          <p:nvPr/>
-        </p:nvSpPr>
-        <p:spPr>
-          <a:xfrm flipV="1">
-            <a:off x="1586143" y="6174982"/>
-            <a:ext cx="9268287" cy="45719"/>
-          </a:xfrm>
-          <a:prstGeom prst="rect">
-            <a:avLst/>
-          </a:prstGeom>
-        </p:spPr>
-        <p:style>
-          <a:lnRef idx="2">
-            <a:schemeClr val="accent1">
-              <a:shade val="50000"/>
-            </a:schemeClr>
-          </a:lnRef>
-          <a:fillRef idx="1">
-            <a:schemeClr val="accent1"/>
-          </a:fillRef>
-          <a:effectRef idx="0">
-            <a:schemeClr val="accent1"/>
-          </a:effectRef>
-          <a:fontRef idx="minor">
-            <a:schemeClr val="lt1"/>
-          </a:fontRef>
-        </p:style>
-        <p:txBody>
-          <a:bodyPr rtlCol="0" anchor="ctr"/>
-          <a:lstStyle/>
-          <a:p>
-            <a:pPr algn="ctr"/>
-            <a:endParaRPr lang="ko-KR" altLang="en-US"/>
-          </a:p>
-        </p:txBody>
-      </p:sp>
-      <p:sp>
-        <p:nvSpPr>
-          <p:cNvPr id="9" name="TextBox 8">
-            <a:extLst>
-              <a:ext uri="{FF2B5EF4-FFF2-40B4-BE49-F238E27FC236}">
-                <a16:creationId xmlns:a16="http://schemas.microsoft.com/office/drawing/2014/main" id="{892C5DDA-40EE-4B50-9C05-6AFC7089F348}"/>
-              </a:ext>
-            </a:extLst>
-          </p:cNvPr>
-          <p:cNvSpPr txBox="1"/>
-          <p:nvPr/>
-        </p:nvSpPr>
-        <p:spPr>
-          <a:xfrm>
-            <a:off x="1704513" y="620822"/>
-            <a:ext cx="3827607" cy="400110"/>
-          </a:xfrm>
-          <a:prstGeom prst="rect">
-            <a:avLst/>
-          </a:prstGeom>
-          <a:noFill/>
-        </p:spPr>
-        <p:txBody>
-          <a:bodyPr wrap="square" rtlCol="0">
-            <a:spAutoFit/>
-          </a:bodyPr>
-          <a:lstStyle/>
-          <a:p>
-            <a:r>
-              <a:rPr lang="en-US" altLang="ko-KR" sz="2000" dirty="0"/>
-              <a:t>Borland together – Exam 2</a:t>
-            </a:r>
-          </a:p>
-        </p:txBody>
-      </p:sp>
-      <p:pic>
-        <p:nvPicPr>
-          <p:cNvPr id="4" name="그림 3">
-            <a:extLst>
-              <a:ext uri="{FF2B5EF4-FFF2-40B4-BE49-F238E27FC236}">
-                <a16:creationId xmlns:a16="http://schemas.microsoft.com/office/drawing/2014/main" id="{6B4F2638-797D-4E01-9D04-E991CFFC98A0}"/>
-              </a:ext>
-            </a:extLst>
-          </p:cNvPr>
-          <p:cNvPicPr>
-            <a:picLocks noChangeAspect="1"/>
-          </p:cNvPicPr>
-          <p:nvPr/>
-        </p:nvPicPr>
-        <p:blipFill>
-          <a:blip r:embed="rId3">
-            <a:extLst>
-              <a:ext uri="{28A0092B-C50C-407E-A947-70E740481C1C}">
-                <a14:useLocalDpi xmlns:a14="http://schemas.microsoft.com/office/drawing/2010/main" val="0"/>
-              </a:ext>
-            </a:extLst>
-          </a:blip>
-          <a:stretch>
-            <a:fillRect/>
-          </a:stretch>
-        </p:blipFill>
-        <p:spPr>
-          <a:xfrm>
-            <a:off x="3852549" y="1218891"/>
-            <a:ext cx="4486901" cy="4420217"/>
-          </a:xfrm>
-          <a:prstGeom prst="rect">
-            <a:avLst/>
-          </a:prstGeom>
-        </p:spPr>
-      </p:pic>
-      <p:sp>
-        <p:nvSpPr>
-          <p:cNvPr id="5" name="직사각형 4">
-            <a:extLst>
-              <a:ext uri="{FF2B5EF4-FFF2-40B4-BE49-F238E27FC236}">
-                <a16:creationId xmlns:a16="http://schemas.microsoft.com/office/drawing/2014/main" id="{D033EB51-A400-4147-9F3F-00C63B2422F7}"/>
-              </a:ext>
-            </a:extLst>
-          </p:cNvPr>
-          <p:cNvSpPr/>
-          <p:nvPr/>
-        </p:nvSpPr>
-        <p:spPr>
-          <a:xfrm>
-            <a:off x="3852549" y="1218891"/>
-            <a:ext cx="4486901" cy="4374498"/>
-          </a:xfrm>
-          <a:prstGeom prst="rect">
-            <a:avLst/>
-          </a:prstGeom>
-          <a:noFill/>
-          <a:ln w="57150"/>
-        </p:spPr>
-        <p:style>
-          <a:lnRef idx="2">
-            <a:schemeClr val="accent1">
-              <a:shade val="50000"/>
-            </a:schemeClr>
-          </a:lnRef>
-          <a:fillRef idx="1">
-            <a:schemeClr val="accent1"/>
-          </a:fillRef>
-          <a:effectRef idx="0">
-            <a:schemeClr val="accent1"/>
-          </a:effectRef>
-          <a:fontRef idx="minor">
-            <a:schemeClr val="lt1"/>
-          </a:fontRef>
-        </p:style>
-        <p:txBody>
-          <a:bodyPr rtlCol="0" anchor="ctr"/>
-          <a:lstStyle/>
-          <a:p>
-            <a:pPr algn="ctr"/>
-            <a:endParaRPr lang="ko-KR" altLang="en-US"/>
-          </a:p>
-        </p:txBody>
-      </p:sp>
-      <p:sp>
-        <p:nvSpPr>
-          <p:cNvPr id="6" name="TextBox 5">
-            <a:extLst>
-              <a:ext uri="{FF2B5EF4-FFF2-40B4-BE49-F238E27FC236}">
-                <a16:creationId xmlns:a16="http://schemas.microsoft.com/office/drawing/2014/main" id="{B1D1BADA-A6CA-450C-9BFE-2676382FD449}"/>
-              </a:ext>
-            </a:extLst>
-          </p:cNvPr>
-          <p:cNvSpPr txBox="1"/>
-          <p:nvPr/>
-        </p:nvSpPr>
-        <p:spPr>
-          <a:xfrm>
-            <a:off x="5532120" y="5453241"/>
-            <a:ext cx="1085554" cy="584775"/>
-          </a:xfrm>
-          <a:prstGeom prst="rect">
-            <a:avLst/>
-          </a:prstGeom>
-          <a:noFill/>
-        </p:spPr>
-        <p:txBody>
-          <a:bodyPr wrap="none" rtlCol="0">
-            <a:spAutoFit/>
-          </a:bodyPr>
-          <a:lstStyle/>
-          <a:p>
-            <a:r>
-              <a:rPr lang="en-US" altLang="ko-KR" sz="3200" dirty="0"/>
-              <a:t>Click!</a:t>
-            </a:r>
-            <a:endParaRPr lang="ko-KR" altLang="en-US" sz="3200" dirty="0"/>
-          </a:p>
-        </p:txBody>
-      </p:sp>
-      <p:pic>
-        <p:nvPicPr>
-          <p:cNvPr id="8" name="그림 7">
-            <a:extLst>
-              <a:ext uri="{FF2B5EF4-FFF2-40B4-BE49-F238E27FC236}">
-                <a16:creationId xmlns:a16="http://schemas.microsoft.com/office/drawing/2014/main" id="{2B4E9B7A-0385-4989-A113-C3FC3E9E80CC}"/>
-              </a:ext>
-            </a:extLst>
-          </p:cNvPr>
-          <p:cNvPicPr>
-            <a:picLocks noChangeAspect="1"/>
-          </p:cNvPicPr>
-          <p:nvPr/>
-        </p:nvPicPr>
-        <p:blipFill>
-          <a:blip r:embed="rId4">
-            <a:extLst>
-              <a:ext uri="{28A0092B-C50C-407E-A947-70E740481C1C}">
-                <a14:useLocalDpi xmlns:a14="http://schemas.microsoft.com/office/drawing/2010/main" val="0"/>
-              </a:ext>
-            </a:extLst>
-          </a:blip>
-          <a:stretch>
-            <a:fillRect/>
-          </a:stretch>
-        </p:blipFill>
-        <p:spPr>
-          <a:xfrm>
-            <a:off x="2640814" y="1169811"/>
-            <a:ext cx="7524266" cy="4902011"/>
-          </a:xfrm>
-          <a:prstGeom prst="rect">
-            <a:avLst/>
-          </a:prstGeom>
-        </p:spPr>
-      </p:pic>
-    </p:spTree>
-    <p:extLst>
-      <p:ext uri="{BB962C8B-B14F-4D97-AF65-F5344CB8AC3E}">
-        <p14:creationId xmlns:p14="http://schemas.microsoft.com/office/powerpoint/2010/main" val="1226691036"/>
-      </p:ext>
-    </p:extLst>
-  </p:cSld>
-  <p:clrMapOvr>
-    <a:masterClrMapping/>
-  </p:clrMapOvr>
-  <p:timing>
-    <p:tnLst>
-      <p:par>
-        <p:cTn id="1" dur="indefinite" restart="never" nodeType="tmRoot">
-          <p:childTnLst>
-            <p:seq concurrent="1" nextAc="seek">
-              <p:cTn id="2" dur="indefinite" nodeType="mainSeq">
-                <p:childTnLst>
-                  <p:par>
-                    <p:cTn id="3" fill="hold">
-                      <p:stCondLst>
-                        <p:cond delay="indefinite"/>
-                      </p:stCondLst>
-                      <p:childTnLst>
-                        <p:par>
-                          <p:cTn id="4" fill="hold">
-                            <p:stCondLst>
-                              <p:cond delay="0"/>
-                            </p:stCondLst>
-                            <p:childTnLst>
-                              <p:par>
-                                <p:cTn id="5" presetID="1" presetClass="entr" presetSubtype="0" fill="hold" grpId="0" nodeType="clickEffect">
-                                  <p:stCondLst>
-                                    <p:cond delay="0"/>
-                                  </p:stCondLst>
-                                  <p:childTnLst>
-                                    <p:set>
-                                      <p:cBhvr>
-                                        <p:cTn id="6" dur="1" fill="hold">
-                                          <p:stCondLst>
-                                            <p:cond delay="0"/>
-                                          </p:stCondLst>
-                                        </p:cTn>
-                                        <p:tgtEl>
-                                          <p:spTgt spid="5"/>
-                                        </p:tgtEl>
-                                        <p:attrNameLst>
-                                          <p:attrName>style.visibility</p:attrName>
-                                        </p:attrNameLst>
-                                      </p:cBhvr>
-                                      <p:to>
-                                        <p:strVal val="visible"/>
-                                      </p:to>
-                                    </p:set>
-                                  </p:childTnLst>
-                                </p:cTn>
-                              </p:par>
-                              <p:par>
-                                <p:cTn id="7" presetID="1" presetClass="entr" presetSubtype="0" fill="hold" grpId="0" nodeType="withEffect">
-                                  <p:stCondLst>
-                                    <p:cond delay="0"/>
-                                  </p:stCondLst>
-                                  <p:childTnLst>
-                                    <p:set>
-                                      <p:cBhvr>
-                                        <p:cTn id="8" dur="1" fill="hold">
-                                          <p:stCondLst>
-                                            <p:cond delay="0"/>
-                                          </p:stCondLst>
-                                        </p:cTn>
-                                        <p:tgtEl>
-                                          <p:spTgt spid="6"/>
-                                        </p:tgtEl>
-                                        <p:attrNameLst>
-                                          <p:attrName>style.visibility</p:attrName>
-                                        </p:attrNameLst>
-                                      </p:cBhvr>
-                                      <p:to>
-                                        <p:strVal val="visible"/>
-                                      </p:to>
-                                    </p:set>
-                                  </p:childTnLst>
-                                </p:cTn>
-                              </p:par>
-                            </p:childTnLst>
-                          </p:cTn>
-                        </p:par>
-                      </p:childTnLst>
-                    </p:cTn>
-                  </p:par>
-                  <p:par>
-                    <p:cTn id="9" fill="hold">
-                      <p:stCondLst>
-                        <p:cond delay="indefinite"/>
-                      </p:stCondLst>
-                      <p:childTnLst>
-                        <p:par>
-                          <p:cTn id="10" fill="hold">
-                            <p:stCondLst>
-                              <p:cond delay="0"/>
-                            </p:stCondLst>
-                            <p:childTnLst>
-                              <p:par>
-                                <p:cTn id="11" presetID="10" presetClass="entr" presetSubtype="0" fill="hold" nodeType="clickEffect">
-                                  <p:stCondLst>
-                                    <p:cond delay="0"/>
-                                  </p:stCondLst>
-                                  <p:childTnLst>
-                                    <p:set>
-                                      <p:cBhvr>
-                                        <p:cTn id="12" dur="1" fill="hold">
-                                          <p:stCondLst>
-                                            <p:cond delay="0"/>
-                                          </p:stCondLst>
-                                        </p:cTn>
-                                        <p:tgtEl>
-                                          <p:spTgt spid="8"/>
-                                        </p:tgtEl>
-                                        <p:attrNameLst>
-                                          <p:attrName>style.visibility</p:attrName>
-                                        </p:attrNameLst>
-                                      </p:cBhvr>
-                                      <p:to>
-                                        <p:strVal val="visible"/>
-                                      </p:to>
-                                    </p:set>
-                                    <p:animEffect transition="in" filter="fade">
-                                      <p:cBhvr>
-                                        <p:cTn id="13" dur="500"/>
-                                        <p:tgtEl>
-                                          <p:spTgt spid="8"/>
-                                        </p:tgtEl>
-                                      </p:cBhvr>
-                                    </p:animEffect>
-                                  </p:childTnLst>
-                                </p:cTn>
-                              </p:par>
-                            </p:childTnLst>
-                          </p:cTn>
-                        </p:par>
-                      </p:childTnLst>
-                    </p:cTn>
-                  </p:par>
-                </p:childTnLst>
-              </p:cTn>
-              <p:prevCondLst>
-                <p:cond evt="onPrev" delay="0">
-                  <p:tgtEl>
-                    <p:sldTgt/>
-                  </p:tgtEl>
-                </p:cond>
-              </p:prevCondLst>
-              <p:nextCondLst>
-                <p:cond evt="onNext" delay="0">
-                  <p:tgtEl>
-                    <p:sldTgt/>
-                  </p:tgtEl>
-                </p:cond>
-              </p:nextCondLst>
-            </p:seq>
-          </p:childTnLst>
-        </p:cTn>
-      </p:par>
-    </p:tnLst>
-    <p:bldLst>
-      <p:bldP spid="5" grpId="0" animBg="1"/>
-      <p:bldP spid="6" grpId="0"/>
-    </p:bldLst>
-  </p:timing>
 </p:sld>
 </file>
 
